--- a/Documents/4.제작보고서/제작보고서 자료.pptx
+++ b/Documents/4.제작보고서/제작보고서 자료.pptx
@@ -7015,10 +7015,10 @@
       </p:sp>
       <p:pic>
         <p:nvPicPr>
-          <p:cNvPr id="6" name="그림 5">
-            <a:extLst>
-              <a:ext uri="{FF2B5EF4-FFF2-40B4-BE49-F238E27FC236}">
-                <a16:creationId xmlns:a16="http://schemas.microsoft.com/office/drawing/2014/main" id="{654C20C1-9510-4897-A6D8-3EC85CF0935F}"/>
+          <p:cNvPr id="9" name="그림 8">
+            <a:extLst>
+              <a:ext uri="{FF2B5EF4-FFF2-40B4-BE49-F238E27FC236}">
+                <a16:creationId xmlns:a16="http://schemas.microsoft.com/office/drawing/2014/main" id="{5898C443-DD10-440C-BD45-396276A1B161}"/>
               </a:ext>
             </a:extLst>
           </p:cNvPr>
@@ -7035,8 +7035,8 @@
         </p:blipFill>
         <p:spPr>
           <a:xfrm>
-            <a:off x="1965194" y="796723"/>
-            <a:ext cx="8261612" cy="5507741"/>
+            <a:off x="3366706" y="1334986"/>
+            <a:ext cx="5458587" cy="4048690"/>
           </a:xfrm>
           <a:prstGeom prst="rect">
             <a:avLst/>
@@ -7130,7 +7130,7 @@
         </p:nvSpPr>
         <p:spPr>
           <a:xfrm>
-            <a:off x="5152571" y="2032000"/>
+            <a:off x="4333965" y="2564563"/>
             <a:ext cx="3927678" cy="646331"/>
           </a:xfrm>
           <a:prstGeom prst="rect">
@@ -7247,6 +7247,36 @@
           </a:p>
         </p:txBody>
       </p:sp>
+      <p:pic>
+        <p:nvPicPr>
+          <p:cNvPr id="3" name="그림 2">
+            <a:extLst>
+              <a:ext uri="{FF2B5EF4-FFF2-40B4-BE49-F238E27FC236}">
+                <a16:creationId xmlns:a16="http://schemas.microsoft.com/office/drawing/2014/main" id="{E137427A-9D71-44F2-A4AE-EF09116CFF84}"/>
+              </a:ext>
+            </a:extLst>
+          </p:cNvPr>
+          <p:cNvPicPr>
+            <a:picLocks noChangeAspect="1"/>
+          </p:cNvPicPr>
+          <p:nvPr/>
+        </p:nvPicPr>
+        <p:blipFill>
+          <a:blip r:embed="rId2"/>
+          <a:stretch>
+            <a:fillRect/>
+          </a:stretch>
+        </p:blipFill>
+        <p:spPr>
+          <a:xfrm>
+            <a:off x="591756" y="1323702"/>
+            <a:ext cx="4929809" cy="5203371"/>
+          </a:xfrm>
+          <a:prstGeom prst="rect">
+            <a:avLst/>
+          </a:prstGeom>
+        </p:spPr>
+      </p:pic>
     </p:spTree>
     <p:extLst>
       <p:ext uri="{BB962C8B-B14F-4D97-AF65-F5344CB8AC3E}">

--- a/Documents/4.제작보고서/제작보고서 자료.pptx
+++ b/Documents/4.제작보고서/제작보고서 자료.pptx
@@ -31,29 +31,36 @@
     <p:sldId id="271" r:id="rId25"/>
     <p:sldId id="272" r:id="rId26"/>
     <p:sldId id="273" r:id="rId27"/>
-    <p:sldId id="274" r:id="rId28"/>
-    <p:sldId id="275" r:id="rId29"/>
-    <p:sldId id="276" r:id="rId30"/>
-    <p:sldId id="277" r:id="rId31"/>
-    <p:sldId id="278" r:id="rId32"/>
-    <p:sldId id="279" r:id="rId33"/>
-    <p:sldId id="280" r:id="rId34"/>
-    <p:sldId id="281" r:id="rId35"/>
-    <p:sldId id="282" r:id="rId36"/>
-    <p:sldId id="283" r:id="rId37"/>
-    <p:sldId id="290" r:id="rId38"/>
-    <p:sldId id="291" r:id="rId39"/>
-    <p:sldId id="292" r:id="rId40"/>
-    <p:sldId id="295" r:id="rId41"/>
-    <p:sldId id="293" r:id="rId42"/>
-    <p:sldId id="296" r:id="rId43"/>
-    <p:sldId id="297" r:id="rId44"/>
-    <p:sldId id="299" r:id="rId45"/>
-    <p:sldId id="300" r:id="rId46"/>
-    <p:sldId id="284" r:id="rId47"/>
-    <p:sldId id="285" r:id="rId48"/>
-    <p:sldId id="286" r:id="rId49"/>
-    <p:sldId id="288" r:id="rId50"/>
+    <p:sldId id="312" r:id="rId28"/>
+    <p:sldId id="313" r:id="rId29"/>
+    <p:sldId id="314" r:id="rId30"/>
+    <p:sldId id="315" r:id="rId31"/>
+    <p:sldId id="316" r:id="rId32"/>
+    <p:sldId id="317" r:id="rId33"/>
+    <p:sldId id="318" r:id="rId34"/>
+    <p:sldId id="274" r:id="rId35"/>
+    <p:sldId id="275" r:id="rId36"/>
+    <p:sldId id="276" r:id="rId37"/>
+    <p:sldId id="277" r:id="rId38"/>
+    <p:sldId id="278" r:id="rId39"/>
+    <p:sldId id="279" r:id="rId40"/>
+    <p:sldId id="280" r:id="rId41"/>
+    <p:sldId id="281" r:id="rId42"/>
+    <p:sldId id="282" r:id="rId43"/>
+    <p:sldId id="283" r:id="rId44"/>
+    <p:sldId id="290" r:id="rId45"/>
+    <p:sldId id="291" r:id="rId46"/>
+    <p:sldId id="292" r:id="rId47"/>
+    <p:sldId id="295" r:id="rId48"/>
+    <p:sldId id="293" r:id="rId49"/>
+    <p:sldId id="296" r:id="rId50"/>
+    <p:sldId id="297" r:id="rId51"/>
+    <p:sldId id="299" r:id="rId52"/>
+    <p:sldId id="300" r:id="rId53"/>
+    <p:sldId id="284" r:id="rId54"/>
+    <p:sldId id="285" r:id="rId55"/>
+    <p:sldId id="286" r:id="rId56"/>
+    <p:sldId id="288" r:id="rId57"/>
   </p:sldIdLst>
   <p:sldSz cx="12192000" cy="6858000"/>
   <p:notesSz cx="6858000" cy="9144000"/>
@@ -6940,6 +6947,65 @@
           </a:p>
         </p:txBody>
       </p:sp>
+      <p:sp>
+        <p:nvSpPr>
+          <p:cNvPr id="2" name="TextBox 1">
+            <a:extLst>
+              <a:ext uri="{FF2B5EF4-FFF2-40B4-BE49-F238E27FC236}">
+                <a16:creationId xmlns:a16="http://schemas.microsoft.com/office/drawing/2014/main" id="{14A0CC11-E47D-458F-AD5F-96B32ED0B936}"/>
+              </a:ext>
+            </a:extLst>
+          </p:cNvPr>
+          <p:cNvSpPr txBox="1"/>
+          <p:nvPr/>
+        </p:nvSpPr>
+        <p:spPr>
+          <a:xfrm>
+            <a:off x="4244829" y="2642532"/>
+            <a:ext cx="3282950" cy="646331"/>
+          </a:xfrm>
+          <a:prstGeom prst="rect">
+            <a:avLst/>
+          </a:prstGeom>
+          <a:noFill/>
+        </p:spPr>
+        <p:txBody>
+          <a:bodyPr wrap="none" rtlCol="0">
+            <a:spAutoFit/>
+          </a:bodyPr>
+          <a:lstStyle/>
+          <a:p>
+            <a:r>
+              <a:rPr lang="en-US" altLang="ko-KR" dirty="0" err="1"/>
+              <a:t>CocktailFragment</a:t>
+            </a:r>
+            <a:r>
+              <a:rPr lang="en-US" altLang="ko-KR" dirty="0"/>
+              <a:t> UI : </a:t>
+            </a:r>
+            <a:r>
+              <a:rPr lang="ko-KR" altLang="en-US" dirty="0" err="1"/>
+              <a:t>위진영</a:t>
+            </a:r>
+            <a:endParaRPr lang="en-US" altLang="ko-KR" dirty="0"/>
+          </a:p>
+          <a:p>
+            <a:r>
+              <a:rPr lang="en-US" altLang="ko-KR" dirty="0" err="1"/>
+              <a:t>ListActivity</a:t>
+            </a:r>
+            <a:r>
+              <a:rPr lang="en-US" altLang="ko-KR" dirty="0"/>
+              <a:t> : </a:t>
+            </a:r>
+            <a:r>
+              <a:rPr lang="ko-KR" altLang="en-US" dirty="0"/>
+              <a:t>김병대</a:t>
+            </a:r>
+            <a:endParaRPr lang="en-US" altLang="ko-KR" dirty="0"/>
+          </a:p>
+        </p:txBody>
+      </p:sp>
     </p:spTree>
     <p:extLst>
       <p:ext uri="{BB962C8B-B14F-4D97-AF65-F5344CB8AC3E}">
@@ -7116,64 +7182,66 @@
           </a:p>
         </p:txBody>
       </p:sp>
-      <p:sp>
-        <p:nvSpPr>
-          <p:cNvPr id="2" name="TextBox 1">
-            <a:extLst>
-              <a:ext uri="{FF2B5EF4-FFF2-40B4-BE49-F238E27FC236}">
-                <a16:creationId xmlns:a16="http://schemas.microsoft.com/office/drawing/2014/main" id="{6DC3626D-BBEC-4E03-AA49-D7385D7CCD34}"/>
-              </a:ext>
-            </a:extLst>
-          </p:cNvPr>
-          <p:cNvSpPr txBox="1"/>
-          <p:nvPr/>
-        </p:nvSpPr>
-        <p:spPr>
-          <a:xfrm>
-            <a:off x="4333965" y="2564563"/>
-            <a:ext cx="3927678" cy="646331"/>
-          </a:xfrm>
-          <a:prstGeom prst="rect">
-            <a:avLst/>
-          </a:prstGeom>
-          <a:noFill/>
-        </p:spPr>
-        <p:txBody>
-          <a:bodyPr wrap="none" rtlCol="0">
-            <a:spAutoFit/>
-          </a:bodyPr>
-          <a:lstStyle/>
-          <a:p>
-            <a:r>
-              <a:rPr lang="ko-KR" altLang="en-US" dirty="0"/>
-              <a:t>다이어그램은</a:t>
-            </a:r>
-            <a:endParaRPr lang="en-US" altLang="ko-KR" dirty="0"/>
-          </a:p>
-          <a:p>
-            <a:r>
-              <a:rPr lang="ko-KR" altLang="en-US" dirty="0"/>
-              <a:t>칵테일 재료</a:t>
-            </a:r>
-            <a:r>
-              <a:rPr lang="en-US" altLang="ko-KR" dirty="0"/>
-              <a:t>, </a:t>
-            </a:r>
-            <a:r>
-              <a:rPr lang="ko-KR" altLang="en-US" dirty="0"/>
-              <a:t>장비</a:t>
-            </a:r>
-            <a:r>
-              <a:rPr lang="en-US" altLang="ko-KR" dirty="0"/>
-              <a:t>, </a:t>
-            </a:r>
-            <a:r>
-              <a:rPr lang="ko-KR" altLang="en-US" dirty="0"/>
-              <a:t>기본상식 개발 후</a:t>
-            </a:r>
-          </a:p>
-        </p:txBody>
-      </p:sp>
+      <p:pic>
+        <p:nvPicPr>
+          <p:cNvPr id="4" name="그림 3">
+            <a:extLst>
+              <a:ext uri="{FF2B5EF4-FFF2-40B4-BE49-F238E27FC236}">
+                <a16:creationId xmlns:a16="http://schemas.microsoft.com/office/drawing/2014/main" id="{A0A13719-230C-4ED3-9237-4A76CA4C96D8}"/>
+              </a:ext>
+            </a:extLst>
+          </p:cNvPr>
+          <p:cNvPicPr>
+            <a:picLocks noChangeAspect="1"/>
+          </p:cNvPicPr>
+          <p:nvPr/>
+        </p:nvPicPr>
+        <p:blipFill>
+          <a:blip r:embed="rId2"/>
+          <a:stretch>
+            <a:fillRect/>
+          </a:stretch>
+        </p:blipFill>
+        <p:spPr>
+          <a:xfrm>
+            <a:off x="2052900" y="1814927"/>
+            <a:ext cx="1781424" cy="3429479"/>
+          </a:xfrm>
+          <a:prstGeom prst="rect">
+            <a:avLst/>
+          </a:prstGeom>
+        </p:spPr>
+      </p:pic>
+      <p:pic>
+        <p:nvPicPr>
+          <p:cNvPr id="7" name="그림 6">
+            <a:extLst>
+              <a:ext uri="{FF2B5EF4-FFF2-40B4-BE49-F238E27FC236}">
+                <a16:creationId xmlns:a16="http://schemas.microsoft.com/office/drawing/2014/main" id="{7F2AF27B-5B6F-4F10-ACCC-EE71A4AD0786}"/>
+              </a:ext>
+            </a:extLst>
+          </p:cNvPr>
+          <p:cNvPicPr>
+            <a:picLocks noChangeAspect="1"/>
+          </p:cNvPicPr>
+          <p:nvPr/>
+        </p:nvPicPr>
+        <p:blipFill>
+          <a:blip r:embed="rId3"/>
+          <a:stretch>
+            <a:fillRect/>
+          </a:stretch>
+        </p:blipFill>
+        <p:spPr>
+          <a:xfrm>
+            <a:off x="4932857" y="658536"/>
+            <a:ext cx="4315531" cy="5540928"/>
+          </a:xfrm>
+          <a:prstGeom prst="rect">
+            <a:avLst/>
+          </a:prstGeom>
+        </p:spPr>
+      </p:pic>
     </p:spTree>
     <p:extLst>
       <p:ext uri="{BB962C8B-B14F-4D97-AF65-F5344CB8AC3E}">
@@ -7269,14 +7337,150 @@
         </p:blipFill>
         <p:spPr>
           <a:xfrm>
-            <a:off x="591756" y="1323702"/>
-            <a:ext cx="4929809" cy="5203371"/>
-          </a:xfrm>
-          <a:prstGeom prst="rect">
-            <a:avLst/>
-          </a:prstGeom>
+            <a:off x="602512" y="1036741"/>
+            <a:ext cx="4764794" cy="5029199"/>
+          </a:xfrm>
+          <a:prstGeom prst="rect">
+            <a:avLst/>
+          </a:prstGeom>
+          <a:ln>
+            <a:solidFill>
+              <a:schemeClr val="tx1"/>
+            </a:solidFill>
+          </a:ln>
         </p:spPr>
       </p:pic>
+      <p:pic>
+        <p:nvPicPr>
+          <p:cNvPr id="6" name="그림 5">
+            <a:extLst>
+              <a:ext uri="{FF2B5EF4-FFF2-40B4-BE49-F238E27FC236}">
+                <a16:creationId xmlns:a16="http://schemas.microsoft.com/office/drawing/2014/main" id="{3F9E802F-957A-4736-ADA0-F8C08BF1DC46}"/>
+              </a:ext>
+            </a:extLst>
+          </p:cNvPr>
+          <p:cNvPicPr>
+            <a:picLocks noChangeAspect="1"/>
+          </p:cNvPicPr>
+          <p:nvPr/>
+        </p:nvPicPr>
+        <p:blipFill>
+          <a:blip r:embed="rId3"/>
+          <a:stretch>
+            <a:fillRect/>
+          </a:stretch>
+        </p:blipFill>
+        <p:spPr>
+          <a:xfrm>
+            <a:off x="6514700" y="1082179"/>
+            <a:ext cx="4605115" cy="5029199"/>
+          </a:xfrm>
+          <a:prstGeom prst="rect">
+            <a:avLst/>
+          </a:prstGeom>
+          <a:ln>
+            <a:solidFill>
+              <a:schemeClr val="tx1"/>
+            </a:solidFill>
+          </a:ln>
+        </p:spPr>
+      </p:pic>
+      <p:sp>
+        <p:nvSpPr>
+          <p:cNvPr id="7" name="TextBox 6">
+            <a:extLst>
+              <a:ext uri="{FF2B5EF4-FFF2-40B4-BE49-F238E27FC236}">
+                <a16:creationId xmlns:a16="http://schemas.microsoft.com/office/drawing/2014/main" id="{98F0F095-1ED3-47C4-819F-2362097D00CD}"/>
+              </a:ext>
+            </a:extLst>
+          </p:cNvPr>
+          <p:cNvSpPr txBox="1"/>
+          <p:nvPr/>
+        </p:nvSpPr>
+        <p:spPr>
+          <a:xfrm>
+            <a:off x="7373380" y="6111378"/>
+            <a:ext cx="2518638" cy="369332"/>
+          </a:xfrm>
+          <a:prstGeom prst="rect">
+            <a:avLst/>
+          </a:prstGeom>
+          <a:noFill/>
+        </p:spPr>
+        <p:txBody>
+          <a:bodyPr wrap="none" rtlCol="0">
+            <a:spAutoFit/>
+          </a:bodyPr>
+          <a:lstStyle/>
+          <a:p>
+            <a:r>
+              <a:rPr lang="en-US" altLang="ko-KR" dirty="0" err="1"/>
+              <a:t>ListActivity</a:t>
+            </a:r>
+            <a:r>
+              <a:rPr lang="en-US" altLang="ko-KR" dirty="0"/>
+              <a:t> (</a:t>
+            </a:r>
+            <a:r>
+              <a:rPr lang="ko-KR" altLang="en-US" dirty="0"/>
+              <a:t>목록 화면</a:t>
+            </a:r>
+            <a:r>
+              <a:rPr lang="en-US" altLang="ko-KR" dirty="0"/>
+              <a:t>)</a:t>
+            </a:r>
+            <a:endParaRPr lang="ko-KR" altLang="en-US" dirty="0"/>
+          </a:p>
+        </p:txBody>
+      </p:sp>
+      <p:sp>
+        <p:nvSpPr>
+          <p:cNvPr id="8" name="TextBox 7">
+            <a:extLst>
+              <a:ext uri="{FF2B5EF4-FFF2-40B4-BE49-F238E27FC236}">
+                <a16:creationId xmlns:a16="http://schemas.microsoft.com/office/drawing/2014/main" id="{3B52F578-4C5C-4CF5-A64D-61458F76A2B2}"/>
+              </a:ext>
+            </a:extLst>
+          </p:cNvPr>
+          <p:cNvSpPr txBox="1"/>
+          <p:nvPr/>
+        </p:nvSpPr>
+        <p:spPr>
+          <a:xfrm>
+            <a:off x="779177" y="6111378"/>
+            <a:ext cx="4411464" cy="369332"/>
+          </a:xfrm>
+          <a:prstGeom prst="rect">
+            <a:avLst/>
+          </a:prstGeom>
+          <a:noFill/>
+        </p:spPr>
+        <p:txBody>
+          <a:bodyPr wrap="none" rtlCol="0">
+            <a:spAutoFit/>
+          </a:bodyPr>
+          <a:lstStyle/>
+          <a:p>
+            <a:r>
+              <a:rPr lang="en-US" altLang="ko-KR" dirty="0" err="1"/>
+              <a:t>CocktailInfoFragment</a:t>
+            </a:r>
+            <a:r>
+              <a:rPr lang="en-US" altLang="ko-KR" dirty="0"/>
+              <a:t> (</a:t>
+            </a:r>
+            <a:r>
+              <a:rPr lang="ko-KR" altLang="en-US" dirty="0"/>
+              <a:t>칵테일 정보 화면</a:t>
+            </a:r>
+            <a:r>
+              <a:rPr lang="en-US" altLang="ko-KR" dirty="0"/>
+              <a:t>)</a:t>
+            </a:r>
+            <a:endParaRPr lang="ko-KR" altLang="en-US" dirty="0"/>
+          </a:p>
+        </p:txBody>
+      </p:sp>
     </p:spTree>
     <p:extLst>
       <p:ext uri="{BB962C8B-B14F-4D97-AF65-F5344CB8AC3E}">
@@ -7309,10 +7513,10 @@
       </p:grpSpPr>
       <p:sp>
         <p:nvSpPr>
-          <p:cNvPr id="4" name="TextBox 3">
-            <a:extLst>
-              <a:ext uri="{FF2B5EF4-FFF2-40B4-BE49-F238E27FC236}">
-                <a16:creationId xmlns:a16="http://schemas.microsoft.com/office/drawing/2014/main" id="{A12C0690-42B2-46ED-ABD3-CCF37D7B3259}"/>
+          <p:cNvPr id="9" name="TextBox 8">
+            <a:extLst>
+              <a:ext uri="{FF2B5EF4-FFF2-40B4-BE49-F238E27FC236}">
+                <a16:creationId xmlns:a16="http://schemas.microsoft.com/office/drawing/2014/main" id="{6C515703-5C88-4061-A5DA-65A493F454D4}"/>
               </a:ext>
             </a:extLst>
           </p:cNvPr>
@@ -7321,8 +7525,8 @@
         </p:nvSpPr>
         <p:spPr>
           <a:xfrm>
-            <a:off x="3951827" y="3075057"/>
-            <a:ext cx="4288353" cy="707886"/>
+            <a:off x="187569" y="150392"/>
+            <a:ext cx="1963999" cy="646331"/>
           </a:xfrm>
           <a:prstGeom prst="rect">
             <a:avLst/>
@@ -7335,19 +7539,431 @@
           </a:bodyPr>
           <a:lstStyle/>
           <a:p>
+            <a:r>
+              <a:rPr lang="ko-KR" altLang="en-US" dirty="0"/>
+              <a:t>칵테일정보화면</a:t>
+            </a:r>
+            <a:endParaRPr lang="en-US" altLang="ko-KR" dirty="0"/>
+          </a:p>
+          <a:p>
+            <a:r>
+              <a:rPr lang="ko-KR" altLang="en-US" dirty="0"/>
+              <a:t>제작방법 및 결과</a:t>
+            </a:r>
+            <a:endParaRPr lang="en-US" altLang="ko-KR" dirty="0"/>
+          </a:p>
+        </p:txBody>
+      </p:sp>
+      <p:sp>
+        <p:nvSpPr>
+          <p:cNvPr id="2" name="TextBox 1">
+            <a:extLst>
+              <a:ext uri="{FF2B5EF4-FFF2-40B4-BE49-F238E27FC236}">
+                <a16:creationId xmlns:a16="http://schemas.microsoft.com/office/drawing/2014/main" id="{02901354-4C96-4257-B345-239C90BBB7DE}"/>
+              </a:ext>
+            </a:extLst>
+          </p:cNvPr>
+          <p:cNvSpPr txBox="1"/>
+          <p:nvPr/>
+        </p:nvSpPr>
+        <p:spPr>
+          <a:xfrm>
+            <a:off x="2320812" y="1637180"/>
+            <a:ext cx="2202975" cy="584775"/>
+          </a:xfrm>
+          <a:prstGeom prst="rect">
+            <a:avLst/>
+          </a:prstGeom>
+          <a:noFill/>
+        </p:spPr>
+        <p:txBody>
+          <a:bodyPr wrap="none" rtlCol="0">
+            <a:spAutoFit/>
+          </a:bodyPr>
+          <a:lstStyle/>
+          <a:p>
             <a:pPr algn="ctr"/>
             <a:r>
-              <a:rPr lang="ko-KR" altLang="en-US" sz="4000" dirty="0" err="1"/>
-              <a:t>나만의레시피화면</a:t>
-            </a:r>
-            <a:endParaRPr lang="ko-KR" altLang="en-US" sz="4000" dirty="0"/>
+              <a:rPr lang="en-US" altLang="ko-KR" b="1" dirty="0" err="1"/>
+              <a:t>ArrayList</a:t>
+            </a:r>
+            <a:r>
+              <a:rPr lang="en-US" altLang="ko-KR" b="1" dirty="0"/>
+              <a:t>&lt;Recipe&gt;</a:t>
+            </a:r>
+          </a:p>
+          <a:p>
+            <a:pPr algn="ctr"/>
+            <a:r>
+              <a:rPr lang="ko-KR" altLang="en-US" sz="1400" dirty="0"/>
+              <a:t>레시피들을 저장</a:t>
+            </a:r>
+          </a:p>
+        </p:txBody>
+      </p:sp>
+      <p:sp>
+        <p:nvSpPr>
+          <p:cNvPr id="4" name="TextBox 3">
+            <a:extLst>
+              <a:ext uri="{FF2B5EF4-FFF2-40B4-BE49-F238E27FC236}">
+                <a16:creationId xmlns:a16="http://schemas.microsoft.com/office/drawing/2014/main" id="{62C6387B-9F1D-459D-8517-157424386FE0}"/>
+              </a:ext>
+            </a:extLst>
+          </p:cNvPr>
+          <p:cNvSpPr txBox="1"/>
+          <p:nvPr/>
+        </p:nvSpPr>
+        <p:spPr>
+          <a:xfrm>
+            <a:off x="1723206" y="5111385"/>
+            <a:ext cx="3329886" cy="800219"/>
+          </a:xfrm>
+          <a:prstGeom prst="rect">
+            <a:avLst/>
+          </a:prstGeom>
+          <a:noFill/>
+        </p:spPr>
+        <p:txBody>
+          <a:bodyPr wrap="none" rtlCol="0">
+            <a:spAutoFit/>
+          </a:bodyPr>
+          <a:lstStyle/>
+          <a:p>
+            <a:pPr algn="ctr"/>
+            <a:r>
+              <a:rPr lang="en-US" altLang="ko-KR" b="1" dirty="0" err="1"/>
+              <a:t>RecyclerView</a:t>
+            </a:r>
+            <a:endParaRPr lang="en-US" altLang="ko-KR" b="1" dirty="0"/>
+          </a:p>
+          <a:p>
+            <a:pPr algn="ctr"/>
+            <a:r>
+              <a:rPr lang="en-US" altLang="ko-KR" sz="1400" dirty="0"/>
+              <a:t>Adapter</a:t>
+            </a:r>
+            <a:r>
+              <a:rPr lang="ko-KR" altLang="en-US" sz="1400" dirty="0"/>
+              <a:t>로부터 제공받은 </a:t>
+            </a:r>
+            <a:r>
+              <a:rPr lang="en-US" altLang="ko-KR" sz="1400" dirty="0" err="1"/>
+              <a:t>ViewHolder</a:t>
+            </a:r>
+            <a:r>
+              <a:rPr lang="ko-KR" altLang="en-US" sz="1400" dirty="0"/>
+              <a:t>를</a:t>
+            </a:r>
+            <a:endParaRPr lang="en-US" altLang="ko-KR" sz="1400" dirty="0"/>
+          </a:p>
+          <a:p>
+            <a:pPr algn="ctr"/>
+            <a:r>
+              <a:rPr lang="ko-KR" altLang="en-US" sz="1400" dirty="0"/>
+              <a:t>화면상에 </a:t>
+            </a:r>
+            <a:r>
+              <a:rPr lang="en-US" altLang="ko-KR" sz="1400" dirty="0" err="1"/>
+              <a:t>ScrollView</a:t>
+            </a:r>
+            <a:r>
+              <a:rPr lang="ko-KR" altLang="en-US" sz="1400" dirty="0"/>
+              <a:t>처럼 출력</a:t>
+            </a:r>
+          </a:p>
+        </p:txBody>
+      </p:sp>
+      <p:sp>
+        <p:nvSpPr>
+          <p:cNvPr id="5" name="TextBox 4">
+            <a:extLst>
+              <a:ext uri="{FF2B5EF4-FFF2-40B4-BE49-F238E27FC236}">
+                <a16:creationId xmlns:a16="http://schemas.microsoft.com/office/drawing/2014/main" id="{27457DCB-1FED-45D2-8399-9F5315E02868}"/>
+              </a:ext>
+            </a:extLst>
+          </p:cNvPr>
+          <p:cNvSpPr txBox="1"/>
+          <p:nvPr/>
+        </p:nvSpPr>
+        <p:spPr>
+          <a:xfrm>
+            <a:off x="1287982" y="3200752"/>
+            <a:ext cx="4238660" cy="800219"/>
+          </a:xfrm>
+          <a:prstGeom prst="rect">
+            <a:avLst/>
+          </a:prstGeom>
+          <a:noFill/>
+        </p:spPr>
+        <p:txBody>
+          <a:bodyPr wrap="none" rtlCol="0">
+            <a:spAutoFit/>
+          </a:bodyPr>
+          <a:lstStyle/>
+          <a:p>
+            <a:pPr algn="ctr"/>
+            <a:r>
+              <a:rPr lang="en-US" altLang="ko-KR" b="1" dirty="0"/>
+              <a:t>Adapter</a:t>
+            </a:r>
+          </a:p>
+          <a:p>
+            <a:pPr algn="ctr"/>
+            <a:r>
+              <a:rPr lang="ko-KR" altLang="en-US" sz="1400" dirty="0"/>
+              <a:t>연결된 리스트를 </a:t>
+            </a:r>
+            <a:r>
+              <a:rPr lang="en-US" altLang="ko-KR" sz="1400" dirty="0" err="1"/>
+              <a:t>RecyclerView</a:t>
+            </a:r>
+            <a:r>
+              <a:rPr lang="ko-KR" altLang="en-US" sz="1400" dirty="0"/>
+              <a:t>에 표현할 수 있도록</a:t>
+            </a:r>
+            <a:endParaRPr lang="en-US" altLang="ko-KR" sz="1400" dirty="0"/>
+          </a:p>
+          <a:p>
+            <a:pPr algn="ctr"/>
+            <a:r>
+              <a:rPr lang="en-US" altLang="ko-KR" sz="1400" dirty="0" err="1"/>
+              <a:t>ViewHolder</a:t>
+            </a:r>
+            <a:r>
+              <a:rPr lang="ko-KR" altLang="en-US" sz="1400" dirty="0"/>
+              <a:t>형태로 가공</a:t>
+            </a:r>
+          </a:p>
+        </p:txBody>
+      </p:sp>
+      <p:cxnSp>
+        <p:nvCxnSpPr>
+          <p:cNvPr id="12" name="직선 화살표 연결선 11">
+            <a:extLst>
+              <a:ext uri="{FF2B5EF4-FFF2-40B4-BE49-F238E27FC236}">
+                <a16:creationId xmlns:a16="http://schemas.microsoft.com/office/drawing/2014/main" id="{A955B213-ADEF-42B4-9C6E-859FE3D269B7}"/>
+              </a:ext>
+            </a:extLst>
+          </p:cNvPr>
+          <p:cNvCxnSpPr/>
+          <p:nvPr/>
+        </p:nvCxnSpPr>
+        <p:spPr>
+          <a:xfrm>
+            <a:off x="3388144" y="4197644"/>
+            <a:ext cx="1" cy="471329"/>
+          </a:xfrm>
+          <a:prstGeom prst="straightConnector1">
+            <a:avLst/>
+          </a:prstGeom>
+          <a:ln>
+            <a:solidFill>
+              <a:schemeClr val="tx1"/>
+            </a:solidFill>
+            <a:tailEnd type="triangle"/>
+          </a:ln>
+        </p:spPr>
+        <p:style>
+          <a:lnRef idx="1">
+            <a:schemeClr val="accent1"/>
+          </a:lnRef>
+          <a:fillRef idx="0">
+            <a:schemeClr val="accent1"/>
+          </a:fillRef>
+          <a:effectRef idx="0">
+            <a:schemeClr val="accent1"/>
+          </a:effectRef>
+          <a:fontRef idx="minor">
+            <a:schemeClr val="tx1"/>
+          </a:fontRef>
+        </p:style>
+      </p:cxnSp>
+      <p:pic>
+        <p:nvPicPr>
+          <p:cNvPr id="15" name="그림 14">
+            <a:extLst>
+              <a:ext uri="{FF2B5EF4-FFF2-40B4-BE49-F238E27FC236}">
+                <a16:creationId xmlns:a16="http://schemas.microsoft.com/office/drawing/2014/main" id="{EECC0FCE-540A-4381-AEFF-62746C81D66F}"/>
+              </a:ext>
+            </a:extLst>
+          </p:cNvPr>
+          <p:cNvPicPr>
+            <a:picLocks noChangeAspect="1"/>
+          </p:cNvPicPr>
+          <p:nvPr/>
+        </p:nvPicPr>
+        <p:blipFill>
+          <a:blip r:embed="rId2"/>
+          <a:stretch>
+            <a:fillRect/>
+          </a:stretch>
+        </p:blipFill>
+        <p:spPr>
+          <a:xfrm>
+            <a:off x="1368562" y="1286845"/>
+            <a:ext cx="4039164" cy="295316"/>
+          </a:xfrm>
+          <a:prstGeom prst="rect">
+            <a:avLst/>
+          </a:prstGeom>
+        </p:spPr>
+      </p:pic>
+      <p:pic>
+        <p:nvPicPr>
+          <p:cNvPr id="17" name="그림 16">
+            <a:extLst>
+              <a:ext uri="{FF2B5EF4-FFF2-40B4-BE49-F238E27FC236}">
+                <a16:creationId xmlns:a16="http://schemas.microsoft.com/office/drawing/2014/main" id="{115603F2-E3F9-4208-B4A0-DA6230809A0C}"/>
+              </a:ext>
+            </a:extLst>
+          </p:cNvPr>
+          <p:cNvPicPr>
+            <a:picLocks noChangeAspect="1"/>
+          </p:cNvPicPr>
+          <p:nvPr/>
+        </p:nvPicPr>
+        <p:blipFill>
+          <a:blip r:embed="rId3"/>
+          <a:stretch>
+            <a:fillRect/>
+          </a:stretch>
+        </p:blipFill>
+        <p:spPr>
+          <a:xfrm>
+            <a:off x="326242" y="2790903"/>
+            <a:ext cx="6192114" cy="285790"/>
+          </a:xfrm>
+          <a:prstGeom prst="rect">
+            <a:avLst/>
+          </a:prstGeom>
+        </p:spPr>
+      </p:pic>
+      <p:cxnSp>
+        <p:nvCxnSpPr>
+          <p:cNvPr id="19" name="직선 화살표 연결선 18">
+            <a:extLst>
+              <a:ext uri="{FF2B5EF4-FFF2-40B4-BE49-F238E27FC236}">
+                <a16:creationId xmlns:a16="http://schemas.microsoft.com/office/drawing/2014/main" id="{94D037ED-C941-41A8-AE56-78C3EBA70E41}"/>
+              </a:ext>
+            </a:extLst>
+          </p:cNvPr>
+          <p:cNvCxnSpPr>
+            <a:cxnSpLocks/>
+            <a:stCxn id="2" idx="2"/>
+          </p:cNvCxnSpPr>
+          <p:nvPr/>
+        </p:nvCxnSpPr>
+        <p:spPr>
+          <a:xfrm>
+            <a:off x="3422300" y="2221955"/>
+            <a:ext cx="0" cy="486139"/>
+          </a:xfrm>
+          <a:prstGeom prst="straightConnector1">
+            <a:avLst/>
+          </a:prstGeom>
+          <a:ln>
+            <a:solidFill>
+              <a:schemeClr val="tx1"/>
+            </a:solidFill>
+            <a:tailEnd type="triangle"/>
+          </a:ln>
+        </p:spPr>
+        <p:style>
+          <a:lnRef idx="1">
+            <a:schemeClr val="accent1"/>
+          </a:lnRef>
+          <a:fillRef idx="0">
+            <a:schemeClr val="accent1"/>
+          </a:fillRef>
+          <a:effectRef idx="0">
+            <a:schemeClr val="accent1"/>
+          </a:effectRef>
+          <a:fontRef idx="minor">
+            <a:schemeClr val="tx1"/>
+          </a:fontRef>
+        </p:style>
+      </p:cxnSp>
+      <p:pic>
+        <p:nvPicPr>
+          <p:cNvPr id="22" name="그림 21">
+            <a:extLst>
+              <a:ext uri="{FF2B5EF4-FFF2-40B4-BE49-F238E27FC236}">
+                <a16:creationId xmlns:a16="http://schemas.microsoft.com/office/drawing/2014/main" id="{926E17C6-1F2C-4516-91F9-926472EFFA06}"/>
+              </a:ext>
+            </a:extLst>
+          </p:cNvPr>
+          <p:cNvPicPr>
+            <a:picLocks noChangeAspect="1"/>
+          </p:cNvPicPr>
+          <p:nvPr/>
+        </p:nvPicPr>
+        <p:blipFill>
+          <a:blip r:embed="rId4"/>
+          <a:stretch>
+            <a:fillRect/>
+          </a:stretch>
+        </p:blipFill>
+        <p:spPr>
+          <a:xfrm>
+            <a:off x="1544636" y="4802425"/>
+            <a:ext cx="3982006" cy="295316"/>
+          </a:xfrm>
+          <a:prstGeom prst="rect">
+            <a:avLst/>
+          </a:prstGeom>
+        </p:spPr>
+      </p:pic>
+      <p:sp>
+        <p:nvSpPr>
+          <p:cNvPr id="24" name="TextBox 23">
+            <a:extLst>
+              <a:ext uri="{FF2B5EF4-FFF2-40B4-BE49-F238E27FC236}">
+                <a16:creationId xmlns:a16="http://schemas.microsoft.com/office/drawing/2014/main" id="{3F9CC248-2447-4077-A089-93B50D0907A0}"/>
+              </a:ext>
+            </a:extLst>
+          </p:cNvPr>
+          <p:cNvSpPr txBox="1"/>
+          <p:nvPr/>
+        </p:nvSpPr>
+        <p:spPr>
+          <a:xfrm>
+            <a:off x="6884944" y="3244334"/>
+            <a:ext cx="5006307" cy="369332"/>
+          </a:xfrm>
+          <a:prstGeom prst="rect">
+            <a:avLst/>
+          </a:prstGeom>
+          <a:noFill/>
+        </p:spPr>
+        <p:txBody>
+          <a:bodyPr wrap="none" rtlCol="0">
+            <a:spAutoFit/>
+          </a:bodyPr>
+          <a:lstStyle/>
+          <a:p>
+            <a:r>
+              <a:rPr lang="en-US" altLang="ko-KR" dirty="0" err="1"/>
+              <a:t>RecyclerView</a:t>
+            </a:r>
+            <a:r>
+              <a:rPr lang="ko-KR" altLang="en-US" dirty="0"/>
+              <a:t>에 레시피를 표시하기까지의</a:t>
+            </a:r>
+            <a:r>
+              <a:rPr lang="en-US" altLang="ko-KR" dirty="0"/>
+              <a:t> </a:t>
+            </a:r>
+            <a:r>
+              <a:rPr lang="ko-KR" altLang="en-US" dirty="0"/>
+              <a:t>과정</a:t>
+            </a:r>
           </a:p>
         </p:txBody>
       </p:sp>
     </p:spTree>
     <p:extLst>
       <p:ext uri="{BB962C8B-B14F-4D97-AF65-F5344CB8AC3E}">
-        <p14:creationId xmlns:p14="http://schemas.microsoft.com/office/powerpoint/2010/main" val="3619133189"/>
+        <p14:creationId xmlns:p14="http://schemas.microsoft.com/office/powerpoint/2010/main" val="1859900803"/>
       </p:ext>
     </p:extLst>
   </p:cSld>
@@ -7376,10 +7992,10 @@
       </p:grpSpPr>
       <p:sp>
         <p:nvSpPr>
-          <p:cNvPr id="4" name="TextBox 3">
-            <a:extLst>
-              <a:ext uri="{FF2B5EF4-FFF2-40B4-BE49-F238E27FC236}">
-                <a16:creationId xmlns:a16="http://schemas.microsoft.com/office/drawing/2014/main" id="{2F7948EE-0693-49DA-950D-E2F4643BF72B}"/>
+          <p:cNvPr id="9" name="TextBox 8">
+            <a:extLst>
+              <a:ext uri="{FF2B5EF4-FFF2-40B4-BE49-F238E27FC236}">
+                <a16:creationId xmlns:a16="http://schemas.microsoft.com/office/drawing/2014/main" id="{6C515703-5C88-4061-A5DA-65A493F454D4}"/>
               </a:ext>
             </a:extLst>
           </p:cNvPr>
@@ -7389,7 +8005,7 @@
         <p:spPr>
           <a:xfrm>
             <a:off x="187569" y="150392"/>
-            <a:ext cx="2031325" cy="646331"/>
+            <a:ext cx="1963999" cy="646331"/>
           </a:xfrm>
           <a:prstGeom prst="rect">
             <a:avLst/>
@@ -7403,24 +8019,173 @@
           <a:lstStyle/>
           <a:p>
             <a:r>
-              <a:rPr lang="ko-KR" altLang="en-US" dirty="0" err="1"/>
-              <a:t>나만의레시피화면</a:t>
-            </a:r>
-            <a:endParaRPr lang="en-US" altLang="ko-KR" dirty="0"/>
-          </a:p>
-          <a:p>
-            <a:r>
-              <a:rPr lang="ko-KR" altLang="en-US" dirty="0"/>
-              <a:t>제작자</a:t>
-            </a:r>
-            <a:endParaRPr lang="en-US" altLang="ko-KR" dirty="0"/>
-          </a:p>
-        </p:txBody>
-      </p:sp>
+              <a:rPr lang="ko-KR" altLang="en-US" dirty="0"/>
+              <a:t>칵테일정보화면</a:t>
+            </a:r>
+            <a:endParaRPr lang="en-US" altLang="ko-KR" dirty="0"/>
+          </a:p>
+          <a:p>
+            <a:r>
+              <a:rPr lang="ko-KR" altLang="en-US" dirty="0"/>
+              <a:t>제작방법 및 결과</a:t>
+            </a:r>
+            <a:endParaRPr lang="en-US" altLang="ko-KR" dirty="0"/>
+          </a:p>
+        </p:txBody>
+      </p:sp>
+      <p:pic>
+        <p:nvPicPr>
+          <p:cNvPr id="11" name="그림 10">
+            <a:extLst>
+              <a:ext uri="{FF2B5EF4-FFF2-40B4-BE49-F238E27FC236}">
+                <a16:creationId xmlns:a16="http://schemas.microsoft.com/office/drawing/2014/main" id="{91987410-2694-460B-B596-C2320A631F8D}"/>
+              </a:ext>
+            </a:extLst>
+          </p:cNvPr>
+          <p:cNvPicPr>
+            <a:picLocks noChangeAspect="1"/>
+          </p:cNvPicPr>
+          <p:nvPr/>
+        </p:nvPicPr>
+        <p:blipFill>
+          <a:blip r:embed="rId2"/>
+          <a:stretch>
+            <a:fillRect/>
+          </a:stretch>
+        </p:blipFill>
+        <p:spPr>
+          <a:xfrm>
+            <a:off x="6569241" y="530183"/>
+            <a:ext cx="3712136" cy="3940966"/>
+          </a:xfrm>
+          <a:prstGeom prst="rect">
+            <a:avLst/>
+          </a:prstGeom>
+        </p:spPr>
+      </p:pic>
+      <p:sp>
+        <p:nvSpPr>
+          <p:cNvPr id="13" name="TextBox 12">
+            <a:extLst>
+              <a:ext uri="{FF2B5EF4-FFF2-40B4-BE49-F238E27FC236}">
+                <a16:creationId xmlns:a16="http://schemas.microsoft.com/office/drawing/2014/main" id="{9D6E8E02-4899-4FD0-93C8-D221BD8FB1D3}"/>
+              </a:ext>
+            </a:extLst>
+          </p:cNvPr>
+          <p:cNvSpPr txBox="1"/>
+          <p:nvPr/>
+        </p:nvSpPr>
+        <p:spPr>
+          <a:xfrm>
+            <a:off x="3886100" y="5291404"/>
+            <a:ext cx="4419800" cy="646331"/>
+          </a:xfrm>
+          <a:prstGeom prst="rect">
+            <a:avLst/>
+          </a:prstGeom>
+          <a:noFill/>
+        </p:spPr>
+        <p:txBody>
+          <a:bodyPr wrap="none" rtlCol="0">
+            <a:spAutoFit/>
+          </a:bodyPr>
+          <a:lstStyle/>
+          <a:p>
+            <a:r>
+              <a:rPr lang="en-US" altLang="ko-KR" dirty="0"/>
+              <a:t>Json</a:t>
+            </a:r>
+            <a:r>
+              <a:rPr lang="ko-KR" altLang="en-US" dirty="0"/>
+              <a:t>파일에 저장된 레시피를 </a:t>
+            </a:r>
+            <a:r>
+              <a:rPr lang="en-US" altLang="ko-KR" dirty="0"/>
+              <a:t>parsing</a:t>
+            </a:r>
+            <a:r>
+              <a:rPr lang="ko-KR" altLang="en-US" dirty="0"/>
+              <a:t>하여</a:t>
+            </a:r>
+            <a:endParaRPr lang="en-US" altLang="ko-KR" dirty="0"/>
+          </a:p>
+          <a:p>
+            <a:r>
+              <a:rPr lang="en-US" altLang="ko-KR" dirty="0" err="1"/>
+              <a:t>ArrayList</a:t>
+            </a:r>
+            <a:r>
+              <a:rPr lang="ko-KR" altLang="en-US" dirty="0"/>
+              <a:t>에 저장</a:t>
+            </a:r>
+            <a:endParaRPr lang="en-US" altLang="ko-KR" dirty="0"/>
+          </a:p>
+        </p:txBody>
+      </p:sp>
+      <p:pic>
+        <p:nvPicPr>
+          <p:cNvPr id="20" name="그림 19">
+            <a:extLst>
+              <a:ext uri="{FF2B5EF4-FFF2-40B4-BE49-F238E27FC236}">
+                <a16:creationId xmlns:a16="http://schemas.microsoft.com/office/drawing/2014/main" id="{3245D21C-4888-44C5-A7CA-0EADBAAF8E2F}"/>
+              </a:ext>
+            </a:extLst>
+          </p:cNvPr>
+          <p:cNvPicPr>
+            <a:picLocks noChangeAspect="1"/>
+          </p:cNvPicPr>
+          <p:nvPr/>
+        </p:nvPicPr>
+        <p:blipFill>
+          <a:blip r:embed="rId3"/>
+          <a:stretch>
+            <a:fillRect/>
+          </a:stretch>
+        </p:blipFill>
+        <p:spPr>
+          <a:xfrm>
+            <a:off x="2344027" y="1141936"/>
+            <a:ext cx="1105054" cy="228632"/>
+          </a:xfrm>
+          <a:prstGeom prst="rect">
+            <a:avLst/>
+          </a:prstGeom>
+        </p:spPr>
+      </p:pic>
+      <p:pic>
+        <p:nvPicPr>
+          <p:cNvPr id="21" name="그림 20">
+            <a:extLst>
+              <a:ext uri="{FF2B5EF4-FFF2-40B4-BE49-F238E27FC236}">
+                <a16:creationId xmlns:a16="http://schemas.microsoft.com/office/drawing/2014/main" id="{B79351BB-4864-4DAB-8F93-CF24F91494EE}"/>
+              </a:ext>
+            </a:extLst>
+          </p:cNvPr>
+          <p:cNvPicPr>
+            <a:picLocks noChangeAspect="1"/>
+          </p:cNvPicPr>
+          <p:nvPr/>
+        </p:nvPicPr>
+        <p:blipFill>
+          <a:blip r:embed="rId4"/>
+          <a:stretch>
+            <a:fillRect/>
+          </a:stretch>
+        </p:blipFill>
+        <p:spPr>
+          <a:xfrm>
+            <a:off x="1169568" y="1616978"/>
+            <a:ext cx="3651733" cy="2133296"/>
+          </a:xfrm>
+          <a:prstGeom prst="rect">
+            <a:avLst/>
+          </a:prstGeom>
+        </p:spPr>
+      </p:pic>
     </p:spTree>
     <p:extLst>
       <p:ext uri="{BB962C8B-B14F-4D97-AF65-F5344CB8AC3E}">
-        <p14:creationId xmlns:p14="http://schemas.microsoft.com/office/powerpoint/2010/main" val="2013616434"/>
+        <p14:creationId xmlns:p14="http://schemas.microsoft.com/office/powerpoint/2010/main" val="2698501957"/>
       </p:ext>
     </p:extLst>
   </p:cSld>
@@ -7449,10 +8214,10 @@
       </p:grpSpPr>
       <p:sp>
         <p:nvSpPr>
-          <p:cNvPr id="7" name="TextBox 6">
-            <a:extLst>
-              <a:ext uri="{FF2B5EF4-FFF2-40B4-BE49-F238E27FC236}">
-                <a16:creationId xmlns:a16="http://schemas.microsoft.com/office/drawing/2014/main" id="{03F6D3A2-2448-4362-864F-CD2272CE6602}"/>
+          <p:cNvPr id="9" name="TextBox 8">
+            <a:extLst>
+              <a:ext uri="{FF2B5EF4-FFF2-40B4-BE49-F238E27FC236}">
+                <a16:creationId xmlns:a16="http://schemas.microsoft.com/office/drawing/2014/main" id="{6C515703-5C88-4061-A5DA-65A493F454D4}"/>
               </a:ext>
             </a:extLst>
           </p:cNvPr>
@@ -7462,7 +8227,7 @@
         <p:spPr>
           <a:xfrm>
             <a:off x="187569" y="150392"/>
-            <a:ext cx="2031325" cy="646331"/>
+            <a:ext cx="1963999" cy="646331"/>
           </a:xfrm>
           <a:prstGeom prst="rect">
             <a:avLst/>
@@ -7476,15 +8241,15 @@
           <a:lstStyle/>
           <a:p>
             <a:r>
-              <a:rPr lang="ko-KR" altLang="en-US" dirty="0" err="1"/>
-              <a:t>나만의레시피화면</a:t>
-            </a:r>
-            <a:endParaRPr lang="en-US" altLang="ko-KR" dirty="0"/>
-          </a:p>
-          <a:p>
-            <a:r>
-              <a:rPr lang="ko-KR" altLang="en-US" dirty="0"/>
-              <a:t>제작기준</a:t>
+              <a:rPr lang="ko-KR" altLang="en-US" dirty="0"/>
+              <a:t>칵테일정보화면</a:t>
+            </a:r>
+            <a:endParaRPr lang="en-US" altLang="ko-KR" dirty="0"/>
+          </a:p>
+          <a:p>
+            <a:r>
+              <a:rPr lang="ko-KR" altLang="en-US" dirty="0"/>
+              <a:t>제작방법 및 결과</a:t>
             </a:r>
             <a:endParaRPr lang="en-US" altLang="ko-KR" dirty="0"/>
           </a:p>
@@ -7495,7 +8260,7 @@
           <p:cNvPr id="3" name="그림 2">
             <a:extLst>
               <a:ext uri="{FF2B5EF4-FFF2-40B4-BE49-F238E27FC236}">
-                <a16:creationId xmlns:a16="http://schemas.microsoft.com/office/drawing/2014/main" id="{6F821D63-2176-4E22-9638-347EFF9CEE20}"/>
+                <a16:creationId xmlns:a16="http://schemas.microsoft.com/office/drawing/2014/main" id="{03A1DA77-04ED-48C1-BCA1-A185D70C0736}"/>
               </a:ext>
             </a:extLst>
           </p:cNvPr>
@@ -7512,18 +8277,115 @@
         </p:blipFill>
         <p:spPr>
           <a:xfrm>
-            <a:off x="626242" y="1712269"/>
-            <a:ext cx="10939515" cy="3433462"/>
+            <a:off x="2676639" y="2106758"/>
+            <a:ext cx="6838717" cy="1391454"/>
           </a:xfrm>
           <a:prstGeom prst="rect">
             <a:avLst/>
           </a:prstGeom>
         </p:spPr>
       </p:pic>
+      <p:sp>
+        <p:nvSpPr>
+          <p:cNvPr id="4" name="TextBox 3">
+            <a:extLst>
+              <a:ext uri="{FF2B5EF4-FFF2-40B4-BE49-F238E27FC236}">
+                <a16:creationId xmlns:a16="http://schemas.microsoft.com/office/drawing/2014/main" id="{BAFC4BC9-2628-4DC3-B49C-CD00120D19FE}"/>
+              </a:ext>
+            </a:extLst>
+          </p:cNvPr>
+          <p:cNvSpPr txBox="1"/>
+          <p:nvPr/>
+        </p:nvSpPr>
+        <p:spPr>
+          <a:xfrm>
+            <a:off x="2155144" y="3872059"/>
+            <a:ext cx="7881709" cy="923330"/>
+          </a:xfrm>
+          <a:prstGeom prst="rect">
+            <a:avLst/>
+          </a:prstGeom>
+          <a:noFill/>
+        </p:spPr>
+        <p:txBody>
+          <a:bodyPr wrap="none" rtlCol="0">
+            <a:spAutoFit/>
+          </a:bodyPr>
+          <a:lstStyle/>
+          <a:p>
+            <a:r>
+              <a:rPr lang="en-US" altLang="ko-KR" dirty="0"/>
+              <a:t>Adapter</a:t>
+            </a:r>
+            <a:r>
+              <a:rPr lang="ko-KR" altLang="en-US" dirty="0"/>
+              <a:t>에서는 레시피가 </a:t>
+            </a:r>
+            <a:r>
+              <a:rPr lang="en-US" altLang="ko-KR" dirty="0" err="1"/>
+              <a:t>ViewHolder</a:t>
+            </a:r>
+            <a:r>
+              <a:rPr lang="ko-KR" altLang="en-US" dirty="0"/>
+              <a:t>형태로 가공될 때</a:t>
+            </a:r>
+            <a:r>
+              <a:rPr lang="en-US" altLang="ko-KR" dirty="0"/>
+              <a:t>,</a:t>
+            </a:r>
+          </a:p>
+          <a:p>
+            <a:r>
+              <a:rPr lang="ko-KR" altLang="en-US" dirty="0"/>
+              <a:t>터치 시 해당 레시피 정보를 표시하는 화면</a:t>
+            </a:r>
+            <a:r>
+              <a:rPr lang="en-US" altLang="ko-KR" dirty="0"/>
+              <a:t>(</a:t>
+            </a:r>
+            <a:r>
+              <a:rPr lang="en-US" altLang="ko-KR" dirty="0" err="1"/>
+              <a:t>RecipeActivity</a:t>
+            </a:r>
+            <a:r>
+              <a:rPr lang="en-US" altLang="ko-KR" dirty="0"/>
+              <a:t>)</a:t>
+            </a:r>
+            <a:r>
+              <a:rPr lang="ko-KR" altLang="en-US" dirty="0"/>
+              <a:t>으로 전환되도록</a:t>
+            </a:r>
+            <a:endParaRPr lang="en-US" altLang="ko-KR" dirty="0"/>
+          </a:p>
+          <a:p>
+            <a:r>
+              <a:rPr lang="en-US" altLang="ko-KR" dirty="0" err="1"/>
+              <a:t>onClick</a:t>
+            </a:r>
+            <a:r>
+              <a:rPr lang="en-US" altLang="ko-KR" dirty="0"/>
+              <a:t> </a:t>
+            </a:r>
+            <a:r>
+              <a:rPr lang="ko-KR" altLang="en-US" dirty="0" err="1"/>
+              <a:t>리스너를</a:t>
+            </a:r>
+            <a:r>
+              <a:rPr lang="ko-KR" altLang="en-US" dirty="0"/>
+              <a:t> 모두 부착합니다</a:t>
+            </a:r>
+            <a:r>
+              <a:rPr lang="en-US" altLang="ko-KR" dirty="0"/>
+              <a:t>.</a:t>
+            </a:r>
+            <a:endParaRPr lang="ko-KR" altLang="en-US" dirty="0"/>
+          </a:p>
+        </p:txBody>
+      </p:sp>
     </p:spTree>
     <p:extLst>
       <p:ext uri="{BB962C8B-B14F-4D97-AF65-F5344CB8AC3E}">
-        <p14:creationId xmlns:p14="http://schemas.microsoft.com/office/powerpoint/2010/main" val="1762067721"/>
+        <p14:creationId xmlns:p14="http://schemas.microsoft.com/office/powerpoint/2010/main" val="35695217"/>
       </p:ext>
     </p:extLst>
   </p:cSld>
@@ -7625,10 +8487,10 @@
       </p:grpSpPr>
       <p:sp>
         <p:nvSpPr>
-          <p:cNvPr id="5" name="TextBox 4">
-            <a:extLst>
-              <a:ext uri="{FF2B5EF4-FFF2-40B4-BE49-F238E27FC236}">
-                <a16:creationId xmlns:a16="http://schemas.microsoft.com/office/drawing/2014/main" id="{06F408F8-AF05-4F9E-A2CA-BF35AA4498E3}"/>
+          <p:cNvPr id="9" name="TextBox 8">
+            <a:extLst>
+              <a:ext uri="{FF2B5EF4-FFF2-40B4-BE49-F238E27FC236}">
+                <a16:creationId xmlns:a16="http://schemas.microsoft.com/office/drawing/2014/main" id="{6C515703-5C88-4061-A5DA-65A493F454D4}"/>
               </a:ext>
             </a:extLst>
           </p:cNvPr>
@@ -7638,7 +8500,7 @@
         <p:spPr>
           <a:xfrm>
             <a:off x="187569" y="150392"/>
-            <a:ext cx="2031325" cy="646331"/>
+            <a:ext cx="1963999" cy="646331"/>
           </a:xfrm>
           <a:prstGeom prst="rect">
             <a:avLst/>
@@ -7652,26 +8514,96 @@
           <a:lstStyle/>
           <a:p>
             <a:r>
-              <a:rPr lang="ko-KR" altLang="en-US" dirty="0" err="1"/>
-              <a:t>나만의레시피화면</a:t>
-            </a:r>
-            <a:endParaRPr lang="en-US" altLang="ko-KR" dirty="0"/>
-          </a:p>
-          <a:p>
-            <a:r>
-              <a:rPr lang="ko-KR" altLang="en-US" dirty="0"/>
-              <a:t>제작기준</a:t>
-            </a:r>
-            <a:endParaRPr lang="en-US" altLang="ko-KR" dirty="0"/>
-          </a:p>
-        </p:txBody>
-      </p:sp>
-      <p:sp>
-        <p:nvSpPr>
-          <p:cNvPr id="3" name="TextBox 2">
-            <a:extLst>
-              <a:ext uri="{FF2B5EF4-FFF2-40B4-BE49-F238E27FC236}">
-                <a16:creationId xmlns:a16="http://schemas.microsoft.com/office/drawing/2014/main" id="{658FA4EB-2826-4D42-B944-A78FC5E364BB}"/>
+              <a:rPr lang="ko-KR" altLang="en-US" dirty="0"/>
+              <a:t>칵테일정보화면</a:t>
+            </a:r>
+            <a:endParaRPr lang="en-US" altLang="ko-KR" dirty="0"/>
+          </a:p>
+          <a:p>
+            <a:r>
+              <a:rPr lang="ko-KR" altLang="en-US" dirty="0"/>
+              <a:t>제작방법 및 결과</a:t>
+            </a:r>
+            <a:endParaRPr lang="en-US" altLang="ko-KR" dirty="0"/>
+          </a:p>
+        </p:txBody>
+      </p:sp>
+      <p:pic>
+        <p:nvPicPr>
+          <p:cNvPr id="5" name="그림 4">
+            <a:extLst>
+              <a:ext uri="{FF2B5EF4-FFF2-40B4-BE49-F238E27FC236}">
+                <a16:creationId xmlns:a16="http://schemas.microsoft.com/office/drawing/2014/main" id="{F469105E-FC47-4A38-9E7D-96EF5F3B6B4D}"/>
+              </a:ext>
+            </a:extLst>
+          </p:cNvPr>
+          <p:cNvPicPr>
+            <a:picLocks noChangeAspect="1"/>
+          </p:cNvPicPr>
+          <p:nvPr/>
+        </p:nvPicPr>
+        <p:blipFill>
+          <a:blip r:embed="rId2"/>
+          <a:stretch>
+            <a:fillRect/>
+          </a:stretch>
+        </p:blipFill>
+        <p:spPr>
+          <a:xfrm>
+            <a:off x="1006155" y="1033741"/>
+            <a:ext cx="2290826" cy="1850570"/>
+          </a:xfrm>
+          <a:prstGeom prst="rect">
+            <a:avLst/>
+          </a:prstGeom>
+          <a:ln>
+            <a:solidFill>
+              <a:schemeClr val="tx1"/>
+            </a:solidFill>
+          </a:ln>
+        </p:spPr>
+      </p:pic>
+      <p:pic>
+        <p:nvPicPr>
+          <p:cNvPr id="10" name="그림 9">
+            <a:extLst>
+              <a:ext uri="{FF2B5EF4-FFF2-40B4-BE49-F238E27FC236}">
+                <a16:creationId xmlns:a16="http://schemas.microsoft.com/office/drawing/2014/main" id="{C5349800-A769-441F-B8C3-D05838FAE03E}"/>
+              </a:ext>
+            </a:extLst>
+          </p:cNvPr>
+          <p:cNvPicPr>
+            <a:picLocks noChangeAspect="1"/>
+          </p:cNvPicPr>
+          <p:nvPr/>
+        </p:nvPicPr>
+        <p:blipFill>
+          <a:blip r:embed="rId3"/>
+          <a:stretch>
+            <a:fillRect/>
+          </a:stretch>
+        </p:blipFill>
+        <p:spPr>
+          <a:xfrm>
+            <a:off x="598651" y="3121330"/>
+            <a:ext cx="3105833" cy="3099621"/>
+          </a:xfrm>
+          <a:prstGeom prst="rect">
+            <a:avLst/>
+          </a:prstGeom>
+          <a:ln>
+            <a:solidFill>
+              <a:schemeClr val="tx1"/>
+            </a:solidFill>
+          </a:ln>
+        </p:spPr>
+      </p:pic>
+      <p:sp>
+        <p:nvSpPr>
+          <p:cNvPr id="11" name="TextBox 10">
+            <a:extLst>
+              <a:ext uri="{FF2B5EF4-FFF2-40B4-BE49-F238E27FC236}">
+                <a16:creationId xmlns:a16="http://schemas.microsoft.com/office/drawing/2014/main" id="{AAB210BB-794E-4D2B-82BA-6AD68149749E}"/>
               </a:ext>
             </a:extLst>
           </p:cNvPr>
@@ -7680,8 +8612,8 @@
         </p:nvSpPr>
         <p:spPr>
           <a:xfrm>
-            <a:off x="4963886" y="2782669"/>
-            <a:ext cx="2558714" cy="646331"/>
+            <a:off x="596640" y="6220951"/>
+            <a:ext cx="3199915" cy="369332"/>
           </a:xfrm>
           <a:prstGeom prst="rect">
             <a:avLst/>
@@ -7696,14 +8628,121 @@
           <a:p>
             <a:r>
               <a:rPr lang="ko-KR" altLang="en-US" dirty="0"/>
-              <a:t>나만의 레시피</a:t>
-            </a:r>
-            <a:endParaRPr lang="en-US" altLang="ko-KR" dirty="0"/>
-          </a:p>
-          <a:p>
-            <a:r>
-              <a:rPr lang="ko-KR" altLang="en-US" dirty="0"/>
-              <a:t>삭제</a:t>
+              <a:t>높은 도수순으로 정렬된 모습</a:t>
+            </a:r>
+          </a:p>
+        </p:txBody>
+      </p:sp>
+      <p:pic>
+        <p:nvPicPr>
+          <p:cNvPr id="13" name="그림 12">
+            <a:extLst>
+              <a:ext uri="{FF2B5EF4-FFF2-40B4-BE49-F238E27FC236}">
+                <a16:creationId xmlns:a16="http://schemas.microsoft.com/office/drawing/2014/main" id="{38FE6551-2CCD-4421-A70B-CC4F95E50BC2}"/>
+              </a:ext>
+            </a:extLst>
+          </p:cNvPr>
+          <p:cNvPicPr>
+            <a:picLocks noChangeAspect="1"/>
+          </p:cNvPicPr>
+          <p:nvPr/>
+        </p:nvPicPr>
+        <p:blipFill>
+          <a:blip r:embed="rId4"/>
+          <a:stretch>
+            <a:fillRect/>
+          </a:stretch>
+        </p:blipFill>
+        <p:spPr>
+          <a:xfrm>
+            <a:off x="5381210" y="796723"/>
+            <a:ext cx="4761080" cy="3330683"/>
+          </a:xfrm>
+          <a:prstGeom prst="rect">
+            <a:avLst/>
+          </a:prstGeom>
+        </p:spPr>
+      </p:pic>
+      <p:pic>
+        <p:nvPicPr>
+          <p:cNvPr id="15" name="그림 14">
+            <a:extLst>
+              <a:ext uri="{FF2B5EF4-FFF2-40B4-BE49-F238E27FC236}">
+                <a16:creationId xmlns:a16="http://schemas.microsoft.com/office/drawing/2014/main" id="{B153349A-B5DC-47BC-8CCE-E85A0A757E63}"/>
+              </a:ext>
+            </a:extLst>
+          </p:cNvPr>
+          <p:cNvPicPr>
+            <a:picLocks noChangeAspect="1"/>
+          </p:cNvPicPr>
+          <p:nvPr/>
+        </p:nvPicPr>
+        <p:blipFill>
+          <a:blip r:embed="rId5"/>
+          <a:stretch>
+            <a:fillRect/>
+          </a:stretch>
+        </p:blipFill>
+        <p:spPr>
+          <a:xfrm>
+            <a:off x="6015997" y="5200753"/>
+            <a:ext cx="3543795" cy="295316"/>
+          </a:xfrm>
+          <a:prstGeom prst="rect">
+            <a:avLst/>
+          </a:prstGeom>
+        </p:spPr>
+      </p:pic>
+      <p:sp>
+        <p:nvSpPr>
+          <p:cNvPr id="16" name="TextBox 15">
+            <a:extLst>
+              <a:ext uri="{FF2B5EF4-FFF2-40B4-BE49-F238E27FC236}">
+                <a16:creationId xmlns:a16="http://schemas.microsoft.com/office/drawing/2014/main" id="{DAA7264C-22DC-4A46-B45A-F505B6661996}"/>
+              </a:ext>
+            </a:extLst>
+          </p:cNvPr>
+          <p:cNvSpPr txBox="1"/>
+          <p:nvPr/>
+        </p:nvSpPr>
+        <p:spPr>
+          <a:xfrm>
+            <a:off x="5131571" y="5599612"/>
+            <a:ext cx="5472652" cy="923330"/>
+          </a:xfrm>
+          <a:prstGeom prst="rect">
+            <a:avLst/>
+          </a:prstGeom>
+          <a:noFill/>
+        </p:spPr>
+        <p:txBody>
+          <a:bodyPr wrap="none" rtlCol="0">
+            <a:spAutoFit/>
+          </a:bodyPr>
+          <a:lstStyle/>
+          <a:p>
+            <a:r>
+              <a:rPr lang="en-US" altLang="ko-KR" dirty="0" err="1"/>
+              <a:t>ArrayList</a:t>
+            </a:r>
+            <a:r>
+              <a:rPr lang="ko-KR" altLang="en-US" dirty="0"/>
+              <a:t>정렬 후</a:t>
+            </a:r>
+            <a:r>
+              <a:rPr lang="en-US" altLang="ko-KR" dirty="0"/>
+              <a:t>Adapter</a:t>
+            </a:r>
+            <a:r>
+              <a:rPr lang="ko-KR" altLang="en-US" dirty="0"/>
+              <a:t>에 데이터가 변경되었음을 </a:t>
+            </a:r>
+            <a:endParaRPr lang="en-US" altLang="ko-KR" dirty="0"/>
+          </a:p>
+          <a:p>
+            <a:r>
+              <a:rPr lang="ko-KR" altLang="en-US" dirty="0"/>
+              <a:t>알리면</a:t>
             </a:r>
             <a:r>
               <a:rPr lang="en-US" altLang="ko-KR" dirty="0"/>
@@ -7711,16 +8750,99 @@
             </a:r>
             <a:r>
               <a:rPr lang="ko-KR" altLang="en-US" dirty="0"/>
-              <a:t>수정기능 구현 후</a:t>
-            </a:r>
-            <a:endParaRPr lang="en-US" altLang="ko-KR" dirty="0"/>
+              <a:t>실시간으로 </a:t>
+            </a:r>
+            <a:r>
+              <a:rPr lang="en-US" altLang="ko-KR" dirty="0" err="1"/>
+              <a:t>RecyclerView</a:t>
+            </a:r>
+            <a:r>
+              <a:rPr lang="ko-KR" altLang="en-US" dirty="0"/>
+              <a:t>의 리스트가</a:t>
+            </a:r>
+            <a:endParaRPr lang="en-US" altLang="ko-KR" dirty="0"/>
+          </a:p>
+          <a:p>
+            <a:r>
+              <a:rPr lang="ko-KR" altLang="en-US" dirty="0"/>
+              <a:t>정렬된 상태로 바뀝니다</a:t>
+            </a:r>
+          </a:p>
+        </p:txBody>
+      </p:sp>
+      <p:sp>
+        <p:nvSpPr>
+          <p:cNvPr id="17" name="TextBox 16">
+            <a:extLst>
+              <a:ext uri="{FF2B5EF4-FFF2-40B4-BE49-F238E27FC236}">
+                <a16:creationId xmlns:a16="http://schemas.microsoft.com/office/drawing/2014/main" id="{3EE14B15-38DE-46D4-8483-0FE1825A97E7}"/>
+              </a:ext>
+            </a:extLst>
+          </p:cNvPr>
+          <p:cNvSpPr txBox="1"/>
+          <p:nvPr/>
+        </p:nvSpPr>
+        <p:spPr>
+          <a:xfrm>
+            <a:off x="5433500" y="4175176"/>
+            <a:ext cx="4708790" cy="646331"/>
+          </a:xfrm>
+          <a:prstGeom prst="rect">
+            <a:avLst/>
+          </a:prstGeom>
+          <a:noFill/>
+        </p:spPr>
+        <p:txBody>
+          <a:bodyPr wrap="none" rtlCol="0">
+            <a:spAutoFit/>
+          </a:bodyPr>
+          <a:lstStyle/>
+          <a:p>
+            <a:pPr algn="ctr"/>
+            <a:r>
+              <a:rPr lang="en-US" altLang="ko-KR" dirty="0" err="1"/>
+              <a:t>Collections.sort</a:t>
+            </a:r>
+            <a:r>
+              <a:rPr lang="en-US" altLang="ko-KR" dirty="0"/>
+              <a:t>()</a:t>
+            </a:r>
+            <a:r>
+              <a:rPr lang="ko-KR" altLang="en-US" dirty="0"/>
+              <a:t>와 </a:t>
+            </a:r>
+            <a:r>
+              <a:rPr lang="en-US" altLang="ko-KR" dirty="0"/>
+              <a:t>Comparator</a:t>
+            </a:r>
+            <a:r>
+              <a:rPr lang="ko-KR" altLang="en-US" dirty="0"/>
+              <a:t>를 사용하여</a:t>
+            </a:r>
+            <a:endParaRPr lang="en-US" altLang="ko-KR" dirty="0"/>
+          </a:p>
+          <a:p>
+            <a:pPr algn="ctr"/>
+            <a:r>
+              <a:rPr lang="en-US" altLang="ko-KR" dirty="0" err="1"/>
+              <a:t>ArrayList</a:t>
+            </a:r>
+            <a:r>
+              <a:rPr lang="ko-KR" altLang="en-US" dirty="0"/>
+              <a:t>를 정렬 하였습니다</a:t>
+            </a:r>
+            <a:r>
+              <a:rPr lang="en-US" altLang="ko-KR" dirty="0"/>
+              <a:t>.</a:t>
+            </a:r>
+            <a:endParaRPr lang="ko-KR" altLang="en-US" dirty="0"/>
           </a:p>
         </p:txBody>
       </p:sp>
     </p:spTree>
     <p:extLst>
       <p:ext uri="{BB962C8B-B14F-4D97-AF65-F5344CB8AC3E}">
-        <p14:creationId xmlns:p14="http://schemas.microsoft.com/office/powerpoint/2010/main" val="913671504"/>
+        <p14:creationId xmlns:p14="http://schemas.microsoft.com/office/powerpoint/2010/main" val="152875428"/>
       </p:ext>
     </p:extLst>
   </p:cSld>
@@ -7762,7 +8884,7 @@
         <p:spPr>
           <a:xfrm>
             <a:off x="187569" y="150392"/>
-            <a:ext cx="2031325" cy="646331"/>
+            <a:ext cx="1963999" cy="646331"/>
           </a:xfrm>
           <a:prstGeom prst="rect">
             <a:avLst/>
@@ -7776,8 +8898,8 @@
           <a:lstStyle/>
           <a:p>
             <a:r>
-              <a:rPr lang="ko-KR" altLang="en-US" dirty="0" err="1"/>
-              <a:t>나만의레시피화면</a:t>
+              <a:rPr lang="ko-KR" altLang="en-US" dirty="0"/>
+              <a:t>칵테일정보화면</a:t>
             </a:r>
             <a:endParaRPr lang="en-US" altLang="ko-KR" dirty="0"/>
           </a:p>
@@ -7787,13 +8909,270 @@
               <a:t>제작방법 및 결과</a:t>
             </a:r>
             <a:endParaRPr lang="en-US" altLang="ko-KR" dirty="0"/>
+          </a:p>
+        </p:txBody>
+      </p:sp>
+      <p:pic>
+        <p:nvPicPr>
+          <p:cNvPr id="6" name="그림 5">
+            <a:extLst>
+              <a:ext uri="{FF2B5EF4-FFF2-40B4-BE49-F238E27FC236}">
+                <a16:creationId xmlns:a16="http://schemas.microsoft.com/office/drawing/2014/main" id="{4C69762A-71F1-4B0D-BF24-B4675600A170}"/>
+              </a:ext>
+            </a:extLst>
+          </p:cNvPr>
+          <p:cNvPicPr>
+            <a:picLocks noChangeAspect="1"/>
+          </p:cNvPicPr>
+          <p:nvPr/>
+        </p:nvPicPr>
+        <p:blipFill>
+          <a:blip r:embed="rId2"/>
+          <a:stretch>
+            <a:fillRect/>
+          </a:stretch>
+        </p:blipFill>
+        <p:spPr>
+          <a:xfrm>
+            <a:off x="796111" y="1140902"/>
+            <a:ext cx="3041252" cy="5037589"/>
+          </a:xfrm>
+          <a:prstGeom prst="rect">
+            <a:avLst/>
+          </a:prstGeom>
+        </p:spPr>
+      </p:pic>
+      <p:pic>
+        <p:nvPicPr>
+          <p:cNvPr id="8" name="그림 7">
+            <a:extLst>
+              <a:ext uri="{FF2B5EF4-FFF2-40B4-BE49-F238E27FC236}">
+                <a16:creationId xmlns:a16="http://schemas.microsoft.com/office/drawing/2014/main" id="{84F392A4-920A-48C4-9B3D-E36D9420226E}"/>
+              </a:ext>
+            </a:extLst>
+          </p:cNvPr>
+          <p:cNvPicPr>
+            <a:picLocks noChangeAspect="1"/>
+          </p:cNvPicPr>
+          <p:nvPr/>
+        </p:nvPicPr>
+        <p:blipFill>
+          <a:blip r:embed="rId3"/>
+          <a:stretch>
+            <a:fillRect/>
+          </a:stretch>
+        </p:blipFill>
+        <p:spPr>
+          <a:xfrm>
+            <a:off x="5288413" y="4398431"/>
+            <a:ext cx="4534533" cy="1000265"/>
+          </a:xfrm>
+          <a:prstGeom prst="rect">
+            <a:avLst/>
+          </a:prstGeom>
+        </p:spPr>
+      </p:pic>
+      <p:sp>
+        <p:nvSpPr>
+          <p:cNvPr id="12" name="TextBox 11">
+            <a:extLst>
+              <a:ext uri="{FF2B5EF4-FFF2-40B4-BE49-F238E27FC236}">
+                <a16:creationId xmlns:a16="http://schemas.microsoft.com/office/drawing/2014/main" id="{C125DCDF-CB76-48C0-B4D2-A20E3DDE9106}"/>
+              </a:ext>
+            </a:extLst>
+          </p:cNvPr>
+          <p:cNvSpPr txBox="1"/>
+          <p:nvPr/>
+        </p:nvSpPr>
+        <p:spPr>
+          <a:xfrm>
+            <a:off x="1502540" y="6178491"/>
+            <a:ext cx="1628394" cy="369332"/>
+          </a:xfrm>
+          <a:prstGeom prst="rect">
+            <a:avLst/>
+          </a:prstGeom>
+          <a:noFill/>
+        </p:spPr>
+        <p:txBody>
+          <a:bodyPr wrap="none" rtlCol="0">
+            <a:spAutoFit/>
+          </a:bodyPr>
+          <a:lstStyle/>
+          <a:p>
+            <a:r>
+              <a:rPr lang="en-US" altLang="ko-KR" dirty="0" err="1"/>
+              <a:t>RecipeActivity</a:t>
+            </a:r>
+            <a:endParaRPr lang="ko-KR" altLang="en-US" dirty="0"/>
+          </a:p>
+        </p:txBody>
+      </p:sp>
+      <p:sp>
+        <p:nvSpPr>
+          <p:cNvPr id="14" name="TextBox 13">
+            <a:extLst>
+              <a:ext uri="{FF2B5EF4-FFF2-40B4-BE49-F238E27FC236}">
+                <a16:creationId xmlns:a16="http://schemas.microsoft.com/office/drawing/2014/main" id="{F8E49ED5-010B-4BE7-94AA-1D8A986A9A90}"/>
+              </a:ext>
+            </a:extLst>
+          </p:cNvPr>
+          <p:cNvSpPr txBox="1"/>
+          <p:nvPr/>
+        </p:nvSpPr>
+        <p:spPr>
+          <a:xfrm>
+            <a:off x="5605863" y="5532160"/>
+            <a:ext cx="4084195" cy="646331"/>
+          </a:xfrm>
+          <a:prstGeom prst="rect">
+            <a:avLst/>
+          </a:prstGeom>
+          <a:noFill/>
+        </p:spPr>
+        <p:txBody>
+          <a:bodyPr wrap="none" rtlCol="0">
+            <a:spAutoFit/>
+          </a:bodyPr>
+          <a:lstStyle/>
+          <a:p>
+            <a:r>
+              <a:rPr lang="en-US" altLang="ko-KR" dirty="0" err="1"/>
+              <a:t>TextView.setText</a:t>
+            </a:r>
+            <a:r>
+              <a:rPr lang="en-US" altLang="ko-KR" dirty="0"/>
+              <a:t>() </a:t>
+            </a:r>
+            <a:r>
+              <a:rPr lang="ko-KR" altLang="en-US" dirty="0"/>
+              <a:t>메서드를 사용하여</a:t>
+            </a:r>
+            <a:endParaRPr lang="en-US" altLang="ko-KR" dirty="0"/>
+          </a:p>
+          <a:p>
+            <a:r>
+              <a:rPr lang="en-US" altLang="ko-KR" dirty="0"/>
+              <a:t>Recipe</a:t>
+            </a:r>
+            <a:r>
+              <a:rPr lang="ko-KR" altLang="en-US" dirty="0"/>
+              <a:t>객체의 정보를 표시하였습니다</a:t>
+            </a:r>
+            <a:r>
+              <a:rPr lang="en-US" altLang="ko-KR" dirty="0"/>
+              <a:t>.</a:t>
+            </a:r>
+            <a:endParaRPr lang="ko-KR" altLang="en-US" dirty="0"/>
+          </a:p>
+        </p:txBody>
+      </p:sp>
+      <p:pic>
+        <p:nvPicPr>
+          <p:cNvPr id="19" name="그림 18">
+            <a:extLst>
+              <a:ext uri="{FF2B5EF4-FFF2-40B4-BE49-F238E27FC236}">
+                <a16:creationId xmlns:a16="http://schemas.microsoft.com/office/drawing/2014/main" id="{3B458EAB-A4B6-4121-B49B-53FF79C371AA}"/>
+              </a:ext>
+            </a:extLst>
+          </p:cNvPr>
+          <p:cNvPicPr>
+            <a:picLocks noChangeAspect="1"/>
+          </p:cNvPicPr>
+          <p:nvPr/>
+        </p:nvPicPr>
+        <p:blipFill>
+          <a:blip r:embed="rId4"/>
+          <a:stretch>
+            <a:fillRect/>
+          </a:stretch>
+        </p:blipFill>
+        <p:spPr>
+          <a:xfrm>
+            <a:off x="4740648" y="906010"/>
+            <a:ext cx="5630061" cy="2419688"/>
+          </a:xfrm>
+          <a:prstGeom prst="rect">
+            <a:avLst/>
+          </a:prstGeom>
+        </p:spPr>
+      </p:pic>
+      <p:sp>
+        <p:nvSpPr>
+          <p:cNvPr id="20" name="TextBox 19">
+            <a:extLst>
+              <a:ext uri="{FF2B5EF4-FFF2-40B4-BE49-F238E27FC236}">
+                <a16:creationId xmlns:a16="http://schemas.microsoft.com/office/drawing/2014/main" id="{010D3FDD-4E2A-4D19-8691-E835118239D9}"/>
+              </a:ext>
+            </a:extLst>
+          </p:cNvPr>
+          <p:cNvSpPr txBox="1"/>
+          <p:nvPr/>
+        </p:nvSpPr>
+        <p:spPr>
+          <a:xfrm>
+            <a:off x="4808804" y="3415120"/>
+            <a:ext cx="5493748" cy="646331"/>
+          </a:xfrm>
+          <a:prstGeom prst="rect">
+            <a:avLst/>
+          </a:prstGeom>
+          <a:noFill/>
+        </p:spPr>
+        <p:txBody>
+          <a:bodyPr wrap="none" rtlCol="0">
+            <a:spAutoFit/>
+          </a:bodyPr>
+          <a:lstStyle/>
+          <a:p>
+            <a:pPr algn="ctr"/>
+            <a:r>
+              <a:rPr lang="en-US" altLang="ko-KR" dirty="0"/>
+              <a:t>Recipe</a:t>
+            </a:r>
+            <a:r>
+              <a:rPr lang="ko-KR" altLang="en-US" dirty="0"/>
+              <a:t>객체 정보</a:t>
+            </a:r>
+            <a:endParaRPr lang="en-US" altLang="ko-KR" dirty="0"/>
+          </a:p>
+          <a:p>
+            <a:pPr algn="ctr"/>
+            <a:r>
+              <a:rPr lang="en-US" altLang="ko-KR" dirty="0"/>
+              <a:t>(</a:t>
+            </a:r>
+            <a:r>
+              <a:rPr lang="en-US" altLang="ko-KR" dirty="0" err="1"/>
+              <a:t>putExtra</a:t>
+            </a:r>
+            <a:r>
+              <a:rPr lang="ko-KR" altLang="en-US" dirty="0"/>
+              <a:t>를 통해 받아올 수 있도록 </a:t>
+            </a:r>
+            <a:r>
+              <a:rPr lang="en-US" altLang="ko-KR" dirty="0" err="1"/>
+              <a:t>Parcelable</a:t>
+            </a:r>
+            <a:r>
+              <a:rPr lang="en-US" altLang="ko-KR" dirty="0"/>
+              <a:t> </a:t>
+            </a:r>
+            <a:r>
+              <a:rPr lang="ko-KR" altLang="en-US" dirty="0"/>
+              <a:t>구현</a:t>
+            </a:r>
+            <a:r>
+              <a:rPr lang="en-US" altLang="ko-KR" dirty="0"/>
+              <a:t>)</a:t>
+            </a:r>
           </a:p>
         </p:txBody>
       </p:sp>
     </p:spTree>
     <p:extLst>
       <p:ext uri="{BB962C8B-B14F-4D97-AF65-F5344CB8AC3E}">
-        <p14:creationId xmlns:p14="http://schemas.microsoft.com/office/powerpoint/2010/main" val="155836080"/>
+        <p14:creationId xmlns:p14="http://schemas.microsoft.com/office/powerpoint/2010/main" val="3429213045"/>
       </p:ext>
     </p:extLst>
   </p:cSld>
@@ -7822,10 +9201,10 @@
       </p:grpSpPr>
       <p:sp>
         <p:nvSpPr>
-          <p:cNvPr id="4" name="TextBox 3">
-            <a:extLst>
-              <a:ext uri="{FF2B5EF4-FFF2-40B4-BE49-F238E27FC236}">
-                <a16:creationId xmlns:a16="http://schemas.microsoft.com/office/drawing/2014/main" id="{A12C0690-42B2-46ED-ABD3-CCF37D7B3259}"/>
+          <p:cNvPr id="9" name="TextBox 8">
+            <a:extLst>
+              <a:ext uri="{FF2B5EF4-FFF2-40B4-BE49-F238E27FC236}">
+                <a16:creationId xmlns:a16="http://schemas.microsoft.com/office/drawing/2014/main" id="{6C515703-5C88-4061-A5DA-65A493F454D4}"/>
               </a:ext>
             </a:extLst>
           </p:cNvPr>
@@ -7834,8 +9213,8 @@
         </p:nvSpPr>
         <p:spPr>
           <a:xfrm>
-            <a:off x="4464788" y="3075057"/>
-            <a:ext cx="3262432" cy="707886"/>
+            <a:off x="187569" y="150392"/>
+            <a:ext cx="1963999" cy="646331"/>
           </a:xfrm>
           <a:prstGeom prst="rect">
             <a:avLst/>
@@ -7848,18 +9227,291 @@
           </a:bodyPr>
           <a:lstStyle/>
           <a:p>
-            <a:pPr algn="ctr"/>
-            <a:r>
-              <a:rPr lang="ko-KR" altLang="en-US" sz="4000" dirty="0"/>
-              <a:t>커뮤니티화면</a:t>
-            </a:r>
+            <a:r>
+              <a:rPr lang="ko-KR" altLang="en-US" dirty="0"/>
+              <a:t>칵테일 정보 화면</a:t>
+            </a:r>
+            <a:endParaRPr lang="en-US" altLang="ko-KR" dirty="0"/>
+          </a:p>
+          <a:p>
+            <a:r>
+              <a:rPr lang="ko-KR" altLang="en-US" dirty="0"/>
+              <a:t>제작에 따른 결론</a:t>
+            </a:r>
+            <a:endParaRPr lang="en-US" altLang="ko-KR" dirty="0"/>
+          </a:p>
+        </p:txBody>
+      </p:sp>
+      <p:sp>
+        <p:nvSpPr>
+          <p:cNvPr id="4" name="TextBox 3">
+            <a:extLst>
+              <a:ext uri="{FF2B5EF4-FFF2-40B4-BE49-F238E27FC236}">
+                <a16:creationId xmlns:a16="http://schemas.microsoft.com/office/drawing/2014/main" id="{C0AD2A75-B498-4BA2-951E-1D077BE20242}"/>
+              </a:ext>
+            </a:extLst>
+          </p:cNvPr>
+          <p:cNvSpPr txBox="1"/>
+          <p:nvPr/>
+        </p:nvSpPr>
+        <p:spPr>
+          <a:xfrm>
+            <a:off x="1884751" y="4904625"/>
+            <a:ext cx="8422498" cy="646331"/>
+          </a:xfrm>
+          <a:prstGeom prst="rect">
+            <a:avLst/>
+          </a:prstGeom>
+          <a:noFill/>
+        </p:spPr>
+        <p:txBody>
+          <a:bodyPr wrap="none" rtlCol="0">
+            <a:spAutoFit/>
+          </a:bodyPr>
+          <a:lstStyle/>
+          <a:p>
+            <a:r>
+              <a:rPr lang="ko-KR" altLang="en-US" b="1" dirty="0"/>
+              <a:t>총 정리 </a:t>
+            </a:r>
+            <a:r>
+              <a:rPr lang="en-US" altLang="ko-KR" b="1" dirty="0"/>
+              <a:t>: </a:t>
+            </a:r>
+            <a:r>
+              <a:rPr lang="ko-KR" altLang="en-US" b="1" dirty="0"/>
+              <a:t>아직 제공되지 않는 정보가 많으며</a:t>
+            </a:r>
+            <a:r>
+              <a:rPr lang="en-US" altLang="ko-KR" b="1" dirty="0"/>
+              <a:t>, </a:t>
+            </a:r>
+            <a:r>
+              <a:rPr lang="ko-KR" altLang="en-US" b="1" dirty="0"/>
+              <a:t>일부 기능이 구현되지 않았습니다</a:t>
+            </a:r>
+            <a:r>
+              <a:rPr lang="en-US" altLang="ko-KR" b="1" dirty="0"/>
+              <a:t>.</a:t>
+            </a:r>
+          </a:p>
+          <a:p>
+            <a:r>
+              <a:rPr lang="ko-KR" altLang="en-US" b="1" dirty="0"/>
+              <a:t>또한 아직도 디자인이 프로토타입 형태에 머무르고 있습니다</a:t>
+            </a:r>
+            <a:r>
+              <a:rPr lang="en-US" altLang="ko-KR" b="1" dirty="0"/>
+              <a:t>.</a:t>
+            </a:r>
+          </a:p>
+        </p:txBody>
+      </p:sp>
+      <p:sp>
+        <p:nvSpPr>
+          <p:cNvPr id="19" name="TextBox 18">
+            <a:extLst>
+              <a:ext uri="{FF2B5EF4-FFF2-40B4-BE49-F238E27FC236}">
+                <a16:creationId xmlns:a16="http://schemas.microsoft.com/office/drawing/2014/main" id="{27F10007-C4F1-48DA-BFE6-6BA45F3F5635}"/>
+              </a:ext>
+            </a:extLst>
+          </p:cNvPr>
+          <p:cNvSpPr txBox="1"/>
+          <p:nvPr/>
+        </p:nvSpPr>
+        <p:spPr>
+          <a:xfrm>
+            <a:off x="2961832" y="204918"/>
+            <a:ext cx="4330032" cy="600164"/>
+          </a:xfrm>
+          <a:prstGeom prst="rect">
+            <a:avLst/>
+          </a:prstGeom>
+          <a:noFill/>
+        </p:spPr>
+        <p:txBody>
+          <a:bodyPr wrap="none" rtlCol="0">
+            <a:spAutoFit/>
+          </a:bodyPr>
+          <a:lstStyle/>
+          <a:p>
+            <a:r>
+              <a:rPr lang="ko-KR" altLang="en-US" sz="1100" dirty="0"/>
+              <a:t>문제점 </a:t>
+            </a:r>
+            <a:r>
+              <a:rPr lang="en-US" altLang="ko-KR" sz="1100" dirty="0"/>
+              <a:t>: </a:t>
+            </a:r>
+            <a:r>
+              <a:rPr lang="ko-KR" altLang="en-US" sz="1100" dirty="0"/>
+              <a:t>아직 설계한대로 다 구현하지 못한 부분이나 미흡한 부분</a:t>
+            </a:r>
+            <a:endParaRPr lang="en-US" altLang="ko-KR" sz="1100" dirty="0"/>
+          </a:p>
+          <a:p>
+            <a:endParaRPr lang="en-US" altLang="ko-KR" sz="1100" dirty="0"/>
+          </a:p>
+          <a:p>
+            <a:r>
+              <a:rPr lang="ko-KR" altLang="en-US" sz="1100" dirty="0"/>
+              <a:t>개선점 </a:t>
+            </a:r>
+            <a:r>
+              <a:rPr lang="en-US" altLang="ko-KR" sz="1100" dirty="0"/>
+              <a:t>: </a:t>
+            </a:r>
+            <a:r>
+              <a:rPr lang="ko-KR" altLang="en-US" sz="1100" dirty="0"/>
+              <a:t>추가적으로 구현하면 좋을 만한 사안</a:t>
+            </a:r>
+            <a:endParaRPr lang="en-US" altLang="ko-KR" sz="1100" dirty="0"/>
+          </a:p>
+        </p:txBody>
+      </p:sp>
+      <p:sp>
+        <p:nvSpPr>
+          <p:cNvPr id="2" name="TextBox 1">
+            <a:extLst>
+              <a:ext uri="{FF2B5EF4-FFF2-40B4-BE49-F238E27FC236}">
+                <a16:creationId xmlns:a16="http://schemas.microsoft.com/office/drawing/2014/main" id="{2E83E0C2-9B01-41DC-B7F3-00CEE1017BD0}"/>
+              </a:ext>
+            </a:extLst>
+          </p:cNvPr>
+          <p:cNvSpPr txBox="1"/>
+          <p:nvPr/>
+        </p:nvSpPr>
+        <p:spPr>
+          <a:xfrm>
+            <a:off x="3026890" y="1558013"/>
+            <a:ext cx="6138219" cy="2585323"/>
+          </a:xfrm>
+          <a:prstGeom prst="rect">
+            <a:avLst/>
+          </a:prstGeom>
+          <a:noFill/>
+        </p:spPr>
+        <p:txBody>
+          <a:bodyPr wrap="none" rtlCol="0">
+            <a:spAutoFit/>
+          </a:bodyPr>
+          <a:lstStyle/>
+          <a:p>
+            <a:r>
+              <a:rPr lang="ko-KR" altLang="en-US" dirty="0"/>
+              <a:t>문제점</a:t>
+            </a:r>
+            <a:r>
+              <a:rPr lang="en-US" altLang="ko-KR" dirty="0"/>
+              <a:t>1 : </a:t>
+            </a:r>
+          </a:p>
+          <a:p>
+            <a:r>
+              <a:rPr lang="ko-KR" altLang="en-US" dirty="0"/>
+              <a:t>아직 칵테일 장비</a:t>
+            </a:r>
+            <a:r>
+              <a:rPr lang="en-US" altLang="ko-KR" dirty="0"/>
+              <a:t>, </a:t>
+            </a:r>
+            <a:r>
+              <a:rPr lang="ko-KR" altLang="en-US" dirty="0"/>
+              <a:t>재료</a:t>
+            </a:r>
+            <a:r>
+              <a:rPr lang="en-US" altLang="ko-KR" dirty="0"/>
+              <a:t>, </a:t>
+            </a:r>
+            <a:r>
+              <a:rPr lang="ko-KR" altLang="en-US" dirty="0"/>
+              <a:t>기본상식이 제공되지 않았습니다</a:t>
+            </a:r>
+            <a:r>
+              <a:rPr lang="en-US" altLang="ko-KR" dirty="0"/>
+              <a:t>.</a:t>
+            </a:r>
+          </a:p>
+          <a:p>
+            <a:endParaRPr lang="en-US" altLang="ko-KR" dirty="0"/>
+          </a:p>
+          <a:p>
+            <a:r>
+              <a:rPr lang="ko-KR" altLang="en-US" dirty="0"/>
+              <a:t>문제점</a:t>
+            </a:r>
+            <a:r>
+              <a:rPr lang="en-US" altLang="ko-KR" dirty="0"/>
+              <a:t>2 : </a:t>
+            </a:r>
+          </a:p>
+          <a:p>
+            <a:r>
+              <a:rPr lang="ko-KR" altLang="en-US" dirty="0"/>
+              <a:t>칵테일 레시피 표시 </a:t>
+            </a:r>
+            <a:r>
+              <a:rPr lang="ko-KR" altLang="en-US" dirty="0" err="1"/>
+              <a:t>별점</a:t>
+            </a:r>
+            <a:r>
+              <a:rPr lang="en-US" altLang="ko-KR" dirty="0"/>
+              <a:t>, </a:t>
+            </a:r>
+            <a:r>
+              <a:rPr lang="ko-KR" altLang="en-US" dirty="0"/>
+              <a:t>사진이 아직 표현되지 않습니다</a:t>
+            </a:r>
+            <a:endParaRPr lang="en-US" altLang="ko-KR" dirty="0"/>
+          </a:p>
+          <a:p>
+            <a:endParaRPr lang="en-US" altLang="ko-KR" dirty="0"/>
+          </a:p>
+          <a:p>
+            <a:r>
+              <a:rPr lang="ko-KR" altLang="en-US" dirty="0"/>
+              <a:t>문제점</a:t>
+            </a:r>
+            <a:r>
+              <a:rPr lang="en-US" altLang="ko-KR" dirty="0"/>
+              <a:t>3 :</a:t>
+            </a:r>
+          </a:p>
+          <a:p>
+            <a:r>
+              <a:rPr lang="ko-KR" altLang="en-US" dirty="0"/>
+              <a:t>디자인이 </a:t>
+            </a:r>
+            <a:r>
+              <a:rPr lang="ko-KR" altLang="en-US" dirty="0" err="1"/>
+              <a:t>완성적이지</a:t>
+            </a:r>
+            <a:r>
+              <a:rPr lang="ko-KR" altLang="en-US" dirty="0"/>
+              <a:t> 않습니다 </a:t>
+            </a:r>
+            <a:r>
+              <a:rPr lang="en-US" altLang="ko-KR" dirty="0"/>
+              <a:t>(</a:t>
+            </a:r>
+            <a:r>
+              <a:rPr lang="ko-KR" altLang="en-US" dirty="0"/>
+              <a:t>프로토타입 형태</a:t>
+            </a:r>
+            <a:r>
+              <a:rPr lang="en-US" altLang="ko-KR" dirty="0"/>
+              <a:t>)</a:t>
+            </a:r>
+          </a:p>
+          <a:p>
+            <a:endParaRPr lang="en-US" altLang="ko-KR" dirty="0"/>
           </a:p>
         </p:txBody>
       </p:sp>
     </p:spTree>
     <p:extLst>
       <p:ext uri="{BB962C8B-B14F-4D97-AF65-F5344CB8AC3E}">
-        <p14:creationId xmlns:p14="http://schemas.microsoft.com/office/powerpoint/2010/main" val="230487628"/>
+        <p14:creationId xmlns:p14="http://schemas.microsoft.com/office/powerpoint/2010/main" val="2889775621"/>
       </p:ext>
     </p:extLst>
   </p:cSld>
@@ -7888,10 +9540,10 @@
       </p:grpSpPr>
       <p:sp>
         <p:nvSpPr>
-          <p:cNvPr id="4" name="TextBox 3">
-            <a:extLst>
-              <a:ext uri="{FF2B5EF4-FFF2-40B4-BE49-F238E27FC236}">
-                <a16:creationId xmlns:a16="http://schemas.microsoft.com/office/drawing/2014/main" id="{2F7948EE-0693-49DA-950D-E2F4643BF72B}"/>
+          <p:cNvPr id="9" name="TextBox 8">
+            <a:extLst>
+              <a:ext uri="{FF2B5EF4-FFF2-40B4-BE49-F238E27FC236}">
+                <a16:creationId xmlns:a16="http://schemas.microsoft.com/office/drawing/2014/main" id="{6C515703-5C88-4061-A5DA-65A493F454D4}"/>
               </a:ext>
             </a:extLst>
           </p:cNvPr>
@@ -7901,7 +9553,7 @@
         <p:spPr>
           <a:xfrm>
             <a:off x="187569" y="150392"/>
-            <a:ext cx="1569660" cy="646331"/>
+            <a:ext cx="5373587" cy="646331"/>
           </a:xfrm>
           <a:prstGeom prst="rect">
             <a:avLst/>
@@ -7916,25 +9568,55 @@
           <a:p>
             <a:r>
               <a:rPr lang="ko-KR" altLang="en-US" dirty="0"/>
-              <a:t>커뮤니티화면</a:t>
-            </a:r>
-            <a:endParaRPr lang="en-US" altLang="ko-KR" dirty="0"/>
-          </a:p>
-          <a:p>
-            <a:r>
-              <a:rPr lang="ko-KR" altLang="en-US" dirty="0"/>
-              <a:t>제작자</a:t>
-            </a:r>
-            <a:endParaRPr lang="en-US" altLang="ko-KR" dirty="0"/>
-          </a:p>
-        </p:txBody>
-      </p:sp>
-      <p:sp>
-        <p:nvSpPr>
-          <p:cNvPr id="3" name="TextBox 2">
-            <a:extLst>
-              <a:ext uri="{FF2B5EF4-FFF2-40B4-BE49-F238E27FC236}">
-                <a16:creationId xmlns:a16="http://schemas.microsoft.com/office/drawing/2014/main" id="{FE149A74-1EA7-46F2-B430-9B6A58F5D23E}"/>
+              <a:t>칵테일 정보 화면</a:t>
+            </a:r>
+            <a:endParaRPr lang="en-US" altLang="ko-KR" dirty="0"/>
+          </a:p>
+          <a:p>
+            <a:r>
+              <a:rPr lang="ko-KR" altLang="en-US" dirty="0"/>
+              <a:t>결과 분석에 따른 설계 변경사항 및 구현계획 기술</a:t>
+            </a:r>
+            <a:endParaRPr lang="en-US" altLang="ko-KR" dirty="0"/>
+          </a:p>
+        </p:txBody>
+      </p:sp>
+      <p:pic>
+        <p:nvPicPr>
+          <p:cNvPr id="3" name="그림 2">
+            <a:extLst>
+              <a:ext uri="{FF2B5EF4-FFF2-40B4-BE49-F238E27FC236}">
+                <a16:creationId xmlns:a16="http://schemas.microsoft.com/office/drawing/2014/main" id="{11525225-BB0D-4FB9-83E0-5E1CF91C6890}"/>
+              </a:ext>
+            </a:extLst>
+          </p:cNvPr>
+          <p:cNvPicPr>
+            <a:picLocks noChangeAspect="1"/>
+          </p:cNvPicPr>
+          <p:nvPr/>
+        </p:nvPicPr>
+        <p:blipFill>
+          <a:blip r:embed="rId2"/>
+          <a:stretch>
+            <a:fillRect/>
+          </a:stretch>
+        </p:blipFill>
+        <p:spPr>
+          <a:xfrm>
+            <a:off x="500937" y="1278192"/>
+            <a:ext cx="6211167" cy="514422"/>
+          </a:xfrm>
+          <a:prstGeom prst="rect">
+            <a:avLst/>
+          </a:prstGeom>
+        </p:spPr>
+      </p:pic>
+      <p:sp>
+        <p:nvSpPr>
+          <p:cNvPr id="7" name="TextBox 6">
+            <a:extLst>
+              <a:ext uri="{FF2B5EF4-FFF2-40B4-BE49-F238E27FC236}">
+                <a16:creationId xmlns:a16="http://schemas.microsoft.com/office/drawing/2014/main" id="{3A875FA6-144E-462A-B23F-BCE43AE64B30}"/>
               </a:ext>
             </a:extLst>
           </p:cNvPr>
@@ -7943,8 +9625,8 @@
         </p:nvSpPr>
         <p:spPr>
           <a:xfrm>
-            <a:off x="5080337" y="3013501"/>
-            <a:ext cx="2031325" cy="830997"/>
+            <a:off x="500937" y="1792614"/>
+            <a:ext cx="6447599" cy="523220"/>
           </a:xfrm>
           <a:prstGeom prst="rect">
             <a:avLst/>
@@ -7958,16 +9640,349 @@
           <a:lstStyle/>
           <a:p>
             <a:r>
-              <a:rPr lang="ko-KR" altLang="en-US" sz="4800" b="1" dirty="0"/>
-              <a:t>김병대</a:t>
-            </a:r>
+              <a:rPr lang="ko-KR" altLang="en-US" sz="1400" dirty="0"/>
+              <a:t>정렬 기능이 있기 때문에</a:t>
+            </a:r>
+            <a:r>
+              <a:rPr lang="en-US" altLang="ko-KR" sz="1400" dirty="0"/>
+              <a:t>, </a:t>
+            </a:r>
+            <a:r>
+              <a:rPr lang="ko-KR" altLang="en-US" sz="1400" dirty="0"/>
+              <a:t>카테고리별로 제공이 무의미하다고 판단하였습니다</a:t>
+            </a:r>
+            <a:r>
+              <a:rPr lang="en-US" altLang="ko-KR" sz="1400" dirty="0"/>
+              <a:t>.</a:t>
+            </a:r>
+          </a:p>
+          <a:p>
+            <a:r>
+              <a:rPr lang="ko-KR" altLang="en-US" sz="1400" dirty="0"/>
+              <a:t>또한</a:t>
+            </a:r>
+            <a:r>
+              <a:rPr lang="en-US" altLang="ko-KR" sz="1400" dirty="0"/>
+              <a:t>, </a:t>
+            </a:r>
+            <a:r>
+              <a:rPr lang="ko-KR" altLang="en-US" sz="1400" dirty="0"/>
+              <a:t>재료</a:t>
+            </a:r>
+            <a:r>
+              <a:rPr lang="en-US" altLang="ko-KR" sz="1400" dirty="0"/>
+              <a:t>, </a:t>
+            </a:r>
+            <a:r>
+              <a:rPr lang="ko-KR" altLang="en-US" sz="1400" dirty="0"/>
+              <a:t>장비 정보도 제공하기로 하였습니다</a:t>
+            </a:r>
+            <a:r>
+              <a:rPr lang="en-US" altLang="ko-KR" sz="1400" dirty="0"/>
+              <a:t>.</a:t>
+            </a:r>
+            <a:endParaRPr lang="ko-KR" altLang="en-US" sz="1400" dirty="0"/>
+          </a:p>
+        </p:txBody>
+      </p:sp>
+      <p:pic>
+        <p:nvPicPr>
+          <p:cNvPr id="10" name="그림 9">
+            <a:extLst>
+              <a:ext uri="{FF2B5EF4-FFF2-40B4-BE49-F238E27FC236}">
+                <a16:creationId xmlns:a16="http://schemas.microsoft.com/office/drawing/2014/main" id="{D728A2AE-A103-4327-83D9-7C22E6CC2C41}"/>
+              </a:ext>
+            </a:extLst>
+          </p:cNvPr>
+          <p:cNvPicPr>
+            <a:picLocks noChangeAspect="1"/>
+          </p:cNvPicPr>
+          <p:nvPr/>
+        </p:nvPicPr>
+        <p:blipFill>
+          <a:blip r:embed="rId3"/>
+          <a:stretch>
+            <a:fillRect/>
+          </a:stretch>
+        </p:blipFill>
+        <p:spPr>
+          <a:xfrm>
+            <a:off x="500937" y="2776456"/>
+            <a:ext cx="5687863" cy="778799"/>
+          </a:xfrm>
+          <a:prstGeom prst="rect">
+            <a:avLst/>
+          </a:prstGeom>
+        </p:spPr>
+      </p:pic>
+      <p:sp>
+        <p:nvSpPr>
+          <p:cNvPr id="11" name="TextBox 10">
+            <a:extLst>
+              <a:ext uri="{FF2B5EF4-FFF2-40B4-BE49-F238E27FC236}">
+                <a16:creationId xmlns:a16="http://schemas.microsoft.com/office/drawing/2014/main" id="{B35FA580-CE8C-4EED-9404-62829900047B}"/>
+              </a:ext>
+            </a:extLst>
+          </p:cNvPr>
+          <p:cNvSpPr txBox="1"/>
+          <p:nvPr/>
+        </p:nvSpPr>
+        <p:spPr>
+          <a:xfrm>
+            <a:off x="601605" y="3555255"/>
+            <a:ext cx="4792979" cy="523220"/>
+          </a:xfrm>
+          <a:prstGeom prst="rect">
+            <a:avLst/>
+          </a:prstGeom>
+          <a:noFill/>
+        </p:spPr>
+        <p:txBody>
+          <a:bodyPr wrap="none" rtlCol="0">
+            <a:spAutoFit/>
+          </a:bodyPr>
+          <a:lstStyle/>
+          <a:p>
+            <a:r>
+              <a:rPr lang="ko-KR" altLang="en-US" sz="1400" dirty="0" err="1"/>
+              <a:t>별점</a:t>
+            </a:r>
+            <a:r>
+              <a:rPr lang="en-US" altLang="ko-KR" sz="1400" dirty="0"/>
+              <a:t>, </a:t>
+            </a:r>
+            <a:r>
+              <a:rPr lang="ko-KR" altLang="en-US" sz="1400" dirty="0"/>
+              <a:t>사진 표시기능이 아직 구현되지 않았습니다</a:t>
+            </a:r>
+            <a:r>
+              <a:rPr lang="en-US" altLang="ko-KR" sz="1400" dirty="0"/>
+              <a:t>.</a:t>
+            </a:r>
+          </a:p>
+          <a:p>
+            <a:r>
+              <a:rPr lang="en-US" altLang="ko-KR" sz="1400" dirty="0"/>
+              <a:t>Firebase</a:t>
+            </a:r>
+            <a:r>
+              <a:rPr lang="ko-KR" altLang="en-US" sz="1400" dirty="0"/>
+              <a:t>와 연동하여 </a:t>
+            </a:r>
+            <a:r>
+              <a:rPr lang="ko-KR" altLang="en-US" sz="1400" dirty="0" err="1"/>
+              <a:t>별점이</a:t>
+            </a:r>
+            <a:r>
+              <a:rPr lang="ko-KR" altLang="en-US" sz="1400" dirty="0"/>
+              <a:t> 저장되도록 구현 예정입니다</a:t>
+            </a:r>
+            <a:r>
+              <a:rPr lang="en-US" altLang="ko-KR" sz="1400" dirty="0"/>
+              <a:t>.</a:t>
+            </a:r>
+            <a:endParaRPr lang="ko-KR" altLang="en-US" sz="1400" dirty="0"/>
+          </a:p>
+        </p:txBody>
+      </p:sp>
+      <p:pic>
+        <p:nvPicPr>
+          <p:cNvPr id="13" name="그림 12">
+            <a:extLst>
+              <a:ext uri="{FF2B5EF4-FFF2-40B4-BE49-F238E27FC236}">
+                <a16:creationId xmlns:a16="http://schemas.microsoft.com/office/drawing/2014/main" id="{6393083D-58E4-4456-8B0E-A81CA6CF0A36}"/>
+              </a:ext>
+            </a:extLst>
+          </p:cNvPr>
+          <p:cNvPicPr>
+            <a:picLocks noChangeAspect="1"/>
+          </p:cNvPicPr>
+          <p:nvPr/>
+        </p:nvPicPr>
+        <p:blipFill>
+          <a:blip r:embed="rId4"/>
+          <a:stretch>
+            <a:fillRect/>
+          </a:stretch>
+        </p:blipFill>
+        <p:spPr>
+          <a:xfrm>
+            <a:off x="489563" y="4479025"/>
+            <a:ext cx="5488802" cy="756497"/>
+          </a:xfrm>
+          <a:prstGeom prst="rect">
+            <a:avLst/>
+          </a:prstGeom>
+        </p:spPr>
+      </p:pic>
+      <p:sp>
+        <p:nvSpPr>
+          <p:cNvPr id="14" name="TextBox 13">
+            <a:extLst>
+              <a:ext uri="{FF2B5EF4-FFF2-40B4-BE49-F238E27FC236}">
+                <a16:creationId xmlns:a16="http://schemas.microsoft.com/office/drawing/2014/main" id="{86724C72-B8C4-4447-AAFF-FF790E6212AD}"/>
+              </a:ext>
+            </a:extLst>
+          </p:cNvPr>
+          <p:cNvSpPr txBox="1"/>
+          <p:nvPr/>
+        </p:nvSpPr>
+        <p:spPr>
+          <a:xfrm>
+            <a:off x="590231" y="5302946"/>
+            <a:ext cx="5453096" cy="523220"/>
+          </a:xfrm>
+          <a:prstGeom prst="rect">
+            <a:avLst/>
+          </a:prstGeom>
+          <a:noFill/>
+        </p:spPr>
+        <p:txBody>
+          <a:bodyPr wrap="none" rtlCol="0">
+            <a:spAutoFit/>
+          </a:bodyPr>
+          <a:lstStyle/>
+          <a:p>
+            <a:r>
+              <a:rPr lang="en-US" altLang="ko-KR" sz="1400" dirty="0"/>
+              <a:t>List</a:t>
+            </a:r>
+            <a:r>
+              <a:rPr lang="ko-KR" altLang="en-US" sz="1400" dirty="0"/>
+              <a:t> </a:t>
+            </a:r>
+            <a:r>
+              <a:rPr lang="en-US" altLang="ko-KR" sz="1400" dirty="0"/>
+              <a:t>-&gt;</a:t>
+            </a:r>
+            <a:r>
+              <a:rPr lang="ko-KR" altLang="en-US" sz="1400" dirty="0"/>
+              <a:t> </a:t>
+            </a:r>
+            <a:r>
+              <a:rPr lang="en-US" altLang="ko-KR" sz="1400" dirty="0" err="1"/>
+              <a:t>RecipeActivity</a:t>
+            </a:r>
+            <a:r>
+              <a:rPr lang="ko-KR" altLang="en-US" sz="1400" dirty="0"/>
+              <a:t>로 넘어가는 과정에 대화창이 등장하는 것은</a:t>
+            </a:r>
+            <a:endParaRPr lang="en-US" altLang="ko-KR" sz="1400" dirty="0"/>
+          </a:p>
+          <a:p>
+            <a:r>
+              <a:rPr lang="ko-KR" altLang="en-US" sz="1400" dirty="0"/>
+              <a:t>사용자에게 번거로움을 느끼게 할 수 있기때문에</a:t>
+            </a:r>
+            <a:r>
+              <a:rPr lang="en-US" altLang="ko-KR" sz="1400" dirty="0"/>
+              <a:t>, </a:t>
+            </a:r>
+            <a:r>
+              <a:rPr lang="ko-KR" altLang="en-US" sz="1400" dirty="0"/>
+              <a:t>취소하였습니다</a:t>
+            </a:r>
+            <a:r>
+              <a:rPr lang="en-US" altLang="ko-KR" sz="1400" dirty="0"/>
+              <a:t>.</a:t>
+            </a:r>
+            <a:endParaRPr lang="ko-KR" altLang="en-US" sz="1400" dirty="0"/>
+          </a:p>
+        </p:txBody>
+      </p:sp>
+      <p:pic>
+        <p:nvPicPr>
+          <p:cNvPr id="16" name="그림 15">
+            <a:extLst>
+              <a:ext uri="{FF2B5EF4-FFF2-40B4-BE49-F238E27FC236}">
+                <a16:creationId xmlns:a16="http://schemas.microsoft.com/office/drawing/2014/main" id="{2793A3B1-2E80-4E96-8B2F-56F9DE50DE9B}"/>
+              </a:ext>
+            </a:extLst>
+          </p:cNvPr>
+          <p:cNvPicPr>
+            <a:picLocks noChangeAspect="1"/>
+          </p:cNvPicPr>
+          <p:nvPr/>
+        </p:nvPicPr>
+        <p:blipFill>
+          <a:blip r:embed="rId5"/>
+          <a:stretch>
+            <a:fillRect/>
+          </a:stretch>
+        </p:blipFill>
+        <p:spPr>
+          <a:xfrm>
+            <a:off x="6712104" y="3429000"/>
+            <a:ext cx="4652567" cy="531925"/>
+          </a:xfrm>
+          <a:prstGeom prst="rect">
+            <a:avLst/>
+          </a:prstGeom>
+        </p:spPr>
+      </p:pic>
+      <p:sp>
+        <p:nvSpPr>
+          <p:cNvPr id="17" name="TextBox 16">
+            <a:extLst>
+              <a:ext uri="{FF2B5EF4-FFF2-40B4-BE49-F238E27FC236}">
+                <a16:creationId xmlns:a16="http://schemas.microsoft.com/office/drawing/2014/main" id="{45AA0070-C404-4B3D-9CE4-7B0A43387E04}"/>
+              </a:ext>
+            </a:extLst>
+          </p:cNvPr>
+          <p:cNvSpPr txBox="1"/>
+          <p:nvPr/>
+        </p:nvSpPr>
+        <p:spPr>
+          <a:xfrm>
+            <a:off x="6820250" y="4078475"/>
+            <a:ext cx="2683748" cy="523220"/>
+          </a:xfrm>
+          <a:prstGeom prst="rect">
+            <a:avLst/>
+          </a:prstGeom>
+          <a:noFill/>
+        </p:spPr>
+        <p:txBody>
+          <a:bodyPr wrap="none" rtlCol="0">
+            <a:spAutoFit/>
+          </a:bodyPr>
+          <a:lstStyle/>
+          <a:p>
+            <a:r>
+              <a:rPr lang="ko-KR" altLang="en-US" sz="1400" dirty="0" err="1"/>
+              <a:t>별점기능이</a:t>
+            </a:r>
+            <a:r>
+              <a:rPr lang="ko-KR" altLang="en-US" sz="1400" dirty="0"/>
+              <a:t> </a:t>
+            </a:r>
+            <a:r>
+              <a:rPr lang="ko-KR" altLang="en-US" sz="1400" dirty="0" err="1"/>
+              <a:t>구현되는대로</a:t>
+            </a:r>
+            <a:endParaRPr lang="en-US" altLang="ko-KR" sz="1400" dirty="0"/>
+          </a:p>
+          <a:p>
+            <a:r>
+              <a:rPr lang="ko-KR" altLang="en-US" sz="1400" dirty="0" err="1"/>
+              <a:t>인기순</a:t>
+            </a:r>
+            <a:r>
+              <a:rPr lang="ko-KR" altLang="en-US" sz="1400" dirty="0"/>
+              <a:t> 정렬을 구현하겠습니다</a:t>
+            </a:r>
+            <a:r>
+              <a:rPr lang="en-US" altLang="ko-KR" sz="1400" dirty="0"/>
+              <a:t>.</a:t>
+            </a:r>
+            <a:endParaRPr lang="ko-KR" altLang="en-US" sz="1400" dirty="0"/>
           </a:p>
         </p:txBody>
       </p:sp>
     </p:spTree>
     <p:extLst>
       <p:ext uri="{BB962C8B-B14F-4D97-AF65-F5344CB8AC3E}">
-        <p14:creationId xmlns:p14="http://schemas.microsoft.com/office/powerpoint/2010/main" val="353139287"/>
+        <p14:creationId xmlns:p14="http://schemas.microsoft.com/office/powerpoint/2010/main" val="2898832896"/>
       </p:ext>
     </p:extLst>
   </p:cSld>
@@ -7996,10 +10011,10 @@
       </p:grpSpPr>
       <p:sp>
         <p:nvSpPr>
-          <p:cNvPr id="7" name="TextBox 6">
-            <a:extLst>
-              <a:ext uri="{FF2B5EF4-FFF2-40B4-BE49-F238E27FC236}">
-                <a16:creationId xmlns:a16="http://schemas.microsoft.com/office/drawing/2014/main" id="{03F6D3A2-2448-4362-864F-CD2272CE6602}"/>
+          <p:cNvPr id="4" name="TextBox 3">
+            <a:extLst>
+              <a:ext uri="{FF2B5EF4-FFF2-40B4-BE49-F238E27FC236}">
+                <a16:creationId xmlns:a16="http://schemas.microsoft.com/office/drawing/2014/main" id="{A12C0690-42B2-46ED-ABD3-CCF37D7B3259}"/>
               </a:ext>
             </a:extLst>
           </p:cNvPr>
@@ -8008,8 +10023,8 @@
         </p:nvSpPr>
         <p:spPr>
           <a:xfrm>
-            <a:off x="187569" y="150392"/>
-            <a:ext cx="1569660" cy="646331"/>
+            <a:off x="3951827" y="3075057"/>
+            <a:ext cx="4288353" cy="707886"/>
           </a:xfrm>
           <a:prstGeom prst="rect">
             <a:avLst/>
@@ -8022,55 +10037,19 @@
           </a:bodyPr>
           <a:lstStyle/>
           <a:p>
-            <a:r>
-              <a:rPr lang="ko-KR" altLang="en-US" dirty="0"/>
-              <a:t>커뮤니티화면</a:t>
-            </a:r>
-            <a:endParaRPr lang="en-US" altLang="ko-KR" dirty="0"/>
-          </a:p>
-          <a:p>
-            <a:r>
-              <a:rPr lang="ko-KR" altLang="en-US" dirty="0"/>
-              <a:t>제작기준</a:t>
-            </a:r>
-            <a:endParaRPr lang="en-US" altLang="ko-KR" dirty="0"/>
-          </a:p>
-        </p:txBody>
-      </p:sp>
-      <p:pic>
-        <p:nvPicPr>
-          <p:cNvPr id="9" name="그림 8">
-            <a:extLst>
-              <a:ext uri="{FF2B5EF4-FFF2-40B4-BE49-F238E27FC236}">
-                <a16:creationId xmlns:a16="http://schemas.microsoft.com/office/drawing/2014/main" id="{FBC0A418-74BD-4B92-97F6-69D89A201D80}"/>
-              </a:ext>
-            </a:extLst>
-          </p:cNvPr>
-          <p:cNvPicPr>
-            <a:picLocks noChangeAspect="1"/>
-          </p:cNvPicPr>
-          <p:nvPr/>
-        </p:nvPicPr>
-        <p:blipFill>
-          <a:blip r:embed="rId2"/>
-          <a:stretch>
-            <a:fillRect/>
-          </a:stretch>
-        </p:blipFill>
-        <p:spPr>
-          <a:xfrm>
-            <a:off x="2904679" y="796723"/>
-            <a:ext cx="6382641" cy="5372850"/>
-          </a:xfrm>
-          <a:prstGeom prst="rect">
-            <a:avLst/>
-          </a:prstGeom>
-        </p:spPr>
-      </p:pic>
+            <a:pPr algn="ctr"/>
+            <a:r>
+              <a:rPr lang="ko-KR" altLang="en-US" sz="4000" dirty="0" err="1"/>
+              <a:t>나만의레시피화면</a:t>
+            </a:r>
+            <a:endParaRPr lang="ko-KR" altLang="en-US" sz="4000" dirty="0"/>
+          </a:p>
+        </p:txBody>
+      </p:sp>
     </p:spTree>
     <p:extLst>
       <p:ext uri="{BB962C8B-B14F-4D97-AF65-F5344CB8AC3E}">
-        <p14:creationId xmlns:p14="http://schemas.microsoft.com/office/powerpoint/2010/main" val="4187284858"/>
+        <p14:creationId xmlns:p14="http://schemas.microsoft.com/office/powerpoint/2010/main" val="3619133189"/>
       </p:ext>
     </p:extLst>
   </p:cSld>
@@ -8099,10 +10078,10 @@
       </p:grpSpPr>
       <p:sp>
         <p:nvSpPr>
-          <p:cNvPr id="5" name="TextBox 4">
-            <a:extLst>
-              <a:ext uri="{FF2B5EF4-FFF2-40B4-BE49-F238E27FC236}">
-                <a16:creationId xmlns:a16="http://schemas.microsoft.com/office/drawing/2014/main" id="{06F408F8-AF05-4F9E-A2CA-BF35AA4498E3}"/>
+          <p:cNvPr id="4" name="TextBox 3">
+            <a:extLst>
+              <a:ext uri="{FF2B5EF4-FFF2-40B4-BE49-F238E27FC236}">
+                <a16:creationId xmlns:a16="http://schemas.microsoft.com/office/drawing/2014/main" id="{2F7948EE-0693-49DA-950D-E2F4643BF72B}"/>
               </a:ext>
             </a:extLst>
           </p:cNvPr>
@@ -8112,7 +10091,7 @@
         <p:spPr>
           <a:xfrm>
             <a:off x="187569" y="150392"/>
-            <a:ext cx="1569660" cy="646331"/>
+            <a:ext cx="2031325" cy="646331"/>
           </a:xfrm>
           <a:prstGeom prst="rect">
             <a:avLst/>
@@ -8126,84 +10105,24 @@
           <a:lstStyle/>
           <a:p>
             <a:r>
-              <a:rPr lang="ko-KR" altLang="en-US" dirty="0"/>
-              <a:t>커뮤니티화면</a:t>
-            </a:r>
-            <a:endParaRPr lang="en-US" altLang="ko-KR" dirty="0"/>
-          </a:p>
-          <a:p>
-            <a:r>
-              <a:rPr lang="ko-KR" altLang="en-US" dirty="0"/>
-              <a:t>제작기준</a:t>
-            </a:r>
-            <a:endParaRPr lang="en-US" altLang="ko-KR" dirty="0"/>
-          </a:p>
-        </p:txBody>
-      </p:sp>
-      <p:pic>
-        <p:nvPicPr>
-          <p:cNvPr id="4" name="그림 3">
-            <a:extLst>
-              <a:ext uri="{FF2B5EF4-FFF2-40B4-BE49-F238E27FC236}">
-                <a16:creationId xmlns:a16="http://schemas.microsoft.com/office/drawing/2014/main" id="{A75F52C8-2DF0-4720-B5AE-DD82CD8AE127}"/>
-              </a:ext>
-            </a:extLst>
-          </p:cNvPr>
-          <p:cNvPicPr>
-            <a:picLocks noChangeAspect="1"/>
-          </p:cNvPicPr>
-          <p:nvPr/>
-        </p:nvPicPr>
-        <p:blipFill>
-          <a:blip r:embed="rId2"/>
-          <a:stretch>
-            <a:fillRect/>
-          </a:stretch>
-        </p:blipFill>
-        <p:spPr>
-          <a:xfrm>
-            <a:off x="2716440" y="796723"/>
-            <a:ext cx="8541481" cy="5717008"/>
-          </a:xfrm>
-          <a:prstGeom prst="rect">
-            <a:avLst/>
-          </a:prstGeom>
-        </p:spPr>
-      </p:pic>
-      <p:pic>
-        <p:nvPicPr>
-          <p:cNvPr id="6" name="그림 5">
-            <a:extLst>
-              <a:ext uri="{FF2B5EF4-FFF2-40B4-BE49-F238E27FC236}">
-                <a16:creationId xmlns:a16="http://schemas.microsoft.com/office/drawing/2014/main" id="{7E4D2CEC-47A7-4B80-8049-EB869C712705}"/>
-              </a:ext>
-            </a:extLst>
-          </p:cNvPr>
-          <p:cNvPicPr>
-            <a:picLocks noChangeAspect="1"/>
-          </p:cNvPicPr>
-          <p:nvPr/>
-        </p:nvPicPr>
-        <p:blipFill>
-          <a:blip r:embed="rId3"/>
-          <a:stretch>
-            <a:fillRect/>
-          </a:stretch>
-        </p:blipFill>
-        <p:spPr>
-          <a:xfrm>
-            <a:off x="187569" y="3048000"/>
-            <a:ext cx="2003550" cy="1235349"/>
-          </a:xfrm>
-          <a:prstGeom prst="rect">
-            <a:avLst/>
-          </a:prstGeom>
-        </p:spPr>
-      </p:pic>
+              <a:rPr lang="ko-KR" altLang="en-US" dirty="0" err="1"/>
+              <a:t>나만의레시피화면</a:t>
+            </a:r>
+            <a:endParaRPr lang="en-US" altLang="ko-KR" dirty="0"/>
+          </a:p>
+          <a:p>
+            <a:r>
+              <a:rPr lang="ko-KR" altLang="en-US" dirty="0"/>
+              <a:t>제작자</a:t>
+            </a:r>
+            <a:endParaRPr lang="en-US" altLang="ko-KR" dirty="0"/>
+          </a:p>
+        </p:txBody>
+      </p:sp>
     </p:spTree>
     <p:extLst>
       <p:ext uri="{BB962C8B-B14F-4D97-AF65-F5344CB8AC3E}">
-        <p14:creationId xmlns:p14="http://schemas.microsoft.com/office/powerpoint/2010/main" val="2931731065"/>
+        <p14:creationId xmlns:p14="http://schemas.microsoft.com/office/powerpoint/2010/main" val="2013616434"/>
       </p:ext>
     </p:extLst>
   </p:cSld>
@@ -8232,10 +10151,10 @@
       </p:grpSpPr>
       <p:sp>
         <p:nvSpPr>
-          <p:cNvPr id="9" name="TextBox 8">
-            <a:extLst>
-              <a:ext uri="{FF2B5EF4-FFF2-40B4-BE49-F238E27FC236}">
-                <a16:creationId xmlns:a16="http://schemas.microsoft.com/office/drawing/2014/main" id="{6C515703-5C88-4061-A5DA-65A493F454D4}"/>
+          <p:cNvPr id="7" name="TextBox 6">
+            <a:extLst>
+              <a:ext uri="{FF2B5EF4-FFF2-40B4-BE49-F238E27FC236}">
+                <a16:creationId xmlns:a16="http://schemas.microsoft.com/office/drawing/2014/main" id="{03F6D3A2-2448-4362-864F-CD2272CE6602}"/>
               </a:ext>
             </a:extLst>
           </p:cNvPr>
@@ -8259,15 +10178,15 @@
           <a:lstStyle/>
           <a:p>
             <a:r>
-              <a:rPr lang="ko-KR" altLang="en-US" dirty="0"/>
-              <a:t>커뮤니티화면</a:t>
-            </a:r>
-            <a:endParaRPr lang="en-US" altLang="ko-KR" dirty="0"/>
-          </a:p>
-          <a:p>
-            <a:r>
-              <a:rPr lang="ko-KR" altLang="en-US" dirty="0"/>
-              <a:t>제작방법 및 결과</a:t>
+              <a:rPr lang="ko-KR" altLang="en-US" dirty="0" err="1"/>
+              <a:t>나만의레시피화면</a:t>
+            </a:r>
+            <a:endParaRPr lang="en-US" altLang="ko-KR" dirty="0"/>
+          </a:p>
+          <a:p>
+            <a:r>
+              <a:rPr lang="ko-KR" altLang="en-US" dirty="0"/>
+              <a:t>제작기준</a:t>
             </a:r>
             <a:endParaRPr lang="en-US" altLang="ko-KR" dirty="0"/>
           </a:p>
@@ -8275,10 +10194,10 @@
       </p:sp>
       <p:pic>
         <p:nvPicPr>
-          <p:cNvPr id="5" name="그림 4">
-            <a:extLst>
-              <a:ext uri="{FF2B5EF4-FFF2-40B4-BE49-F238E27FC236}">
-                <a16:creationId xmlns:a16="http://schemas.microsoft.com/office/drawing/2014/main" id="{FA175239-2F11-41F2-81DD-F61EB2FA4F07}"/>
+          <p:cNvPr id="3" name="그림 2">
+            <a:extLst>
+              <a:ext uri="{FF2B5EF4-FFF2-40B4-BE49-F238E27FC236}">
+                <a16:creationId xmlns:a16="http://schemas.microsoft.com/office/drawing/2014/main" id="{6F821D63-2176-4E22-9638-347EFF9CEE20}"/>
               </a:ext>
             </a:extLst>
           </p:cNvPr>
@@ -8295,69 +10214,18 @@
         </p:blipFill>
         <p:spPr>
           <a:xfrm>
-            <a:off x="3637446" y="1231900"/>
-            <a:ext cx="4917107" cy="5328334"/>
-          </a:xfrm>
-          <a:prstGeom prst="rect">
-            <a:avLst/>
-          </a:prstGeom>
-          <a:ln>
-            <a:solidFill>
-              <a:schemeClr val="tx1"/>
-            </a:solidFill>
-          </a:ln>
+            <a:off x="626242" y="1712269"/>
+            <a:ext cx="10939515" cy="3433462"/>
+          </a:xfrm>
+          <a:prstGeom prst="rect">
+            <a:avLst/>
+          </a:prstGeom>
         </p:spPr>
       </p:pic>
-      <p:sp>
-        <p:nvSpPr>
-          <p:cNvPr id="6" name="TextBox 5">
-            <a:extLst>
-              <a:ext uri="{FF2B5EF4-FFF2-40B4-BE49-F238E27FC236}">
-                <a16:creationId xmlns:a16="http://schemas.microsoft.com/office/drawing/2014/main" id="{BB57AB76-4C2C-4F5E-B894-AA1F688FED63}"/>
-              </a:ext>
-            </a:extLst>
-          </p:cNvPr>
-          <p:cNvSpPr txBox="1"/>
-          <p:nvPr/>
-        </p:nvSpPr>
-        <p:spPr>
-          <a:xfrm>
-            <a:off x="418501" y="1431723"/>
-            <a:ext cx="2619628" cy="646331"/>
-          </a:xfrm>
-          <a:prstGeom prst="rect">
-            <a:avLst/>
-          </a:prstGeom>
-          <a:noFill/>
-        </p:spPr>
-        <p:txBody>
-          <a:bodyPr wrap="none" rtlCol="0">
-            <a:spAutoFit/>
-          </a:bodyPr>
-          <a:lstStyle/>
-          <a:p>
-            <a:r>
-              <a:rPr lang="en-US" altLang="ko-KR" dirty="0" err="1"/>
-              <a:t>CommunityFragment</a:t>
-            </a:r>
-            <a:r>
-              <a:rPr lang="ko-KR" altLang="en-US" dirty="0"/>
-              <a:t>의</a:t>
-            </a:r>
-            <a:endParaRPr lang="en-US" altLang="ko-KR" dirty="0"/>
-          </a:p>
-          <a:p>
-            <a:r>
-              <a:rPr lang="ko-KR" altLang="en-US" dirty="0"/>
-              <a:t>대략적인 구조</a:t>
-            </a:r>
-          </a:p>
-        </p:txBody>
-      </p:sp>
     </p:spTree>
     <p:extLst>
       <p:ext uri="{BB962C8B-B14F-4D97-AF65-F5344CB8AC3E}">
-        <p14:creationId xmlns:p14="http://schemas.microsoft.com/office/powerpoint/2010/main" val="2394150618"/>
+        <p14:creationId xmlns:p14="http://schemas.microsoft.com/office/powerpoint/2010/main" val="1762067721"/>
       </p:ext>
     </p:extLst>
   </p:cSld>
@@ -8386,10 +10254,10 @@
       </p:grpSpPr>
       <p:sp>
         <p:nvSpPr>
-          <p:cNvPr id="9" name="TextBox 8">
-            <a:extLst>
-              <a:ext uri="{FF2B5EF4-FFF2-40B4-BE49-F238E27FC236}">
-                <a16:creationId xmlns:a16="http://schemas.microsoft.com/office/drawing/2014/main" id="{6C515703-5C88-4061-A5DA-65A493F454D4}"/>
+          <p:cNvPr id="5" name="TextBox 4">
+            <a:extLst>
+              <a:ext uri="{FF2B5EF4-FFF2-40B4-BE49-F238E27FC236}">
+                <a16:creationId xmlns:a16="http://schemas.microsoft.com/office/drawing/2014/main" id="{06F408F8-AF05-4F9E-A2CA-BF35AA4498E3}"/>
               </a:ext>
             </a:extLst>
           </p:cNvPr>
@@ -8413,121 +10281,26 @@
           <a:lstStyle/>
           <a:p>
             <a:r>
-              <a:rPr lang="ko-KR" altLang="en-US" dirty="0"/>
-              <a:t>커뮤니티화면</a:t>
-            </a:r>
-            <a:endParaRPr lang="en-US" altLang="ko-KR" dirty="0"/>
-          </a:p>
-          <a:p>
-            <a:r>
-              <a:rPr lang="ko-KR" altLang="en-US" dirty="0"/>
-              <a:t>제작방법 및 결과</a:t>
-            </a:r>
-            <a:endParaRPr lang="en-US" altLang="ko-KR" dirty="0"/>
-          </a:p>
-        </p:txBody>
-      </p:sp>
-      <p:pic>
-        <p:nvPicPr>
-          <p:cNvPr id="12" name="그림 11">
-            <a:extLst>
-              <a:ext uri="{FF2B5EF4-FFF2-40B4-BE49-F238E27FC236}">
-                <a16:creationId xmlns:a16="http://schemas.microsoft.com/office/drawing/2014/main" id="{198768A3-45D2-4E0B-B225-F6FF1CFB6888}"/>
-              </a:ext>
-            </a:extLst>
-          </p:cNvPr>
-          <p:cNvPicPr>
-            <a:picLocks noChangeAspect="1"/>
-          </p:cNvPicPr>
-          <p:nvPr/>
-        </p:nvPicPr>
-        <p:blipFill>
-          <a:blip r:embed="rId2"/>
-          <a:stretch>
-            <a:fillRect/>
-          </a:stretch>
-        </p:blipFill>
-        <p:spPr>
-          <a:xfrm>
-            <a:off x="6774155" y="2214004"/>
-            <a:ext cx="3164552" cy="2534956"/>
-          </a:xfrm>
-          <a:prstGeom prst="rect">
-            <a:avLst/>
-          </a:prstGeom>
-          <a:ln>
-            <a:solidFill>
-              <a:schemeClr val="tx1"/>
-            </a:solidFill>
-          </a:ln>
-        </p:spPr>
-      </p:pic>
-      <p:pic>
-        <p:nvPicPr>
-          <p:cNvPr id="3" name="그림 2">
-            <a:extLst>
-              <a:ext uri="{FF2B5EF4-FFF2-40B4-BE49-F238E27FC236}">
-                <a16:creationId xmlns:a16="http://schemas.microsoft.com/office/drawing/2014/main" id="{6AC1818A-4B8F-47D0-9291-B047D8075A45}"/>
-              </a:ext>
-            </a:extLst>
-          </p:cNvPr>
-          <p:cNvPicPr>
-            <a:picLocks noChangeAspect="1"/>
-          </p:cNvPicPr>
-          <p:nvPr/>
-        </p:nvPicPr>
-        <p:blipFill>
-          <a:blip r:embed="rId3"/>
-          <a:stretch>
-            <a:fillRect/>
-          </a:stretch>
-        </p:blipFill>
-        <p:spPr>
-          <a:xfrm>
-            <a:off x="320581" y="2224741"/>
-            <a:ext cx="4374527" cy="2764219"/>
-          </a:xfrm>
-          <a:prstGeom prst="rect">
-            <a:avLst/>
-          </a:prstGeom>
-        </p:spPr>
-      </p:pic>
-      <p:pic>
-        <p:nvPicPr>
-          <p:cNvPr id="7" name="그림 6">
-            <a:extLst>
-              <a:ext uri="{FF2B5EF4-FFF2-40B4-BE49-F238E27FC236}">
-                <a16:creationId xmlns:a16="http://schemas.microsoft.com/office/drawing/2014/main" id="{1D7BB2DA-E7B9-4EBE-9F02-BA65FF05B6B4}"/>
-              </a:ext>
-            </a:extLst>
-          </p:cNvPr>
-          <p:cNvPicPr>
-            <a:picLocks noChangeAspect="1"/>
-          </p:cNvPicPr>
-          <p:nvPr/>
-        </p:nvPicPr>
-        <p:blipFill>
-          <a:blip r:embed="rId4"/>
-          <a:stretch>
-            <a:fillRect/>
-          </a:stretch>
-        </p:blipFill>
-        <p:spPr>
-          <a:xfrm>
-            <a:off x="5291168" y="1208116"/>
-            <a:ext cx="6539837" cy="471699"/>
-          </a:xfrm>
-          <a:prstGeom prst="rect">
-            <a:avLst/>
-          </a:prstGeom>
-        </p:spPr>
-      </p:pic>
-      <p:sp>
-        <p:nvSpPr>
-          <p:cNvPr id="13" name="TextBox 12">
-            <a:extLst>
-              <a:ext uri="{FF2B5EF4-FFF2-40B4-BE49-F238E27FC236}">
-                <a16:creationId xmlns:a16="http://schemas.microsoft.com/office/drawing/2014/main" id="{BEB2CC91-90E5-465E-8C8C-95544DB06C63}"/>
+              <a:rPr lang="ko-KR" altLang="en-US" dirty="0" err="1"/>
+              <a:t>나만의레시피화면</a:t>
+            </a:r>
+            <a:endParaRPr lang="en-US" altLang="ko-KR" dirty="0"/>
+          </a:p>
+          <a:p>
+            <a:r>
+              <a:rPr lang="ko-KR" altLang="en-US" dirty="0"/>
+              <a:t>제작기준</a:t>
+            </a:r>
+            <a:endParaRPr lang="en-US" altLang="ko-KR" dirty="0"/>
+          </a:p>
+        </p:txBody>
+      </p:sp>
+      <p:sp>
+        <p:nvSpPr>
+          <p:cNvPr id="3" name="TextBox 2">
+            <a:extLst>
+              <a:ext uri="{FF2B5EF4-FFF2-40B4-BE49-F238E27FC236}">
+                <a16:creationId xmlns:a16="http://schemas.microsoft.com/office/drawing/2014/main" id="{658FA4EB-2826-4D42-B944-A78FC5E364BB}"/>
               </a:ext>
             </a:extLst>
           </p:cNvPr>
@@ -8536,8 +10309,8 @@
         </p:nvSpPr>
         <p:spPr>
           <a:xfrm>
-            <a:off x="5742524" y="5188219"/>
-            <a:ext cx="5445722" cy="923330"/>
+            <a:off x="4963886" y="2782669"/>
+            <a:ext cx="2558714" cy="646331"/>
           </a:xfrm>
           <a:prstGeom prst="rect">
             <a:avLst/>
@@ -8551,188 +10324,32 @@
           <a:lstStyle/>
           <a:p>
             <a:r>
-              <a:rPr lang="en-US" altLang="ko-KR" b="1" dirty="0" err="1">
-                <a:solidFill>
-                  <a:srgbClr val="00B050"/>
-                </a:solidFill>
-              </a:rPr>
-              <a:t>ReferenceDatabase</a:t>
-            </a:r>
-            <a:r>
-              <a:rPr lang="en-US" altLang="ko-KR" b="1" dirty="0">
-                <a:solidFill>
-                  <a:srgbClr val="00B050"/>
-                </a:solidFill>
-              </a:rPr>
-              <a:t> </a:t>
-            </a:r>
-            <a:r>
-              <a:rPr lang="ko-KR" altLang="en-US" b="1" dirty="0">
-                <a:solidFill>
-                  <a:srgbClr val="00B050"/>
-                </a:solidFill>
-              </a:rPr>
-              <a:t>객체</a:t>
-            </a:r>
-            <a:r>
-              <a:rPr lang="en-US" altLang="ko-KR" b="1" dirty="0">
-                <a:solidFill>
-                  <a:srgbClr val="00B050"/>
-                </a:solidFill>
-              </a:rPr>
-              <a:t>(</a:t>
-            </a:r>
-            <a:r>
-              <a:rPr lang="en-US" altLang="ko-KR" b="1" dirty="0" err="1">
-                <a:solidFill>
-                  <a:srgbClr val="00B050"/>
-                </a:solidFill>
-              </a:rPr>
-              <a:t>mDatabase</a:t>
-            </a:r>
-            <a:r>
-              <a:rPr lang="en-US" altLang="ko-KR" b="1" dirty="0">
-                <a:solidFill>
-                  <a:srgbClr val="00B050"/>
-                </a:solidFill>
-              </a:rPr>
-              <a:t>)</a:t>
-            </a:r>
-            <a:r>
-              <a:rPr lang="ko-KR" altLang="en-US" b="1" dirty="0">
-                <a:solidFill>
-                  <a:srgbClr val="00B050"/>
-                </a:solidFill>
-              </a:rPr>
-              <a:t>를 이용하여</a:t>
-            </a:r>
-            <a:endParaRPr lang="en-US" altLang="ko-KR" b="1" dirty="0">
-              <a:solidFill>
-                <a:srgbClr val="00B050"/>
-              </a:solidFill>
-            </a:endParaRPr>
-          </a:p>
-          <a:p>
-            <a:r>
-              <a:rPr lang="en-US" altLang="ko-KR" b="1" dirty="0">
-                <a:solidFill>
-                  <a:srgbClr val="00B050"/>
-                </a:solidFill>
-              </a:rPr>
-              <a:t>Firebase – </a:t>
-            </a:r>
-            <a:r>
-              <a:rPr lang="en-US" altLang="ko-KR" b="1" dirty="0" err="1">
-                <a:solidFill>
-                  <a:srgbClr val="00B050"/>
-                </a:solidFill>
-              </a:rPr>
-              <a:t>RealtimeDatabase</a:t>
-            </a:r>
-            <a:r>
-              <a:rPr lang="ko-KR" altLang="en-US" b="1" dirty="0">
-                <a:solidFill>
-                  <a:srgbClr val="00B050"/>
-                </a:solidFill>
-              </a:rPr>
-              <a:t>에</a:t>
-            </a:r>
-            <a:endParaRPr lang="en-US" altLang="ko-KR" b="1" dirty="0">
-              <a:solidFill>
-                <a:srgbClr val="00B050"/>
-              </a:solidFill>
-            </a:endParaRPr>
-          </a:p>
-          <a:p>
-            <a:r>
-              <a:rPr lang="ko-KR" altLang="en-US" b="1" dirty="0" err="1">
-                <a:solidFill>
-                  <a:srgbClr val="00B050"/>
-                </a:solidFill>
-              </a:rPr>
-              <a:t>저장되어있는</a:t>
-            </a:r>
-            <a:r>
-              <a:rPr lang="en-US" altLang="ko-KR" b="1" dirty="0">
-                <a:solidFill>
-                  <a:srgbClr val="00B050"/>
-                </a:solidFill>
-              </a:rPr>
-              <a:t> </a:t>
-            </a:r>
-            <a:r>
-              <a:rPr lang="ko-KR" altLang="en-US" b="1" dirty="0">
-                <a:solidFill>
-                  <a:srgbClr val="00B050"/>
-                </a:solidFill>
-              </a:rPr>
-              <a:t>게시글을 불러옵니다</a:t>
-            </a:r>
-            <a:r>
-              <a:rPr lang="en-US" altLang="ko-KR" b="1" dirty="0">
-                <a:solidFill>
-                  <a:srgbClr val="00B050"/>
-                </a:solidFill>
-              </a:rPr>
-              <a:t>.</a:t>
-            </a:r>
-          </a:p>
-        </p:txBody>
-      </p:sp>
-      <p:sp>
-        <p:nvSpPr>
-          <p:cNvPr id="17" name="직사각형 16">
-            <a:extLst>
-              <a:ext uri="{FF2B5EF4-FFF2-40B4-BE49-F238E27FC236}">
-                <a16:creationId xmlns:a16="http://schemas.microsoft.com/office/drawing/2014/main" id="{FAD5A42A-4AC5-4E22-B912-6F4DECC418AB}"/>
-              </a:ext>
-            </a:extLst>
-          </p:cNvPr>
-          <p:cNvSpPr/>
-          <p:nvPr/>
-        </p:nvSpPr>
-        <p:spPr>
-          <a:xfrm>
-            <a:off x="320581" y="3825631"/>
-            <a:ext cx="10523265" cy="2881977"/>
-          </a:xfrm>
-          <a:prstGeom prst="rect">
-            <a:avLst/>
-          </a:prstGeom>
-          <a:noFill/>
-          <a:ln>
-            <a:noFill/>
-          </a:ln>
-        </p:spPr>
-        <p:style>
-          <a:lnRef idx="2">
-            <a:schemeClr val="accent1">
-              <a:shade val="50000"/>
-            </a:schemeClr>
-          </a:lnRef>
-          <a:fillRef idx="1">
-            <a:schemeClr val="accent1"/>
-          </a:fillRef>
-          <a:effectRef idx="0">
-            <a:schemeClr val="accent1"/>
-          </a:effectRef>
-          <a:fontRef idx="minor">
-            <a:schemeClr val="lt1"/>
-          </a:fontRef>
-        </p:style>
-        <p:txBody>
-          <a:bodyPr rtlCol="0" anchor="ctr"/>
-          <a:lstStyle/>
-          <a:p>
-            <a:pPr algn="ctr"/>
-            <a:endParaRPr lang="ko-KR" altLang="en-US"/>
+              <a:rPr lang="ko-KR" altLang="en-US" dirty="0"/>
+              <a:t>나만의 레시피</a:t>
+            </a:r>
+            <a:endParaRPr lang="en-US" altLang="ko-KR" dirty="0"/>
+          </a:p>
+          <a:p>
+            <a:r>
+              <a:rPr lang="ko-KR" altLang="en-US" dirty="0"/>
+              <a:t>삭제</a:t>
+            </a:r>
+            <a:r>
+              <a:rPr lang="en-US" altLang="ko-KR" dirty="0"/>
+              <a:t>, </a:t>
+            </a:r>
+            <a:r>
+              <a:rPr lang="ko-KR" altLang="en-US" dirty="0"/>
+              <a:t>수정기능 구현 후</a:t>
+            </a:r>
+            <a:endParaRPr lang="en-US" altLang="ko-KR" dirty="0"/>
           </a:p>
         </p:txBody>
       </p:sp>
     </p:spTree>
     <p:extLst>
       <p:ext uri="{BB962C8B-B14F-4D97-AF65-F5344CB8AC3E}">
-        <p14:creationId xmlns:p14="http://schemas.microsoft.com/office/powerpoint/2010/main" val="1208457357"/>
+        <p14:creationId xmlns:p14="http://schemas.microsoft.com/office/powerpoint/2010/main" val="913671504"/>
       </p:ext>
     </p:extLst>
   </p:cSld>
@@ -8788,8 +10405,8 @@
           <a:lstStyle/>
           <a:p>
             <a:r>
-              <a:rPr lang="ko-KR" altLang="en-US" dirty="0"/>
-              <a:t>커뮤니티화면</a:t>
+              <a:rPr lang="ko-KR" altLang="en-US" dirty="0" err="1"/>
+              <a:t>나만의레시피화면</a:t>
             </a:r>
             <a:endParaRPr lang="en-US" altLang="ko-KR" dirty="0"/>
           </a:p>
@@ -8802,315 +10419,10 @@
           </a:p>
         </p:txBody>
       </p:sp>
-      <p:pic>
-        <p:nvPicPr>
-          <p:cNvPr id="5" name="그림 4">
-            <a:extLst>
-              <a:ext uri="{FF2B5EF4-FFF2-40B4-BE49-F238E27FC236}">
-                <a16:creationId xmlns:a16="http://schemas.microsoft.com/office/drawing/2014/main" id="{35DFFDA9-965C-49B8-8B7F-89287489680B}"/>
-              </a:ext>
-            </a:extLst>
-          </p:cNvPr>
-          <p:cNvPicPr>
-            <a:picLocks noChangeAspect="1"/>
-          </p:cNvPicPr>
-          <p:nvPr/>
-        </p:nvPicPr>
-        <p:blipFill>
-          <a:blip r:embed="rId2"/>
-          <a:stretch>
-            <a:fillRect/>
-          </a:stretch>
-        </p:blipFill>
-        <p:spPr>
-          <a:xfrm>
-            <a:off x="276273" y="1303047"/>
-            <a:ext cx="5819727" cy="5404561"/>
-          </a:xfrm>
-          <a:prstGeom prst="rect">
-            <a:avLst/>
-          </a:prstGeom>
-          <a:ln>
-            <a:solidFill>
-              <a:schemeClr val="tx1"/>
-            </a:solidFill>
-          </a:ln>
-        </p:spPr>
-      </p:pic>
-      <p:sp>
-        <p:nvSpPr>
-          <p:cNvPr id="6" name="TextBox 5">
-            <a:extLst>
-              <a:ext uri="{FF2B5EF4-FFF2-40B4-BE49-F238E27FC236}">
-                <a16:creationId xmlns:a16="http://schemas.microsoft.com/office/drawing/2014/main" id="{7CC26C31-082B-4C37-967A-9A19C3A926EB}"/>
-              </a:ext>
-            </a:extLst>
-          </p:cNvPr>
-          <p:cNvSpPr txBox="1"/>
-          <p:nvPr/>
-        </p:nvSpPr>
-        <p:spPr>
-          <a:xfrm>
-            <a:off x="1359877" y="868847"/>
-            <a:ext cx="3074881" cy="369332"/>
-          </a:xfrm>
-          <a:prstGeom prst="rect">
-            <a:avLst/>
-          </a:prstGeom>
-          <a:noFill/>
-        </p:spPr>
-        <p:txBody>
-          <a:bodyPr wrap="none" rtlCol="0">
-            <a:spAutoFit/>
-          </a:bodyPr>
-          <a:lstStyle/>
-          <a:p>
-            <a:r>
-              <a:rPr lang="en-US" altLang="ko-KR" dirty="0" err="1"/>
-              <a:t>ForumActivity</a:t>
-            </a:r>
-            <a:r>
-              <a:rPr lang="en-US" altLang="ko-KR" dirty="0"/>
-              <a:t> (</a:t>
-            </a:r>
-            <a:r>
-              <a:rPr lang="ko-KR" altLang="en-US" dirty="0"/>
-              <a:t>게시판 화면</a:t>
-            </a:r>
-            <a:r>
-              <a:rPr lang="en-US" altLang="ko-KR" dirty="0"/>
-              <a:t>)</a:t>
-            </a:r>
-            <a:endParaRPr lang="ko-KR" altLang="en-US" dirty="0"/>
-          </a:p>
-        </p:txBody>
-      </p:sp>
-      <p:sp>
-        <p:nvSpPr>
-          <p:cNvPr id="14" name="TextBox 13">
-            <a:extLst>
-              <a:ext uri="{FF2B5EF4-FFF2-40B4-BE49-F238E27FC236}">
-                <a16:creationId xmlns:a16="http://schemas.microsoft.com/office/drawing/2014/main" id="{022D89EC-1092-4291-B2C6-99BCEA433094}"/>
-              </a:ext>
-            </a:extLst>
-          </p:cNvPr>
-          <p:cNvSpPr txBox="1"/>
-          <p:nvPr/>
-        </p:nvSpPr>
-        <p:spPr>
-          <a:xfrm>
-            <a:off x="6484837" y="796723"/>
-            <a:ext cx="5179623" cy="3139321"/>
-          </a:xfrm>
-          <a:prstGeom prst="rect">
-            <a:avLst/>
-          </a:prstGeom>
-          <a:noFill/>
-        </p:spPr>
-        <p:txBody>
-          <a:bodyPr wrap="none" rtlCol="0">
-            <a:spAutoFit/>
-          </a:bodyPr>
-          <a:lstStyle/>
-          <a:p>
-            <a:r>
-              <a:rPr lang="ko-KR" altLang="en-US" dirty="0"/>
-              <a:t>마찬가지로 </a:t>
-            </a:r>
-            <a:r>
-              <a:rPr lang="en-US" altLang="ko-KR" dirty="0"/>
-              <a:t>Firebase – </a:t>
-            </a:r>
-            <a:r>
-              <a:rPr lang="en-US" altLang="ko-KR" dirty="0" err="1"/>
-              <a:t>RealtimeDatabase</a:t>
-            </a:r>
-            <a:r>
-              <a:rPr lang="ko-KR" altLang="en-US" dirty="0"/>
-              <a:t>에서</a:t>
-            </a:r>
-            <a:endParaRPr lang="en-US" altLang="ko-KR" dirty="0"/>
-          </a:p>
-          <a:p>
-            <a:r>
-              <a:rPr lang="ko-KR" altLang="en-US" dirty="0"/>
-              <a:t>게시글 목록을 가져옵니다</a:t>
-            </a:r>
-            <a:r>
-              <a:rPr lang="en-US" altLang="ko-KR" dirty="0"/>
-              <a:t>.</a:t>
-            </a:r>
-          </a:p>
-          <a:p>
-            <a:endParaRPr lang="en-US" altLang="ko-KR" dirty="0"/>
-          </a:p>
-          <a:p>
-            <a:r>
-              <a:rPr lang="ko-KR" altLang="en-US" dirty="0"/>
-              <a:t>기본적으로 오래된 게시글부터 가져오기 때문에</a:t>
-            </a:r>
-            <a:r>
-              <a:rPr lang="en-US" altLang="ko-KR" dirty="0"/>
-              <a:t>,</a:t>
-            </a:r>
-          </a:p>
-          <a:p>
-            <a:r>
-              <a:rPr lang="ko-KR" altLang="en-US" dirty="0"/>
-              <a:t>모든 게시글을 우선 </a:t>
-            </a:r>
-            <a:r>
-              <a:rPr lang="en-US" altLang="ko-KR" dirty="0" err="1"/>
-              <a:t>ArrayList</a:t>
-            </a:r>
-            <a:r>
-              <a:rPr lang="ko-KR" altLang="en-US" dirty="0"/>
-              <a:t>에 저장 후</a:t>
-            </a:r>
-            <a:endParaRPr lang="en-US" altLang="ko-KR" dirty="0"/>
-          </a:p>
-          <a:p>
-            <a:r>
-              <a:rPr lang="en-US" altLang="ko-KR" dirty="0" err="1"/>
-              <a:t>Collections.reverse</a:t>
-            </a:r>
-            <a:r>
-              <a:rPr lang="en-US" altLang="ko-KR" dirty="0"/>
-              <a:t>() </a:t>
-            </a:r>
-            <a:r>
-              <a:rPr lang="ko-KR" altLang="en-US" dirty="0"/>
-              <a:t>메서드를 사용하여</a:t>
-            </a:r>
-            <a:endParaRPr lang="en-US" altLang="ko-KR" dirty="0"/>
-          </a:p>
-          <a:p>
-            <a:r>
-              <a:rPr lang="ko-KR" altLang="en-US" dirty="0"/>
-              <a:t>최신순으로 정렬합니다</a:t>
-            </a:r>
-            <a:r>
-              <a:rPr lang="en-US" altLang="ko-KR" dirty="0"/>
-              <a:t>.</a:t>
-            </a:r>
-          </a:p>
-          <a:p>
-            <a:endParaRPr lang="en-US" altLang="ko-KR" dirty="0"/>
-          </a:p>
-          <a:p>
-            <a:r>
-              <a:rPr lang="ko-KR" altLang="en-US" dirty="0"/>
-              <a:t>후에 </a:t>
-            </a:r>
-            <a:r>
-              <a:rPr lang="en-US" altLang="ko-KR" dirty="0" err="1"/>
-              <a:t>ArrayList</a:t>
-            </a:r>
-            <a:r>
-              <a:rPr lang="ko-KR" altLang="en-US" dirty="0"/>
-              <a:t>를</a:t>
-            </a:r>
-            <a:endParaRPr lang="en-US" altLang="ko-KR" dirty="0"/>
-          </a:p>
-          <a:p>
-            <a:r>
-              <a:rPr lang="en-US" altLang="ko-KR" dirty="0" err="1"/>
-              <a:t>PostAdapter</a:t>
-            </a:r>
-            <a:r>
-              <a:rPr lang="ko-KR" altLang="en-US" dirty="0"/>
-              <a:t>에 연결 후</a:t>
-            </a:r>
-            <a:r>
-              <a:rPr lang="en-US" altLang="ko-KR" dirty="0"/>
-              <a:t> </a:t>
-            </a:r>
-            <a:r>
-              <a:rPr lang="en-US" altLang="ko-KR" dirty="0" err="1"/>
-              <a:t>RecyclerView</a:t>
-            </a:r>
-            <a:r>
-              <a:rPr lang="ko-KR" altLang="en-US" dirty="0"/>
-              <a:t>에</a:t>
-            </a:r>
-            <a:endParaRPr lang="en-US" altLang="ko-KR" dirty="0"/>
-          </a:p>
-          <a:p>
-            <a:r>
-              <a:rPr lang="ko-KR" altLang="en-US" dirty="0"/>
-              <a:t>표시하였습니다</a:t>
-            </a:r>
-            <a:r>
-              <a:rPr lang="en-US" altLang="ko-KR" dirty="0"/>
-              <a:t>.</a:t>
-            </a:r>
-          </a:p>
-        </p:txBody>
-      </p:sp>
-      <p:pic>
-        <p:nvPicPr>
-          <p:cNvPr id="20" name="그림 19">
-            <a:extLst>
-              <a:ext uri="{FF2B5EF4-FFF2-40B4-BE49-F238E27FC236}">
-                <a16:creationId xmlns:a16="http://schemas.microsoft.com/office/drawing/2014/main" id="{76DD9EC2-67B5-4EDB-8169-5BA40958807C}"/>
-              </a:ext>
-            </a:extLst>
-          </p:cNvPr>
-          <p:cNvPicPr>
-            <a:picLocks noChangeAspect="1"/>
-          </p:cNvPicPr>
-          <p:nvPr/>
-        </p:nvPicPr>
-        <p:blipFill>
-          <a:blip r:embed="rId3"/>
-          <a:stretch>
-            <a:fillRect/>
-          </a:stretch>
-        </p:blipFill>
-        <p:spPr>
-          <a:xfrm>
-            <a:off x="6740025" y="4637440"/>
-            <a:ext cx="5006497" cy="2022827"/>
-          </a:xfrm>
-          <a:prstGeom prst="rect">
-            <a:avLst/>
-          </a:prstGeom>
-        </p:spPr>
-      </p:pic>
-      <p:pic>
-        <p:nvPicPr>
-          <p:cNvPr id="22" name="그림 21">
-            <a:extLst>
-              <a:ext uri="{FF2B5EF4-FFF2-40B4-BE49-F238E27FC236}">
-                <a16:creationId xmlns:a16="http://schemas.microsoft.com/office/drawing/2014/main" id="{444F093A-FC73-4126-87F8-254C7299DFAC}"/>
-              </a:ext>
-            </a:extLst>
-          </p:cNvPr>
-          <p:cNvPicPr>
-            <a:picLocks noChangeAspect="1"/>
-          </p:cNvPicPr>
-          <p:nvPr/>
-        </p:nvPicPr>
-        <p:blipFill>
-          <a:blip r:embed="rId4"/>
-          <a:stretch>
-            <a:fillRect/>
-          </a:stretch>
-        </p:blipFill>
-        <p:spPr>
-          <a:xfrm>
-            <a:off x="6301665" y="4175389"/>
-            <a:ext cx="5719091" cy="222706"/>
-          </a:xfrm>
-          <a:prstGeom prst="rect">
-            <a:avLst/>
-          </a:prstGeom>
-        </p:spPr>
-      </p:pic>
     </p:spTree>
     <p:extLst>
       <p:ext uri="{BB962C8B-B14F-4D97-AF65-F5344CB8AC3E}">
-        <p14:creationId xmlns:p14="http://schemas.microsoft.com/office/powerpoint/2010/main" val="3238946334"/>
+        <p14:creationId xmlns:p14="http://schemas.microsoft.com/office/powerpoint/2010/main" val="155836080"/>
       </p:ext>
     </p:extLst>
   </p:cSld>
@@ -9139,10 +10451,10 @@
       </p:grpSpPr>
       <p:sp>
         <p:nvSpPr>
-          <p:cNvPr id="9" name="TextBox 8">
-            <a:extLst>
-              <a:ext uri="{FF2B5EF4-FFF2-40B4-BE49-F238E27FC236}">
-                <a16:creationId xmlns:a16="http://schemas.microsoft.com/office/drawing/2014/main" id="{6C515703-5C88-4061-A5DA-65A493F454D4}"/>
+          <p:cNvPr id="4" name="TextBox 3">
+            <a:extLst>
+              <a:ext uri="{FF2B5EF4-FFF2-40B4-BE49-F238E27FC236}">
+                <a16:creationId xmlns:a16="http://schemas.microsoft.com/office/drawing/2014/main" id="{A12C0690-42B2-46ED-ABD3-CCF37D7B3259}"/>
               </a:ext>
             </a:extLst>
           </p:cNvPr>
@@ -9151,8 +10463,8 @@
         </p:nvSpPr>
         <p:spPr>
           <a:xfrm>
-            <a:off x="187569" y="150392"/>
-            <a:ext cx="2031325" cy="646331"/>
+            <a:off x="4464788" y="3075057"/>
+            <a:ext cx="3262432" cy="707886"/>
           </a:xfrm>
           <a:prstGeom prst="rect">
             <a:avLst/>
@@ -9165,324 +10477,18 @@
           </a:bodyPr>
           <a:lstStyle/>
           <a:p>
-            <a:r>
-              <a:rPr lang="ko-KR" altLang="en-US" dirty="0"/>
+            <a:pPr algn="ctr"/>
+            <a:r>
+              <a:rPr lang="ko-KR" altLang="en-US" sz="4000" dirty="0"/>
               <a:t>커뮤니티화면</a:t>
             </a:r>
-            <a:endParaRPr lang="en-US" altLang="ko-KR" dirty="0"/>
-          </a:p>
-          <a:p>
-            <a:r>
-              <a:rPr lang="ko-KR" altLang="en-US" dirty="0"/>
-              <a:t>제작방법 및 결과</a:t>
-            </a:r>
-            <a:endParaRPr lang="en-US" altLang="ko-KR" dirty="0"/>
-          </a:p>
-        </p:txBody>
-      </p:sp>
-      <p:pic>
-        <p:nvPicPr>
-          <p:cNvPr id="3" name="그림 2">
-            <a:extLst>
-              <a:ext uri="{FF2B5EF4-FFF2-40B4-BE49-F238E27FC236}">
-                <a16:creationId xmlns:a16="http://schemas.microsoft.com/office/drawing/2014/main" id="{C6478A2B-34DE-4EC2-9B53-BC46B3872C91}"/>
-              </a:ext>
-            </a:extLst>
-          </p:cNvPr>
-          <p:cNvPicPr>
-            <a:picLocks noChangeAspect="1"/>
-          </p:cNvPicPr>
-          <p:nvPr/>
-        </p:nvPicPr>
-        <p:blipFill>
-          <a:blip r:embed="rId2"/>
-          <a:stretch>
-            <a:fillRect/>
-          </a:stretch>
-        </p:blipFill>
-        <p:spPr>
-          <a:xfrm>
-            <a:off x="442198" y="1550700"/>
-            <a:ext cx="4953691" cy="876422"/>
-          </a:xfrm>
-          <a:prstGeom prst="rect">
-            <a:avLst/>
-          </a:prstGeom>
-          <a:ln>
-            <a:solidFill>
-              <a:schemeClr val="tx1"/>
-            </a:solidFill>
-          </a:ln>
-        </p:spPr>
-      </p:pic>
-      <p:sp>
-        <p:nvSpPr>
-          <p:cNvPr id="4" name="TextBox 3">
-            <a:extLst>
-              <a:ext uri="{FF2B5EF4-FFF2-40B4-BE49-F238E27FC236}">
-                <a16:creationId xmlns:a16="http://schemas.microsoft.com/office/drawing/2014/main" id="{C5C0E4BA-3FC1-4E0E-9CC1-CDEDBA3D11CF}"/>
-              </a:ext>
-            </a:extLst>
-          </p:cNvPr>
-          <p:cNvSpPr txBox="1"/>
-          <p:nvPr/>
-        </p:nvSpPr>
-        <p:spPr>
-          <a:xfrm>
-            <a:off x="6166979" y="4650370"/>
-            <a:ext cx="4927952" cy="1200329"/>
-          </a:xfrm>
-          <a:prstGeom prst="rect">
-            <a:avLst/>
-          </a:prstGeom>
-          <a:noFill/>
-        </p:spPr>
-        <p:txBody>
-          <a:bodyPr wrap="none" rtlCol="0">
-            <a:spAutoFit/>
-          </a:bodyPr>
-          <a:lstStyle/>
-          <a:p>
-            <a:r>
-              <a:rPr lang="ko-KR" altLang="en-US" dirty="0"/>
-              <a:t>처음 게시글을 불러올 때</a:t>
-            </a:r>
-            <a:r>
-              <a:rPr lang="en-US" altLang="ko-KR" dirty="0"/>
-              <a:t>,</a:t>
-            </a:r>
-          </a:p>
-          <a:p>
-            <a:r>
-              <a:rPr lang="ko-KR" altLang="en-US" dirty="0"/>
-              <a:t>게시글</a:t>
-            </a:r>
-            <a:r>
-              <a:rPr lang="en-US" altLang="ko-KR" dirty="0"/>
-              <a:t>id</a:t>
-            </a:r>
-            <a:r>
-              <a:rPr lang="ko-KR" altLang="en-US" dirty="0"/>
-              <a:t>를 </a:t>
-            </a:r>
-            <a:r>
-              <a:rPr lang="en-US" altLang="ko-KR" dirty="0"/>
-              <a:t>HashMap</a:t>
-            </a:r>
-            <a:r>
-              <a:rPr lang="ko-KR" altLang="en-US" dirty="0"/>
-              <a:t>에 별도로 저장하여</a:t>
-            </a:r>
-            <a:endParaRPr lang="en-US" altLang="ko-KR" dirty="0"/>
-          </a:p>
-          <a:p>
-            <a:r>
-              <a:rPr lang="ko-KR" altLang="en-US" dirty="0"/>
-              <a:t>해당 게시글 표시 화면으로 전환할 때</a:t>
-            </a:r>
-            <a:endParaRPr lang="en-US" altLang="ko-KR" dirty="0"/>
-          </a:p>
-          <a:p>
-            <a:r>
-              <a:rPr lang="ko-KR" altLang="en-US" dirty="0"/>
-              <a:t>해당 게시글의 </a:t>
-            </a:r>
-            <a:r>
-              <a:rPr lang="en-US" altLang="ko-KR" dirty="0"/>
-              <a:t>id</a:t>
-            </a:r>
-            <a:r>
-              <a:rPr lang="ko-KR" altLang="en-US" dirty="0"/>
-              <a:t>를 전달할 수 있도록 합니다</a:t>
-            </a:r>
-            <a:r>
-              <a:rPr lang="en-US" altLang="ko-KR" dirty="0"/>
-              <a:t>.</a:t>
-            </a:r>
-            <a:r>
-              <a:rPr lang="ko-KR" altLang="en-US" dirty="0"/>
-              <a:t> </a:t>
-            </a:r>
-            <a:endParaRPr lang="en-US" altLang="ko-KR" dirty="0"/>
-          </a:p>
-        </p:txBody>
-      </p:sp>
-      <p:pic>
-        <p:nvPicPr>
-          <p:cNvPr id="8" name="그림 7">
-            <a:extLst>
-              <a:ext uri="{FF2B5EF4-FFF2-40B4-BE49-F238E27FC236}">
-                <a16:creationId xmlns:a16="http://schemas.microsoft.com/office/drawing/2014/main" id="{E505AB12-0A03-4DA3-9BDE-B4754237AE47}"/>
-              </a:ext>
-            </a:extLst>
-          </p:cNvPr>
-          <p:cNvPicPr>
-            <a:picLocks noChangeAspect="1"/>
-          </p:cNvPicPr>
-          <p:nvPr/>
-        </p:nvPicPr>
-        <p:blipFill>
-          <a:blip r:embed="rId3"/>
-          <a:stretch>
-            <a:fillRect/>
-          </a:stretch>
-        </p:blipFill>
-        <p:spPr>
-          <a:xfrm>
-            <a:off x="823252" y="3389031"/>
-            <a:ext cx="4191585" cy="2048161"/>
-          </a:xfrm>
-          <a:prstGeom prst="rect">
-            <a:avLst/>
-          </a:prstGeom>
-          <a:ln>
-            <a:solidFill>
-              <a:schemeClr val="tx1"/>
-            </a:solidFill>
-          </a:ln>
-        </p:spPr>
-      </p:pic>
-      <p:pic>
-        <p:nvPicPr>
-          <p:cNvPr id="11" name="그림 10">
-            <a:extLst>
-              <a:ext uri="{FF2B5EF4-FFF2-40B4-BE49-F238E27FC236}">
-                <a16:creationId xmlns:a16="http://schemas.microsoft.com/office/drawing/2014/main" id="{20527093-97C8-4635-8371-F747F1732CC8}"/>
-              </a:ext>
-            </a:extLst>
-          </p:cNvPr>
-          <p:cNvPicPr>
-            <a:picLocks noChangeAspect="1"/>
-          </p:cNvPicPr>
-          <p:nvPr/>
-        </p:nvPicPr>
-        <p:blipFill>
-          <a:blip r:embed="rId4"/>
-          <a:stretch>
-            <a:fillRect/>
-          </a:stretch>
-        </p:blipFill>
-        <p:spPr>
-          <a:xfrm>
-            <a:off x="5762033" y="1870844"/>
-            <a:ext cx="3839111" cy="314369"/>
-          </a:xfrm>
-          <a:prstGeom prst="rect">
-            <a:avLst/>
-          </a:prstGeom>
-        </p:spPr>
-      </p:pic>
-      <p:pic>
-        <p:nvPicPr>
-          <p:cNvPr id="13" name="그림 12">
-            <a:extLst>
-              <a:ext uri="{FF2B5EF4-FFF2-40B4-BE49-F238E27FC236}">
-                <a16:creationId xmlns:a16="http://schemas.microsoft.com/office/drawing/2014/main" id="{637789A5-EBC7-40C9-A89A-56DCAF9A3357}"/>
-              </a:ext>
-            </a:extLst>
-          </p:cNvPr>
-          <p:cNvPicPr>
-            <a:picLocks noChangeAspect="1"/>
-          </p:cNvPicPr>
-          <p:nvPr/>
-        </p:nvPicPr>
-        <p:blipFill>
-          <a:blip r:embed="rId5"/>
-          <a:stretch>
-            <a:fillRect/>
-          </a:stretch>
-        </p:blipFill>
-        <p:spPr>
-          <a:xfrm>
-            <a:off x="5762033" y="2387552"/>
-            <a:ext cx="3839111" cy="715209"/>
-          </a:xfrm>
-          <a:prstGeom prst="rect">
-            <a:avLst/>
-          </a:prstGeom>
-        </p:spPr>
-      </p:pic>
-      <p:pic>
-        <p:nvPicPr>
-          <p:cNvPr id="16" name="그림 15">
-            <a:extLst>
-              <a:ext uri="{FF2B5EF4-FFF2-40B4-BE49-F238E27FC236}">
-                <a16:creationId xmlns:a16="http://schemas.microsoft.com/office/drawing/2014/main" id="{62B1EDAD-2E43-46C7-AB14-B5DA0F57A921}"/>
-              </a:ext>
-            </a:extLst>
-          </p:cNvPr>
-          <p:cNvPicPr>
-            <a:picLocks noChangeAspect="1"/>
-          </p:cNvPicPr>
-          <p:nvPr/>
-        </p:nvPicPr>
-        <p:blipFill>
-          <a:blip r:embed="rId6"/>
-          <a:stretch>
-            <a:fillRect/>
-          </a:stretch>
-        </p:blipFill>
-        <p:spPr>
-          <a:xfrm>
-            <a:off x="5762033" y="3236746"/>
-            <a:ext cx="6058746" cy="1086002"/>
-          </a:xfrm>
-          <a:prstGeom prst="rect">
-            <a:avLst/>
-          </a:prstGeom>
-        </p:spPr>
-      </p:pic>
-      <p:sp>
-        <p:nvSpPr>
-          <p:cNvPr id="17" name="TextBox 16">
-            <a:extLst>
-              <a:ext uri="{FF2B5EF4-FFF2-40B4-BE49-F238E27FC236}">
-                <a16:creationId xmlns:a16="http://schemas.microsoft.com/office/drawing/2014/main" id="{46680563-6082-4993-A982-ECF7546CC8CC}"/>
-              </a:ext>
-            </a:extLst>
-          </p:cNvPr>
-          <p:cNvSpPr txBox="1"/>
-          <p:nvPr/>
-        </p:nvSpPr>
-        <p:spPr>
-          <a:xfrm>
-            <a:off x="1189394" y="1665745"/>
-            <a:ext cx="4354077" cy="646331"/>
-          </a:xfrm>
-          <a:prstGeom prst="rect">
-            <a:avLst/>
-          </a:prstGeom>
-          <a:noFill/>
-        </p:spPr>
-        <p:txBody>
-          <a:bodyPr wrap="none" rtlCol="0">
-            <a:spAutoFit/>
-          </a:bodyPr>
-          <a:lstStyle/>
-          <a:p>
-            <a:r>
-              <a:rPr lang="ko-KR" altLang="en-US" dirty="0"/>
-              <a:t>터치하면 게시글 표시 화면으로</a:t>
-            </a:r>
-            <a:endParaRPr lang="en-US" altLang="ko-KR" dirty="0"/>
-          </a:p>
-          <a:p>
-            <a:r>
-              <a:rPr lang="ko-KR" altLang="en-US" dirty="0"/>
-              <a:t>전환된 후 해당 게시글이 표시되어야 함</a:t>
-            </a:r>
-            <a:r>
-              <a:rPr lang="en-US" altLang="ko-KR" dirty="0"/>
-              <a:t>!</a:t>
-            </a:r>
-            <a:endParaRPr lang="ko-KR" altLang="en-US" dirty="0"/>
           </a:p>
         </p:txBody>
       </p:sp>
     </p:spTree>
     <p:extLst>
       <p:ext uri="{BB962C8B-B14F-4D97-AF65-F5344CB8AC3E}">
-        <p14:creationId xmlns:p14="http://schemas.microsoft.com/office/powerpoint/2010/main" val="408013309"/>
+        <p14:creationId xmlns:p14="http://schemas.microsoft.com/office/powerpoint/2010/main" val="230487628"/>
       </p:ext>
     </p:extLst>
   </p:cSld>
@@ -9678,10 +10684,10 @@
       </p:grpSpPr>
       <p:sp>
         <p:nvSpPr>
-          <p:cNvPr id="9" name="TextBox 8">
-            <a:extLst>
-              <a:ext uri="{FF2B5EF4-FFF2-40B4-BE49-F238E27FC236}">
-                <a16:creationId xmlns:a16="http://schemas.microsoft.com/office/drawing/2014/main" id="{6C515703-5C88-4061-A5DA-65A493F454D4}"/>
+          <p:cNvPr id="4" name="TextBox 3">
+            <a:extLst>
+              <a:ext uri="{FF2B5EF4-FFF2-40B4-BE49-F238E27FC236}">
+                <a16:creationId xmlns:a16="http://schemas.microsoft.com/office/drawing/2014/main" id="{2F7948EE-0693-49DA-950D-E2F4643BF72B}"/>
               </a:ext>
             </a:extLst>
           </p:cNvPr>
@@ -9691,7 +10697,7 @@
         <p:spPr>
           <a:xfrm>
             <a:off x="187569" y="150392"/>
-            <a:ext cx="2031325" cy="646331"/>
+            <a:ext cx="1569660" cy="646331"/>
           </a:xfrm>
           <a:prstGeom prst="rect">
             <a:avLst/>
@@ -9713,48 +10719,18 @@
           <a:p>
             <a:r>
               <a:rPr lang="ko-KR" altLang="en-US" dirty="0"/>
-              <a:t>제작방법 및 결과</a:t>
-            </a:r>
-            <a:endParaRPr lang="en-US" altLang="ko-KR" dirty="0"/>
-          </a:p>
-        </p:txBody>
-      </p:sp>
-      <p:pic>
-        <p:nvPicPr>
-          <p:cNvPr id="5" name="그림 4">
-            <a:extLst>
-              <a:ext uri="{FF2B5EF4-FFF2-40B4-BE49-F238E27FC236}">
-                <a16:creationId xmlns:a16="http://schemas.microsoft.com/office/drawing/2014/main" id="{F4BB2CFE-6171-473E-887B-9B64914C82E6}"/>
-              </a:ext>
-            </a:extLst>
-          </p:cNvPr>
-          <p:cNvPicPr>
-            <a:picLocks noChangeAspect="1"/>
-          </p:cNvPicPr>
-          <p:nvPr/>
-        </p:nvPicPr>
-        <p:blipFill>
-          <a:blip r:embed="rId2"/>
-          <a:stretch>
-            <a:fillRect/>
-          </a:stretch>
-        </p:blipFill>
-        <p:spPr>
-          <a:xfrm>
-            <a:off x="686623" y="2779125"/>
-            <a:ext cx="3972479" cy="1571844"/>
-          </a:xfrm>
-          <a:prstGeom prst="rect">
-            <a:avLst/>
-          </a:prstGeom>
-        </p:spPr>
-      </p:pic>
-      <p:sp>
-        <p:nvSpPr>
-          <p:cNvPr id="6" name="TextBox 5">
-            <a:extLst>
-              <a:ext uri="{FF2B5EF4-FFF2-40B4-BE49-F238E27FC236}">
-                <a16:creationId xmlns:a16="http://schemas.microsoft.com/office/drawing/2014/main" id="{225C2D96-6718-45A9-875F-8717461FA376}"/>
+              <a:t>제작자</a:t>
+            </a:r>
+            <a:endParaRPr lang="en-US" altLang="ko-KR" dirty="0"/>
+          </a:p>
+        </p:txBody>
+      </p:sp>
+      <p:sp>
+        <p:nvSpPr>
+          <p:cNvPr id="3" name="TextBox 2">
+            <a:extLst>
+              <a:ext uri="{FF2B5EF4-FFF2-40B4-BE49-F238E27FC236}">
+                <a16:creationId xmlns:a16="http://schemas.microsoft.com/office/drawing/2014/main" id="{FE149A74-1EA7-46F2-B430-9B6A58F5D23E}"/>
               </a:ext>
             </a:extLst>
           </p:cNvPr>
@@ -9763,8 +10739,8 @@
         </p:nvSpPr>
         <p:spPr>
           <a:xfrm>
-            <a:off x="5240216" y="1835893"/>
-            <a:ext cx="6359498" cy="3970318"/>
+            <a:off x="5080337" y="3013501"/>
+            <a:ext cx="2031325" cy="830997"/>
           </a:xfrm>
           <a:prstGeom prst="rect">
             <a:avLst/>
@@ -9778,150 +10754,8 @@
           <a:lstStyle/>
           <a:p>
             <a:r>
-              <a:rPr lang="en-US" altLang="ko-KR" dirty="0" err="1"/>
-              <a:t>PostActivity</a:t>
-            </a:r>
-            <a:r>
-              <a:rPr lang="en-US" altLang="ko-KR" dirty="0"/>
-              <a:t> </a:t>
-            </a:r>
-            <a:r>
-              <a:rPr lang="ko-KR" altLang="en-US" dirty="0"/>
-              <a:t>제작 결과를 설명하기 앞서</a:t>
-            </a:r>
-            <a:endParaRPr lang="en-US" altLang="ko-KR" dirty="0"/>
-          </a:p>
-          <a:p>
-            <a:r>
-              <a:rPr lang="ko-KR" altLang="en-US" dirty="0"/>
-              <a:t>게시글 정보를 저장하는</a:t>
-            </a:r>
-            <a:endParaRPr lang="en-US" altLang="ko-KR" dirty="0"/>
-          </a:p>
-          <a:p>
-            <a:r>
-              <a:rPr lang="en-US" altLang="ko-KR" dirty="0"/>
-              <a:t>Post </a:t>
-            </a:r>
-            <a:r>
-              <a:rPr lang="ko-KR" altLang="en-US" dirty="0"/>
-              <a:t>객체에 대해 간략하게 설명하겠습니다</a:t>
-            </a:r>
-            <a:endParaRPr lang="en-US" altLang="ko-KR" dirty="0"/>
-          </a:p>
-          <a:p>
-            <a:endParaRPr lang="en-US" altLang="ko-KR" dirty="0"/>
-          </a:p>
-          <a:p>
-            <a:r>
-              <a:rPr lang="en-US" altLang="ko-KR" dirty="0"/>
-              <a:t>Post</a:t>
-            </a:r>
-            <a:r>
-              <a:rPr lang="ko-KR" altLang="en-US" dirty="0"/>
-              <a:t> 객체는</a:t>
-            </a:r>
-            <a:endParaRPr lang="en-US" altLang="ko-KR" dirty="0"/>
-          </a:p>
-          <a:p>
-            <a:r>
-              <a:rPr lang="ko-KR" altLang="en-US" dirty="0"/>
-              <a:t>글 제목</a:t>
-            </a:r>
-            <a:endParaRPr lang="en-US" altLang="ko-KR" dirty="0"/>
-          </a:p>
-          <a:p>
-            <a:r>
-              <a:rPr lang="ko-KR" altLang="en-US" dirty="0" err="1"/>
-              <a:t>작성자닉네임</a:t>
-            </a:r>
-            <a:endParaRPr lang="en-US" altLang="ko-KR" dirty="0"/>
-          </a:p>
-          <a:p>
-            <a:r>
-              <a:rPr lang="ko-KR" altLang="en-US" dirty="0"/>
-              <a:t>작성자</a:t>
-            </a:r>
-            <a:r>
-              <a:rPr lang="en-US" altLang="ko-KR" dirty="0" err="1"/>
-              <a:t>uid</a:t>
-            </a:r>
-            <a:endParaRPr lang="en-US" altLang="ko-KR" dirty="0"/>
-          </a:p>
-          <a:p>
-            <a:r>
-              <a:rPr lang="ko-KR" altLang="en-US" dirty="0"/>
-              <a:t>작성일자</a:t>
-            </a:r>
-            <a:endParaRPr lang="en-US" altLang="ko-KR" dirty="0"/>
-          </a:p>
-          <a:p>
-            <a:r>
-              <a:rPr lang="ko-KR" altLang="en-US" dirty="0"/>
-              <a:t>글 본문</a:t>
-            </a:r>
-            <a:endParaRPr lang="en-US" altLang="ko-KR" dirty="0"/>
-          </a:p>
-          <a:p>
-            <a:r>
-              <a:rPr lang="ko-KR" altLang="en-US" dirty="0"/>
-              <a:t>정보를 저장합니다</a:t>
-            </a:r>
-            <a:r>
-              <a:rPr lang="en-US" altLang="ko-KR" dirty="0"/>
-              <a:t>.</a:t>
-            </a:r>
-          </a:p>
-          <a:p>
-            <a:endParaRPr lang="en-US" altLang="ko-KR" dirty="0"/>
-          </a:p>
-          <a:p>
-            <a:r>
-              <a:rPr lang="ko-KR" altLang="en-US" dirty="0"/>
-              <a:t>또한 </a:t>
-            </a:r>
-            <a:r>
-              <a:rPr lang="en-US" altLang="ko-KR" dirty="0"/>
-              <a:t>Intent</a:t>
-            </a:r>
-            <a:r>
-              <a:rPr lang="ko-KR" altLang="en-US" dirty="0"/>
-              <a:t>의 </a:t>
-            </a:r>
-            <a:r>
-              <a:rPr lang="en-US" altLang="ko-KR" dirty="0" err="1"/>
-              <a:t>putExtra</a:t>
-            </a:r>
-            <a:r>
-              <a:rPr lang="ko-KR" altLang="en-US" dirty="0"/>
-              <a:t>를 통해 </a:t>
-            </a:r>
-            <a:r>
-              <a:rPr lang="en-US" altLang="ko-KR" dirty="0"/>
-              <a:t>Post</a:t>
-            </a:r>
-            <a:r>
-              <a:rPr lang="ko-KR" altLang="en-US" dirty="0"/>
-              <a:t>객체를 전송할 수 있도록</a:t>
-            </a:r>
-            <a:endParaRPr lang="en-US" altLang="ko-KR" dirty="0"/>
-          </a:p>
-          <a:p>
-            <a:r>
-              <a:rPr lang="en-US" altLang="ko-KR" dirty="0" err="1"/>
-              <a:t>Parcelable</a:t>
-            </a:r>
-            <a:r>
-              <a:rPr lang="en-US" altLang="ko-KR" dirty="0"/>
-              <a:t> </a:t>
-            </a:r>
-            <a:r>
-              <a:rPr lang="ko-KR" altLang="en-US" dirty="0"/>
-              <a:t>인터페이스를 구현하였습니다</a:t>
-            </a:r>
-            <a:r>
-              <a:rPr lang="en-US" altLang="ko-KR" dirty="0"/>
-              <a:t>.</a:t>
+              <a:rPr lang="ko-KR" altLang="en-US" sz="4800" b="1" dirty="0"/>
+              <a:t>김병대</a:t>
             </a:r>
           </a:p>
         </p:txBody>
@@ -9929,7 +10763,7 @@
     </p:spTree>
     <p:extLst>
       <p:ext uri="{BB962C8B-B14F-4D97-AF65-F5344CB8AC3E}">
-        <p14:creationId xmlns:p14="http://schemas.microsoft.com/office/powerpoint/2010/main" val="948396148"/>
+        <p14:creationId xmlns:p14="http://schemas.microsoft.com/office/powerpoint/2010/main" val="353139287"/>
       </p:ext>
     </p:extLst>
   </p:cSld>
@@ -9958,10 +10792,10 @@
       </p:grpSpPr>
       <p:sp>
         <p:nvSpPr>
-          <p:cNvPr id="9" name="TextBox 8">
-            <a:extLst>
-              <a:ext uri="{FF2B5EF4-FFF2-40B4-BE49-F238E27FC236}">
-                <a16:creationId xmlns:a16="http://schemas.microsoft.com/office/drawing/2014/main" id="{6C515703-5C88-4061-A5DA-65A493F454D4}"/>
+          <p:cNvPr id="7" name="TextBox 6">
+            <a:extLst>
+              <a:ext uri="{FF2B5EF4-FFF2-40B4-BE49-F238E27FC236}">
+                <a16:creationId xmlns:a16="http://schemas.microsoft.com/office/drawing/2014/main" id="{03F6D3A2-2448-4362-864F-CD2272CE6602}"/>
               </a:ext>
             </a:extLst>
           </p:cNvPr>
@@ -9971,7 +10805,7 @@
         <p:spPr>
           <a:xfrm>
             <a:off x="187569" y="150392"/>
-            <a:ext cx="2031325" cy="646331"/>
+            <a:ext cx="1569660" cy="646331"/>
           </a:xfrm>
           <a:prstGeom prst="rect">
             <a:avLst/>
@@ -9993,7 +10827,7 @@
           <a:p>
             <a:r>
               <a:rPr lang="ko-KR" altLang="en-US" dirty="0"/>
-              <a:t>제작방법 및 결과</a:t>
+              <a:t>제작기준</a:t>
             </a:r>
             <a:endParaRPr lang="en-US" altLang="ko-KR" dirty="0"/>
           </a:p>
@@ -10001,10 +10835,10 @@
       </p:sp>
       <p:pic>
         <p:nvPicPr>
-          <p:cNvPr id="5" name="그림 4">
-            <a:extLst>
-              <a:ext uri="{FF2B5EF4-FFF2-40B4-BE49-F238E27FC236}">
-                <a16:creationId xmlns:a16="http://schemas.microsoft.com/office/drawing/2014/main" id="{4D9BC626-F034-47FC-894E-296401EBE5F3}"/>
+          <p:cNvPr id="9" name="그림 8">
+            <a:extLst>
+              <a:ext uri="{FF2B5EF4-FFF2-40B4-BE49-F238E27FC236}">
+                <a16:creationId xmlns:a16="http://schemas.microsoft.com/office/drawing/2014/main" id="{FBC0A418-74BD-4B92-97F6-69D89A201D80}"/>
               </a:ext>
             </a:extLst>
           </p:cNvPr>
@@ -10021,352 +10855,8 @@
         </p:blipFill>
         <p:spPr>
           <a:xfrm>
-            <a:off x="469746" y="1175633"/>
-            <a:ext cx="4908803" cy="5356129"/>
-          </a:xfrm>
-          <a:prstGeom prst="rect">
-            <a:avLst/>
-          </a:prstGeom>
-          <a:ln>
-            <a:solidFill>
-              <a:schemeClr val="tx1"/>
-            </a:solidFill>
-          </a:ln>
-        </p:spPr>
-      </p:pic>
-      <p:pic>
-        <p:nvPicPr>
-          <p:cNvPr id="10" name="그림 9">
-            <a:extLst>
-              <a:ext uri="{FF2B5EF4-FFF2-40B4-BE49-F238E27FC236}">
-                <a16:creationId xmlns:a16="http://schemas.microsoft.com/office/drawing/2014/main" id="{9C87451F-6704-4D08-9450-D40B524D6A78}"/>
-              </a:ext>
-            </a:extLst>
-          </p:cNvPr>
-          <p:cNvPicPr>
-            <a:picLocks noChangeAspect="1"/>
-          </p:cNvPicPr>
-          <p:nvPr/>
-        </p:nvPicPr>
-        <p:blipFill>
-          <a:blip r:embed="rId3"/>
-          <a:stretch>
-            <a:fillRect/>
-          </a:stretch>
-        </p:blipFill>
-        <p:spPr>
-          <a:xfrm>
-            <a:off x="6243451" y="1008922"/>
-            <a:ext cx="5068007" cy="333422"/>
-          </a:xfrm>
-          <a:prstGeom prst="rect">
-            <a:avLst/>
-          </a:prstGeom>
-        </p:spPr>
-      </p:pic>
-      <p:pic>
-        <p:nvPicPr>
-          <p:cNvPr id="14" name="그림 13">
-            <a:extLst>
-              <a:ext uri="{FF2B5EF4-FFF2-40B4-BE49-F238E27FC236}">
-                <a16:creationId xmlns:a16="http://schemas.microsoft.com/office/drawing/2014/main" id="{FC0D1249-BAD3-4D8D-B869-D12980B676A4}"/>
-              </a:ext>
-            </a:extLst>
-          </p:cNvPr>
-          <p:cNvPicPr>
-            <a:picLocks noChangeAspect="1"/>
-          </p:cNvPicPr>
-          <p:nvPr/>
-        </p:nvPicPr>
-        <p:blipFill>
-          <a:blip r:embed="rId4"/>
-          <a:stretch>
-            <a:fillRect/>
-          </a:stretch>
-        </p:blipFill>
-        <p:spPr>
-          <a:xfrm>
-            <a:off x="5550478" y="1642442"/>
-            <a:ext cx="6453951" cy="222835"/>
-          </a:xfrm>
-          <a:prstGeom prst="rect">
-            <a:avLst/>
-          </a:prstGeom>
-        </p:spPr>
-      </p:pic>
-      <p:sp>
-        <p:nvSpPr>
-          <p:cNvPr id="15" name="TextBox 14">
-            <a:extLst>
-              <a:ext uri="{FF2B5EF4-FFF2-40B4-BE49-F238E27FC236}">
-                <a16:creationId xmlns:a16="http://schemas.microsoft.com/office/drawing/2014/main" id="{EC9EDF61-5D12-47D2-8BB0-46ED0E505553}"/>
-              </a:ext>
-            </a:extLst>
-          </p:cNvPr>
-          <p:cNvSpPr txBox="1"/>
-          <p:nvPr/>
-        </p:nvSpPr>
-        <p:spPr>
-          <a:xfrm>
-            <a:off x="6813453" y="2849337"/>
-            <a:ext cx="4174541" cy="1754326"/>
-          </a:xfrm>
-          <a:prstGeom prst="rect">
-            <a:avLst/>
-          </a:prstGeom>
-          <a:noFill/>
-        </p:spPr>
-        <p:txBody>
-          <a:bodyPr wrap="none" rtlCol="0">
-            <a:spAutoFit/>
-          </a:bodyPr>
-          <a:lstStyle/>
-          <a:p>
-            <a:r>
-              <a:rPr lang="en-US" altLang="ko-KR" dirty="0" err="1"/>
-              <a:t>ForumActivity</a:t>
-            </a:r>
-            <a:r>
-              <a:rPr lang="ko-KR" altLang="en-US" dirty="0"/>
-              <a:t>에서 전달받은</a:t>
-            </a:r>
-            <a:endParaRPr lang="en-US" altLang="ko-KR" dirty="0"/>
-          </a:p>
-          <a:p>
-            <a:r>
-              <a:rPr lang="ko-KR" altLang="en-US" dirty="0"/>
-              <a:t>게시글 </a:t>
-            </a:r>
-            <a:r>
-              <a:rPr lang="en-US" altLang="ko-KR" dirty="0"/>
-              <a:t>id</a:t>
-            </a:r>
-            <a:r>
-              <a:rPr lang="ko-KR" altLang="en-US" dirty="0"/>
-              <a:t>를 이용하여</a:t>
-            </a:r>
-            <a:endParaRPr lang="en-US" altLang="ko-KR" dirty="0"/>
-          </a:p>
-          <a:p>
-            <a:r>
-              <a:rPr lang="en-US" altLang="ko-KR" dirty="0"/>
-              <a:t>Firebase - </a:t>
-            </a:r>
-            <a:r>
-              <a:rPr lang="en-US" altLang="ko-KR" dirty="0" err="1"/>
-              <a:t>RealtimeDatabase</a:t>
-            </a:r>
-            <a:r>
-              <a:rPr lang="ko-KR" altLang="en-US" dirty="0"/>
-              <a:t>에서</a:t>
-            </a:r>
-            <a:endParaRPr lang="en-US" altLang="ko-KR" dirty="0"/>
-          </a:p>
-          <a:p>
-            <a:r>
-              <a:rPr lang="en-US" altLang="ko-KR" dirty="0"/>
-              <a:t>Post</a:t>
-            </a:r>
-            <a:r>
-              <a:rPr lang="ko-KR" altLang="en-US" dirty="0"/>
-              <a:t>객체를 받아올 수 있습니다</a:t>
-            </a:r>
-            <a:r>
-              <a:rPr lang="en-US" altLang="ko-KR" dirty="0"/>
-              <a:t>.</a:t>
-            </a:r>
-          </a:p>
-          <a:p>
-            <a:endParaRPr lang="en-US" altLang="ko-KR" dirty="0"/>
-          </a:p>
-          <a:p>
-            <a:r>
-              <a:rPr lang="ko-KR" altLang="en-US" dirty="0"/>
-              <a:t>게시글의 정보들을 화면에 표시합니다</a:t>
-            </a:r>
-            <a:r>
-              <a:rPr lang="en-US" altLang="ko-KR" dirty="0"/>
-              <a:t>.</a:t>
-            </a:r>
-            <a:endParaRPr lang="ko-KR" altLang="en-US" dirty="0"/>
-          </a:p>
-        </p:txBody>
-      </p:sp>
-      <p:sp>
-        <p:nvSpPr>
-          <p:cNvPr id="18" name="TextBox 17">
-            <a:extLst>
-              <a:ext uri="{FF2B5EF4-FFF2-40B4-BE49-F238E27FC236}">
-                <a16:creationId xmlns:a16="http://schemas.microsoft.com/office/drawing/2014/main" id="{4ECD2187-BCFC-427C-AF38-A0AD03575B22}"/>
-              </a:ext>
-            </a:extLst>
-          </p:cNvPr>
-          <p:cNvSpPr txBox="1"/>
-          <p:nvPr/>
-        </p:nvSpPr>
-        <p:spPr>
-          <a:xfrm>
-            <a:off x="1184886" y="796723"/>
-            <a:ext cx="3304494" cy="369332"/>
-          </a:xfrm>
-          <a:prstGeom prst="rect">
-            <a:avLst/>
-          </a:prstGeom>
-          <a:noFill/>
-        </p:spPr>
-        <p:txBody>
-          <a:bodyPr wrap="none" rtlCol="0">
-            <a:spAutoFit/>
-          </a:bodyPr>
-          <a:lstStyle/>
-          <a:p>
-            <a:r>
-              <a:rPr lang="en-US" altLang="ko-KR" dirty="0" err="1"/>
-              <a:t>PostActivity</a:t>
-            </a:r>
-            <a:r>
-              <a:rPr lang="en-US" altLang="ko-KR" dirty="0"/>
-              <a:t>(</a:t>
-            </a:r>
-            <a:r>
-              <a:rPr lang="ko-KR" altLang="en-US" dirty="0"/>
-              <a:t>게시글 표시 화면</a:t>
-            </a:r>
-            <a:r>
-              <a:rPr lang="en-US" altLang="ko-KR" dirty="0"/>
-              <a:t>)</a:t>
-            </a:r>
-            <a:endParaRPr lang="ko-KR" altLang="en-US" dirty="0"/>
-          </a:p>
-        </p:txBody>
-      </p:sp>
-      <p:pic>
-        <p:nvPicPr>
-          <p:cNvPr id="20" name="그림 19">
-            <a:extLst>
-              <a:ext uri="{FF2B5EF4-FFF2-40B4-BE49-F238E27FC236}">
-                <a16:creationId xmlns:a16="http://schemas.microsoft.com/office/drawing/2014/main" id="{B4551261-9ACF-415A-9DC7-73A54ECD86D8}"/>
-              </a:ext>
-            </a:extLst>
-          </p:cNvPr>
-          <p:cNvPicPr>
-            <a:picLocks noChangeAspect="1"/>
-          </p:cNvPicPr>
-          <p:nvPr/>
-        </p:nvPicPr>
-        <p:blipFill>
-          <a:blip r:embed="rId5"/>
-          <a:stretch>
-            <a:fillRect/>
-          </a:stretch>
-        </p:blipFill>
-        <p:spPr>
-          <a:xfrm>
-            <a:off x="6672134" y="4857334"/>
-            <a:ext cx="4210638" cy="381053"/>
-          </a:xfrm>
-          <a:prstGeom prst="rect">
-            <a:avLst/>
-          </a:prstGeom>
-        </p:spPr>
-      </p:pic>
-      <p:sp>
-        <p:nvSpPr>
-          <p:cNvPr id="21" name="TextBox 20">
-            <a:extLst>
-              <a:ext uri="{FF2B5EF4-FFF2-40B4-BE49-F238E27FC236}">
-                <a16:creationId xmlns:a16="http://schemas.microsoft.com/office/drawing/2014/main" id="{F321C191-BB2C-4EE4-8755-F9537D39BE3E}"/>
-              </a:ext>
-            </a:extLst>
-          </p:cNvPr>
-          <p:cNvSpPr txBox="1"/>
-          <p:nvPr/>
-        </p:nvSpPr>
-        <p:spPr>
-          <a:xfrm>
-            <a:off x="6831655" y="5341849"/>
-            <a:ext cx="4204997" cy="1200329"/>
-          </a:xfrm>
-          <a:prstGeom prst="rect">
-            <a:avLst/>
-          </a:prstGeom>
-          <a:noFill/>
-        </p:spPr>
-        <p:txBody>
-          <a:bodyPr wrap="none" rtlCol="0">
-            <a:spAutoFit/>
-          </a:bodyPr>
-          <a:lstStyle/>
-          <a:p>
-            <a:r>
-              <a:rPr lang="ko-KR" altLang="en-US" dirty="0"/>
-              <a:t>글 수정</a:t>
-            </a:r>
-            <a:r>
-              <a:rPr lang="en-US" altLang="ko-KR" dirty="0"/>
-              <a:t>, </a:t>
-            </a:r>
-            <a:r>
-              <a:rPr lang="ko-KR" altLang="en-US" dirty="0"/>
-              <a:t>삭제 버튼의 경우</a:t>
-            </a:r>
-            <a:endParaRPr lang="en-US" altLang="ko-KR" dirty="0"/>
-          </a:p>
-          <a:p>
-            <a:r>
-              <a:rPr lang="ko-KR" altLang="en-US" dirty="0"/>
-              <a:t>현재 앱에 로그인한 유저 정보와</a:t>
-            </a:r>
-            <a:endParaRPr lang="en-US" altLang="ko-KR" dirty="0"/>
-          </a:p>
-          <a:p>
-            <a:r>
-              <a:rPr lang="ko-KR" altLang="en-US" dirty="0"/>
-              <a:t>게시글 작성자의 유저 정보가 </a:t>
-            </a:r>
-            <a:r>
-              <a:rPr lang="ko-KR" altLang="en-US" dirty="0" err="1"/>
-              <a:t>같아야만</a:t>
-            </a:r>
-            <a:endParaRPr lang="en-US" altLang="ko-KR" dirty="0"/>
-          </a:p>
-          <a:p>
-            <a:r>
-              <a:rPr lang="ko-KR" altLang="en-US" dirty="0"/>
-              <a:t>보이도록 개발하였습니다</a:t>
-            </a:r>
-            <a:r>
-              <a:rPr lang="en-US" altLang="ko-KR" dirty="0"/>
-              <a:t>.</a:t>
-            </a:r>
-            <a:endParaRPr lang="ko-KR" altLang="en-US" dirty="0"/>
-          </a:p>
-        </p:txBody>
-      </p:sp>
-      <p:pic>
-        <p:nvPicPr>
-          <p:cNvPr id="23" name="그림 22">
-            <a:extLst>
-              <a:ext uri="{FF2B5EF4-FFF2-40B4-BE49-F238E27FC236}">
-                <a16:creationId xmlns:a16="http://schemas.microsoft.com/office/drawing/2014/main" id="{4DAE76C1-1262-45B6-960F-0C990ADDEB69}"/>
-              </a:ext>
-            </a:extLst>
-          </p:cNvPr>
-          <p:cNvPicPr>
-            <a:picLocks noChangeAspect="1"/>
-          </p:cNvPicPr>
-          <p:nvPr/>
-        </p:nvPicPr>
-        <p:blipFill>
-          <a:blip r:embed="rId6"/>
-          <a:stretch>
-            <a:fillRect/>
-          </a:stretch>
-        </p:blipFill>
-        <p:spPr>
-          <a:xfrm>
-            <a:off x="6400717" y="2088312"/>
-            <a:ext cx="4753472" cy="657563"/>
+            <a:off x="2904679" y="796723"/>
+            <a:ext cx="6382641" cy="5372850"/>
           </a:xfrm>
           <a:prstGeom prst="rect">
             <a:avLst/>
@@ -10376,7 +10866,7 @@
     </p:spTree>
     <p:extLst>
       <p:ext uri="{BB962C8B-B14F-4D97-AF65-F5344CB8AC3E}">
-        <p14:creationId xmlns:p14="http://schemas.microsoft.com/office/powerpoint/2010/main" val="648014704"/>
+        <p14:creationId xmlns:p14="http://schemas.microsoft.com/office/powerpoint/2010/main" val="4187284858"/>
       </p:ext>
     </p:extLst>
   </p:cSld>
@@ -10405,10 +10895,10 @@
       </p:grpSpPr>
       <p:sp>
         <p:nvSpPr>
-          <p:cNvPr id="9" name="TextBox 8">
-            <a:extLst>
-              <a:ext uri="{FF2B5EF4-FFF2-40B4-BE49-F238E27FC236}">
-                <a16:creationId xmlns:a16="http://schemas.microsoft.com/office/drawing/2014/main" id="{6C515703-5C88-4061-A5DA-65A493F454D4}"/>
+          <p:cNvPr id="5" name="TextBox 4">
+            <a:extLst>
+              <a:ext uri="{FF2B5EF4-FFF2-40B4-BE49-F238E27FC236}">
+                <a16:creationId xmlns:a16="http://schemas.microsoft.com/office/drawing/2014/main" id="{06F408F8-AF05-4F9E-A2CA-BF35AA4498E3}"/>
               </a:ext>
             </a:extLst>
           </p:cNvPr>
@@ -10418,7 +10908,7 @@
         <p:spPr>
           <a:xfrm>
             <a:off x="187569" y="150392"/>
-            <a:ext cx="1963999" cy="646331"/>
+            <a:ext cx="1569660" cy="646331"/>
           </a:xfrm>
           <a:prstGeom prst="rect">
             <a:avLst/>
@@ -10440,397 +10930,76 @@
           <a:p>
             <a:r>
               <a:rPr lang="ko-KR" altLang="en-US" dirty="0"/>
-              <a:t>제작에 따른 결론</a:t>
-            </a:r>
-            <a:endParaRPr lang="en-US" altLang="ko-KR" dirty="0"/>
-          </a:p>
-        </p:txBody>
-      </p:sp>
-      <p:sp>
-        <p:nvSpPr>
-          <p:cNvPr id="2" name="TextBox 1">
-            <a:extLst>
-              <a:ext uri="{FF2B5EF4-FFF2-40B4-BE49-F238E27FC236}">
-                <a16:creationId xmlns:a16="http://schemas.microsoft.com/office/drawing/2014/main" id="{9D7BF817-DA2A-4CC5-8F51-933ACDD4745D}"/>
-              </a:ext>
-            </a:extLst>
-          </p:cNvPr>
-          <p:cNvSpPr txBox="1"/>
-          <p:nvPr/>
-        </p:nvSpPr>
-        <p:spPr>
-          <a:xfrm>
-            <a:off x="1588860" y="1643821"/>
-            <a:ext cx="6809878" cy="646331"/>
-          </a:xfrm>
-          <a:prstGeom prst="rect">
-            <a:avLst/>
-          </a:prstGeom>
-          <a:noFill/>
-        </p:spPr>
-        <p:txBody>
-          <a:bodyPr wrap="none" rtlCol="0">
-            <a:spAutoFit/>
-          </a:bodyPr>
-          <a:lstStyle/>
-          <a:p>
-            <a:r>
-              <a:rPr lang="ko-KR" altLang="en-US" b="1" dirty="0"/>
-              <a:t>문제점 </a:t>
-            </a:r>
-            <a:r>
-              <a:rPr lang="en-US" altLang="ko-KR" b="1" dirty="0"/>
-              <a:t>1</a:t>
-            </a:r>
-            <a:r>
-              <a:rPr lang="ko-KR" altLang="en-US" b="1" dirty="0"/>
-              <a:t> </a:t>
-            </a:r>
-            <a:r>
-              <a:rPr lang="en-US" altLang="ko-KR" b="1" dirty="0"/>
-              <a:t>:</a:t>
-            </a:r>
-          </a:p>
-          <a:p>
-            <a:r>
-              <a:rPr lang="ko-KR" altLang="en-US" dirty="0"/>
-              <a:t>기능 구현을 우선으로 하였기 때문에 디자인이 다소 미흡합니다</a:t>
-            </a:r>
-            <a:r>
-              <a:rPr lang="en-US" altLang="ko-KR" dirty="0"/>
-              <a:t>.</a:t>
-            </a:r>
-          </a:p>
-        </p:txBody>
-      </p:sp>
-      <p:sp>
-        <p:nvSpPr>
-          <p:cNvPr id="12" name="TextBox 11">
-            <a:extLst>
-              <a:ext uri="{FF2B5EF4-FFF2-40B4-BE49-F238E27FC236}">
-                <a16:creationId xmlns:a16="http://schemas.microsoft.com/office/drawing/2014/main" id="{C8CCEDA0-FFEE-4625-93D2-E19767DC7A42}"/>
-              </a:ext>
-            </a:extLst>
-          </p:cNvPr>
-          <p:cNvSpPr txBox="1"/>
-          <p:nvPr/>
-        </p:nvSpPr>
-        <p:spPr>
-          <a:xfrm>
-            <a:off x="1588860" y="2394544"/>
-            <a:ext cx="9116598" cy="646331"/>
-          </a:xfrm>
-          <a:prstGeom prst="rect">
-            <a:avLst/>
-          </a:prstGeom>
-          <a:noFill/>
-        </p:spPr>
-        <p:txBody>
-          <a:bodyPr wrap="none" rtlCol="0">
-            <a:spAutoFit/>
-          </a:bodyPr>
-          <a:lstStyle/>
-          <a:p>
-            <a:r>
-              <a:rPr lang="ko-KR" altLang="en-US" b="1" dirty="0"/>
-              <a:t>문제점 </a:t>
-            </a:r>
-            <a:r>
-              <a:rPr lang="en-US" altLang="ko-KR" b="1" dirty="0"/>
-              <a:t>2</a:t>
-            </a:r>
-            <a:r>
-              <a:rPr lang="ko-KR" altLang="en-US" b="1" dirty="0"/>
-              <a:t> </a:t>
-            </a:r>
-            <a:r>
-              <a:rPr lang="en-US" altLang="ko-KR" b="1" dirty="0"/>
-              <a:t>:</a:t>
-            </a:r>
-          </a:p>
-          <a:p>
-            <a:r>
-              <a:rPr lang="ko-KR" altLang="en-US" dirty="0"/>
-              <a:t>레시피 공유 게시판 및 질문 게시판은 별도의 양식으로 글 작성</a:t>
-            </a:r>
-            <a:r>
-              <a:rPr lang="en-US" altLang="ko-KR" dirty="0"/>
-              <a:t>, </a:t>
-            </a:r>
-            <a:r>
-              <a:rPr lang="ko-KR" altLang="en-US" dirty="0"/>
-              <a:t>표시가 되어야 합니다</a:t>
-            </a:r>
-            <a:r>
-              <a:rPr lang="en-US" altLang="ko-KR" dirty="0"/>
-              <a:t>.</a:t>
-            </a:r>
-          </a:p>
-        </p:txBody>
-      </p:sp>
-      <p:sp>
-        <p:nvSpPr>
-          <p:cNvPr id="13" name="TextBox 12">
-            <a:extLst>
-              <a:ext uri="{FF2B5EF4-FFF2-40B4-BE49-F238E27FC236}">
-                <a16:creationId xmlns:a16="http://schemas.microsoft.com/office/drawing/2014/main" id="{466C847A-1979-4315-A381-342CB1EB761B}"/>
-              </a:ext>
-            </a:extLst>
-          </p:cNvPr>
-          <p:cNvSpPr txBox="1"/>
-          <p:nvPr/>
-        </p:nvSpPr>
-        <p:spPr>
-          <a:xfrm>
-            <a:off x="1588860" y="3145267"/>
-            <a:ext cx="7075976" cy="646331"/>
-          </a:xfrm>
-          <a:prstGeom prst="rect">
-            <a:avLst/>
-          </a:prstGeom>
-          <a:noFill/>
-        </p:spPr>
-        <p:txBody>
-          <a:bodyPr wrap="none" rtlCol="0">
-            <a:spAutoFit/>
-          </a:bodyPr>
-          <a:lstStyle/>
-          <a:p>
-            <a:r>
-              <a:rPr lang="ko-KR" altLang="en-US" b="1" dirty="0"/>
-              <a:t>문제점 </a:t>
-            </a:r>
-            <a:r>
-              <a:rPr lang="en-US" altLang="ko-KR" b="1" dirty="0"/>
-              <a:t>3</a:t>
-            </a:r>
-            <a:r>
-              <a:rPr lang="ko-KR" altLang="en-US" b="1" dirty="0"/>
-              <a:t> </a:t>
-            </a:r>
-            <a:r>
-              <a:rPr lang="en-US" altLang="ko-KR" b="1" dirty="0"/>
-              <a:t>:</a:t>
-            </a:r>
-          </a:p>
-          <a:p>
-            <a:r>
-              <a:rPr lang="ko-KR" altLang="en-US" dirty="0"/>
-              <a:t>아직 댓글</a:t>
-            </a:r>
-            <a:r>
-              <a:rPr lang="en-US" altLang="ko-KR" dirty="0"/>
-              <a:t>, </a:t>
-            </a:r>
-            <a:r>
-              <a:rPr lang="ko-KR" altLang="en-US" dirty="0"/>
-              <a:t>추천</a:t>
-            </a:r>
-            <a:r>
-              <a:rPr lang="en-US" altLang="ko-KR" dirty="0"/>
-              <a:t>, </a:t>
-            </a:r>
-            <a:r>
-              <a:rPr lang="ko-KR" altLang="en-US" dirty="0" err="1"/>
-              <a:t>인기순</a:t>
-            </a:r>
-            <a:r>
-              <a:rPr lang="ko-KR" altLang="en-US" dirty="0"/>
-              <a:t> 정렬 등의 기능을  구현하지 못하였습니다</a:t>
-            </a:r>
-            <a:r>
-              <a:rPr lang="en-US" altLang="ko-KR" dirty="0"/>
-              <a:t>.</a:t>
-            </a:r>
-          </a:p>
-        </p:txBody>
-      </p:sp>
-      <p:sp>
-        <p:nvSpPr>
-          <p:cNvPr id="16" name="TextBox 15">
-            <a:extLst>
-              <a:ext uri="{FF2B5EF4-FFF2-40B4-BE49-F238E27FC236}">
-                <a16:creationId xmlns:a16="http://schemas.microsoft.com/office/drawing/2014/main" id="{39904C92-950E-4497-8D90-E0F07F7CC103}"/>
-              </a:ext>
-            </a:extLst>
-          </p:cNvPr>
-          <p:cNvSpPr txBox="1"/>
-          <p:nvPr/>
-        </p:nvSpPr>
-        <p:spPr>
-          <a:xfrm>
-            <a:off x="1588860" y="4385926"/>
-            <a:ext cx="7516801" cy="646331"/>
-          </a:xfrm>
-          <a:prstGeom prst="rect">
-            <a:avLst/>
-          </a:prstGeom>
-          <a:noFill/>
-        </p:spPr>
-        <p:txBody>
-          <a:bodyPr wrap="none" rtlCol="0">
-            <a:spAutoFit/>
-          </a:bodyPr>
-          <a:lstStyle/>
-          <a:p>
-            <a:r>
-              <a:rPr lang="ko-KR" altLang="en-US" b="1" dirty="0"/>
-              <a:t>개선점 </a:t>
-            </a:r>
-            <a:r>
-              <a:rPr lang="en-US" altLang="ko-KR" b="1" dirty="0"/>
-              <a:t>1</a:t>
-            </a:r>
-            <a:r>
-              <a:rPr lang="ko-KR" altLang="en-US" b="1" dirty="0"/>
-              <a:t> </a:t>
-            </a:r>
-            <a:r>
-              <a:rPr lang="en-US" altLang="ko-KR" b="1" dirty="0"/>
-              <a:t>:</a:t>
-            </a:r>
-          </a:p>
-          <a:p>
-            <a:r>
-              <a:rPr lang="ko-KR" altLang="en-US" dirty="0"/>
-              <a:t>자신의 </a:t>
-            </a:r>
-            <a:r>
-              <a:rPr lang="ko-KR" altLang="en-US" dirty="0" err="1"/>
-              <a:t>게시글에</a:t>
-            </a:r>
-            <a:r>
-              <a:rPr lang="ko-KR" altLang="en-US" dirty="0"/>
-              <a:t> 댓글이 작성되면 알림이 갈 수 있도록 할 수 있습니다</a:t>
-            </a:r>
-            <a:r>
-              <a:rPr lang="en-US" altLang="ko-KR" dirty="0"/>
-              <a:t>.</a:t>
-            </a:r>
-          </a:p>
-        </p:txBody>
-      </p:sp>
-      <p:sp>
-        <p:nvSpPr>
-          <p:cNvPr id="4" name="TextBox 3">
-            <a:extLst>
-              <a:ext uri="{FF2B5EF4-FFF2-40B4-BE49-F238E27FC236}">
-                <a16:creationId xmlns:a16="http://schemas.microsoft.com/office/drawing/2014/main" id="{C0AD2A75-B498-4BA2-951E-1D077BE20242}"/>
-              </a:ext>
-            </a:extLst>
-          </p:cNvPr>
-          <p:cNvSpPr txBox="1"/>
-          <p:nvPr/>
-        </p:nvSpPr>
-        <p:spPr>
-          <a:xfrm>
-            <a:off x="1875692" y="5744307"/>
-            <a:ext cx="7850226" cy="369332"/>
-          </a:xfrm>
-          <a:prstGeom prst="rect">
-            <a:avLst/>
-          </a:prstGeom>
-          <a:noFill/>
-        </p:spPr>
-        <p:txBody>
-          <a:bodyPr wrap="none" rtlCol="0">
-            <a:spAutoFit/>
-          </a:bodyPr>
-          <a:lstStyle/>
-          <a:p>
-            <a:r>
-              <a:rPr lang="ko-KR" altLang="en-US" b="1" dirty="0"/>
-              <a:t>총 정리 </a:t>
-            </a:r>
-            <a:r>
-              <a:rPr lang="en-US" altLang="ko-KR" b="1" dirty="0"/>
-              <a:t>: </a:t>
-            </a:r>
-            <a:r>
-              <a:rPr lang="ko-KR" altLang="en-US" b="1" dirty="0"/>
-              <a:t>아직 구현하지 못한 기능이 많고</a:t>
-            </a:r>
-            <a:r>
-              <a:rPr lang="en-US" altLang="ko-KR" b="1" dirty="0"/>
-              <a:t>, </a:t>
-            </a:r>
-            <a:r>
-              <a:rPr lang="ko-KR" altLang="en-US" b="1" dirty="0"/>
-              <a:t>디자인적으로 다소 미흡합니다</a:t>
-            </a:r>
-            <a:r>
-              <a:rPr lang="en-US" altLang="ko-KR" b="1" dirty="0"/>
-              <a:t>.</a:t>
-            </a:r>
-          </a:p>
-        </p:txBody>
-      </p:sp>
-      <p:sp>
-        <p:nvSpPr>
-          <p:cNvPr id="19" name="TextBox 18">
-            <a:extLst>
-              <a:ext uri="{FF2B5EF4-FFF2-40B4-BE49-F238E27FC236}">
-                <a16:creationId xmlns:a16="http://schemas.microsoft.com/office/drawing/2014/main" id="{27F10007-C4F1-48DA-BFE6-6BA45F3F5635}"/>
-              </a:ext>
-            </a:extLst>
-          </p:cNvPr>
-          <p:cNvSpPr txBox="1"/>
-          <p:nvPr/>
-        </p:nvSpPr>
-        <p:spPr>
-          <a:xfrm>
-            <a:off x="2649416" y="222421"/>
-            <a:ext cx="4330032" cy="600164"/>
-          </a:xfrm>
-          <a:prstGeom prst="rect">
-            <a:avLst/>
-          </a:prstGeom>
-          <a:noFill/>
-        </p:spPr>
-        <p:txBody>
-          <a:bodyPr wrap="none" rtlCol="0">
-            <a:spAutoFit/>
-          </a:bodyPr>
-          <a:lstStyle/>
-          <a:p>
-            <a:r>
-              <a:rPr lang="ko-KR" altLang="en-US" sz="1100" dirty="0"/>
-              <a:t>문제점 </a:t>
-            </a:r>
-            <a:r>
-              <a:rPr lang="en-US" altLang="ko-KR" sz="1100" dirty="0"/>
-              <a:t>: </a:t>
-            </a:r>
-            <a:r>
-              <a:rPr lang="ko-KR" altLang="en-US" sz="1100" dirty="0"/>
-              <a:t>아직 설계한대로 다 구현하지 못한 부분이나 미흡한 부분</a:t>
-            </a:r>
-            <a:endParaRPr lang="en-US" altLang="ko-KR" sz="1100" dirty="0"/>
-          </a:p>
-          <a:p>
-            <a:endParaRPr lang="en-US" altLang="ko-KR" sz="1100" dirty="0"/>
-          </a:p>
-          <a:p>
-            <a:r>
-              <a:rPr lang="ko-KR" altLang="en-US" sz="1100" dirty="0"/>
-              <a:t>개선점 </a:t>
-            </a:r>
-            <a:r>
-              <a:rPr lang="en-US" altLang="ko-KR" sz="1100" dirty="0"/>
-              <a:t>: </a:t>
-            </a:r>
-            <a:r>
-              <a:rPr lang="ko-KR" altLang="en-US" sz="1100" dirty="0"/>
-              <a:t>추가적으로 구현하면 좋을 만한 사안</a:t>
-            </a:r>
-            <a:endParaRPr lang="en-US" altLang="ko-KR" sz="1100" dirty="0"/>
-          </a:p>
-        </p:txBody>
-      </p:sp>
+              <a:t>제작기준</a:t>
+            </a:r>
+            <a:endParaRPr lang="en-US" altLang="ko-KR" dirty="0"/>
+          </a:p>
+        </p:txBody>
+      </p:sp>
+      <p:pic>
+        <p:nvPicPr>
+          <p:cNvPr id="4" name="그림 3">
+            <a:extLst>
+              <a:ext uri="{FF2B5EF4-FFF2-40B4-BE49-F238E27FC236}">
+                <a16:creationId xmlns:a16="http://schemas.microsoft.com/office/drawing/2014/main" id="{A75F52C8-2DF0-4720-B5AE-DD82CD8AE127}"/>
+              </a:ext>
+            </a:extLst>
+          </p:cNvPr>
+          <p:cNvPicPr>
+            <a:picLocks noChangeAspect="1"/>
+          </p:cNvPicPr>
+          <p:nvPr/>
+        </p:nvPicPr>
+        <p:blipFill>
+          <a:blip r:embed="rId2"/>
+          <a:stretch>
+            <a:fillRect/>
+          </a:stretch>
+        </p:blipFill>
+        <p:spPr>
+          <a:xfrm>
+            <a:off x="2716440" y="796723"/>
+            <a:ext cx="8541481" cy="5717008"/>
+          </a:xfrm>
+          <a:prstGeom prst="rect">
+            <a:avLst/>
+          </a:prstGeom>
+        </p:spPr>
+      </p:pic>
+      <p:pic>
+        <p:nvPicPr>
+          <p:cNvPr id="6" name="그림 5">
+            <a:extLst>
+              <a:ext uri="{FF2B5EF4-FFF2-40B4-BE49-F238E27FC236}">
+                <a16:creationId xmlns:a16="http://schemas.microsoft.com/office/drawing/2014/main" id="{7E4D2CEC-47A7-4B80-8049-EB869C712705}"/>
+              </a:ext>
+            </a:extLst>
+          </p:cNvPr>
+          <p:cNvPicPr>
+            <a:picLocks noChangeAspect="1"/>
+          </p:cNvPicPr>
+          <p:nvPr/>
+        </p:nvPicPr>
+        <p:blipFill>
+          <a:blip r:embed="rId3"/>
+          <a:stretch>
+            <a:fillRect/>
+          </a:stretch>
+        </p:blipFill>
+        <p:spPr>
+          <a:xfrm>
+            <a:off x="187569" y="3048000"/>
+            <a:ext cx="2003550" cy="1235349"/>
+          </a:xfrm>
+          <a:prstGeom prst="rect">
+            <a:avLst/>
+          </a:prstGeom>
+        </p:spPr>
+      </p:pic>
     </p:spTree>
     <p:extLst>
       <p:ext uri="{BB962C8B-B14F-4D97-AF65-F5344CB8AC3E}">
-        <p14:creationId xmlns:p14="http://schemas.microsoft.com/office/powerpoint/2010/main" val="3036409739"/>
+        <p14:creationId xmlns:p14="http://schemas.microsoft.com/office/powerpoint/2010/main" val="2931731065"/>
       </p:ext>
     </p:extLst>
   </p:cSld>
@@ -10872,7 +11041,7 @@
         <p:spPr>
           <a:xfrm>
             <a:off x="187569" y="150392"/>
-            <a:ext cx="5373587" cy="646331"/>
+            <a:ext cx="2031325" cy="646331"/>
           </a:xfrm>
           <a:prstGeom prst="rect">
             <a:avLst/>
@@ -10894,80 +11063,18 @@
           <a:p>
             <a:r>
               <a:rPr lang="ko-KR" altLang="en-US" dirty="0"/>
-              <a:t>결과 분석에 따른 설계 변경사항 및 구현계획 기술</a:t>
-            </a:r>
-            <a:endParaRPr lang="en-US" altLang="ko-KR" dirty="0"/>
-          </a:p>
-        </p:txBody>
-      </p:sp>
-      <p:sp>
-        <p:nvSpPr>
-          <p:cNvPr id="10" name="TextBox 9">
-            <a:extLst>
-              <a:ext uri="{FF2B5EF4-FFF2-40B4-BE49-F238E27FC236}">
-                <a16:creationId xmlns:a16="http://schemas.microsoft.com/office/drawing/2014/main" id="{20387B7A-DF7E-494D-A783-D1C73DDA0A2D}"/>
-              </a:ext>
-            </a:extLst>
-          </p:cNvPr>
-          <p:cNvSpPr txBox="1"/>
-          <p:nvPr/>
-        </p:nvSpPr>
-        <p:spPr>
-          <a:xfrm>
-            <a:off x="7924800" y="1066650"/>
-            <a:ext cx="3332964" cy="923330"/>
-          </a:xfrm>
-          <a:prstGeom prst="rect">
-            <a:avLst/>
-          </a:prstGeom>
-          <a:noFill/>
-        </p:spPr>
-        <p:txBody>
-          <a:bodyPr wrap="none" rtlCol="0">
-            <a:spAutoFit/>
-          </a:bodyPr>
-          <a:lstStyle/>
-          <a:p>
-            <a:r>
-              <a:rPr lang="ko-KR" altLang="en-US" dirty="0"/>
-              <a:t>댓글 작성</a:t>
-            </a:r>
-            <a:r>
-              <a:rPr lang="en-US" altLang="ko-KR" dirty="0"/>
-              <a:t>,</a:t>
-            </a:r>
-            <a:r>
-              <a:rPr lang="ko-KR" altLang="en-US" dirty="0"/>
-              <a:t>표시 및 추천 기능을</a:t>
-            </a:r>
-            <a:endParaRPr lang="en-US" altLang="ko-KR" dirty="0"/>
-          </a:p>
-          <a:p>
-            <a:r>
-              <a:rPr lang="ko-KR" altLang="en-US" dirty="0"/>
-              <a:t>최종 보고서 제출전까지</a:t>
-            </a:r>
-            <a:endParaRPr lang="en-US" altLang="ko-KR" dirty="0"/>
-          </a:p>
-          <a:p>
-            <a:r>
-              <a:rPr lang="ko-KR" altLang="en-US" dirty="0"/>
-              <a:t>구현 완료하겠습니다</a:t>
-            </a:r>
-            <a:r>
-              <a:rPr lang="en-US" altLang="ko-KR" dirty="0"/>
-              <a:t>.</a:t>
-            </a:r>
-            <a:endParaRPr lang="ko-KR" altLang="en-US" dirty="0"/>
+              <a:t>제작방법 및 결과</a:t>
+            </a:r>
+            <a:endParaRPr lang="en-US" altLang="ko-KR" dirty="0"/>
           </a:p>
         </p:txBody>
       </p:sp>
       <p:pic>
         <p:nvPicPr>
-          <p:cNvPr id="17" name="그림 16">
-            <a:extLst>
-              <a:ext uri="{FF2B5EF4-FFF2-40B4-BE49-F238E27FC236}">
-                <a16:creationId xmlns:a16="http://schemas.microsoft.com/office/drawing/2014/main" id="{6B0C4927-098C-43DD-A442-9A9DE3EFFF15}"/>
+          <p:cNvPr id="5" name="그림 4">
+            <a:extLst>
+              <a:ext uri="{FF2B5EF4-FFF2-40B4-BE49-F238E27FC236}">
+                <a16:creationId xmlns:a16="http://schemas.microsoft.com/office/drawing/2014/main" id="{FA175239-2F11-41F2-81DD-F61EB2FA4F07}"/>
               </a:ext>
             </a:extLst>
           </p:cNvPr>
@@ -10984,38 +11091,8 @@
         </p:blipFill>
         <p:spPr>
           <a:xfrm>
-            <a:off x="536301" y="1211743"/>
-            <a:ext cx="6638224" cy="554148"/>
-          </a:xfrm>
-          <a:prstGeom prst="rect">
-            <a:avLst/>
-          </a:prstGeom>
-        </p:spPr>
-      </p:pic>
-      <p:pic>
-        <p:nvPicPr>
-          <p:cNvPr id="19" name="그림 18">
-            <a:extLst>
-              <a:ext uri="{FF2B5EF4-FFF2-40B4-BE49-F238E27FC236}">
-                <a16:creationId xmlns:a16="http://schemas.microsoft.com/office/drawing/2014/main" id="{26D5D9CF-DD4B-4845-9CFF-0134A58E848A}"/>
-              </a:ext>
-            </a:extLst>
-          </p:cNvPr>
-          <p:cNvPicPr>
-            <a:picLocks noChangeAspect="1"/>
-          </p:cNvPicPr>
-          <p:nvPr/>
-        </p:nvPicPr>
-        <p:blipFill>
-          <a:blip r:embed="rId3"/>
-          <a:stretch>
-            <a:fillRect/>
-          </a:stretch>
-        </p:blipFill>
-        <p:spPr>
-          <a:xfrm>
-            <a:off x="536301" y="3168660"/>
-            <a:ext cx="5439534" cy="752580"/>
+            <a:off x="3637446" y="1231900"/>
+            <a:ext cx="4917107" cy="5328334"/>
           </a:xfrm>
           <a:prstGeom prst="rect">
             <a:avLst/>
@@ -11027,86 +11104,12 @@
           </a:ln>
         </p:spPr>
       </p:pic>
-      <p:cxnSp>
-        <p:nvCxnSpPr>
-          <p:cNvPr id="21" name="직선 화살표 연결선 20">
-            <a:extLst>
-              <a:ext uri="{FF2B5EF4-FFF2-40B4-BE49-F238E27FC236}">
-                <a16:creationId xmlns:a16="http://schemas.microsoft.com/office/drawing/2014/main" id="{D8FBFFDF-B32E-4DF6-BA14-3D360466D5C2}"/>
-              </a:ext>
-            </a:extLst>
-          </p:cNvPr>
-          <p:cNvCxnSpPr>
-            <a:cxnSpLocks/>
-          </p:cNvCxnSpPr>
-          <p:nvPr/>
-        </p:nvCxnSpPr>
-        <p:spPr>
-          <a:xfrm>
-            <a:off x="3244345" y="3921240"/>
-            <a:ext cx="11723" cy="495509"/>
-          </a:xfrm>
-          <a:prstGeom prst="straightConnector1">
-            <a:avLst/>
-          </a:prstGeom>
-          <a:ln>
-            <a:solidFill>
-              <a:schemeClr val="tx1"/>
-            </a:solidFill>
-            <a:tailEnd type="triangle"/>
-          </a:ln>
-        </p:spPr>
-        <p:style>
-          <a:lnRef idx="1">
-            <a:schemeClr val="accent1"/>
-          </a:lnRef>
-          <a:fillRef idx="0">
-            <a:schemeClr val="accent1"/>
-          </a:fillRef>
-          <a:effectRef idx="0">
-            <a:schemeClr val="accent1"/>
-          </a:effectRef>
-          <a:fontRef idx="minor">
-            <a:schemeClr val="tx1"/>
-          </a:fontRef>
-        </p:style>
-      </p:cxnSp>
-      <p:pic>
-        <p:nvPicPr>
-          <p:cNvPr id="25" name="그림 24">
-            <a:extLst>
-              <a:ext uri="{FF2B5EF4-FFF2-40B4-BE49-F238E27FC236}">
-                <a16:creationId xmlns:a16="http://schemas.microsoft.com/office/drawing/2014/main" id="{38F107EE-D604-4D7B-876A-51AB6D1B2690}"/>
-              </a:ext>
-            </a:extLst>
-          </p:cNvPr>
-          <p:cNvPicPr>
-            <a:picLocks noChangeAspect="1"/>
-          </p:cNvPicPr>
-          <p:nvPr/>
-        </p:nvPicPr>
-        <p:blipFill>
-          <a:blip r:embed="rId4"/>
-          <a:stretch>
-            <a:fillRect/>
-          </a:stretch>
-        </p:blipFill>
-        <p:spPr>
-          <a:xfrm>
-            <a:off x="536301" y="4416750"/>
-            <a:ext cx="5439535" cy="598064"/>
-          </a:xfrm>
-          <a:prstGeom prst="rect">
-            <a:avLst/>
-          </a:prstGeom>
-        </p:spPr>
-      </p:pic>
-      <p:sp>
-        <p:nvSpPr>
-          <p:cNvPr id="26" name="TextBox 25">
-            <a:extLst>
-              <a:ext uri="{FF2B5EF4-FFF2-40B4-BE49-F238E27FC236}">
-                <a16:creationId xmlns:a16="http://schemas.microsoft.com/office/drawing/2014/main" id="{C335FBD6-46CC-4964-8D4C-500FF44CB3AE}"/>
+      <p:sp>
+        <p:nvSpPr>
+          <p:cNvPr id="6" name="TextBox 5">
+            <a:extLst>
+              <a:ext uri="{FF2B5EF4-FFF2-40B4-BE49-F238E27FC236}">
+                <a16:creationId xmlns:a16="http://schemas.microsoft.com/office/drawing/2014/main" id="{BB57AB76-4C2C-4F5E-B894-AA1F688FED63}"/>
               </a:ext>
             </a:extLst>
           </p:cNvPr>
@@ -11115,8 +11118,8 @@
         </p:nvSpPr>
         <p:spPr>
           <a:xfrm>
-            <a:off x="6425026" y="3124087"/>
-            <a:ext cx="5291833" cy="2585323"/>
+            <a:off x="418501" y="1431723"/>
+            <a:ext cx="2619628" cy="646331"/>
           </a:xfrm>
           <a:prstGeom prst="rect">
             <a:avLst/>
@@ -11130,176 +11133,27 @@
           <a:lstStyle/>
           <a:p>
             <a:r>
-              <a:rPr lang="en-US" altLang="ko-KR" dirty="0"/>
-              <a:t>“</a:t>
-            </a:r>
-            <a:r>
-              <a:rPr lang="ko-KR" altLang="en-US" dirty="0"/>
-              <a:t>나만의 레시피</a:t>
-            </a:r>
-            <a:r>
-              <a:rPr lang="en-US" altLang="ko-KR" dirty="0"/>
-              <a:t>”</a:t>
-            </a:r>
-            <a:r>
-              <a:rPr lang="ko-KR" altLang="en-US" dirty="0"/>
-              <a:t> </a:t>
-            </a:r>
-            <a:r>
-              <a:rPr lang="en-US" altLang="ko-KR" dirty="0"/>
-              <a:t>-&gt; “</a:t>
-            </a:r>
-            <a:r>
-              <a:rPr lang="ko-KR" altLang="en-US" dirty="0"/>
-              <a:t>레시피 공유</a:t>
-            </a:r>
-            <a:r>
-              <a:rPr lang="en-US" altLang="ko-KR" dirty="0"/>
-              <a:t>”</a:t>
-            </a:r>
-            <a:r>
-              <a:rPr lang="ko-KR" altLang="en-US" dirty="0"/>
-              <a:t> 게시판으로 </a:t>
-            </a:r>
-            <a:endParaRPr lang="en-US" altLang="ko-KR" dirty="0"/>
-          </a:p>
-          <a:p>
-            <a:r>
-              <a:rPr lang="ko-KR" altLang="en-US" dirty="0"/>
-              <a:t>정정하였습니다</a:t>
-            </a:r>
-            <a:r>
-              <a:rPr lang="en-US" altLang="ko-KR" dirty="0"/>
-              <a:t>. (</a:t>
-            </a:r>
-            <a:r>
-              <a:rPr lang="ko-KR" altLang="en-US" dirty="0"/>
-              <a:t>범용</a:t>
-            </a:r>
-            <a:r>
-              <a:rPr lang="en-US" altLang="ko-KR" dirty="0"/>
-              <a:t>, </a:t>
-            </a:r>
-            <a:r>
-              <a:rPr lang="ko-KR" altLang="en-US" dirty="0" err="1"/>
-              <a:t>직관성</a:t>
-            </a:r>
-            <a:r>
-              <a:rPr lang="en-US" altLang="ko-KR" dirty="0"/>
-              <a:t>)</a:t>
-            </a:r>
-          </a:p>
-          <a:p>
-            <a:endParaRPr lang="en-US" altLang="ko-KR" dirty="0"/>
-          </a:p>
-          <a:p>
-            <a:r>
-              <a:rPr lang="en-US" altLang="ko-KR" dirty="0"/>
-              <a:t>“</a:t>
-            </a:r>
-            <a:r>
-              <a:rPr lang="ko-KR" altLang="en-US" dirty="0"/>
-              <a:t>인기 레시피</a:t>
-            </a:r>
-            <a:r>
-              <a:rPr lang="en-US" altLang="ko-KR" dirty="0"/>
-              <a:t>“ </a:t>
-            </a:r>
-            <a:r>
-              <a:rPr lang="ko-KR" altLang="en-US" dirty="0"/>
-              <a:t>게시판은 추가하지 않습니다</a:t>
-            </a:r>
-            <a:endParaRPr lang="en-US" altLang="ko-KR" dirty="0"/>
-          </a:p>
-          <a:p>
-            <a:r>
-              <a:rPr lang="en-US" altLang="ko-KR" dirty="0"/>
-              <a:t>(</a:t>
-            </a:r>
-            <a:r>
-              <a:rPr lang="ko-KR" altLang="en-US" dirty="0" err="1"/>
-              <a:t>인기순</a:t>
-            </a:r>
-            <a:r>
-              <a:rPr lang="ko-KR" altLang="en-US" dirty="0"/>
-              <a:t> </a:t>
-            </a:r>
-            <a:r>
-              <a:rPr lang="ko-KR" altLang="en-US" dirty="0" err="1"/>
-              <a:t>정렬으로</a:t>
-            </a:r>
-            <a:r>
-              <a:rPr lang="ko-KR" altLang="en-US" dirty="0"/>
-              <a:t> 대체가능한 게시판입니다</a:t>
-            </a:r>
-            <a:r>
-              <a:rPr lang="en-US" altLang="ko-KR" dirty="0"/>
-              <a:t>.)</a:t>
-            </a:r>
-          </a:p>
-          <a:p>
-            <a:endParaRPr lang="en-US" altLang="ko-KR" dirty="0"/>
-          </a:p>
-          <a:p>
-            <a:r>
-              <a:rPr lang="ko-KR" altLang="en-US" dirty="0"/>
-              <a:t>레시피 공유 게시판을 포토앨범 형식으로</a:t>
-            </a:r>
-            <a:endParaRPr lang="en-US" altLang="ko-KR" dirty="0"/>
-          </a:p>
-          <a:p>
-            <a:r>
-              <a:rPr lang="ko-KR" altLang="en-US" dirty="0"/>
-              <a:t>최근 게시물 및 게시물리스트를 표시할 수 있도록</a:t>
-            </a:r>
-            <a:endParaRPr lang="en-US" altLang="ko-KR" dirty="0"/>
-          </a:p>
-          <a:p>
-            <a:r>
-              <a:rPr lang="ko-KR" altLang="en-US" dirty="0"/>
-              <a:t>최종 보고서 제출전까지 구현 완료하겠습니다</a:t>
-            </a:r>
-            <a:r>
-              <a:rPr lang="en-US" altLang="ko-KR" dirty="0"/>
-              <a:t>.</a:t>
-            </a:r>
-          </a:p>
-        </p:txBody>
-      </p:sp>
-      <p:pic>
-        <p:nvPicPr>
-          <p:cNvPr id="27" name="그림 26">
-            <a:extLst>
-              <a:ext uri="{FF2B5EF4-FFF2-40B4-BE49-F238E27FC236}">
-                <a16:creationId xmlns:a16="http://schemas.microsoft.com/office/drawing/2014/main" id="{C49E26F8-DE65-4661-9FB5-1F3CE64F2E0D}"/>
-              </a:ext>
-            </a:extLst>
-          </p:cNvPr>
-          <p:cNvPicPr>
-            <a:picLocks noChangeAspect="1"/>
-          </p:cNvPicPr>
-          <p:nvPr/>
-        </p:nvPicPr>
-        <p:blipFill>
-          <a:blip r:embed="rId5"/>
-          <a:stretch>
-            <a:fillRect/>
-          </a:stretch>
-        </p:blipFill>
-        <p:spPr>
-          <a:xfrm>
-            <a:off x="536301" y="5229297"/>
-            <a:ext cx="5439534" cy="562053"/>
-          </a:xfrm>
-          <a:prstGeom prst="rect">
-            <a:avLst/>
-          </a:prstGeom>
-        </p:spPr>
-      </p:pic>
+              <a:rPr lang="en-US" altLang="ko-KR" dirty="0" err="1"/>
+              <a:t>CommunityFragment</a:t>
+            </a:r>
+            <a:r>
+              <a:rPr lang="ko-KR" altLang="en-US" dirty="0"/>
+              <a:t>의</a:t>
+            </a:r>
+            <a:endParaRPr lang="en-US" altLang="ko-KR" dirty="0"/>
+          </a:p>
+          <a:p>
+            <a:r>
+              <a:rPr lang="ko-KR" altLang="en-US" dirty="0"/>
+              <a:t>대략적인 구조</a:t>
+            </a:r>
+          </a:p>
+        </p:txBody>
+      </p:sp>
     </p:spTree>
     <p:extLst>
       <p:ext uri="{BB962C8B-B14F-4D97-AF65-F5344CB8AC3E}">
-        <p14:creationId xmlns:p14="http://schemas.microsoft.com/office/powerpoint/2010/main" val="2017884814"/>
+        <p14:creationId xmlns:p14="http://schemas.microsoft.com/office/powerpoint/2010/main" val="2394150618"/>
       </p:ext>
     </p:extLst>
   </p:cSld>
@@ -11341,7 +11195,7 @@
         <p:spPr>
           <a:xfrm>
             <a:off x="187569" y="150392"/>
-            <a:ext cx="5373587" cy="646331"/>
+            <a:ext cx="2031325" cy="646331"/>
           </a:xfrm>
           <a:prstGeom prst="rect">
             <a:avLst/>
@@ -11363,7 +11217,7 @@
           <a:p>
             <a:r>
               <a:rPr lang="ko-KR" altLang="en-US" dirty="0"/>
-              <a:t>결과 분석에 따른 설계 변경사항 및 구현계획 기술</a:t>
+              <a:t>제작방법 및 결과</a:t>
             </a:r>
             <a:endParaRPr lang="en-US" altLang="ko-KR" dirty="0"/>
           </a:p>
@@ -11371,10 +11225,10 @@
       </p:sp>
       <p:pic>
         <p:nvPicPr>
-          <p:cNvPr id="3" name="그림 2">
-            <a:extLst>
-              <a:ext uri="{FF2B5EF4-FFF2-40B4-BE49-F238E27FC236}">
-                <a16:creationId xmlns:a16="http://schemas.microsoft.com/office/drawing/2014/main" id="{196CD40C-80E4-4FE9-BBDE-D8A758E33A35}"/>
+          <p:cNvPr id="12" name="그림 11">
+            <a:extLst>
+              <a:ext uri="{FF2B5EF4-FFF2-40B4-BE49-F238E27FC236}">
+                <a16:creationId xmlns:a16="http://schemas.microsoft.com/office/drawing/2014/main" id="{198768A3-45D2-4E0B-B225-F6FF1CFB6888}"/>
               </a:ext>
             </a:extLst>
           </p:cNvPr>
@@ -11391,155 +11245,25 @@
         </p:blipFill>
         <p:spPr>
           <a:xfrm>
-            <a:off x="215652" y="2126258"/>
-            <a:ext cx="6172449" cy="646330"/>
-          </a:xfrm>
-          <a:prstGeom prst="rect">
-            <a:avLst/>
-          </a:prstGeom>
+            <a:off x="6774155" y="2214004"/>
+            <a:ext cx="3164552" cy="2534956"/>
+          </a:xfrm>
+          <a:prstGeom prst="rect">
+            <a:avLst/>
+          </a:prstGeom>
+          <a:ln>
+            <a:solidFill>
+              <a:schemeClr val="tx1"/>
+            </a:solidFill>
+          </a:ln>
         </p:spPr>
       </p:pic>
-      <p:sp>
-        <p:nvSpPr>
-          <p:cNvPr id="4" name="TextBox 3">
-            <a:extLst>
-              <a:ext uri="{FF2B5EF4-FFF2-40B4-BE49-F238E27FC236}">
-                <a16:creationId xmlns:a16="http://schemas.microsoft.com/office/drawing/2014/main" id="{6D728307-A7AC-4784-B3D2-CB3D6121B71E}"/>
-              </a:ext>
-            </a:extLst>
-          </p:cNvPr>
-          <p:cNvSpPr txBox="1"/>
-          <p:nvPr/>
-        </p:nvSpPr>
-        <p:spPr>
-          <a:xfrm>
-            <a:off x="6669106" y="1295261"/>
-            <a:ext cx="4791696" cy="2308324"/>
-          </a:xfrm>
-          <a:prstGeom prst="rect">
-            <a:avLst/>
-          </a:prstGeom>
-          <a:noFill/>
-        </p:spPr>
-        <p:txBody>
-          <a:bodyPr wrap="none" rtlCol="0">
-            <a:spAutoFit/>
-          </a:bodyPr>
-          <a:lstStyle/>
-          <a:p>
-            <a:r>
-              <a:rPr lang="ko-KR" altLang="en-US" dirty="0"/>
-              <a:t>사용자에게 웹 커뮤니티처럼</a:t>
-            </a:r>
-            <a:endParaRPr lang="en-US" altLang="ko-KR" dirty="0"/>
-          </a:p>
-          <a:p>
-            <a:r>
-              <a:rPr lang="ko-KR" altLang="en-US" dirty="0"/>
-              <a:t>글씨 크기</a:t>
-            </a:r>
-            <a:r>
-              <a:rPr lang="en-US" altLang="ko-KR" dirty="0"/>
-              <a:t>, </a:t>
-            </a:r>
-            <a:r>
-              <a:rPr lang="ko-KR" altLang="en-US" dirty="0"/>
-              <a:t>폰트</a:t>
-            </a:r>
-            <a:r>
-              <a:rPr lang="en-US" altLang="ko-KR" dirty="0"/>
-              <a:t> </a:t>
-            </a:r>
-            <a:r>
-              <a:rPr lang="ko-KR" altLang="en-US" dirty="0"/>
-              <a:t>등에 자유도를 주는 것은</a:t>
-            </a:r>
-            <a:endParaRPr lang="en-US" altLang="ko-KR" dirty="0"/>
-          </a:p>
-          <a:p>
-            <a:r>
-              <a:rPr lang="ko-KR" altLang="en-US" dirty="0"/>
-              <a:t>오히려 게시판 </a:t>
-            </a:r>
-            <a:r>
-              <a:rPr lang="ko-KR" altLang="en-US" dirty="0" err="1"/>
-              <a:t>게시글들의</a:t>
-            </a:r>
-            <a:r>
-              <a:rPr lang="ko-KR" altLang="en-US" dirty="0"/>
-              <a:t> 일관성을</a:t>
-            </a:r>
-            <a:endParaRPr lang="en-US" altLang="ko-KR" dirty="0"/>
-          </a:p>
-          <a:p>
-            <a:r>
-              <a:rPr lang="ko-KR" altLang="en-US" dirty="0"/>
-              <a:t>해치게 될 것을 염려하여</a:t>
-            </a:r>
-            <a:endParaRPr lang="en-US" altLang="ko-KR" dirty="0"/>
-          </a:p>
-          <a:p>
-            <a:endParaRPr lang="en-US" altLang="ko-KR" dirty="0"/>
-          </a:p>
-          <a:p>
-            <a:r>
-              <a:rPr lang="ko-KR" altLang="en-US" dirty="0"/>
-              <a:t>본문 작성 시 </a:t>
-            </a:r>
-            <a:r>
-              <a:rPr lang="ko-KR" altLang="en-US" dirty="0" err="1"/>
-              <a:t>툴바</a:t>
-            </a:r>
-            <a:r>
-              <a:rPr lang="ko-KR" altLang="en-US" dirty="0"/>
-              <a:t> 제공 기능을</a:t>
-            </a:r>
-            <a:endParaRPr lang="en-US" altLang="ko-KR" dirty="0"/>
-          </a:p>
-          <a:p>
-            <a:r>
-              <a:rPr lang="ko-KR" altLang="en-US" dirty="0"/>
-              <a:t>구현하지 않기로 하였습니다</a:t>
-            </a:r>
-            <a:r>
-              <a:rPr lang="en-US" altLang="ko-KR" dirty="0"/>
-              <a:t>.</a:t>
-            </a:r>
-          </a:p>
-          <a:p>
-            <a:r>
-              <a:rPr lang="en-US" altLang="ko-KR" dirty="0"/>
-              <a:t>(</a:t>
-            </a:r>
-            <a:r>
-              <a:rPr lang="ko-KR" altLang="en-US" dirty="0" err="1"/>
-              <a:t>툴바</a:t>
-            </a:r>
-            <a:r>
-              <a:rPr lang="ko-KR" altLang="en-US" dirty="0"/>
-              <a:t> 없이 본문 작성</a:t>
-            </a:r>
-            <a:r>
-              <a:rPr lang="en-US" altLang="ko-KR" dirty="0"/>
-              <a:t>, </a:t>
-            </a:r>
-            <a:r>
-              <a:rPr lang="ko-KR" altLang="en-US" dirty="0"/>
-              <a:t>제목 작성은 구현완료</a:t>
-            </a:r>
-            <a:r>
-              <a:rPr lang="en-US" altLang="ko-KR" dirty="0"/>
-              <a:t>)</a:t>
-            </a:r>
-          </a:p>
-        </p:txBody>
-      </p:sp>
       <p:pic>
         <p:nvPicPr>
-          <p:cNvPr id="8" name="그림 7">
-            <a:extLst>
-              <a:ext uri="{FF2B5EF4-FFF2-40B4-BE49-F238E27FC236}">
-                <a16:creationId xmlns:a16="http://schemas.microsoft.com/office/drawing/2014/main" id="{6ED1D4AA-E8B4-4C80-9899-069366B4A72C}"/>
+          <p:cNvPr id="3" name="그림 2">
+            <a:extLst>
+              <a:ext uri="{FF2B5EF4-FFF2-40B4-BE49-F238E27FC236}">
+                <a16:creationId xmlns:a16="http://schemas.microsoft.com/office/drawing/2014/main" id="{6AC1818A-4B8F-47D0-9291-B047D8075A45}"/>
               </a:ext>
             </a:extLst>
           </p:cNvPr>
@@ -11556,20 +11280,50 @@
         </p:blipFill>
         <p:spPr>
           <a:xfrm>
-            <a:off x="187569" y="4843583"/>
-            <a:ext cx="6200532" cy="1179508"/>
+            <a:off x="320581" y="2224741"/>
+            <a:ext cx="4374527" cy="2764219"/>
           </a:xfrm>
           <a:prstGeom prst="rect">
             <a:avLst/>
           </a:prstGeom>
         </p:spPr>
       </p:pic>
-      <p:sp>
-        <p:nvSpPr>
-          <p:cNvPr id="11" name="TextBox 10">
-            <a:extLst>
-              <a:ext uri="{FF2B5EF4-FFF2-40B4-BE49-F238E27FC236}">
-                <a16:creationId xmlns:a16="http://schemas.microsoft.com/office/drawing/2014/main" id="{1BCAD082-E2A0-44FE-BA95-A81F9C250054}"/>
+      <p:pic>
+        <p:nvPicPr>
+          <p:cNvPr id="7" name="그림 6">
+            <a:extLst>
+              <a:ext uri="{FF2B5EF4-FFF2-40B4-BE49-F238E27FC236}">
+                <a16:creationId xmlns:a16="http://schemas.microsoft.com/office/drawing/2014/main" id="{1D7BB2DA-E7B9-4EBE-9F02-BA65FF05B6B4}"/>
+              </a:ext>
+            </a:extLst>
+          </p:cNvPr>
+          <p:cNvPicPr>
+            <a:picLocks noChangeAspect="1"/>
+          </p:cNvPicPr>
+          <p:nvPr/>
+        </p:nvPicPr>
+        <p:blipFill>
+          <a:blip r:embed="rId4"/>
+          <a:stretch>
+            <a:fillRect/>
+          </a:stretch>
+        </p:blipFill>
+        <p:spPr>
+          <a:xfrm>
+            <a:off x="5291168" y="1208116"/>
+            <a:ext cx="6539837" cy="471699"/>
+          </a:xfrm>
+          <a:prstGeom prst="rect">
+            <a:avLst/>
+          </a:prstGeom>
+        </p:spPr>
+      </p:pic>
+      <p:sp>
+        <p:nvSpPr>
+          <p:cNvPr id="13" name="TextBox 12">
+            <a:extLst>
+              <a:ext uri="{FF2B5EF4-FFF2-40B4-BE49-F238E27FC236}">
+                <a16:creationId xmlns:a16="http://schemas.microsoft.com/office/drawing/2014/main" id="{BEB2CC91-90E5-465E-8C8C-95544DB06C63}"/>
               </a:ext>
             </a:extLst>
           </p:cNvPr>
@@ -11578,8 +11332,8 @@
         </p:nvSpPr>
         <p:spPr>
           <a:xfrm>
-            <a:off x="6807200" y="4694673"/>
-            <a:ext cx="3661580" cy="1477328"/>
+            <a:off x="5742524" y="5188219"/>
+            <a:ext cx="5445722" cy="923330"/>
           </a:xfrm>
           <a:prstGeom prst="rect">
             <a:avLst/>
@@ -11593,57 +11347,188 @@
           <a:lstStyle/>
           <a:p>
             <a:r>
-              <a:rPr lang="ko-KR" altLang="en-US" dirty="0"/>
-              <a:t>최종보고서 제출 전까지</a:t>
-            </a:r>
-            <a:endParaRPr lang="en-US" altLang="ko-KR" dirty="0"/>
-          </a:p>
-          <a:p>
-            <a:r>
-              <a:rPr lang="en-US" altLang="ko-KR" dirty="0"/>
-              <a:t>“</a:t>
-            </a:r>
-            <a:r>
-              <a:rPr lang="ko-KR" altLang="en-US" dirty="0"/>
-              <a:t>레시피 공유 게시판</a:t>
-            </a:r>
-            <a:r>
-              <a:rPr lang="en-US" altLang="ko-KR" dirty="0"/>
-              <a:t>”</a:t>
-            </a:r>
-            <a:r>
-              <a:rPr lang="ko-KR" altLang="en-US" dirty="0"/>
+              <a:rPr lang="en-US" altLang="ko-KR" b="1" dirty="0" err="1">
+                <a:solidFill>
+                  <a:srgbClr val="00B050"/>
+                </a:solidFill>
+              </a:rPr>
+              <a:t>ReferenceDatabase</a:t>
+            </a:r>
+            <a:r>
+              <a:rPr lang="en-US" altLang="ko-KR" b="1" dirty="0">
+                <a:solidFill>
+                  <a:srgbClr val="00B050"/>
+                </a:solidFill>
+              </a:rPr>
+              <a:t> </a:t>
+            </a:r>
+            <a:r>
+              <a:rPr lang="ko-KR" altLang="en-US" b="1" dirty="0">
+                <a:solidFill>
+                  <a:srgbClr val="00B050"/>
+                </a:solidFill>
+              </a:rPr>
+              <a:t>객체</a:t>
+            </a:r>
+            <a:r>
+              <a:rPr lang="en-US" altLang="ko-KR" b="1" dirty="0">
+                <a:solidFill>
+                  <a:srgbClr val="00B050"/>
+                </a:solidFill>
+              </a:rPr>
+              <a:t>(</a:t>
+            </a:r>
+            <a:r>
+              <a:rPr lang="en-US" altLang="ko-KR" b="1" dirty="0" err="1">
+                <a:solidFill>
+                  <a:srgbClr val="00B050"/>
+                </a:solidFill>
+              </a:rPr>
+              <a:t>mDatabase</a:t>
+            </a:r>
+            <a:r>
+              <a:rPr lang="en-US" altLang="ko-KR" b="1" dirty="0">
+                <a:solidFill>
+                  <a:srgbClr val="00B050"/>
+                </a:solidFill>
+              </a:rPr>
+              <a:t>)</a:t>
+            </a:r>
+            <a:r>
+              <a:rPr lang="ko-KR" altLang="en-US" b="1" dirty="0">
+                <a:solidFill>
+                  <a:srgbClr val="00B050"/>
+                </a:solidFill>
+              </a:rPr>
+              <a:t>를 이용하여</a:t>
+            </a:r>
+            <a:endParaRPr lang="en-US" altLang="ko-KR" b="1" dirty="0">
+              <a:solidFill>
+                <a:srgbClr val="00B050"/>
+              </a:solidFill>
+            </a:endParaRPr>
+          </a:p>
+          <a:p>
+            <a:r>
+              <a:rPr lang="en-US" altLang="ko-KR" b="1" dirty="0">
+                <a:solidFill>
+                  <a:srgbClr val="00B050"/>
+                </a:solidFill>
+              </a:rPr>
+              <a:t>Firebase – </a:t>
+            </a:r>
+            <a:r>
+              <a:rPr lang="en-US" altLang="ko-KR" b="1" dirty="0" err="1">
+                <a:solidFill>
+                  <a:srgbClr val="00B050"/>
+                </a:solidFill>
+              </a:rPr>
+              <a:t>RealtimeDatabase</a:t>
+            </a:r>
+            <a:r>
+              <a:rPr lang="ko-KR" altLang="en-US" b="1" dirty="0">
+                <a:solidFill>
+                  <a:srgbClr val="00B050"/>
+                </a:solidFill>
+              </a:rPr>
               <a:t>에</a:t>
             </a:r>
-            <a:endParaRPr lang="en-US" altLang="ko-KR" dirty="0"/>
-          </a:p>
-          <a:p>
-            <a:r>
-              <a:rPr lang="ko-KR" altLang="en-US" dirty="0"/>
-              <a:t>레시피 첨부 기능을 추가하고</a:t>
-            </a:r>
-            <a:endParaRPr lang="en-US" altLang="ko-KR" dirty="0"/>
-          </a:p>
-          <a:p>
-            <a:r>
-              <a:rPr lang="ko-KR" altLang="en-US" dirty="0"/>
-              <a:t>포토앨범 방식으로 게시글 목록을</a:t>
-            </a:r>
-            <a:endParaRPr lang="en-US" altLang="ko-KR" dirty="0"/>
-          </a:p>
-          <a:p>
-            <a:r>
-              <a:rPr lang="ko-KR" altLang="en-US" dirty="0"/>
-              <a:t>표시하도록 하겠습니다</a:t>
-            </a:r>
-            <a:endParaRPr lang="en-US" altLang="ko-KR" dirty="0"/>
+            <a:endParaRPr lang="en-US" altLang="ko-KR" b="1" dirty="0">
+              <a:solidFill>
+                <a:srgbClr val="00B050"/>
+              </a:solidFill>
+            </a:endParaRPr>
+          </a:p>
+          <a:p>
+            <a:r>
+              <a:rPr lang="ko-KR" altLang="en-US" b="1" dirty="0" err="1">
+                <a:solidFill>
+                  <a:srgbClr val="00B050"/>
+                </a:solidFill>
+              </a:rPr>
+              <a:t>저장되어있는</a:t>
+            </a:r>
+            <a:r>
+              <a:rPr lang="en-US" altLang="ko-KR" b="1" dirty="0">
+                <a:solidFill>
+                  <a:srgbClr val="00B050"/>
+                </a:solidFill>
+              </a:rPr>
+              <a:t> </a:t>
+            </a:r>
+            <a:r>
+              <a:rPr lang="ko-KR" altLang="en-US" b="1" dirty="0">
+                <a:solidFill>
+                  <a:srgbClr val="00B050"/>
+                </a:solidFill>
+              </a:rPr>
+              <a:t>게시글을 불러옵니다</a:t>
+            </a:r>
+            <a:r>
+              <a:rPr lang="en-US" altLang="ko-KR" b="1" dirty="0">
+                <a:solidFill>
+                  <a:srgbClr val="00B050"/>
+                </a:solidFill>
+              </a:rPr>
+              <a:t>.</a:t>
+            </a:r>
+          </a:p>
+        </p:txBody>
+      </p:sp>
+      <p:sp>
+        <p:nvSpPr>
+          <p:cNvPr id="17" name="직사각형 16">
+            <a:extLst>
+              <a:ext uri="{FF2B5EF4-FFF2-40B4-BE49-F238E27FC236}">
+                <a16:creationId xmlns:a16="http://schemas.microsoft.com/office/drawing/2014/main" id="{FAD5A42A-4AC5-4E22-B912-6F4DECC418AB}"/>
+              </a:ext>
+            </a:extLst>
+          </p:cNvPr>
+          <p:cNvSpPr/>
+          <p:nvPr/>
+        </p:nvSpPr>
+        <p:spPr>
+          <a:xfrm>
+            <a:off x="320581" y="3825631"/>
+            <a:ext cx="10523265" cy="2881977"/>
+          </a:xfrm>
+          <a:prstGeom prst="rect">
+            <a:avLst/>
+          </a:prstGeom>
+          <a:noFill/>
+          <a:ln>
+            <a:noFill/>
+          </a:ln>
+        </p:spPr>
+        <p:style>
+          <a:lnRef idx="2">
+            <a:schemeClr val="accent1">
+              <a:shade val="50000"/>
+            </a:schemeClr>
+          </a:lnRef>
+          <a:fillRef idx="1">
+            <a:schemeClr val="accent1"/>
+          </a:fillRef>
+          <a:effectRef idx="0">
+            <a:schemeClr val="accent1"/>
+          </a:effectRef>
+          <a:fontRef idx="minor">
+            <a:schemeClr val="lt1"/>
+          </a:fontRef>
+        </p:style>
+        <p:txBody>
+          <a:bodyPr rtlCol="0" anchor="ctr"/>
+          <a:lstStyle/>
+          <a:p>
+            <a:pPr algn="ctr"/>
+            <a:endParaRPr lang="ko-KR" altLang="en-US"/>
           </a:p>
         </p:txBody>
       </p:sp>
     </p:spTree>
     <p:extLst>
       <p:ext uri="{BB962C8B-B14F-4D97-AF65-F5344CB8AC3E}">
-        <p14:creationId xmlns:p14="http://schemas.microsoft.com/office/powerpoint/2010/main" val="3247784774"/>
+        <p14:creationId xmlns:p14="http://schemas.microsoft.com/office/powerpoint/2010/main" val="1208457357"/>
       </p:ext>
     </p:extLst>
   </p:cSld>
@@ -11685,7 +11570,7 @@
         <p:spPr>
           <a:xfrm>
             <a:off x="187569" y="150392"/>
-            <a:ext cx="5373587" cy="646331"/>
+            <a:ext cx="2031325" cy="646331"/>
           </a:xfrm>
           <a:prstGeom prst="rect">
             <a:avLst/>
@@ -11707,7 +11592,7 @@
           <a:p>
             <a:r>
               <a:rPr lang="ko-KR" altLang="en-US" dirty="0"/>
-              <a:t>결과 분석에 따른 설계 변경사항 및 구현계획 기술</a:t>
+              <a:t>제작방법 및 결과</a:t>
             </a:r>
             <a:endParaRPr lang="en-US" altLang="ko-KR" dirty="0"/>
           </a:p>
@@ -11718,7 +11603,7 @@
           <p:cNvPr id="5" name="그림 4">
             <a:extLst>
               <a:ext uri="{FF2B5EF4-FFF2-40B4-BE49-F238E27FC236}">
-                <a16:creationId xmlns:a16="http://schemas.microsoft.com/office/drawing/2014/main" id="{328A5473-A002-4030-A4FF-B075700E1B20}"/>
+                <a16:creationId xmlns:a16="http://schemas.microsoft.com/office/drawing/2014/main" id="{35DFFDA9-965C-49B8-8B7F-89287489680B}"/>
               </a:ext>
             </a:extLst>
           </p:cNvPr>
@@ -11735,12 +11620,17 @@
         </p:blipFill>
         <p:spPr>
           <a:xfrm>
-            <a:off x="608549" y="1485613"/>
-            <a:ext cx="5537199" cy="4876448"/>
-          </a:xfrm>
-          <a:prstGeom prst="rect">
-            <a:avLst/>
-          </a:prstGeom>
+            <a:off x="276273" y="1303047"/>
+            <a:ext cx="5819727" cy="5404561"/>
+          </a:xfrm>
+          <a:prstGeom prst="rect">
+            <a:avLst/>
+          </a:prstGeom>
+          <a:ln>
+            <a:solidFill>
+              <a:schemeClr val="tx1"/>
+            </a:solidFill>
+          </a:ln>
         </p:spPr>
       </p:pic>
       <p:sp>
@@ -11748,7 +11638,7 @@
           <p:cNvPr id="6" name="TextBox 5">
             <a:extLst>
               <a:ext uri="{FF2B5EF4-FFF2-40B4-BE49-F238E27FC236}">
-                <a16:creationId xmlns:a16="http://schemas.microsoft.com/office/drawing/2014/main" id="{7B949A9D-6DD6-4D44-A565-8582D7F0FC0D}"/>
+                <a16:creationId xmlns:a16="http://schemas.microsoft.com/office/drawing/2014/main" id="{7CC26C31-082B-4C37-967A-9A19C3A926EB}"/>
               </a:ext>
             </a:extLst>
           </p:cNvPr>
@@ -11757,8 +11647,8 @@
         </p:nvSpPr>
         <p:spPr>
           <a:xfrm>
-            <a:off x="6842760" y="2492676"/>
-            <a:ext cx="3974165" cy="2862322"/>
+            <a:off x="1359877" y="868847"/>
+            <a:ext cx="3074881" cy="369332"/>
           </a:xfrm>
           <a:prstGeom prst="rect">
             <a:avLst/>
@@ -11772,90 +11662,251 @@
           <a:lstStyle/>
           <a:p>
             <a:r>
-              <a:rPr lang="ko-KR" altLang="en-US" dirty="0"/>
-              <a:t>안드로이드 공식 지정 표준 디자인인</a:t>
-            </a:r>
-            <a:endParaRPr lang="en-US" altLang="ko-KR" dirty="0"/>
-          </a:p>
-          <a:p>
-            <a:r>
-              <a:rPr lang="en-US" altLang="ko-KR" dirty="0"/>
-              <a:t>Material Design </a:t>
-            </a:r>
-            <a:r>
-              <a:rPr lang="ko-KR" altLang="en-US" dirty="0"/>
-              <a:t>문서와</a:t>
-            </a:r>
-            <a:endParaRPr lang="en-US" altLang="ko-KR" dirty="0"/>
-          </a:p>
-          <a:p>
-            <a:endParaRPr lang="en-US" altLang="ko-KR" dirty="0"/>
-          </a:p>
-          <a:p>
-            <a:r>
-              <a:rPr lang="ko-KR" altLang="en-US" dirty="0"/>
-              <a:t>현재 서비스중인 앱들을 참고하여</a:t>
-            </a:r>
-            <a:endParaRPr lang="en-US" altLang="ko-KR" dirty="0"/>
-          </a:p>
-          <a:p>
-            <a:endParaRPr lang="en-US" altLang="ko-KR" dirty="0"/>
-          </a:p>
-          <a:p>
-            <a:r>
-              <a:rPr lang="en-US" altLang="ko-KR" dirty="0"/>
-              <a:t>“</a:t>
-            </a:r>
-            <a:r>
-              <a:rPr lang="ko-KR" altLang="en-US" dirty="0"/>
-              <a:t>사용자가 단번에 이해 가능하고</a:t>
-            </a:r>
-            <a:endParaRPr lang="en-US" altLang="ko-KR" dirty="0"/>
-          </a:p>
-          <a:p>
-            <a:r>
-              <a:rPr lang="ko-KR" altLang="en-US" dirty="0"/>
-              <a:t>심플한</a:t>
-            </a:r>
-            <a:r>
-              <a:rPr lang="en-US" altLang="ko-KR" dirty="0"/>
-              <a:t>“</a:t>
-            </a:r>
-          </a:p>
-          <a:p>
-            <a:endParaRPr lang="en-US" altLang="ko-KR" dirty="0"/>
-          </a:p>
-          <a:p>
-            <a:r>
-              <a:rPr lang="ko-KR" altLang="en-US" dirty="0"/>
-              <a:t>완성도 있는 </a:t>
-            </a:r>
-            <a:r>
-              <a:rPr lang="en-US" altLang="ko-KR" dirty="0"/>
-              <a:t>UI</a:t>
-            </a:r>
-            <a:r>
-              <a:rPr lang="ko-KR" altLang="en-US" dirty="0"/>
-              <a:t>를 이번 학기 내에</a:t>
-            </a:r>
-            <a:endParaRPr lang="en-US" altLang="ko-KR" dirty="0"/>
-          </a:p>
-          <a:p>
-            <a:r>
-              <a:rPr lang="ko-KR" altLang="en-US" dirty="0"/>
-              <a:t>제작하도록 하겠습니다</a:t>
+              <a:rPr lang="en-US" altLang="ko-KR" dirty="0" err="1"/>
+              <a:t>ForumActivity</a:t>
+            </a:r>
+            <a:r>
+              <a:rPr lang="en-US" altLang="ko-KR" dirty="0"/>
+              <a:t> (</a:t>
+            </a:r>
+            <a:r>
+              <a:rPr lang="ko-KR" altLang="en-US" dirty="0"/>
+              <a:t>게시판 화면</a:t>
+            </a:r>
+            <a:r>
+              <a:rPr lang="en-US" altLang="ko-KR" dirty="0"/>
+              <a:t>)</a:t>
+            </a:r>
+            <a:endParaRPr lang="ko-KR" altLang="en-US" dirty="0"/>
+          </a:p>
+        </p:txBody>
+      </p:sp>
+      <p:sp>
+        <p:nvSpPr>
+          <p:cNvPr id="14" name="TextBox 13">
+            <a:extLst>
+              <a:ext uri="{FF2B5EF4-FFF2-40B4-BE49-F238E27FC236}">
+                <a16:creationId xmlns:a16="http://schemas.microsoft.com/office/drawing/2014/main" id="{022D89EC-1092-4291-B2C6-99BCEA433094}"/>
+              </a:ext>
+            </a:extLst>
+          </p:cNvPr>
+          <p:cNvSpPr txBox="1"/>
+          <p:nvPr/>
+        </p:nvSpPr>
+        <p:spPr>
+          <a:xfrm>
+            <a:off x="6484837" y="796723"/>
+            <a:ext cx="5179623" cy="3139321"/>
+          </a:xfrm>
+          <a:prstGeom prst="rect">
+            <a:avLst/>
+          </a:prstGeom>
+          <a:noFill/>
+        </p:spPr>
+        <p:txBody>
+          <a:bodyPr wrap="none" rtlCol="0">
+            <a:spAutoFit/>
+          </a:bodyPr>
+          <a:lstStyle/>
+          <a:p>
+            <a:r>
+              <a:rPr lang="ko-KR" altLang="en-US" dirty="0"/>
+              <a:t>마찬가지로 </a:t>
+            </a:r>
+            <a:r>
+              <a:rPr lang="en-US" altLang="ko-KR" dirty="0"/>
+              <a:t>Firebase – </a:t>
+            </a:r>
+            <a:r>
+              <a:rPr lang="en-US" altLang="ko-KR" dirty="0" err="1"/>
+              <a:t>RealtimeDatabase</a:t>
+            </a:r>
+            <a:r>
+              <a:rPr lang="ko-KR" altLang="en-US" dirty="0"/>
+              <a:t>에서</a:t>
+            </a:r>
+            <a:endParaRPr lang="en-US" altLang="ko-KR" dirty="0"/>
+          </a:p>
+          <a:p>
+            <a:r>
+              <a:rPr lang="ko-KR" altLang="en-US" dirty="0"/>
+              <a:t>게시글 목록을 가져옵니다</a:t>
             </a:r>
             <a:r>
               <a:rPr lang="en-US" altLang="ko-KR" dirty="0"/>
               <a:t>.</a:t>
             </a:r>
           </a:p>
-        </p:txBody>
-      </p:sp>
+          <a:p>
+            <a:endParaRPr lang="en-US" altLang="ko-KR" dirty="0"/>
+          </a:p>
+          <a:p>
+            <a:r>
+              <a:rPr lang="ko-KR" altLang="en-US" dirty="0"/>
+              <a:t>기본적으로 오래된 게시글부터 가져오기 때문에</a:t>
+            </a:r>
+            <a:r>
+              <a:rPr lang="en-US" altLang="ko-KR" dirty="0"/>
+              <a:t>,</a:t>
+            </a:r>
+          </a:p>
+          <a:p>
+            <a:r>
+              <a:rPr lang="ko-KR" altLang="en-US" dirty="0"/>
+              <a:t>모든 게시글을 우선 </a:t>
+            </a:r>
+            <a:r>
+              <a:rPr lang="en-US" altLang="ko-KR" dirty="0" err="1"/>
+              <a:t>ArrayList</a:t>
+            </a:r>
+            <a:r>
+              <a:rPr lang="ko-KR" altLang="en-US" dirty="0"/>
+              <a:t>에 저장 후</a:t>
+            </a:r>
+            <a:endParaRPr lang="en-US" altLang="ko-KR" dirty="0"/>
+          </a:p>
+          <a:p>
+            <a:r>
+              <a:rPr lang="en-US" altLang="ko-KR" dirty="0" err="1"/>
+              <a:t>Collections.reverse</a:t>
+            </a:r>
+            <a:r>
+              <a:rPr lang="en-US" altLang="ko-KR" dirty="0"/>
+              <a:t>() </a:t>
+            </a:r>
+            <a:r>
+              <a:rPr lang="ko-KR" altLang="en-US" dirty="0"/>
+              <a:t>메서드를 사용하여</a:t>
+            </a:r>
+            <a:endParaRPr lang="en-US" altLang="ko-KR" dirty="0"/>
+          </a:p>
+          <a:p>
+            <a:r>
+              <a:rPr lang="ko-KR" altLang="en-US" dirty="0"/>
+              <a:t>최신순으로 정렬합니다</a:t>
+            </a:r>
+            <a:r>
+              <a:rPr lang="en-US" altLang="ko-KR" dirty="0"/>
+              <a:t>.</a:t>
+            </a:r>
+          </a:p>
+          <a:p>
+            <a:endParaRPr lang="en-US" altLang="ko-KR" dirty="0"/>
+          </a:p>
+          <a:p>
+            <a:r>
+              <a:rPr lang="ko-KR" altLang="en-US" dirty="0"/>
+              <a:t>후에 </a:t>
+            </a:r>
+            <a:r>
+              <a:rPr lang="en-US" altLang="ko-KR" dirty="0" err="1"/>
+              <a:t>ArrayList</a:t>
+            </a:r>
+            <a:r>
+              <a:rPr lang="ko-KR" altLang="en-US" dirty="0"/>
+              <a:t>를</a:t>
+            </a:r>
+            <a:endParaRPr lang="en-US" altLang="ko-KR" dirty="0"/>
+          </a:p>
+          <a:p>
+            <a:r>
+              <a:rPr lang="en-US" altLang="ko-KR" dirty="0" err="1"/>
+              <a:t>PostAdapter</a:t>
+            </a:r>
+            <a:r>
+              <a:rPr lang="ko-KR" altLang="en-US" dirty="0"/>
+              <a:t>에 연결 후</a:t>
+            </a:r>
+            <a:r>
+              <a:rPr lang="en-US" altLang="ko-KR" dirty="0"/>
+              <a:t> </a:t>
+            </a:r>
+            <a:r>
+              <a:rPr lang="en-US" altLang="ko-KR" dirty="0" err="1"/>
+              <a:t>RecyclerView</a:t>
+            </a:r>
+            <a:r>
+              <a:rPr lang="ko-KR" altLang="en-US" dirty="0"/>
+              <a:t>에</a:t>
+            </a:r>
+            <a:endParaRPr lang="en-US" altLang="ko-KR" dirty="0"/>
+          </a:p>
+          <a:p>
+            <a:r>
+              <a:rPr lang="ko-KR" altLang="en-US" dirty="0"/>
+              <a:t>표시하였습니다</a:t>
+            </a:r>
+            <a:r>
+              <a:rPr lang="en-US" altLang="ko-KR" dirty="0"/>
+              <a:t>.</a:t>
+            </a:r>
+          </a:p>
+        </p:txBody>
+      </p:sp>
+      <p:pic>
+        <p:nvPicPr>
+          <p:cNvPr id="20" name="그림 19">
+            <a:extLst>
+              <a:ext uri="{FF2B5EF4-FFF2-40B4-BE49-F238E27FC236}">
+                <a16:creationId xmlns:a16="http://schemas.microsoft.com/office/drawing/2014/main" id="{76DD9EC2-67B5-4EDB-8169-5BA40958807C}"/>
+              </a:ext>
+            </a:extLst>
+          </p:cNvPr>
+          <p:cNvPicPr>
+            <a:picLocks noChangeAspect="1"/>
+          </p:cNvPicPr>
+          <p:nvPr/>
+        </p:nvPicPr>
+        <p:blipFill>
+          <a:blip r:embed="rId3"/>
+          <a:stretch>
+            <a:fillRect/>
+          </a:stretch>
+        </p:blipFill>
+        <p:spPr>
+          <a:xfrm>
+            <a:off x="6740025" y="4637440"/>
+            <a:ext cx="5006497" cy="2022827"/>
+          </a:xfrm>
+          <a:prstGeom prst="rect">
+            <a:avLst/>
+          </a:prstGeom>
+        </p:spPr>
+      </p:pic>
+      <p:pic>
+        <p:nvPicPr>
+          <p:cNvPr id="22" name="그림 21">
+            <a:extLst>
+              <a:ext uri="{FF2B5EF4-FFF2-40B4-BE49-F238E27FC236}">
+                <a16:creationId xmlns:a16="http://schemas.microsoft.com/office/drawing/2014/main" id="{444F093A-FC73-4126-87F8-254C7299DFAC}"/>
+              </a:ext>
+            </a:extLst>
+          </p:cNvPr>
+          <p:cNvPicPr>
+            <a:picLocks noChangeAspect="1"/>
+          </p:cNvPicPr>
+          <p:nvPr/>
+        </p:nvPicPr>
+        <p:blipFill>
+          <a:blip r:embed="rId4"/>
+          <a:stretch>
+            <a:fillRect/>
+          </a:stretch>
+        </p:blipFill>
+        <p:spPr>
+          <a:xfrm>
+            <a:off x="6301665" y="4175389"/>
+            <a:ext cx="5719091" cy="222706"/>
+          </a:xfrm>
+          <a:prstGeom prst="rect">
+            <a:avLst/>
+          </a:prstGeom>
+        </p:spPr>
+      </p:pic>
     </p:spTree>
     <p:extLst>
       <p:ext uri="{BB962C8B-B14F-4D97-AF65-F5344CB8AC3E}">
-        <p14:creationId xmlns:p14="http://schemas.microsoft.com/office/powerpoint/2010/main" val="2648518283"/>
+        <p14:creationId xmlns:p14="http://schemas.microsoft.com/office/powerpoint/2010/main" val="3238946334"/>
       </p:ext>
     </p:extLst>
   </p:cSld>
@@ -11884,10 +11935,10 @@
       </p:grpSpPr>
       <p:sp>
         <p:nvSpPr>
-          <p:cNvPr id="4" name="TextBox 3">
-            <a:extLst>
-              <a:ext uri="{FF2B5EF4-FFF2-40B4-BE49-F238E27FC236}">
-                <a16:creationId xmlns:a16="http://schemas.microsoft.com/office/drawing/2014/main" id="{A12C0690-42B2-46ED-ABD3-CCF37D7B3259}"/>
+          <p:cNvPr id="9" name="TextBox 8">
+            <a:extLst>
+              <a:ext uri="{FF2B5EF4-FFF2-40B4-BE49-F238E27FC236}">
+                <a16:creationId xmlns:a16="http://schemas.microsoft.com/office/drawing/2014/main" id="{6C515703-5C88-4061-A5DA-65A493F454D4}"/>
               </a:ext>
             </a:extLst>
           </p:cNvPr>
@@ -11896,8 +11947,8 @@
         </p:nvSpPr>
         <p:spPr>
           <a:xfrm>
-            <a:off x="4721268" y="3075057"/>
-            <a:ext cx="2749472" cy="707886"/>
+            <a:off x="187569" y="150392"/>
+            <a:ext cx="2031325" cy="646331"/>
           </a:xfrm>
           <a:prstGeom prst="rect">
             <a:avLst/>
@@ -11910,18 +11961,324 @@
           </a:bodyPr>
           <a:lstStyle/>
           <a:p>
-            <a:pPr algn="ctr"/>
-            <a:r>
-              <a:rPr lang="ko-KR" altLang="en-US" sz="4000" dirty="0"/>
-              <a:t>프로필화면</a:t>
-            </a:r>
+            <a:r>
+              <a:rPr lang="ko-KR" altLang="en-US" dirty="0"/>
+              <a:t>커뮤니티화면</a:t>
+            </a:r>
+            <a:endParaRPr lang="en-US" altLang="ko-KR" dirty="0"/>
+          </a:p>
+          <a:p>
+            <a:r>
+              <a:rPr lang="ko-KR" altLang="en-US" dirty="0"/>
+              <a:t>제작방법 및 결과</a:t>
+            </a:r>
+            <a:endParaRPr lang="en-US" altLang="ko-KR" dirty="0"/>
+          </a:p>
+        </p:txBody>
+      </p:sp>
+      <p:pic>
+        <p:nvPicPr>
+          <p:cNvPr id="3" name="그림 2">
+            <a:extLst>
+              <a:ext uri="{FF2B5EF4-FFF2-40B4-BE49-F238E27FC236}">
+                <a16:creationId xmlns:a16="http://schemas.microsoft.com/office/drawing/2014/main" id="{C6478A2B-34DE-4EC2-9B53-BC46B3872C91}"/>
+              </a:ext>
+            </a:extLst>
+          </p:cNvPr>
+          <p:cNvPicPr>
+            <a:picLocks noChangeAspect="1"/>
+          </p:cNvPicPr>
+          <p:nvPr/>
+        </p:nvPicPr>
+        <p:blipFill>
+          <a:blip r:embed="rId2"/>
+          <a:stretch>
+            <a:fillRect/>
+          </a:stretch>
+        </p:blipFill>
+        <p:spPr>
+          <a:xfrm>
+            <a:off x="442198" y="1550700"/>
+            <a:ext cx="4953691" cy="876422"/>
+          </a:xfrm>
+          <a:prstGeom prst="rect">
+            <a:avLst/>
+          </a:prstGeom>
+          <a:ln>
+            <a:solidFill>
+              <a:schemeClr val="tx1"/>
+            </a:solidFill>
+          </a:ln>
+        </p:spPr>
+      </p:pic>
+      <p:sp>
+        <p:nvSpPr>
+          <p:cNvPr id="4" name="TextBox 3">
+            <a:extLst>
+              <a:ext uri="{FF2B5EF4-FFF2-40B4-BE49-F238E27FC236}">
+                <a16:creationId xmlns:a16="http://schemas.microsoft.com/office/drawing/2014/main" id="{C5C0E4BA-3FC1-4E0E-9CC1-CDEDBA3D11CF}"/>
+              </a:ext>
+            </a:extLst>
+          </p:cNvPr>
+          <p:cNvSpPr txBox="1"/>
+          <p:nvPr/>
+        </p:nvSpPr>
+        <p:spPr>
+          <a:xfrm>
+            <a:off x="6166979" y="4650370"/>
+            <a:ext cx="4927952" cy="1200329"/>
+          </a:xfrm>
+          <a:prstGeom prst="rect">
+            <a:avLst/>
+          </a:prstGeom>
+          <a:noFill/>
+        </p:spPr>
+        <p:txBody>
+          <a:bodyPr wrap="none" rtlCol="0">
+            <a:spAutoFit/>
+          </a:bodyPr>
+          <a:lstStyle/>
+          <a:p>
+            <a:r>
+              <a:rPr lang="ko-KR" altLang="en-US" dirty="0"/>
+              <a:t>처음 게시글을 불러올 때</a:t>
+            </a:r>
+            <a:r>
+              <a:rPr lang="en-US" altLang="ko-KR" dirty="0"/>
+              <a:t>,</a:t>
+            </a:r>
+          </a:p>
+          <a:p>
+            <a:r>
+              <a:rPr lang="ko-KR" altLang="en-US" dirty="0"/>
+              <a:t>게시글</a:t>
+            </a:r>
+            <a:r>
+              <a:rPr lang="en-US" altLang="ko-KR" dirty="0"/>
+              <a:t>id</a:t>
+            </a:r>
+            <a:r>
+              <a:rPr lang="ko-KR" altLang="en-US" dirty="0"/>
+              <a:t>를 </a:t>
+            </a:r>
+            <a:r>
+              <a:rPr lang="en-US" altLang="ko-KR" dirty="0"/>
+              <a:t>HashMap</a:t>
+            </a:r>
+            <a:r>
+              <a:rPr lang="ko-KR" altLang="en-US" dirty="0"/>
+              <a:t>에 별도로 저장하여</a:t>
+            </a:r>
+            <a:endParaRPr lang="en-US" altLang="ko-KR" dirty="0"/>
+          </a:p>
+          <a:p>
+            <a:r>
+              <a:rPr lang="ko-KR" altLang="en-US" dirty="0"/>
+              <a:t>해당 게시글 표시 화면으로 전환할 때</a:t>
+            </a:r>
+            <a:endParaRPr lang="en-US" altLang="ko-KR" dirty="0"/>
+          </a:p>
+          <a:p>
+            <a:r>
+              <a:rPr lang="ko-KR" altLang="en-US" dirty="0"/>
+              <a:t>해당 게시글의 </a:t>
+            </a:r>
+            <a:r>
+              <a:rPr lang="en-US" altLang="ko-KR" dirty="0"/>
+              <a:t>id</a:t>
+            </a:r>
+            <a:r>
+              <a:rPr lang="ko-KR" altLang="en-US" dirty="0"/>
+              <a:t>를 전달할 수 있도록 합니다</a:t>
+            </a:r>
+            <a:r>
+              <a:rPr lang="en-US" altLang="ko-KR" dirty="0"/>
+              <a:t>.</a:t>
+            </a:r>
+            <a:r>
+              <a:rPr lang="ko-KR" altLang="en-US" dirty="0"/>
+              <a:t> </a:t>
+            </a:r>
+            <a:endParaRPr lang="en-US" altLang="ko-KR" dirty="0"/>
+          </a:p>
+        </p:txBody>
+      </p:sp>
+      <p:pic>
+        <p:nvPicPr>
+          <p:cNvPr id="8" name="그림 7">
+            <a:extLst>
+              <a:ext uri="{FF2B5EF4-FFF2-40B4-BE49-F238E27FC236}">
+                <a16:creationId xmlns:a16="http://schemas.microsoft.com/office/drawing/2014/main" id="{E505AB12-0A03-4DA3-9BDE-B4754237AE47}"/>
+              </a:ext>
+            </a:extLst>
+          </p:cNvPr>
+          <p:cNvPicPr>
+            <a:picLocks noChangeAspect="1"/>
+          </p:cNvPicPr>
+          <p:nvPr/>
+        </p:nvPicPr>
+        <p:blipFill>
+          <a:blip r:embed="rId3"/>
+          <a:stretch>
+            <a:fillRect/>
+          </a:stretch>
+        </p:blipFill>
+        <p:spPr>
+          <a:xfrm>
+            <a:off x="823252" y="3389031"/>
+            <a:ext cx="4191585" cy="2048161"/>
+          </a:xfrm>
+          <a:prstGeom prst="rect">
+            <a:avLst/>
+          </a:prstGeom>
+          <a:ln>
+            <a:solidFill>
+              <a:schemeClr val="tx1"/>
+            </a:solidFill>
+          </a:ln>
+        </p:spPr>
+      </p:pic>
+      <p:pic>
+        <p:nvPicPr>
+          <p:cNvPr id="11" name="그림 10">
+            <a:extLst>
+              <a:ext uri="{FF2B5EF4-FFF2-40B4-BE49-F238E27FC236}">
+                <a16:creationId xmlns:a16="http://schemas.microsoft.com/office/drawing/2014/main" id="{20527093-97C8-4635-8371-F747F1732CC8}"/>
+              </a:ext>
+            </a:extLst>
+          </p:cNvPr>
+          <p:cNvPicPr>
+            <a:picLocks noChangeAspect="1"/>
+          </p:cNvPicPr>
+          <p:nvPr/>
+        </p:nvPicPr>
+        <p:blipFill>
+          <a:blip r:embed="rId4"/>
+          <a:stretch>
+            <a:fillRect/>
+          </a:stretch>
+        </p:blipFill>
+        <p:spPr>
+          <a:xfrm>
+            <a:off x="5762033" y="1870844"/>
+            <a:ext cx="3839111" cy="314369"/>
+          </a:xfrm>
+          <a:prstGeom prst="rect">
+            <a:avLst/>
+          </a:prstGeom>
+        </p:spPr>
+      </p:pic>
+      <p:pic>
+        <p:nvPicPr>
+          <p:cNvPr id="13" name="그림 12">
+            <a:extLst>
+              <a:ext uri="{FF2B5EF4-FFF2-40B4-BE49-F238E27FC236}">
+                <a16:creationId xmlns:a16="http://schemas.microsoft.com/office/drawing/2014/main" id="{637789A5-EBC7-40C9-A89A-56DCAF9A3357}"/>
+              </a:ext>
+            </a:extLst>
+          </p:cNvPr>
+          <p:cNvPicPr>
+            <a:picLocks noChangeAspect="1"/>
+          </p:cNvPicPr>
+          <p:nvPr/>
+        </p:nvPicPr>
+        <p:blipFill>
+          <a:blip r:embed="rId5"/>
+          <a:stretch>
+            <a:fillRect/>
+          </a:stretch>
+        </p:blipFill>
+        <p:spPr>
+          <a:xfrm>
+            <a:off x="5762033" y="2387552"/>
+            <a:ext cx="3839111" cy="715209"/>
+          </a:xfrm>
+          <a:prstGeom prst="rect">
+            <a:avLst/>
+          </a:prstGeom>
+        </p:spPr>
+      </p:pic>
+      <p:pic>
+        <p:nvPicPr>
+          <p:cNvPr id="16" name="그림 15">
+            <a:extLst>
+              <a:ext uri="{FF2B5EF4-FFF2-40B4-BE49-F238E27FC236}">
+                <a16:creationId xmlns:a16="http://schemas.microsoft.com/office/drawing/2014/main" id="{62B1EDAD-2E43-46C7-AB14-B5DA0F57A921}"/>
+              </a:ext>
+            </a:extLst>
+          </p:cNvPr>
+          <p:cNvPicPr>
+            <a:picLocks noChangeAspect="1"/>
+          </p:cNvPicPr>
+          <p:nvPr/>
+        </p:nvPicPr>
+        <p:blipFill>
+          <a:blip r:embed="rId6"/>
+          <a:stretch>
+            <a:fillRect/>
+          </a:stretch>
+        </p:blipFill>
+        <p:spPr>
+          <a:xfrm>
+            <a:off x="5762033" y="3236746"/>
+            <a:ext cx="6058746" cy="1086002"/>
+          </a:xfrm>
+          <a:prstGeom prst="rect">
+            <a:avLst/>
+          </a:prstGeom>
+        </p:spPr>
+      </p:pic>
+      <p:sp>
+        <p:nvSpPr>
+          <p:cNvPr id="17" name="TextBox 16">
+            <a:extLst>
+              <a:ext uri="{FF2B5EF4-FFF2-40B4-BE49-F238E27FC236}">
+                <a16:creationId xmlns:a16="http://schemas.microsoft.com/office/drawing/2014/main" id="{46680563-6082-4993-A982-ECF7546CC8CC}"/>
+              </a:ext>
+            </a:extLst>
+          </p:cNvPr>
+          <p:cNvSpPr txBox="1"/>
+          <p:nvPr/>
+        </p:nvSpPr>
+        <p:spPr>
+          <a:xfrm>
+            <a:off x="1189394" y="1665745"/>
+            <a:ext cx="4354077" cy="646331"/>
+          </a:xfrm>
+          <a:prstGeom prst="rect">
+            <a:avLst/>
+          </a:prstGeom>
+          <a:noFill/>
+        </p:spPr>
+        <p:txBody>
+          <a:bodyPr wrap="none" rtlCol="0">
+            <a:spAutoFit/>
+          </a:bodyPr>
+          <a:lstStyle/>
+          <a:p>
+            <a:r>
+              <a:rPr lang="ko-KR" altLang="en-US" dirty="0"/>
+              <a:t>터치하면 게시글 표시 화면으로</a:t>
+            </a:r>
+            <a:endParaRPr lang="en-US" altLang="ko-KR" dirty="0"/>
+          </a:p>
+          <a:p>
+            <a:r>
+              <a:rPr lang="ko-KR" altLang="en-US" dirty="0"/>
+              <a:t>전환된 후 해당 게시글이 표시되어야 함</a:t>
+            </a:r>
+            <a:r>
+              <a:rPr lang="en-US" altLang="ko-KR" dirty="0"/>
+              <a:t>!</a:t>
+            </a:r>
+            <a:endParaRPr lang="ko-KR" altLang="en-US" dirty="0"/>
           </a:p>
         </p:txBody>
       </p:sp>
     </p:spTree>
     <p:extLst>
       <p:ext uri="{BB962C8B-B14F-4D97-AF65-F5344CB8AC3E}">
-        <p14:creationId xmlns:p14="http://schemas.microsoft.com/office/powerpoint/2010/main" val="3353848039"/>
+        <p14:creationId xmlns:p14="http://schemas.microsoft.com/office/powerpoint/2010/main" val="408013309"/>
       </p:ext>
     </p:extLst>
   </p:cSld>
@@ -11950,6 +12307,2419 @@
       </p:grpSpPr>
       <p:sp>
         <p:nvSpPr>
+          <p:cNvPr id="9" name="TextBox 8">
+            <a:extLst>
+              <a:ext uri="{FF2B5EF4-FFF2-40B4-BE49-F238E27FC236}">
+                <a16:creationId xmlns:a16="http://schemas.microsoft.com/office/drawing/2014/main" id="{6C515703-5C88-4061-A5DA-65A493F454D4}"/>
+              </a:ext>
+            </a:extLst>
+          </p:cNvPr>
+          <p:cNvSpPr txBox="1"/>
+          <p:nvPr/>
+        </p:nvSpPr>
+        <p:spPr>
+          <a:xfrm>
+            <a:off x="187569" y="150392"/>
+            <a:ext cx="2031325" cy="646331"/>
+          </a:xfrm>
+          <a:prstGeom prst="rect">
+            <a:avLst/>
+          </a:prstGeom>
+          <a:noFill/>
+        </p:spPr>
+        <p:txBody>
+          <a:bodyPr wrap="none" rtlCol="0">
+            <a:spAutoFit/>
+          </a:bodyPr>
+          <a:lstStyle/>
+          <a:p>
+            <a:r>
+              <a:rPr lang="ko-KR" altLang="en-US" dirty="0"/>
+              <a:t>커뮤니티화면</a:t>
+            </a:r>
+            <a:endParaRPr lang="en-US" altLang="ko-KR" dirty="0"/>
+          </a:p>
+          <a:p>
+            <a:r>
+              <a:rPr lang="ko-KR" altLang="en-US" dirty="0"/>
+              <a:t>제작방법 및 결과</a:t>
+            </a:r>
+            <a:endParaRPr lang="en-US" altLang="ko-KR" dirty="0"/>
+          </a:p>
+        </p:txBody>
+      </p:sp>
+      <p:pic>
+        <p:nvPicPr>
+          <p:cNvPr id="5" name="그림 4">
+            <a:extLst>
+              <a:ext uri="{FF2B5EF4-FFF2-40B4-BE49-F238E27FC236}">
+                <a16:creationId xmlns:a16="http://schemas.microsoft.com/office/drawing/2014/main" id="{F4BB2CFE-6171-473E-887B-9B64914C82E6}"/>
+              </a:ext>
+            </a:extLst>
+          </p:cNvPr>
+          <p:cNvPicPr>
+            <a:picLocks noChangeAspect="1"/>
+          </p:cNvPicPr>
+          <p:nvPr/>
+        </p:nvPicPr>
+        <p:blipFill>
+          <a:blip r:embed="rId2"/>
+          <a:stretch>
+            <a:fillRect/>
+          </a:stretch>
+        </p:blipFill>
+        <p:spPr>
+          <a:xfrm>
+            <a:off x="686623" y="2779125"/>
+            <a:ext cx="3972479" cy="1571844"/>
+          </a:xfrm>
+          <a:prstGeom prst="rect">
+            <a:avLst/>
+          </a:prstGeom>
+        </p:spPr>
+      </p:pic>
+      <p:sp>
+        <p:nvSpPr>
+          <p:cNvPr id="6" name="TextBox 5">
+            <a:extLst>
+              <a:ext uri="{FF2B5EF4-FFF2-40B4-BE49-F238E27FC236}">
+                <a16:creationId xmlns:a16="http://schemas.microsoft.com/office/drawing/2014/main" id="{225C2D96-6718-45A9-875F-8717461FA376}"/>
+              </a:ext>
+            </a:extLst>
+          </p:cNvPr>
+          <p:cNvSpPr txBox="1"/>
+          <p:nvPr/>
+        </p:nvSpPr>
+        <p:spPr>
+          <a:xfrm>
+            <a:off x="5240216" y="1835893"/>
+            <a:ext cx="6359498" cy="3970318"/>
+          </a:xfrm>
+          <a:prstGeom prst="rect">
+            <a:avLst/>
+          </a:prstGeom>
+          <a:noFill/>
+        </p:spPr>
+        <p:txBody>
+          <a:bodyPr wrap="none" rtlCol="0">
+            <a:spAutoFit/>
+          </a:bodyPr>
+          <a:lstStyle/>
+          <a:p>
+            <a:r>
+              <a:rPr lang="en-US" altLang="ko-KR" dirty="0" err="1"/>
+              <a:t>PostActivity</a:t>
+            </a:r>
+            <a:r>
+              <a:rPr lang="en-US" altLang="ko-KR" dirty="0"/>
+              <a:t> </a:t>
+            </a:r>
+            <a:r>
+              <a:rPr lang="ko-KR" altLang="en-US" dirty="0"/>
+              <a:t>제작 결과를 설명하기 앞서</a:t>
+            </a:r>
+            <a:endParaRPr lang="en-US" altLang="ko-KR" dirty="0"/>
+          </a:p>
+          <a:p>
+            <a:r>
+              <a:rPr lang="ko-KR" altLang="en-US" dirty="0"/>
+              <a:t>게시글 정보를 저장하는</a:t>
+            </a:r>
+            <a:endParaRPr lang="en-US" altLang="ko-KR" dirty="0"/>
+          </a:p>
+          <a:p>
+            <a:r>
+              <a:rPr lang="en-US" altLang="ko-KR" dirty="0"/>
+              <a:t>Post </a:t>
+            </a:r>
+            <a:r>
+              <a:rPr lang="ko-KR" altLang="en-US" dirty="0"/>
+              <a:t>객체에 대해 간략하게 설명하겠습니다</a:t>
+            </a:r>
+            <a:endParaRPr lang="en-US" altLang="ko-KR" dirty="0"/>
+          </a:p>
+          <a:p>
+            <a:endParaRPr lang="en-US" altLang="ko-KR" dirty="0"/>
+          </a:p>
+          <a:p>
+            <a:r>
+              <a:rPr lang="en-US" altLang="ko-KR" dirty="0"/>
+              <a:t>Post</a:t>
+            </a:r>
+            <a:r>
+              <a:rPr lang="ko-KR" altLang="en-US" dirty="0"/>
+              <a:t> 객체는</a:t>
+            </a:r>
+            <a:endParaRPr lang="en-US" altLang="ko-KR" dirty="0"/>
+          </a:p>
+          <a:p>
+            <a:r>
+              <a:rPr lang="ko-KR" altLang="en-US" dirty="0"/>
+              <a:t>글 제목</a:t>
+            </a:r>
+            <a:endParaRPr lang="en-US" altLang="ko-KR" dirty="0"/>
+          </a:p>
+          <a:p>
+            <a:r>
+              <a:rPr lang="ko-KR" altLang="en-US" dirty="0" err="1"/>
+              <a:t>작성자닉네임</a:t>
+            </a:r>
+            <a:endParaRPr lang="en-US" altLang="ko-KR" dirty="0"/>
+          </a:p>
+          <a:p>
+            <a:r>
+              <a:rPr lang="ko-KR" altLang="en-US" dirty="0"/>
+              <a:t>작성자</a:t>
+            </a:r>
+            <a:r>
+              <a:rPr lang="en-US" altLang="ko-KR" dirty="0" err="1"/>
+              <a:t>uid</a:t>
+            </a:r>
+            <a:endParaRPr lang="en-US" altLang="ko-KR" dirty="0"/>
+          </a:p>
+          <a:p>
+            <a:r>
+              <a:rPr lang="ko-KR" altLang="en-US" dirty="0"/>
+              <a:t>작성일자</a:t>
+            </a:r>
+            <a:endParaRPr lang="en-US" altLang="ko-KR" dirty="0"/>
+          </a:p>
+          <a:p>
+            <a:r>
+              <a:rPr lang="ko-KR" altLang="en-US" dirty="0"/>
+              <a:t>글 본문</a:t>
+            </a:r>
+            <a:endParaRPr lang="en-US" altLang="ko-KR" dirty="0"/>
+          </a:p>
+          <a:p>
+            <a:r>
+              <a:rPr lang="ko-KR" altLang="en-US" dirty="0"/>
+              <a:t>정보를 저장합니다</a:t>
+            </a:r>
+            <a:r>
+              <a:rPr lang="en-US" altLang="ko-KR" dirty="0"/>
+              <a:t>.</a:t>
+            </a:r>
+          </a:p>
+          <a:p>
+            <a:endParaRPr lang="en-US" altLang="ko-KR" dirty="0"/>
+          </a:p>
+          <a:p>
+            <a:r>
+              <a:rPr lang="ko-KR" altLang="en-US" dirty="0"/>
+              <a:t>또한 </a:t>
+            </a:r>
+            <a:r>
+              <a:rPr lang="en-US" altLang="ko-KR" dirty="0"/>
+              <a:t>Intent</a:t>
+            </a:r>
+            <a:r>
+              <a:rPr lang="ko-KR" altLang="en-US" dirty="0"/>
+              <a:t>의 </a:t>
+            </a:r>
+            <a:r>
+              <a:rPr lang="en-US" altLang="ko-KR" dirty="0" err="1"/>
+              <a:t>putExtra</a:t>
+            </a:r>
+            <a:r>
+              <a:rPr lang="ko-KR" altLang="en-US" dirty="0"/>
+              <a:t>를 통해 </a:t>
+            </a:r>
+            <a:r>
+              <a:rPr lang="en-US" altLang="ko-KR" dirty="0"/>
+              <a:t>Post</a:t>
+            </a:r>
+            <a:r>
+              <a:rPr lang="ko-KR" altLang="en-US" dirty="0"/>
+              <a:t>객체를 전송할 수 있도록</a:t>
+            </a:r>
+            <a:endParaRPr lang="en-US" altLang="ko-KR" dirty="0"/>
+          </a:p>
+          <a:p>
+            <a:r>
+              <a:rPr lang="en-US" altLang="ko-KR" dirty="0" err="1"/>
+              <a:t>Parcelable</a:t>
+            </a:r>
+            <a:r>
+              <a:rPr lang="en-US" altLang="ko-KR" dirty="0"/>
+              <a:t> </a:t>
+            </a:r>
+            <a:r>
+              <a:rPr lang="ko-KR" altLang="en-US" dirty="0"/>
+              <a:t>인터페이스를 구현하였습니다</a:t>
+            </a:r>
+            <a:r>
+              <a:rPr lang="en-US" altLang="ko-KR" dirty="0"/>
+              <a:t>.</a:t>
+            </a:r>
+          </a:p>
+        </p:txBody>
+      </p:sp>
+    </p:spTree>
+    <p:extLst>
+      <p:ext uri="{BB962C8B-B14F-4D97-AF65-F5344CB8AC3E}">
+        <p14:creationId xmlns:p14="http://schemas.microsoft.com/office/powerpoint/2010/main" val="948396148"/>
+      </p:ext>
+    </p:extLst>
+  </p:cSld>
+  <p:clrMapOvr>
+    <a:masterClrMapping/>
+  </p:clrMapOvr>
+</p:sld>
+</file>
+
+<file path=ppt/slides/slide48.xml><?xml version="1.0" encoding="utf-8"?>
+<p:sld xmlns:a="http://schemas.openxmlformats.org/drawingml/2006/main" xmlns:r="http://schemas.openxmlformats.org/officeDocument/2006/relationships" xmlns:p="http://schemas.openxmlformats.org/presentationml/2006/main">
+  <p:cSld>
+    <p:spTree>
+      <p:nvGrpSpPr>
+        <p:cNvPr id="1" name=""/>
+        <p:cNvGrpSpPr/>
+        <p:nvPr/>
+      </p:nvGrpSpPr>
+      <p:grpSpPr>
+        <a:xfrm>
+          <a:off x="0" y="0"/>
+          <a:ext cx="0" cy="0"/>
+          <a:chOff x="0" y="0"/>
+          <a:chExt cx="0" cy="0"/>
+        </a:xfrm>
+      </p:grpSpPr>
+      <p:sp>
+        <p:nvSpPr>
+          <p:cNvPr id="9" name="TextBox 8">
+            <a:extLst>
+              <a:ext uri="{FF2B5EF4-FFF2-40B4-BE49-F238E27FC236}">
+                <a16:creationId xmlns:a16="http://schemas.microsoft.com/office/drawing/2014/main" id="{6C515703-5C88-4061-A5DA-65A493F454D4}"/>
+              </a:ext>
+            </a:extLst>
+          </p:cNvPr>
+          <p:cNvSpPr txBox="1"/>
+          <p:nvPr/>
+        </p:nvSpPr>
+        <p:spPr>
+          <a:xfrm>
+            <a:off x="187569" y="150392"/>
+            <a:ext cx="2031325" cy="646331"/>
+          </a:xfrm>
+          <a:prstGeom prst="rect">
+            <a:avLst/>
+          </a:prstGeom>
+          <a:noFill/>
+        </p:spPr>
+        <p:txBody>
+          <a:bodyPr wrap="none" rtlCol="0">
+            <a:spAutoFit/>
+          </a:bodyPr>
+          <a:lstStyle/>
+          <a:p>
+            <a:r>
+              <a:rPr lang="ko-KR" altLang="en-US" dirty="0"/>
+              <a:t>커뮤니티화면</a:t>
+            </a:r>
+            <a:endParaRPr lang="en-US" altLang="ko-KR" dirty="0"/>
+          </a:p>
+          <a:p>
+            <a:r>
+              <a:rPr lang="ko-KR" altLang="en-US" dirty="0"/>
+              <a:t>제작방법 및 결과</a:t>
+            </a:r>
+            <a:endParaRPr lang="en-US" altLang="ko-KR" dirty="0"/>
+          </a:p>
+        </p:txBody>
+      </p:sp>
+      <p:pic>
+        <p:nvPicPr>
+          <p:cNvPr id="5" name="그림 4">
+            <a:extLst>
+              <a:ext uri="{FF2B5EF4-FFF2-40B4-BE49-F238E27FC236}">
+                <a16:creationId xmlns:a16="http://schemas.microsoft.com/office/drawing/2014/main" id="{4D9BC626-F034-47FC-894E-296401EBE5F3}"/>
+              </a:ext>
+            </a:extLst>
+          </p:cNvPr>
+          <p:cNvPicPr>
+            <a:picLocks noChangeAspect="1"/>
+          </p:cNvPicPr>
+          <p:nvPr/>
+        </p:nvPicPr>
+        <p:blipFill>
+          <a:blip r:embed="rId2"/>
+          <a:stretch>
+            <a:fillRect/>
+          </a:stretch>
+        </p:blipFill>
+        <p:spPr>
+          <a:xfrm>
+            <a:off x="469746" y="1175633"/>
+            <a:ext cx="4908803" cy="5356129"/>
+          </a:xfrm>
+          <a:prstGeom prst="rect">
+            <a:avLst/>
+          </a:prstGeom>
+          <a:ln>
+            <a:solidFill>
+              <a:schemeClr val="tx1"/>
+            </a:solidFill>
+          </a:ln>
+        </p:spPr>
+      </p:pic>
+      <p:pic>
+        <p:nvPicPr>
+          <p:cNvPr id="10" name="그림 9">
+            <a:extLst>
+              <a:ext uri="{FF2B5EF4-FFF2-40B4-BE49-F238E27FC236}">
+                <a16:creationId xmlns:a16="http://schemas.microsoft.com/office/drawing/2014/main" id="{9C87451F-6704-4D08-9450-D40B524D6A78}"/>
+              </a:ext>
+            </a:extLst>
+          </p:cNvPr>
+          <p:cNvPicPr>
+            <a:picLocks noChangeAspect="1"/>
+          </p:cNvPicPr>
+          <p:nvPr/>
+        </p:nvPicPr>
+        <p:blipFill>
+          <a:blip r:embed="rId3"/>
+          <a:stretch>
+            <a:fillRect/>
+          </a:stretch>
+        </p:blipFill>
+        <p:spPr>
+          <a:xfrm>
+            <a:off x="6243451" y="1008922"/>
+            <a:ext cx="5068007" cy="333422"/>
+          </a:xfrm>
+          <a:prstGeom prst="rect">
+            <a:avLst/>
+          </a:prstGeom>
+        </p:spPr>
+      </p:pic>
+      <p:pic>
+        <p:nvPicPr>
+          <p:cNvPr id="14" name="그림 13">
+            <a:extLst>
+              <a:ext uri="{FF2B5EF4-FFF2-40B4-BE49-F238E27FC236}">
+                <a16:creationId xmlns:a16="http://schemas.microsoft.com/office/drawing/2014/main" id="{FC0D1249-BAD3-4D8D-B869-D12980B676A4}"/>
+              </a:ext>
+            </a:extLst>
+          </p:cNvPr>
+          <p:cNvPicPr>
+            <a:picLocks noChangeAspect="1"/>
+          </p:cNvPicPr>
+          <p:nvPr/>
+        </p:nvPicPr>
+        <p:blipFill>
+          <a:blip r:embed="rId4"/>
+          <a:stretch>
+            <a:fillRect/>
+          </a:stretch>
+        </p:blipFill>
+        <p:spPr>
+          <a:xfrm>
+            <a:off x="5550478" y="1642442"/>
+            <a:ext cx="6453951" cy="222835"/>
+          </a:xfrm>
+          <a:prstGeom prst="rect">
+            <a:avLst/>
+          </a:prstGeom>
+        </p:spPr>
+      </p:pic>
+      <p:sp>
+        <p:nvSpPr>
+          <p:cNvPr id="15" name="TextBox 14">
+            <a:extLst>
+              <a:ext uri="{FF2B5EF4-FFF2-40B4-BE49-F238E27FC236}">
+                <a16:creationId xmlns:a16="http://schemas.microsoft.com/office/drawing/2014/main" id="{EC9EDF61-5D12-47D2-8BB0-46ED0E505553}"/>
+              </a:ext>
+            </a:extLst>
+          </p:cNvPr>
+          <p:cNvSpPr txBox="1"/>
+          <p:nvPr/>
+        </p:nvSpPr>
+        <p:spPr>
+          <a:xfrm>
+            <a:off x="6813453" y="2849337"/>
+            <a:ext cx="4174541" cy="1754326"/>
+          </a:xfrm>
+          <a:prstGeom prst="rect">
+            <a:avLst/>
+          </a:prstGeom>
+          <a:noFill/>
+        </p:spPr>
+        <p:txBody>
+          <a:bodyPr wrap="none" rtlCol="0">
+            <a:spAutoFit/>
+          </a:bodyPr>
+          <a:lstStyle/>
+          <a:p>
+            <a:r>
+              <a:rPr lang="en-US" altLang="ko-KR" dirty="0" err="1"/>
+              <a:t>ForumActivity</a:t>
+            </a:r>
+            <a:r>
+              <a:rPr lang="ko-KR" altLang="en-US" dirty="0"/>
+              <a:t>에서 전달받은</a:t>
+            </a:r>
+            <a:endParaRPr lang="en-US" altLang="ko-KR" dirty="0"/>
+          </a:p>
+          <a:p>
+            <a:r>
+              <a:rPr lang="ko-KR" altLang="en-US" dirty="0"/>
+              <a:t>게시글 </a:t>
+            </a:r>
+            <a:r>
+              <a:rPr lang="en-US" altLang="ko-KR" dirty="0"/>
+              <a:t>id</a:t>
+            </a:r>
+            <a:r>
+              <a:rPr lang="ko-KR" altLang="en-US" dirty="0"/>
+              <a:t>를 이용하여</a:t>
+            </a:r>
+            <a:endParaRPr lang="en-US" altLang="ko-KR" dirty="0"/>
+          </a:p>
+          <a:p>
+            <a:r>
+              <a:rPr lang="en-US" altLang="ko-KR" dirty="0"/>
+              <a:t>Firebase - </a:t>
+            </a:r>
+            <a:r>
+              <a:rPr lang="en-US" altLang="ko-KR" dirty="0" err="1"/>
+              <a:t>RealtimeDatabase</a:t>
+            </a:r>
+            <a:r>
+              <a:rPr lang="ko-KR" altLang="en-US" dirty="0"/>
+              <a:t>에서</a:t>
+            </a:r>
+            <a:endParaRPr lang="en-US" altLang="ko-KR" dirty="0"/>
+          </a:p>
+          <a:p>
+            <a:r>
+              <a:rPr lang="en-US" altLang="ko-KR" dirty="0"/>
+              <a:t>Post</a:t>
+            </a:r>
+            <a:r>
+              <a:rPr lang="ko-KR" altLang="en-US" dirty="0"/>
+              <a:t>객체를 받아올 수 있습니다</a:t>
+            </a:r>
+            <a:r>
+              <a:rPr lang="en-US" altLang="ko-KR" dirty="0"/>
+              <a:t>.</a:t>
+            </a:r>
+          </a:p>
+          <a:p>
+            <a:endParaRPr lang="en-US" altLang="ko-KR" dirty="0"/>
+          </a:p>
+          <a:p>
+            <a:r>
+              <a:rPr lang="ko-KR" altLang="en-US" dirty="0"/>
+              <a:t>게시글의 정보들을 화면에 표시합니다</a:t>
+            </a:r>
+            <a:r>
+              <a:rPr lang="en-US" altLang="ko-KR" dirty="0"/>
+              <a:t>.</a:t>
+            </a:r>
+            <a:endParaRPr lang="ko-KR" altLang="en-US" dirty="0"/>
+          </a:p>
+        </p:txBody>
+      </p:sp>
+      <p:sp>
+        <p:nvSpPr>
+          <p:cNvPr id="18" name="TextBox 17">
+            <a:extLst>
+              <a:ext uri="{FF2B5EF4-FFF2-40B4-BE49-F238E27FC236}">
+                <a16:creationId xmlns:a16="http://schemas.microsoft.com/office/drawing/2014/main" id="{4ECD2187-BCFC-427C-AF38-A0AD03575B22}"/>
+              </a:ext>
+            </a:extLst>
+          </p:cNvPr>
+          <p:cNvSpPr txBox="1"/>
+          <p:nvPr/>
+        </p:nvSpPr>
+        <p:spPr>
+          <a:xfrm>
+            <a:off x="1184886" y="796723"/>
+            <a:ext cx="3304494" cy="369332"/>
+          </a:xfrm>
+          <a:prstGeom prst="rect">
+            <a:avLst/>
+          </a:prstGeom>
+          <a:noFill/>
+        </p:spPr>
+        <p:txBody>
+          <a:bodyPr wrap="none" rtlCol="0">
+            <a:spAutoFit/>
+          </a:bodyPr>
+          <a:lstStyle/>
+          <a:p>
+            <a:r>
+              <a:rPr lang="en-US" altLang="ko-KR" dirty="0" err="1"/>
+              <a:t>PostActivity</a:t>
+            </a:r>
+            <a:r>
+              <a:rPr lang="en-US" altLang="ko-KR" dirty="0"/>
+              <a:t>(</a:t>
+            </a:r>
+            <a:r>
+              <a:rPr lang="ko-KR" altLang="en-US" dirty="0"/>
+              <a:t>게시글 표시 화면</a:t>
+            </a:r>
+            <a:r>
+              <a:rPr lang="en-US" altLang="ko-KR" dirty="0"/>
+              <a:t>)</a:t>
+            </a:r>
+            <a:endParaRPr lang="ko-KR" altLang="en-US" dirty="0"/>
+          </a:p>
+        </p:txBody>
+      </p:sp>
+      <p:pic>
+        <p:nvPicPr>
+          <p:cNvPr id="20" name="그림 19">
+            <a:extLst>
+              <a:ext uri="{FF2B5EF4-FFF2-40B4-BE49-F238E27FC236}">
+                <a16:creationId xmlns:a16="http://schemas.microsoft.com/office/drawing/2014/main" id="{B4551261-9ACF-415A-9DC7-73A54ECD86D8}"/>
+              </a:ext>
+            </a:extLst>
+          </p:cNvPr>
+          <p:cNvPicPr>
+            <a:picLocks noChangeAspect="1"/>
+          </p:cNvPicPr>
+          <p:nvPr/>
+        </p:nvPicPr>
+        <p:blipFill>
+          <a:blip r:embed="rId5"/>
+          <a:stretch>
+            <a:fillRect/>
+          </a:stretch>
+        </p:blipFill>
+        <p:spPr>
+          <a:xfrm>
+            <a:off x="6672134" y="4857334"/>
+            <a:ext cx="4210638" cy="381053"/>
+          </a:xfrm>
+          <a:prstGeom prst="rect">
+            <a:avLst/>
+          </a:prstGeom>
+        </p:spPr>
+      </p:pic>
+      <p:sp>
+        <p:nvSpPr>
+          <p:cNvPr id="21" name="TextBox 20">
+            <a:extLst>
+              <a:ext uri="{FF2B5EF4-FFF2-40B4-BE49-F238E27FC236}">
+                <a16:creationId xmlns:a16="http://schemas.microsoft.com/office/drawing/2014/main" id="{F321C191-BB2C-4EE4-8755-F9537D39BE3E}"/>
+              </a:ext>
+            </a:extLst>
+          </p:cNvPr>
+          <p:cNvSpPr txBox="1"/>
+          <p:nvPr/>
+        </p:nvSpPr>
+        <p:spPr>
+          <a:xfrm>
+            <a:off x="6831655" y="5341849"/>
+            <a:ext cx="4204997" cy="1200329"/>
+          </a:xfrm>
+          <a:prstGeom prst="rect">
+            <a:avLst/>
+          </a:prstGeom>
+          <a:noFill/>
+        </p:spPr>
+        <p:txBody>
+          <a:bodyPr wrap="none" rtlCol="0">
+            <a:spAutoFit/>
+          </a:bodyPr>
+          <a:lstStyle/>
+          <a:p>
+            <a:r>
+              <a:rPr lang="ko-KR" altLang="en-US" dirty="0"/>
+              <a:t>글 수정</a:t>
+            </a:r>
+            <a:r>
+              <a:rPr lang="en-US" altLang="ko-KR" dirty="0"/>
+              <a:t>, </a:t>
+            </a:r>
+            <a:r>
+              <a:rPr lang="ko-KR" altLang="en-US" dirty="0"/>
+              <a:t>삭제 버튼의 경우</a:t>
+            </a:r>
+            <a:endParaRPr lang="en-US" altLang="ko-KR" dirty="0"/>
+          </a:p>
+          <a:p>
+            <a:r>
+              <a:rPr lang="ko-KR" altLang="en-US" dirty="0"/>
+              <a:t>현재 앱에 로그인한 유저 정보와</a:t>
+            </a:r>
+            <a:endParaRPr lang="en-US" altLang="ko-KR" dirty="0"/>
+          </a:p>
+          <a:p>
+            <a:r>
+              <a:rPr lang="ko-KR" altLang="en-US" dirty="0"/>
+              <a:t>게시글 작성자의 유저 정보가 </a:t>
+            </a:r>
+            <a:r>
+              <a:rPr lang="ko-KR" altLang="en-US" dirty="0" err="1"/>
+              <a:t>같아야만</a:t>
+            </a:r>
+            <a:endParaRPr lang="en-US" altLang="ko-KR" dirty="0"/>
+          </a:p>
+          <a:p>
+            <a:r>
+              <a:rPr lang="ko-KR" altLang="en-US" dirty="0"/>
+              <a:t>보이도록 개발하였습니다</a:t>
+            </a:r>
+            <a:r>
+              <a:rPr lang="en-US" altLang="ko-KR" dirty="0"/>
+              <a:t>.</a:t>
+            </a:r>
+            <a:endParaRPr lang="ko-KR" altLang="en-US" dirty="0"/>
+          </a:p>
+        </p:txBody>
+      </p:sp>
+      <p:pic>
+        <p:nvPicPr>
+          <p:cNvPr id="23" name="그림 22">
+            <a:extLst>
+              <a:ext uri="{FF2B5EF4-FFF2-40B4-BE49-F238E27FC236}">
+                <a16:creationId xmlns:a16="http://schemas.microsoft.com/office/drawing/2014/main" id="{4DAE76C1-1262-45B6-960F-0C990ADDEB69}"/>
+              </a:ext>
+            </a:extLst>
+          </p:cNvPr>
+          <p:cNvPicPr>
+            <a:picLocks noChangeAspect="1"/>
+          </p:cNvPicPr>
+          <p:nvPr/>
+        </p:nvPicPr>
+        <p:blipFill>
+          <a:blip r:embed="rId6"/>
+          <a:stretch>
+            <a:fillRect/>
+          </a:stretch>
+        </p:blipFill>
+        <p:spPr>
+          <a:xfrm>
+            <a:off x="6400717" y="2088312"/>
+            <a:ext cx="4753472" cy="657563"/>
+          </a:xfrm>
+          <a:prstGeom prst="rect">
+            <a:avLst/>
+          </a:prstGeom>
+        </p:spPr>
+      </p:pic>
+    </p:spTree>
+    <p:extLst>
+      <p:ext uri="{BB962C8B-B14F-4D97-AF65-F5344CB8AC3E}">
+        <p14:creationId xmlns:p14="http://schemas.microsoft.com/office/powerpoint/2010/main" val="648014704"/>
+      </p:ext>
+    </p:extLst>
+  </p:cSld>
+  <p:clrMapOvr>
+    <a:masterClrMapping/>
+  </p:clrMapOvr>
+</p:sld>
+</file>
+
+<file path=ppt/slides/slide49.xml><?xml version="1.0" encoding="utf-8"?>
+<p:sld xmlns:a="http://schemas.openxmlformats.org/drawingml/2006/main" xmlns:r="http://schemas.openxmlformats.org/officeDocument/2006/relationships" xmlns:p="http://schemas.openxmlformats.org/presentationml/2006/main">
+  <p:cSld>
+    <p:spTree>
+      <p:nvGrpSpPr>
+        <p:cNvPr id="1" name=""/>
+        <p:cNvGrpSpPr/>
+        <p:nvPr/>
+      </p:nvGrpSpPr>
+      <p:grpSpPr>
+        <a:xfrm>
+          <a:off x="0" y="0"/>
+          <a:ext cx="0" cy="0"/>
+          <a:chOff x="0" y="0"/>
+          <a:chExt cx="0" cy="0"/>
+        </a:xfrm>
+      </p:grpSpPr>
+      <p:sp>
+        <p:nvSpPr>
+          <p:cNvPr id="9" name="TextBox 8">
+            <a:extLst>
+              <a:ext uri="{FF2B5EF4-FFF2-40B4-BE49-F238E27FC236}">
+                <a16:creationId xmlns:a16="http://schemas.microsoft.com/office/drawing/2014/main" id="{6C515703-5C88-4061-A5DA-65A493F454D4}"/>
+              </a:ext>
+            </a:extLst>
+          </p:cNvPr>
+          <p:cNvSpPr txBox="1"/>
+          <p:nvPr/>
+        </p:nvSpPr>
+        <p:spPr>
+          <a:xfrm>
+            <a:off x="187569" y="150392"/>
+            <a:ext cx="1963999" cy="646331"/>
+          </a:xfrm>
+          <a:prstGeom prst="rect">
+            <a:avLst/>
+          </a:prstGeom>
+          <a:noFill/>
+        </p:spPr>
+        <p:txBody>
+          <a:bodyPr wrap="none" rtlCol="0">
+            <a:spAutoFit/>
+          </a:bodyPr>
+          <a:lstStyle/>
+          <a:p>
+            <a:r>
+              <a:rPr lang="ko-KR" altLang="en-US" dirty="0"/>
+              <a:t>커뮤니티화면</a:t>
+            </a:r>
+            <a:endParaRPr lang="en-US" altLang="ko-KR" dirty="0"/>
+          </a:p>
+          <a:p>
+            <a:r>
+              <a:rPr lang="ko-KR" altLang="en-US" dirty="0"/>
+              <a:t>제작에 따른 결론</a:t>
+            </a:r>
+            <a:endParaRPr lang="en-US" altLang="ko-KR" dirty="0"/>
+          </a:p>
+        </p:txBody>
+      </p:sp>
+      <p:sp>
+        <p:nvSpPr>
+          <p:cNvPr id="2" name="TextBox 1">
+            <a:extLst>
+              <a:ext uri="{FF2B5EF4-FFF2-40B4-BE49-F238E27FC236}">
+                <a16:creationId xmlns:a16="http://schemas.microsoft.com/office/drawing/2014/main" id="{9D7BF817-DA2A-4CC5-8F51-933ACDD4745D}"/>
+              </a:ext>
+            </a:extLst>
+          </p:cNvPr>
+          <p:cNvSpPr txBox="1"/>
+          <p:nvPr/>
+        </p:nvSpPr>
+        <p:spPr>
+          <a:xfrm>
+            <a:off x="1588860" y="1643821"/>
+            <a:ext cx="6809878" cy="646331"/>
+          </a:xfrm>
+          <a:prstGeom prst="rect">
+            <a:avLst/>
+          </a:prstGeom>
+          <a:noFill/>
+        </p:spPr>
+        <p:txBody>
+          <a:bodyPr wrap="none" rtlCol="0">
+            <a:spAutoFit/>
+          </a:bodyPr>
+          <a:lstStyle/>
+          <a:p>
+            <a:r>
+              <a:rPr lang="ko-KR" altLang="en-US" b="1" dirty="0"/>
+              <a:t>문제점 </a:t>
+            </a:r>
+            <a:r>
+              <a:rPr lang="en-US" altLang="ko-KR" b="1" dirty="0"/>
+              <a:t>1</a:t>
+            </a:r>
+            <a:r>
+              <a:rPr lang="ko-KR" altLang="en-US" b="1" dirty="0"/>
+              <a:t> </a:t>
+            </a:r>
+            <a:r>
+              <a:rPr lang="en-US" altLang="ko-KR" b="1" dirty="0"/>
+              <a:t>:</a:t>
+            </a:r>
+          </a:p>
+          <a:p>
+            <a:r>
+              <a:rPr lang="ko-KR" altLang="en-US" dirty="0"/>
+              <a:t>기능 구현을 우선으로 하였기 때문에 디자인이 다소 미흡합니다</a:t>
+            </a:r>
+            <a:r>
+              <a:rPr lang="en-US" altLang="ko-KR" dirty="0"/>
+              <a:t>.</a:t>
+            </a:r>
+          </a:p>
+        </p:txBody>
+      </p:sp>
+      <p:sp>
+        <p:nvSpPr>
+          <p:cNvPr id="12" name="TextBox 11">
+            <a:extLst>
+              <a:ext uri="{FF2B5EF4-FFF2-40B4-BE49-F238E27FC236}">
+                <a16:creationId xmlns:a16="http://schemas.microsoft.com/office/drawing/2014/main" id="{C8CCEDA0-FFEE-4625-93D2-E19767DC7A42}"/>
+              </a:ext>
+            </a:extLst>
+          </p:cNvPr>
+          <p:cNvSpPr txBox="1"/>
+          <p:nvPr/>
+        </p:nvSpPr>
+        <p:spPr>
+          <a:xfrm>
+            <a:off x="1588860" y="2394544"/>
+            <a:ext cx="9116598" cy="646331"/>
+          </a:xfrm>
+          <a:prstGeom prst="rect">
+            <a:avLst/>
+          </a:prstGeom>
+          <a:noFill/>
+        </p:spPr>
+        <p:txBody>
+          <a:bodyPr wrap="none" rtlCol="0">
+            <a:spAutoFit/>
+          </a:bodyPr>
+          <a:lstStyle/>
+          <a:p>
+            <a:r>
+              <a:rPr lang="ko-KR" altLang="en-US" b="1" dirty="0"/>
+              <a:t>문제점 </a:t>
+            </a:r>
+            <a:r>
+              <a:rPr lang="en-US" altLang="ko-KR" b="1" dirty="0"/>
+              <a:t>2</a:t>
+            </a:r>
+            <a:r>
+              <a:rPr lang="ko-KR" altLang="en-US" b="1" dirty="0"/>
+              <a:t> </a:t>
+            </a:r>
+            <a:r>
+              <a:rPr lang="en-US" altLang="ko-KR" b="1" dirty="0"/>
+              <a:t>:</a:t>
+            </a:r>
+          </a:p>
+          <a:p>
+            <a:r>
+              <a:rPr lang="ko-KR" altLang="en-US" dirty="0"/>
+              <a:t>레시피 공유 게시판 및 질문 게시판은 별도의 양식으로 글 작성</a:t>
+            </a:r>
+            <a:r>
+              <a:rPr lang="en-US" altLang="ko-KR" dirty="0"/>
+              <a:t>, </a:t>
+            </a:r>
+            <a:r>
+              <a:rPr lang="ko-KR" altLang="en-US" dirty="0"/>
+              <a:t>표시가 되어야 합니다</a:t>
+            </a:r>
+            <a:r>
+              <a:rPr lang="en-US" altLang="ko-KR" dirty="0"/>
+              <a:t>.</a:t>
+            </a:r>
+          </a:p>
+        </p:txBody>
+      </p:sp>
+      <p:sp>
+        <p:nvSpPr>
+          <p:cNvPr id="13" name="TextBox 12">
+            <a:extLst>
+              <a:ext uri="{FF2B5EF4-FFF2-40B4-BE49-F238E27FC236}">
+                <a16:creationId xmlns:a16="http://schemas.microsoft.com/office/drawing/2014/main" id="{466C847A-1979-4315-A381-342CB1EB761B}"/>
+              </a:ext>
+            </a:extLst>
+          </p:cNvPr>
+          <p:cNvSpPr txBox="1"/>
+          <p:nvPr/>
+        </p:nvSpPr>
+        <p:spPr>
+          <a:xfrm>
+            <a:off x="1588860" y="3145267"/>
+            <a:ext cx="7075976" cy="646331"/>
+          </a:xfrm>
+          <a:prstGeom prst="rect">
+            <a:avLst/>
+          </a:prstGeom>
+          <a:noFill/>
+        </p:spPr>
+        <p:txBody>
+          <a:bodyPr wrap="none" rtlCol="0">
+            <a:spAutoFit/>
+          </a:bodyPr>
+          <a:lstStyle/>
+          <a:p>
+            <a:r>
+              <a:rPr lang="ko-KR" altLang="en-US" b="1" dirty="0"/>
+              <a:t>문제점 </a:t>
+            </a:r>
+            <a:r>
+              <a:rPr lang="en-US" altLang="ko-KR" b="1" dirty="0"/>
+              <a:t>3</a:t>
+            </a:r>
+            <a:r>
+              <a:rPr lang="ko-KR" altLang="en-US" b="1" dirty="0"/>
+              <a:t> </a:t>
+            </a:r>
+            <a:r>
+              <a:rPr lang="en-US" altLang="ko-KR" b="1" dirty="0"/>
+              <a:t>:</a:t>
+            </a:r>
+          </a:p>
+          <a:p>
+            <a:r>
+              <a:rPr lang="ko-KR" altLang="en-US" dirty="0"/>
+              <a:t>아직 댓글</a:t>
+            </a:r>
+            <a:r>
+              <a:rPr lang="en-US" altLang="ko-KR" dirty="0"/>
+              <a:t>, </a:t>
+            </a:r>
+            <a:r>
+              <a:rPr lang="ko-KR" altLang="en-US" dirty="0"/>
+              <a:t>추천</a:t>
+            </a:r>
+            <a:r>
+              <a:rPr lang="en-US" altLang="ko-KR" dirty="0"/>
+              <a:t>, </a:t>
+            </a:r>
+            <a:r>
+              <a:rPr lang="ko-KR" altLang="en-US" dirty="0" err="1"/>
+              <a:t>인기순</a:t>
+            </a:r>
+            <a:r>
+              <a:rPr lang="ko-KR" altLang="en-US" dirty="0"/>
+              <a:t> 정렬 등의 기능을  구현하지 못하였습니다</a:t>
+            </a:r>
+            <a:r>
+              <a:rPr lang="en-US" altLang="ko-KR" dirty="0"/>
+              <a:t>.</a:t>
+            </a:r>
+          </a:p>
+        </p:txBody>
+      </p:sp>
+      <p:sp>
+        <p:nvSpPr>
+          <p:cNvPr id="16" name="TextBox 15">
+            <a:extLst>
+              <a:ext uri="{FF2B5EF4-FFF2-40B4-BE49-F238E27FC236}">
+                <a16:creationId xmlns:a16="http://schemas.microsoft.com/office/drawing/2014/main" id="{39904C92-950E-4497-8D90-E0F07F7CC103}"/>
+              </a:ext>
+            </a:extLst>
+          </p:cNvPr>
+          <p:cNvSpPr txBox="1"/>
+          <p:nvPr/>
+        </p:nvSpPr>
+        <p:spPr>
+          <a:xfrm>
+            <a:off x="1588860" y="4385926"/>
+            <a:ext cx="7516801" cy="646331"/>
+          </a:xfrm>
+          <a:prstGeom prst="rect">
+            <a:avLst/>
+          </a:prstGeom>
+          <a:noFill/>
+        </p:spPr>
+        <p:txBody>
+          <a:bodyPr wrap="none" rtlCol="0">
+            <a:spAutoFit/>
+          </a:bodyPr>
+          <a:lstStyle/>
+          <a:p>
+            <a:r>
+              <a:rPr lang="ko-KR" altLang="en-US" b="1" dirty="0"/>
+              <a:t>개선점 </a:t>
+            </a:r>
+            <a:r>
+              <a:rPr lang="en-US" altLang="ko-KR" b="1" dirty="0"/>
+              <a:t>1</a:t>
+            </a:r>
+            <a:r>
+              <a:rPr lang="ko-KR" altLang="en-US" b="1" dirty="0"/>
+              <a:t> </a:t>
+            </a:r>
+            <a:r>
+              <a:rPr lang="en-US" altLang="ko-KR" b="1" dirty="0"/>
+              <a:t>:</a:t>
+            </a:r>
+          </a:p>
+          <a:p>
+            <a:r>
+              <a:rPr lang="ko-KR" altLang="en-US" dirty="0"/>
+              <a:t>자신의 </a:t>
+            </a:r>
+            <a:r>
+              <a:rPr lang="ko-KR" altLang="en-US" dirty="0" err="1"/>
+              <a:t>게시글에</a:t>
+            </a:r>
+            <a:r>
+              <a:rPr lang="ko-KR" altLang="en-US" dirty="0"/>
+              <a:t> 댓글이 작성되면 알림이 갈 수 있도록 할 수 있습니다</a:t>
+            </a:r>
+            <a:r>
+              <a:rPr lang="en-US" altLang="ko-KR" dirty="0"/>
+              <a:t>.</a:t>
+            </a:r>
+          </a:p>
+        </p:txBody>
+      </p:sp>
+      <p:sp>
+        <p:nvSpPr>
+          <p:cNvPr id="4" name="TextBox 3">
+            <a:extLst>
+              <a:ext uri="{FF2B5EF4-FFF2-40B4-BE49-F238E27FC236}">
+                <a16:creationId xmlns:a16="http://schemas.microsoft.com/office/drawing/2014/main" id="{C0AD2A75-B498-4BA2-951E-1D077BE20242}"/>
+              </a:ext>
+            </a:extLst>
+          </p:cNvPr>
+          <p:cNvSpPr txBox="1"/>
+          <p:nvPr/>
+        </p:nvSpPr>
+        <p:spPr>
+          <a:xfrm>
+            <a:off x="1875692" y="5744307"/>
+            <a:ext cx="7850226" cy="369332"/>
+          </a:xfrm>
+          <a:prstGeom prst="rect">
+            <a:avLst/>
+          </a:prstGeom>
+          <a:noFill/>
+        </p:spPr>
+        <p:txBody>
+          <a:bodyPr wrap="none" rtlCol="0">
+            <a:spAutoFit/>
+          </a:bodyPr>
+          <a:lstStyle/>
+          <a:p>
+            <a:r>
+              <a:rPr lang="ko-KR" altLang="en-US" b="1" dirty="0"/>
+              <a:t>총 정리 </a:t>
+            </a:r>
+            <a:r>
+              <a:rPr lang="en-US" altLang="ko-KR" b="1" dirty="0"/>
+              <a:t>: </a:t>
+            </a:r>
+            <a:r>
+              <a:rPr lang="ko-KR" altLang="en-US" b="1" dirty="0"/>
+              <a:t>아직 구현하지 못한 기능이 많고</a:t>
+            </a:r>
+            <a:r>
+              <a:rPr lang="en-US" altLang="ko-KR" b="1" dirty="0"/>
+              <a:t>, </a:t>
+            </a:r>
+            <a:r>
+              <a:rPr lang="ko-KR" altLang="en-US" b="1" dirty="0"/>
+              <a:t>디자인적으로 다소 미흡합니다</a:t>
+            </a:r>
+            <a:r>
+              <a:rPr lang="en-US" altLang="ko-KR" b="1" dirty="0"/>
+              <a:t>.</a:t>
+            </a:r>
+          </a:p>
+        </p:txBody>
+      </p:sp>
+      <p:sp>
+        <p:nvSpPr>
+          <p:cNvPr id="19" name="TextBox 18">
+            <a:extLst>
+              <a:ext uri="{FF2B5EF4-FFF2-40B4-BE49-F238E27FC236}">
+                <a16:creationId xmlns:a16="http://schemas.microsoft.com/office/drawing/2014/main" id="{27F10007-C4F1-48DA-BFE6-6BA45F3F5635}"/>
+              </a:ext>
+            </a:extLst>
+          </p:cNvPr>
+          <p:cNvSpPr txBox="1"/>
+          <p:nvPr/>
+        </p:nvSpPr>
+        <p:spPr>
+          <a:xfrm>
+            <a:off x="2649416" y="222421"/>
+            <a:ext cx="4330032" cy="600164"/>
+          </a:xfrm>
+          <a:prstGeom prst="rect">
+            <a:avLst/>
+          </a:prstGeom>
+          <a:noFill/>
+        </p:spPr>
+        <p:txBody>
+          <a:bodyPr wrap="none" rtlCol="0">
+            <a:spAutoFit/>
+          </a:bodyPr>
+          <a:lstStyle/>
+          <a:p>
+            <a:r>
+              <a:rPr lang="ko-KR" altLang="en-US" sz="1100" dirty="0"/>
+              <a:t>문제점 </a:t>
+            </a:r>
+            <a:r>
+              <a:rPr lang="en-US" altLang="ko-KR" sz="1100" dirty="0"/>
+              <a:t>: </a:t>
+            </a:r>
+            <a:r>
+              <a:rPr lang="ko-KR" altLang="en-US" sz="1100" dirty="0"/>
+              <a:t>아직 설계한대로 다 구현하지 못한 부분이나 미흡한 부분</a:t>
+            </a:r>
+            <a:endParaRPr lang="en-US" altLang="ko-KR" sz="1100" dirty="0"/>
+          </a:p>
+          <a:p>
+            <a:endParaRPr lang="en-US" altLang="ko-KR" sz="1100" dirty="0"/>
+          </a:p>
+          <a:p>
+            <a:r>
+              <a:rPr lang="ko-KR" altLang="en-US" sz="1100" dirty="0"/>
+              <a:t>개선점 </a:t>
+            </a:r>
+            <a:r>
+              <a:rPr lang="en-US" altLang="ko-KR" sz="1100" dirty="0"/>
+              <a:t>: </a:t>
+            </a:r>
+            <a:r>
+              <a:rPr lang="ko-KR" altLang="en-US" sz="1100" dirty="0"/>
+              <a:t>추가적으로 구현하면 좋을 만한 사안</a:t>
+            </a:r>
+            <a:endParaRPr lang="en-US" altLang="ko-KR" sz="1100" dirty="0"/>
+          </a:p>
+        </p:txBody>
+      </p:sp>
+    </p:spTree>
+    <p:extLst>
+      <p:ext uri="{BB962C8B-B14F-4D97-AF65-F5344CB8AC3E}">
+        <p14:creationId xmlns:p14="http://schemas.microsoft.com/office/powerpoint/2010/main" val="3036409739"/>
+      </p:ext>
+    </p:extLst>
+  </p:cSld>
+  <p:clrMapOvr>
+    <a:masterClrMapping/>
+  </p:clrMapOvr>
+</p:sld>
+</file>
+
+<file path=ppt/slides/slide5.xml><?xml version="1.0" encoding="utf-8"?>
+<p:sld xmlns:a="http://schemas.openxmlformats.org/drawingml/2006/main" xmlns:r="http://schemas.openxmlformats.org/officeDocument/2006/relationships" xmlns:p="http://schemas.openxmlformats.org/presentationml/2006/main">
+  <p:cSld>
+    <p:spTree>
+      <p:nvGrpSpPr>
+        <p:cNvPr id="1" name=""/>
+        <p:cNvGrpSpPr/>
+        <p:nvPr/>
+      </p:nvGrpSpPr>
+      <p:grpSpPr>
+        <a:xfrm>
+          <a:off x="0" y="0"/>
+          <a:ext cx="0" cy="0"/>
+          <a:chOff x="0" y="0"/>
+          <a:chExt cx="0" cy="0"/>
+        </a:xfrm>
+      </p:grpSpPr>
+      <p:sp>
+        <p:nvSpPr>
+          <p:cNvPr id="7" name="TextBox 6">
+            <a:extLst>
+              <a:ext uri="{FF2B5EF4-FFF2-40B4-BE49-F238E27FC236}">
+                <a16:creationId xmlns:a16="http://schemas.microsoft.com/office/drawing/2014/main" id="{03F6D3A2-2448-4362-864F-CD2272CE6602}"/>
+              </a:ext>
+            </a:extLst>
+          </p:cNvPr>
+          <p:cNvSpPr txBox="1"/>
+          <p:nvPr/>
+        </p:nvSpPr>
+        <p:spPr>
+          <a:xfrm>
+            <a:off x="187569" y="150392"/>
+            <a:ext cx="2696572" cy="646331"/>
+          </a:xfrm>
+          <a:prstGeom prst="rect">
+            <a:avLst/>
+          </a:prstGeom>
+          <a:noFill/>
+        </p:spPr>
+        <p:txBody>
+          <a:bodyPr wrap="none" rtlCol="0">
+            <a:spAutoFit/>
+          </a:bodyPr>
+          <a:lstStyle/>
+          <a:p>
+            <a:r>
+              <a:rPr lang="ko-KR" altLang="en-US" dirty="0"/>
+              <a:t>로그인 </a:t>
+            </a:r>
+            <a:r>
+              <a:rPr lang="en-US" altLang="ko-KR" dirty="0"/>
+              <a:t>&amp; </a:t>
+            </a:r>
+            <a:r>
+              <a:rPr lang="ko-KR" altLang="en-US" dirty="0"/>
+              <a:t>회원가입 화면</a:t>
+            </a:r>
+            <a:endParaRPr lang="en-US" altLang="ko-KR" dirty="0"/>
+          </a:p>
+          <a:p>
+            <a:r>
+              <a:rPr lang="ko-KR" altLang="en-US" dirty="0"/>
+              <a:t>제작기준</a:t>
+            </a:r>
+            <a:endParaRPr lang="en-US" altLang="ko-KR" dirty="0"/>
+          </a:p>
+        </p:txBody>
+      </p:sp>
+      <p:pic>
+        <p:nvPicPr>
+          <p:cNvPr id="3" name="그림 2">
+            <a:extLst>
+              <a:ext uri="{FF2B5EF4-FFF2-40B4-BE49-F238E27FC236}">
+                <a16:creationId xmlns:a16="http://schemas.microsoft.com/office/drawing/2014/main" id="{B6C3CBF4-ECDF-4DC5-AA1B-8260F1DBE9A4}"/>
+              </a:ext>
+            </a:extLst>
+          </p:cNvPr>
+          <p:cNvPicPr>
+            <a:picLocks noChangeAspect="1"/>
+          </p:cNvPicPr>
+          <p:nvPr/>
+        </p:nvPicPr>
+        <p:blipFill>
+          <a:blip r:embed="rId2"/>
+          <a:stretch>
+            <a:fillRect/>
+          </a:stretch>
+        </p:blipFill>
+        <p:spPr>
+          <a:xfrm>
+            <a:off x="2170378" y="1023201"/>
+            <a:ext cx="7851241" cy="2849155"/>
+          </a:xfrm>
+          <a:prstGeom prst="rect">
+            <a:avLst/>
+          </a:prstGeom>
+        </p:spPr>
+      </p:pic>
+      <p:pic>
+        <p:nvPicPr>
+          <p:cNvPr id="8" name="그림 7">
+            <a:extLst>
+              <a:ext uri="{FF2B5EF4-FFF2-40B4-BE49-F238E27FC236}">
+                <a16:creationId xmlns:a16="http://schemas.microsoft.com/office/drawing/2014/main" id="{F347B946-6C6C-4575-83EE-074DC438CFA1}"/>
+              </a:ext>
+            </a:extLst>
+          </p:cNvPr>
+          <p:cNvPicPr>
+            <a:picLocks noChangeAspect="1"/>
+          </p:cNvPicPr>
+          <p:nvPr/>
+        </p:nvPicPr>
+        <p:blipFill>
+          <a:blip r:embed="rId3"/>
+          <a:stretch>
+            <a:fillRect/>
+          </a:stretch>
+        </p:blipFill>
+        <p:spPr>
+          <a:xfrm>
+            <a:off x="2870404" y="4098834"/>
+            <a:ext cx="6451192" cy="2389011"/>
+          </a:xfrm>
+          <a:prstGeom prst="rect">
+            <a:avLst/>
+          </a:prstGeom>
+        </p:spPr>
+      </p:pic>
+    </p:spTree>
+    <p:extLst>
+      <p:ext uri="{BB962C8B-B14F-4D97-AF65-F5344CB8AC3E}">
+        <p14:creationId xmlns:p14="http://schemas.microsoft.com/office/powerpoint/2010/main" val="1958045246"/>
+      </p:ext>
+    </p:extLst>
+  </p:cSld>
+  <p:clrMapOvr>
+    <a:masterClrMapping/>
+  </p:clrMapOvr>
+</p:sld>
+</file>
+
+<file path=ppt/slides/slide50.xml><?xml version="1.0" encoding="utf-8"?>
+<p:sld xmlns:a="http://schemas.openxmlformats.org/drawingml/2006/main" xmlns:r="http://schemas.openxmlformats.org/officeDocument/2006/relationships" xmlns:p="http://schemas.openxmlformats.org/presentationml/2006/main">
+  <p:cSld>
+    <p:spTree>
+      <p:nvGrpSpPr>
+        <p:cNvPr id="1" name=""/>
+        <p:cNvGrpSpPr/>
+        <p:nvPr/>
+      </p:nvGrpSpPr>
+      <p:grpSpPr>
+        <a:xfrm>
+          <a:off x="0" y="0"/>
+          <a:ext cx="0" cy="0"/>
+          <a:chOff x="0" y="0"/>
+          <a:chExt cx="0" cy="0"/>
+        </a:xfrm>
+      </p:grpSpPr>
+      <p:sp>
+        <p:nvSpPr>
+          <p:cNvPr id="9" name="TextBox 8">
+            <a:extLst>
+              <a:ext uri="{FF2B5EF4-FFF2-40B4-BE49-F238E27FC236}">
+                <a16:creationId xmlns:a16="http://schemas.microsoft.com/office/drawing/2014/main" id="{6C515703-5C88-4061-A5DA-65A493F454D4}"/>
+              </a:ext>
+            </a:extLst>
+          </p:cNvPr>
+          <p:cNvSpPr txBox="1"/>
+          <p:nvPr/>
+        </p:nvSpPr>
+        <p:spPr>
+          <a:xfrm>
+            <a:off x="187569" y="150392"/>
+            <a:ext cx="5373587" cy="646331"/>
+          </a:xfrm>
+          <a:prstGeom prst="rect">
+            <a:avLst/>
+          </a:prstGeom>
+          <a:noFill/>
+        </p:spPr>
+        <p:txBody>
+          <a:bodyPr wrap="none" rtlCol="0">
+            <a:spAutoFit/>
+          </a:bodyPr>
+          <a:lstStyle/>
+          <a:p>
+            <a:r>
+              <a:rPr lang="ko-KR" altLang="en-US" dirty="0"/>
+              <a:t>커뮤니티화면</a:t>
+            </a:r>
+            <a:endParaRPr lang="en-US" altLang="ko-KR" dirty="0"/>
+          </a:p>
+          <a:p>
+            <a:r>
+              <a:rPr lang="ko-KR" altLang="en-US" dirty="0"/>
+              <a:t>결과 분석에 따른 설계 변경사항 및 구현계획 기술</a:t>
+            </a:r>
+            <a:endParaRPr lang="en-US" altLang="ko-KR" dirty="0"/>
+          </a:p>
+        </p:txBody>
+      </p:sp>
+      <p:sp>
+        <p:nvSpPr>
+          <p:cNvPr id="10" name="TextBox 9">
+            <a:extLst>
+              <a:ext uri="{FF2B5EF4-FFF2-40B4-BE49-F238E27FC236}">
+                <a16:creationId xmlns:a16="http://schemas.microsoft.com/office/drawing/2014/main" id="{20387B7A-DF7E-494D-A783-D1C73DDA0A2D}"/>
+              </a:ext>
+            </a:extLst>
+          </p:cNvPr>
+          <p:cNvSpPr txBox="1"/>
+          <p:nvPr/>
+        </p:nvSpPr>
+        <p:spPr>
+          <a:xfrm>
+            <a:off x="7924800" y="1066650"/>
+            <a:ext cx="3332964" cy="923330"/>
+          </a:xfrm>
+          <a:prstGeom prst="rect">
+            <a:avLst/>
+          </a:prstGeom>
+          <a:noFill/>
+        </p:spPr>
+        <p:txBody>
+          <a:bodyPr wrap="none" rtlCol="0">
+            <a:spAutoFit/>
+          </a:bodyPr>
+          <a:lstStyle/>
+          <a:p>
+            <a:r>
+              <a:rPr lang="ko-KR" altLang="en-US" dirty="0"/>
+              <a:t>댓글 작성</a:t>
+            </a:r>
+            <a:r>
+              <a:rPr lang="en-US" altLang="ko-KR" dirty="0"/>
+              <a:t>,</a:t>
+            </a:r>
+            <a:r>
+              <a:rPr lang="ko-KR" altLang="en-US" dirty="0"/>
+              <a:t>표시 및 추천 기능을</a:t>
+            </a:r>
+            <a:endParaRPr lang="en-US" altLang="ko-KR" dirty="0"/>
+          </a:p>
+          <a:p>
+            <a:r>
+              <a:rPr lang="ko-KR" altLang="en-US" dirty="0"/>
+              <a:t>최종 보고서 제출전까지</a:t>
+            </a:r>
+            <a:endParaRPr lang="en-US" altLang="ko-KR" dirty="0"/>
+          </a:p>
+          <a:p>
+            <a:r>
+              <a:rPr lang="ko-KR" altLang="en-US" dirty="0"/>
+              <a:t>구현 완료하겠습니다</a:t>
+            </a:r>
+            <a:r>
+              <a:rPr lang="en-US" altLang="ko-KR" dirty="0"/>
+              <a:t>.</a:t>
+            </a:r>
+            <a:endParaRPr lang="ko-KR" altLang="en-US" dirty="0"/>
+          </a:p>
+        </p:txBody>
+      </p:sp>
+      <p:pic>
+        <p:nvPicPr>
+          <p:cNvPr id="17" name="그림 16">
+            <a:extLst>
+              <a:ext uri="{FF2B5EF4-FFF2-40B4-BE49-F238E27FC236}">
+                <a16:creationId xmlns:a16="http://schemas.microsoft.com/office/drawing/2014/main" id="{6B0C4927-098C-43DD-A442-9A9DE3EFFF15}"/>
+              </a:ext>
+            </a:extLst>
+          </p:cNvPr>
+          <p:cNvPicPr>
+            <a:picLocks noChangeAspect="1"/>
+          </p:cNvPicPr>
+          <p:nvPr/>
+        </p:nvPicPr>
+        <p:blipFill>
+          <a:blip r:embed="rId2"/>
+          <a:stretch>
+            <a:fillRect/>
+          </a:stretch>
+        </p:blipFill>
+        <p:spPr>
+          <a:xfrm>
+            <a:off x="536301" y="1211743"/>
+            <a:ext cx="6638224" cy="554148"/>
+          </a:xfrm>
+          <a:prstGeom prst="rect">
+            <a:avLst/>
+          </a:prstGeom>
+        </p:spPr>
+      </p:pic>
+      <p:pic>
+        <p:nvPicPr>
+          <p:cNvPr id="19" name="그림 18">
+            <a:extLst>
+              <a:ext uri="{FF2B5EF4-FFF2-40B4-BE49-F238E27FC236}">
+                <a16:creationId xmlns:a16="http://schemas.microsoft.com/office/drawing/2014/main" id="{26D5D9CF-DD4B-4845-9CFF-0134A58E848A}"/>
+              </a:ext>
+            </a:extLst>
+          </p:cNvPr>
+          <p:cNvPicPr>
+            <a:picLocks noChangeAspect="1"/>
+          </p:cNvPicPr>
+          <p:nvPr/>
+        </p:nvPicPr>
+        <p:blipFill>
+          <a:blip r:embed="rId3"/>
+          <a:stretch>
+            <a:fillRect/>
+          </a:stretch>
+        </p:blipFill>
+        <p:spPr>
+          <a:xfrm>
+            <a:off x="536301" y="3168660"/>
+            <a:ext cx="5439534" cy="752580"/>
+          </a:xfrm>
+          <a:prstGeom prst="rect">
+            <a:avLst/>
+          </a:prstGeom>
+          <a:ln>
+            <a:solidFill>
+              <a:schemeClr val="tx1"/>
+            </a:solidFill>
+          </a:ln>
+        </p:spPr>
+      </p:pic>
+      <p:cxnSp>
+        <p:nvCxnSpPr>
+          <p:cNvPr id="21" name="직선 화살표 연결선 20">
+            <a:extLst>
+              <a:ext uri="{FF2B5EF4-FFF2-40B4-BE49-F238E27FC236}">
+                <a16:creationId xmlns:a16="http://schemas.microsoft.com/office/drawing/2014/main" id="{D8FBFFDF-B32E-4DF6-BA14-3D360466D5C2}"/>
+              </a:ext>
+            </a:extLst>
+          </p:cNvPr>
+          <p:cNvCxnSpPr>
+            <a:cxnSpLocks/>
+          </p:cNvCxnSpPr>
+          <p:nvPr/>
+        </p:nvCxnSpPr>
+        <p:spPr>
+          <a:xfrm>
+            <a:off x="3244345" y="3921240"/>
+            <a:ext cx="11723" cy="495509"/>
+          </a:xfrm>
+          <a:prstGeom prst="straightConnector1">
+            <a:avLst/>
+          </a:prstGeom>
+          <a:ln>
+            <a:solidFill>
+              <a:schemeClr val="tx1"/>
+            </a:solidFill>
+            <a:tailEnd type="triangle"/>
+          </a:ln>
+        </p:spPr>
+        <p:style>
+          <a:lnRef idx="1">
+            <a:schemeClr val="accent1"/>
+          </a:lnRef>
+          <a:fillRef idx="0">
+            <a:schemeClr val="accent1"/>
+          </a:fillRef>
+          <a:effectRef idx="0">
+            <a:schemeClr val="accent1"/>
+          </a:effectRef>
+          <a:fontRef idx="minor">
+            <a:schemeClr val="tx1"/>
+          </a:fontRef>
+        </p:style>
+      </p:cxnSp>
+      <p:pic>
+        <p:nvPicPr>
+          <p:cNvPr id="25" name="그림 24">
+            <a:extLst>
+              <a:ext uri="{FF2B5EF4-FFF2-40B4-BE49-F238E27FC236}">
+                <a16:creationId xmlns:a16="http://schemas.microsoft.com/office/drawing/2014/main" id="{38F107EE-D604-4D7B-876A-51AB6D1B2690}"/>
+              </a:ext>
+            </a:extLst>
+          </p:cNvPr>
+          <p:cNvPicPr>
+            <a:picLocks noChangeAspect="1"/>
+          </p:cNvPicPr>
+          <p:nvPr/>
+        </p:nvPicPr>
+        <p:blipFill>
+          <a:blip r:embed="rId4"/>
+          <a:stretch>
+            <a:fillRect/>
+          </a:stretch>
+        </p:blipFill>
+        <p:spPr>
+          <a:xfrm>
+            <a:off x="536301" y="4416750"/>
+            <a:ext cx="5439535" cy="598064"/>
+          </a:xfrm>
+          <a:prstGeom prst="rect">
+            <a:avLst/>
+          </a:prstGeom>
+        </p:spPr>
+      </p:pic>
+      <p:sp>
+        <p:nvSpPr>
+          <p:cNvPr id="26" name="TextBox 25">
+            <a:extLst>
+              <a:ext uri="{FF2B5EF4-FFF2-40B4-BE49-F238E27FC236}">
+                <a16:creationId xmlns:a16="http://schemas.microsoft.com/office/drawing/2014/main" id="{C335FBD6-46CC-4964-8D4C-500FF44CB3AE}"/>
+              </a:ext>
+            </a:extLst>
+          </p:cNvPr>
+          <p:cNvSpPr txBox="1"/>
+          <p:nvPr/>
+        </p:nvSpPr>
+        <p:spPr>
+          <a:xfrm>
+            <a:off x="6425026" y="3124087"/>
+            <a:ext cx="5291833" cy="2585323"/>
+          </a:xfrm>
+          <a:prstGeom prst="rect">
+            <a:avLst/>
+          </a:prstGeom>
+          <a:noFill/>
+        </p:spPr>
+        <p:txBody>
+          <a:bodyPr wrap="none" rtlCol="0">
+            <a:spAutoFit/>
+          </a:bodyPr>
+          <a:lstStyle/>
+          <a:p>
+            <a:r>
+              <a:rPr lang="en-US" altLang="ko-KR" dirty="0"/>
+              <a:t>“</a:t>
+            </a:r>
+            <a:r>
+              <a:rPr lang="ko-KR" altLang="en-US" dirty="0"/>
+              <a:t>나만의 레시피</a:t>
+            </a:r>
+            <a:r>
+              <a:rPr lang="en-US" altLang="ko-KR" dirty="0"/>
+              <a:t>”</a:t>
+            </a:r>
+            <a:r>
+              <a:rPr lang="ko-KR" altLang="en-US" dirty="0"/>
+              <a:t> </a:t>
+            </a:r>
+            <a:r>
+              <a:rPr lang="en-US" altLang="ko-KR" dirty="0"/>
+              <a:t>-&gt; “</a:t>
+            </a:r>
+            <a:r>
+              <a:rPr lang="ko-KR" altLang="en-US" dirty="0"/>
+              <a:t>레시피 공유</a:t>
+            </a:r>
+            <a:r>
+              <a:rPr lang="en-US" altLang="ko-KR" dirty="0"/>
+              <a:t>”</a:t>
+            </a:r>
+            <a:r>
+              <a:rPr lang="ko-KR" altLang="en-US" dirty="0"/>
+              <a:t> 게시판으로 </a:t>
+            </a:r>
+            <a:endParaRPr lang="en-US" altLang="ko-KR" dirty="0"/>
+          </a:p>
+          <a:p>
+            <a:r>
+              <a:rPr lang="ko-KR" altLang="en-US" dirty="0"/>
+              <a:t>정정하였습니다</a:t>
+            </a:r>
+            <a:r>
+              <a:rPr lang="en-US" altLang="ko-KR" dirty="0"/>
+              <a:t>. (</a:t>
+            </a:r>
+            <a:r>
+              <a:rPr lang="ko-KR" altLang="en-US" dirty="0"/>
+              <a:t>범용</a:t>
+            </a:r>
+            <a:r>
+              <a:rPr lang="en-US" altLang="ko-KR" dirty="0"/>
+              <a:t>, </a:t>
+            </a:r>
+            <a:r>
+              <a:rPr lang="ko-KR" altLang="en-US" dirty="0" err="1"/>
+              <a:t>직관성</a:t>
+            </a:r>
+            <a:r>
+              <a:rPr lang="en-US" altLang="ko-KR" dirty="0"/>
+              <a:t>)</a:t>
+            </a:r>
+          </a:p>
+          <a:p>
+            <a:endParaRPr lang="en-US" altLang="ko-KR" dirty="0"/>
+          </a:p>
+          <a:p>
+            <a:r>
+              <a:rPr lang="en-US" altLang="ko-KR" dirty="0"/>
+              <a:t>“</a:t>
+            </a:r>
+            <a:r>
+              <a:rPr lang="ko-KR" altLang="en-US" dirty="0"/>
+              <a:t>인기 레시피</a:t>
+            </a:r>
+            <a:r>
+              <a:rPr lang="en-US" altLang="ko-KR" dirty="0"/>
+              <a:t>“ </a:t>
+            </a:r>
+            <a:r>
+              <a:rPr lang="ko-KR" altLang="en-US" dirty="0"/>
+              <a:t>게시판은 추가하지 않습니다</a:t>
+            </a:r>
+            <a:endParaRPr lang="en-US" altLang="ko-KR" dirty="0"/>
+          </a:p>
+          <a:p>
+            <a:r>
+              <a:rPr lang="en-US" altLang="ko-KR" dirty="0"/>
+              <a:t>(</a:t>
+            </a:r>
+            <a:r>
+              <a:rPr lang="ko-KR" altLang="en-US" dirty="0" err="1"/>
+              <a:t>인기순</a:t>
+            </a:r>
+            <a:r>
+              <a:rPr lang="ko-KR" altLang="en-US" dirty="0"/>
+              <a:t> </a:t>
+            </a:r>
+            <a:r>
+              <a:rPr lang="ko-KR" altLang="en-US" dirty="0" err="1"/>
+              <a:t>정렬으로</a:t>
+            </a:r>
+            <a:r>
+              <a:rPr lang="ko-KR" altLang="en-US" dirty="0"/>
+              <a:t> 대체가능한 게시판입니다</a:t>
+            </a:r>
+            <a:r>
+              <a:rPr lang="en-US" altLang="ko-KR" dirty="0"/>
+              <a:t>.)</a:t>
+            </a:r>
+          </a:p>
+          <a:p>
+            <a:endParaRPr lang="en-US" altLang="ko-KR" dirty="0"/>
+          </a:p>
+          <a:p>
+            <a:r>
+              <a:rPr lang="ko-KR" altLang="en-US" dirty="0"/>
+              <a:t>레시피 공유 게시판을 포토앨범 형식으로</a:t>
+            </a:r>
+            <a:endParaRPr lang="en-US" altLang="ko-KR" dirty="0"/>
+          </a:p>
+          <a:p>
+            <a:r>
+              <a:rPr lang="ko-KR" altLang="en-US" dirty="0"/>
+              <a:t>최근 게시물 및 게시물리스트를 표시할 수 있도록</a:t>
+            </a:r>
+            <a:endParaRPr lang="en-US" altLang="ko-KR" dirty="0"/>
+          </a:p>
+          <a:p>
+            <a:r>
+              <a:rPr lang="ko-KR" altLang="en-US" dirty="0"/>
+              <a:t>최종 보고서 제출전까지 구현 완료하겠습니다</a:t>
+            </a:r>
+            <a:r>
+              <a:rPr lang="en-US" altLang="ko-KR" dirty="0"/>
+              <a:t>.</a:t>
+            </a:r>
+          </a:p>
+        </p:txBody>
+      </p:sp>
+      <p:pic>
+        <p:nvPicPr>
+          <p:cNvPr id="27" name="그림 26">
+            <a:extLst>
+              <a:ext uri="{FF2B5EF4-FFF2-40B4-BE49-F238E27FC236}">
+                <a16:creationId xmlns:a16="http://schemas.microsoft.com/office/drawing/2014/main" id="{C49E26F8-DE65-4661-9FB5-1F3CE64F2E0D}"/>
+              </a:ext>
+            </a:extLst>
+          </p:cNvPr>
+          <p:cNvPicPr>
+            <a:picLocks noChangeAspect="1"/>
+          </p:cNvPicPr>
+          <p:nvPr/>
+        </p:nvPicPr>
+        <p:blipFill>
+          <a:blip r:embed="rId5"/>
+          <a:stretch>
+            <a:fillRect/>
+          </a:stretch>
+        </p:blipFill>
+        <p:spPr>
+          <a:xfrm>
+            <a:off x="536301" y="5229297"/>
+            <a:ext cx="5439534" cy="562053"/>
+          </a:xfrm>
+          <a:prstGeom prst="rect">
+            <a:avLst/>
+          </a:prstGeom>
+        </p:spPr>
+      </p:pic>
+    </p:spTree>
+    <p:extLst>
+      <p:ext uri="{BB962C8B-B14F-4D97-AF65-F5344CB8AC3E}">
+        <p14:creationId xmlns:p14="http://schemas.microsoft.com/office/powerpoint/2010/main" val="2017884814"/>
+      </p:ext>
+    </p:extLst>
+  </p:cSld>
+  <p:clrMapOvr>
+    <a:masterClrMapping/>
+  </p:clrMapOvr>
+</p:sld>
+</file>
+
+<file path=ppt/slides/slide51.xml><?xml version="1.0" encoding="utf-8"?>
+<p:sld xmlns:a="http://schemas.openxmlformats.org/drawingml/2006/main" xmlns:r="http://schemas.openxmlformats.org/officeDocument/2006/relationships" xmlns:p="http://schemas.openxmlformats.org/presentationml/2006/main">
+  <p:cSld>
+    <p:spTree>
+      <p:nvGrpSpPr>
+        <p:cNvPr id="1" name=""/>
+        <p:cNvGrpSpPr/>
+        <p:nvPr/>
+      </p:nvGrpSpPr>
+      <p:grpSpPr>
+        <a:xfrm>
+          <a:off x="0" y="0"/>
+          <a:ext cx="0" cy="0"/>
+          <a:chOff x="0" y="0"/>
+          <a:chExt cx="0" cy="0"/>
+        </a:xfrm>
+      </p:grpSpPr>
+      <p:sp>
+        <p:nvSpPr>
+          <p:cNvPr id="9" name="TextBox 8">
+            <a:extLst>
+              <a:ext uri="{FF2B5EF4-FFF2-40B4-BE49-F238E27FC236}">
+                <a16:creationId xmlns:a16="http://schemas.microsoft.com/office/drawing/2014/main" id="{6C515703-5C88-4061-A5DA-65A493F454D4}"/>
+              </a:ext>
+            </a:extLst>
+          </p:cNvPr>
+          <p:cNvSpPr txBox="1"/>
+          <p:nvPr/>
+        </p:nvSpPr>
+        <p:spPr>
+          <a:xfrm>
+            <a:off x="187569" y="150392"/>
+            <a:ext cx="5373587" cy="646331"/>
+          </a:xfrm>
+          <a:prstGeom prst="rect">
+            <a:avLst/>
+          </a:prstGeom>
+          <a:noFill/>
+        </p:spPr>
+        <p:txBody>
+          <a:bodyPr wrap="none" rtlCol="0">
+            <a:spAutoFit/>
+          </a:bodyPr>
+          <a:lstStyle/>
+          <a:p>
+            <a:r>
+              <a:rPr lang="ko-KR" altLang="en-US" dirty="0"/>
+              <a:t>커뮤니티화면</a:t>
+            </a:r>
+            <a:endParaRPr lang="en-US" altLang="ko-KR" dirty="0"/>
+          </a:p>
+          <a:p>
+            <a:r>
+              <a:rPr lang="ko-KR" altLang="en-US" dirty="0"/>
+              <a:t>결과 분석에 따른 설계 변경사항 및 구현계획 기술</a:t>
+            </a:r>
+            <a:endParaRPr lang="en-US" altLang="ko-KR" dirty="0"/>
+          </a:p>
+        </p:txBody>
+      </p:sp>
+      <p:pic>
+        <p:nvPicPr>
+          <p:cNvPr id="3" name="그림 2">
+            <a:extLst>
+              <a:ext uri="{FF2B5EF4-FFF2-40B4-BE49-F238E27FC236}">
+                <a16:creationId xmlns:a16="http://schemas.microsoft.com/office/drawing/2014/main" id="{196CD40C-80E4-4FE9-BBDE-D8A758E33A35}"/>
+              </a:ext>
+            </a:extLst>
+          </p:cNvPr>
+          <p:cNvPicPr>
+            <a:picLocks noChangeAspect="1"/>
+          </p:cNvPicPr>
+          <p:nvPr/>
+        </p:nvPicPr>
+        <p:blipFill>
+          <a:blip r:embed="rId2"/>
+          <a:stretch>
+            <a:fillRect/>
+          </a:stretch>
+        </p:blipFill>
+        <p:spPr>
+          <a:xfrm>
+            <a:off x="215652" y="2126258"/>
+            <a:ext cx="6172449" cy="646330"/>
+          </a:xfrm>
+          <a:prstGeom prst="rect">
+            <a:avLst/>
+          </a:prstGeom>
+        </p:spPr>
+      </p:pic>
+      <p:sp>
+        <p:nvSpPr>
+          <p:cNvPr id="4" name="TextBox 3">
+            <a:extLst>
+              <a:ext uri="{FF2B5EF4-FFF2-40B4-BE49-F238E27FC236}">
+                <a16:creationId xmlns:a16="http://schemas.microsoft.com/office/drawing/2014/main" id="{6D728307-A7AC-4784-B3D2-CB3D6121B71E}"/>
+              </a:ext>
+            </a:extLst>
+          </p:cNvPr>
+          <p:cNvSpPr txBox="1"/>
+          <p:nvPr/>
+        </p:nvSpPr>
+        <p:spPr>
+          <a:xfrm>
+            <a:off x="6669106" y="1295261"/>
+            <a:ext cx="4791696" cy="2308324"/>
+          </a:xfrm>
+          <a:prstGeom prst="rect">
+            <a:avLst/>
+          </a:prstGeom>
+          <a:noFill/>
+        </p:spPr>
+        <p:txBody>
+          <a:bodyPr wrap="none" rtlCol="0">
+            <a:spAutoFit/>
+          </a:bodyPr>
+          <a:lstStyle/>
+          <a:p>
+            <a:r>
+              <a:rPr lang="ko-KR" altLang="en-US" dirty="0"/>
+              <a:t>사용자에게 웹 커뮤니티처럼</a:t>
+            </a:r>
+            <a:endParaRPr lang="en-US" altLang="ko-KR" dirty="0"/>
+          </a:p>
+          <a:p>
+            <a:r>
+              <a:rPr lang="ko-KR" altLang="en-US" dirty="0"/>
+              <a:t>글씨 크기</a:t>
+            </a:r>
+            <a:r>
+              <a:rPr lang="en-US" altLang="ko-KR" dirty="0"/>
+              <a:t>, </a:t>
+            </a:r>
+            <a:r>
+              <a:rPr lang="ko-KR" altLang="en-US" dirty="0"/>
+              <a:t>폰트</a:t>
+            </a:r>
+            <a:r>
+              <a:rPr lang="en-US" altLang="ko-KR" dirty="0"/>
+              <a:t> </a:t>
+            </a:r>
+            <a:r>
+              <a:rPr lang="ko-KR" altLang="en-US" dirty="0"/>
+              <a:t>등에 자유도를 주는 것은</a:t>
+            </a:r>
+            <a:endParaRPr lang="en-US" altLang="ko-KR" dirty="0"/>
+          </a:p>
+          <a:p>
+            <a:r>
+              <a:rPr lang="ko-KR" altLang="en-US" dirty="0"/>
+              <a:t>오히려 게시판 </a:t>
+            </a:r>
+            <a:r>
+              <a:rPr lang="ko-KR" altLang="en-US" dirty="0" err="1"/>
+              <a:t>게시글들의</a:t>
+            </a:r>
+            <a:r>
+              <a:rPr lang="ko-KR" altLang="en-US" dirty="0"/>
+              <a:t> 일관성을</a:t>
+            </a:r>
+            <a:endParaRPr lang="en-US" altLang="ko-KR" dirty="0"/>
+          </a:p>
+          <a:p>
+            <a:r>
+              <a:rPr lang="ko-KR" altLang="en-US" dirty="0"/>
+              <a:t>해치게 될 것을 염려하여</a:t>
+            </a:r>
+            <a:endParaRPr lang="en-US" altLang="ko-KR" dirty="0"/>
+          </a:p>
+          <a:p>
+            <a:endParaRPr lang="en-US" altLang="ko-KR" dirty="0"/>
+          </a:p>
+          <a:p>
+            <a:r>
+              <a:rPr lang="ko-KR" altLang="en-US" dirty="0"/>
+              <a:t>본문 작성 시 </a:t>
+            </a:r>
+            <a:r>
+              <a:rPr lang="ko-KR" altLang="en-US" dirty="0" err="1"/>
+              <a:t>툴바</a:t>
+            </a:r>
+            <a:r>
+              <a:rPr lang="ko-KR" altLang="en-US" dirty="0"/>
+              <a:t> 제공 기능을</a:t>
+            </a:r>
+            <a:endParaRPr lang="en-US" altLang="ko-KR" dirty="0"/>
+          </a:p>
+          <a:p>
+            <a:r>
+              <a:rPr lang="ko-KR" altLang="en-US" dirty="0"/>
+              <a:t>구현하지 않기로 하였습니다</a:t>
+            </a:r>
+            <a:r>
+              <a:rPr lang="en-US" altLang="ko-KR" dirty="0"/>
+              <a:t>.</a:t>
+            </a:r>
+          </a:p>
+          <a:p>
+            <a:r>
+              <a:rPr lang="en-US" altLang="ko-KR" dirty="0"/>
+              <a:t>(</a:t>
+            </a:r>
+            <a:r>
+              <a:rPr lang="ko-KR" altLang="en-US" dirty="0" err="1"/>
+              <a:t>툴바</a:t>
+            </a:r>
+            <a:r>
+              <a:rPr lang="ko-KR" altLang="en-US" dirty="0"/>
+              <a:t> 없이 본문 작성</a:t>
+            </a:r>
+            <a:r>
+              <a:rPr lang="en-US" altLang="ko-KR" dirty="0"/>
+              <a:t>, </a:t>
+            </a:r>
+            <a:r>
+              <a:rPr lang="ko-KR" altLang="en-US" dirty="0"/>
+              <a:t>제목 작성은 구현완료</a:t>
+            </a:r>
+            <a:r>
+              <a:rPr lang="en-US" altLang="ko-KR" dirty="0"/>
+              <a:t>)</a:t>
+            </a:r>
+          </a:p>
+        </p:txBody>
+      </p:sp>
+      <p:pic>
+        <p:nvPicPr>
+          <p:cNvPr id="8" name="그림 7">
+            <a:extLst>
+              <a:ext uri="{FF2B5EF4-FFF2-40B4-BE49-F238E27FC236}">
+                <a16:creationId xmlns:a16="http://schemas.microsoft.com/office/drawing/2014/main" id="{6ED1D4AA-E8B4-4C80-9899-069366B4A72C}"/>
+              </a:ext>
+            </a:extLst>
+          </p:cNvPr>
+          <p:cNvPicPr>
+            <a:picLocks noChangeAspect="1"/>
+          </p:cNvPicPr>
+          <p:nvPr/>
+        </p:nvPicPr>
+        <p:blipFill>
+          <a:blip r:embed="rId3"/>
+          <a:stretch>
+            <a:fillRect/>
+          </a:stretch>
+        </p:blipFill>
+        <p:spPr>
+          <a:xfrm>
+            <a:off x="187569" y="4843583"/>
+            <a:ext cx="6200532" cy="1179508"/>
+          </a:xfrm>
+          <a:prstGeom prst="rect">
+            <a:avLst/>
+          </a:prstGeom>
+        </p:spPr>
+      </p:pic>
+      <p:sp>
+        <p:nvSpPr>
+          <p:cNvPr id="11" name="TextBox 10">
+            <a:extLst>
+              <a:ext uri="{FF2B5EF4-FFF2-40B4-BE49-F238E27FC236}">
+                <a16:creationId xmlns:a16="http://schemas.microsoft.com/office/drawing/2014/main" id="{1BCAD082-E2A0-44FE-BA95-A81F9C250054}"/>
+              </a:ext>
+            </a:extLst>
+          </p:cNvPr>
+          <p:cNvSpPr txBox="1"/>
+          <p:nvPr/>
+        </p:nvSpPr>
+        <p:spPr>
+          <a:xfrm>
+            <a:off x="6807200" y="4694673"/>
+            <a:ext cx="3661580" cy="1477328"/>
+          </a:xfrm>
+          <a:prstGeom prst="rect">
+            <a:avLst/>
+          </a:prstGeom>
+          <a:noFill/>
+        </p:spPr>
+        <p:txBody>
+          <a:bodyPr wrap="none" rtlCol="0">
+            <a:spAutoFit/>
+          </a:bodyPr>
+          <a:lstStyle/>
+          <a:p>
+            <a:r>
+              <a:rPr lang="ko-KR" altLang="en-US" dirty="0"/>
+              <a:t>최종보고서 제출 전까지</a:t>
+            </a:r>
+            <a:endParaRPr lang="en-US" altLang="ko-KR" dirty="0"/>
+          </a:p>
+          <a:p>
+            <a:r>
+              <a:rPr lang="en-US" altLang="ko-KR" dirty="0"/>
+              <a:t>“</a:t>
+            </a:r>
+            <a:r>
+              <a:rPr lang="ko-KR" altLang="en-US" dirty="0"/>
+              <a:t>레시피 공유 게시판</a:t>
+            </a:r>
+            <a:r>
+              <a:rPr lang="en-US" altLang="ko-KR" dirty="0"/>
+              <a:t>”</a:t>
+            </a:r>
+            <a:r>
+              <a:rPr lang="ko-KR" altLang="en-US" dirty="0"/>
+              <a:t>에</a:t>
+            </a:r>
+            <a:endParaRPr lang="en-US" altLang="ko-KR" dirty="0"/>
+          </a:p>
+          <a:p>
+            <a:r>
+              <a:rPr lang="ko-KR" altLang="en-US" dirty="0"/>
+              <a:t>레시피 첨부 기능을 추가하고</a:t>
+            </a:r>
+            <a:endParaRPr lang="en-US" altLang="ko-KR" dirty="0"/>
+          </a:p>
+          <a:p>
+            <a:r>
+              <a:rPr lang="ko-KR" altLang="en-US" dirty="0"/>
+              <a:t>포토앨범 방식으로 게시글 목록을</a:t>
+            </a:r>
+            <a:endParaRPr lang="en-US" altLang="ko-KR" dirty="0"/>
+          </a:p>
+          <a:p>
+            <a:r>
+              <a:rPr lang="ko-KR" altLang="en-US" dirty="0"/>
+              <a:t>표시하도록 하겠습니다</a:t>
+            </a:r>
+            <a:endParaRPr lang="en-US" altLang="ko-KR" dirty="0"/>
+          </a:p>
+        </p:txBody>
+      </p:sp>
+    </p:spTree>
+    <p:extLst>
+      <p:ext uri="{BB962C8B-B14F-4D97-AF65-F5344CB8AC3E}">
+        <p14:creationId xmlns:p14="http://schemas.microsoft.com/office/powerpoint/2010/main" val="3247784774"/>
+      </p:ext>
+    </p:extLst>
+  </p:cSld>
+  <p:clrMapOvr>
+    <a:masterClrMapping/>
+  </p:clrMapOvr>
+</p:sld>
+</file>
+
+<file path=ppt/slides/slide52.xml><?xml version="1.0" encoding="utf-8"?>
+<p:sld xmlns:a="http://schemas.openxmlformats.org/drawingml/2006/main" xmlns:r="http://schemas.openxmlformats.org/officeDocument/2006/relationships" xmlns:p="http://schemas.openxmlformats.org/presentationml/2006/main">
+  <p:cSld>
+    <p:spTree>
+      <p:nvGrpSpPr>
+        <p:cNvPr id="1" name=""/>
+        <p:cNvGrpSpPr/>
+        <p:nvPr/>
+      </p:nvGrpSpPr>
+      <p:grpSpPr>
+        <a:xfrm>
+          <a:off x="0" y="0"/>
+          <a:ext cx="0" cy="0"/>
+          <a:chOff x="0" y="0"/>
+          <a:chExt cx="0" cy="0"/>
+        </a:xfrm>
+      </p:grpSpPr>
+      <p:sp>
+        <p:nvSpPr>
+          <p:cNvPr id="9" name="TextBox 8">
+            <a:extLst>
+              <a:ext uri="{FF2B5EF4-FFF2-40B4-BE49-F238E27FC236}">
+                <a16:creationId xmlns:a16="http://schemas.microsoft.com/office/drawing/2014/main" id="{6C515703-5C88-4061-A5DA-65A493F454D4}"/>
+              </a:ext>
+            </a:extLst>
+          </p:cNvPr>
+          <p:cNvSpPr txBox="1"/>
+          <p:nvPr/>
+        </p:nvSpPr>
+        <p:spPr>
+          <a:xfrm>
+            <a:off x="187569" y="150392"/>
+            <a:ext cx="5373587" cy="646331"/>
+          </a:xfrm>
+          <a:prstGeom prst="rect">
+            <a:avLst/>
+          </a:prstGeom>
+          <a:noFill/>
+        </p:spPr>
+        <p:txBody>
+          <a:bodyPr wrap="none" rtlCol="0">
+            <a:spAutoFit/>
+          </a:bodyPr>
+          <a:lstStyle/>
+          <a:p>
+            <a:r>
+              <a:rPr lang="ko-KR" altLang="en-US" dirty="0"/>
+              <a:t>커뮤니티화면</a:t>
+            </a:r>
+            <a:endParaRPr lang="en-US" altLang="ko-KR" dirty="0"/>
+          </a:p>
+          <a:p>
+            <a:r>
+              <a:rPr lang="ko-KR" altLang="en-US" dirty="0"/>
+              <a:t>결과 분석에 따른 설계 변경사항 및 구현계획 기술</a:t>
+            </a:r>
+            <a:endParaRPr lang="en-US" altLang="ko-KR" dirty="0"/>
+          </a:p>
+        </p:txBody>
+      </p:sp>
+      <p:pic>
+        <p:nvPicPr>
+          <p:cNvPr id="5" name="그림 4">
+            <a:extLst>
+              <a:ext uri="{FF2B5EF4-FFF2-40B4-BE49-F238E27FC236}">
+                <a16:creationId xmlns:a16="http://schemas.microsoft.com/office/drawing/2014/main" id="{328A5473-A002-4030-A4FF-B075700E1B20}"/>
+              </a:ext>
+            </a:extLst>
+          </p:cNvPr>
+          <p:cNvPicPr>
+            <a:picLocks noChangeAspect="1"/>
+          </p:cNvPicPr>
+          <p:nvPr/>
+        </p:nvPicPr>
+        <p:blipFill>
+          <a:blip r:embed="rId2"/>
+          <a:stretch>
+            <a:fillRect/>
+          </a:stretch>
+        </p:blipFill>
+        <p:spPr>
+          <a:xfrm>
+            <a:off x="608549" y="1485613"/>
+            <a:ext cx="5537199" cy="4876448"/>
+          </a:xfrm>
+          <a:prstGeom prst="rect">
+            <a:avLst/>
+          </a:prstGeom>
+        </p:spPr>
+      </p:pic>
+      <p:sp>
+        <p:nvSpPr>
+          <p:cNvPr id="6" name="TextBox 5">
+            <a:extLst>
+              <a:ext uri="{FF2B5EF4-FFF2-40B4-BE49-F238E27FC236}">
+                <a16:creationId xmlns:a16="http://schemas.microsoft.com/office/drawing/2014/main" id="{7B949A9D-6DD6-4D44-A565-8582D7F0FC0D}"/>
+              </a:ext>
+            </a:extLst>
+          </p:cNvPr>
+          <p:cNvSpPr txBox="1"/>
+          <p:nvPr/>
+        </p:nvSpPr>
+        <p:spPr>
+          <a:xfrm>
+            <a:off x="6842760" y="2492676"/>
+            <a:ext cx="3974165" cy="2862322"/>
+          </a:xfrm>
+          <a:prstGeom prst="rect">
+            <a:avLst/>
+          </a:prstGeom>
+          <a:noFill/>
+        </p:spPr>
+        <p:txBody>
+          <a:bodyPr wrap="none" rtlCol="0">
+            <a:spAutoFit/>
+          </a:bodyPr>
+          <a:lstStyle/>
+          <a:p>
+            <a:r>
+              <a:rPr lang="ko-KR" altLang="en-US" dirty="0"/>
+              <a:t>안드로이드 공식 지정 표준 디자인인</a:t>
+            </a:r>
+            <a:endParaRPr lang="en-US" altLang="ko-KR" dirty="0"/>
+          </a:p>
+          <a:p>
+            <a:r>
+              <a:rPr lang="en-US" altLang="ko-KR" dirty="0"/>
+              <a:t>Material Design </a:t>
+            </a:r>
+            <a:r>
+              <a:rPr lang="ko-KR" altLang="en-US" dirty="0"/>
+              <a:t>문서와</a:t>
+            </a:r>
+            <a:endParaRPr lang="en-US" altLang="ko-KR" dirty="0"/>
+          </a:p>
+          <a:p>
+            <a:endParaRPr lang="en-US" altLang="ko-KR" dirty="0"/>
+          </a:p>
+          <a:p>
+            <a:r>
+              <a:rPr lang="ko-KR" altLang="en-US" dirty="0"/>
+              <a:t>현재 서비스중인 앱들을 참고하여</a:t>
+            </a:r>
+            <a:endParaRPr lang="en-US" altLang="ko-KR" dirty="0"/>
+          </a:p>
+          <a:p>
+            <a:endParaRPr lang="en-US" altLang="ko-KR" dirty="0"/>
+          </a:p>
+          <a:p>
+            <a:r>
+              <a:rPr lang="en-US" altLang="ko-KR" dirty="0"/>
+              <a:t>“</a:t>
+            </a:r>
+            <a:r>
+              <a:rPr lang="ko-KR" altLang="en-US" dirty="0"/>
+              <a:t>사용자가 단번에 이해 가능하고</a:t>
+            </a:r>
+            <a:endParaRPr lang="en-US" altLang="ko-KR" dirty="0"/>
+          </a:p>
+          <a:p>
+            <a:r>
+              <a:rPr lang="ko-KR" altLang="en-US" dirty="0"/>
+              <a:t>심플한</a:t>
+            </a:r>
+            <a:r>
+              <a:rPr lang="en-US" altLang="ko-KR" dirty="0"/>
+              <a:t>“</a:t>
+            </a:r>
+          </a:p>
+          <a:p>
+            <a:endParaRPr lang="en-US" altLang="ko-KR" dirty="0"/>
+          </a:p>
+          <a:p>
+            <a:r>
+              <a:rPr lang="ko-KR" altLang="en-US" dirty="0"/>
+              <a:t>완성도 있는 </a:t>
+            </a:r>
+            <a:r>
+              <a:rPr lang="en-US" altLang="ko-KR" dirty="0"/>
+              <a:t>UI</a:t>
+            </a:r>
+            <a:r>
+              <a:rPr lang="ko-KR" altLang="en-US" dirty="0"/>
+              <a:t>를 이번 학기 내에</a:t>
+            </a:r>
+            <a:endParaRPr lang="en-US" altLang="ko-KR" dirty="0"/>
+          </a:p>
+          <a:p>
+            <a:r>
+              <a:rPr lang="ko-KR" altLang="en-US" dirty="0"/>
+              <a:t>제작하도록 하겠습니다</a:t>
+            </a:r>
+            <a:r>
+              <a:rPr lang="en-US" altLang="ko-KR" dirty="0"/>
+              <a:t>.</a:t>
+            </a:r>
+          </a:p>
+        </p:txBody>
+      </p:sp>
+    </p:spTree>
+    <p:extLst>
+      <p:ext uri="{BB962C8B-B14F-4D97-AF65-F5344CB8AC3E}">
+        <p14:creationId xmlns:p14="http://schemas.microsoft.com/office/powerpoint/2010/main" val="2648518283"/>
+      </p:ext>
+    </p:extLst>
+  </p:cSld>
+  <p:clrMapOvr>
+    <a:masterClrMapping/>
+  </p:clrMapOvr>
+</p:sld>
+</file>
+
+<file path=ppt/slides/slide53.xml><?xml version="1.0" encoding="utf-8"?>
+<p:sld xmlns:a="http://schemas.openxmlformats.org/drawingml/2006/main" xmlns:r="http://schemas.openxmlformats.org/officeDocument/2006/relationships" xmlns:p="http://schemas.openxmlformats.org/presentationml/2006/main">
+  <p:cSld>
+    <p:spTree>
+      <p:nvGrpSpPr>
+        <p:cNvPr id="1" name=""/>
+        <p:cNvGrpSpPr/>
+        <p:nvPr/>
+      </p:nvGrpSpPr>
+      <p:grpSpPr>
+        <a:xfrm>
+          <a:off x="0" y="0"/>
+          <a:ext cx="0" cy="0"/>
+          <a:chOff x="0" y="0"/>
+          <a:chExt cx="0" cy="0"/>
+        </a:xfrm>
+      </p:grpSpPr>
+      <p:sp>
+        <p:nvSpPr>
+          <p:cNvPr id="4" name="TextBox 3">
+            <a:extLst>
+              <a:ext uri="{FF2B5EF4-FFF2-40B4-BE49-F238E27FC236}">
+                <a16:creationId xmlns:a16="http://schemas.microsoft.com/office/drawing/2014/main" id="{A12C0690-42B2-46ED-ABD3-CCF37D7B3259}"/>
+              </a:ext>
+            </a:extLst>
+          </p:cNvPr>
+          <p:cNvSpPr txBox="1"/>
+          <p:nvPr/>
+        </p:nvSpPr>
+        <p:spPr>
+          <a:xfrm>
+            <a:off x="4721268" y="3075057"/>
+            <a:ext cx="2749472" cy="707886"/>
+          </a:xfrm>
+          <a:prstGeom prst="rect">
+            <a:avLst/>
+          </a:prstGeom>
+          <a:noFill/>
+        </p:spPr>
+        <p:txBody>
+          <a:bodyPr wrap="none" rtlCol="0">
+            <a:spAutoFit/>
+          </a:bodyPr>
+          <a:lstStyle/>
+          <a:p>
+            <a:pPr algn="ctr"/>
+            <a:r>
+              <a:rPr lang="ko-KR" altLang="en-US" sz="4000" dirty="0"/>
+              <a:t>프로필화면</a:t>
+            </a:r>
+          </a:p>
+        </p:txBody>
+      </p:sp>
+    </p:spTree>
+    <p:extLst>
+      <p:ext uri="{BB962C8B-B14F-4D97-AF65-F5344CB8AC3E}">
+        <p14:creationId xmlns:p14="http://schemas.microsoft.com/office/powerpoint/2010/main" val="3353848039"/>
+      </p:ext>
+    </p:extLst>
+  </p:cSld>
+  <p:clrMapOvr>
+    <a:masterClrMapping/>
+  </p:clrMapOvr>
+</p:sld>
+</file>
+
+<file path=ppt/slides/slide54.xml><?xml version="1.0" encoding="utf-8"?>
+<p:sld xmlns:a="http://schemas.openxmlformats.org/drawingml/2006/main" xmlns:r="http://schemas.openxmlformats.org/officeDocument/2006/relationships" xmlns:p="http://schemas.openxmlformats.org/presentationml/2006/main">
+  <p:cSld>
+    <p:spTree>
+      <p:nvGrpSpPr>
+        <p:cNvPr id="1" name=""/>
+        <p:cNvGrpSpPr/>
+        <p:nvPr/>
+      </p:nvGrpSpPr>
+      <p:grpSpPr>
+        <a:xfrm>
+          <a:off x="0" y="0"/>
+          <a:ext cx="0" cy="0"/>
+          <a:chOff x="0" y="0"/>
+          <a:chExt cx="0" cy="0"/>
+        </a:xfrm>
+      </p:grpSpPr>
+      <p:sp>
+        <p:nvSpPr>
           <p:cNvPr id="4" name="TextBox 3">
             <a:extLst>
               <a:ext uri="{FF2B5EF4-FFF2-40B4-BE49-F238E27FC236}">
@@ -12082,7 +14852,7 @@
 </p:sld>
 </file>
 
-<file path=ppt/slides/slide48.xml><?xml version="1.0" encoding="utf-8"?>
+<file path=ppt/slides/slide55.xml><?xml version="1.0" encoding="utf-8"?>
 <p:sld xmlns:a="http://schemas.openxmlformats.org/drawingml/2006/main" xmlns:r="http://schemas.openxmlformats.org/officeDocument/2006/relationships" xmlns:p="http://schemas.openxmlformats.org/presentationml/2006/main">
   <p:cSld>
     <p:spTree>
@@ -12287,7 +15057,7 @@
 </p:sld>
 </file>
 
-<file path=ppt/slides/slide49.xml><?xml version="1.0" encoding="utf-8"?>
+<file path=ppt/slides/slide56.xml><?xml version="1.0" encoding="utf-8"?>
 <p:sld xmlns:a="http://schemas.openxmlformats.org/drawingml/2006/main" xmlns:r="http://schemas.openxmlformats.org/officeDocument/2006/relationships" xmlns:p="http://schemas.openxmlformats.org/presentationml/2006/main">
   <p:cSld>
     <p:spTree>
@@ -12351,147 +15121,6 @@
     <p:extLst>
       <p:ext uri="{BB962C8B-B14F-4D97-AF65-F5344CB8AC3E}">
         <p14:creationId xmlns:p14="http://schemas.microsoft.com/office/powerpoint/2010/main" val="134912265"/>
-      </p:ext>
-    </p:extLst>
-  </p:cSld>
-  <p:clrMapOvr>
-    <a:masterClrMapping/>
-  </p:clrMapOvr>
-</p:sld>
-</file>
-
-<file path=ppt/slides/slide5.xml><?xml version="1.0" encoding="utf-8"?>
-<p:sld xmlns:a="http://schemas.openxmlformats.org/drawingml/2006/main" xmlns:r="http://schemas.openxmlformats.org/officeDocument/2006/relationships" xmlns:p="http://schemas.openxmlformats.org/presentationml/2006/main">
-  <p:cSld>
-    <p:spTree>
-      <p:nvGrpSpPr>
-        <p:cNvPr id="1" name=""/>
-        <p:cNvGrpSpPr/>
-        <p:nvPr/>
-      </p:nvGrpSpPr>
-      <p:grpSpPr>
-        <a:xfrm>
-          <a:off x="0" y="0"/>
-          <a:ext cx="0" cy="0"/>
-          <a:chOff x="0" y="0"/>
-          <a:chExt cx="0" cy="0"/>
-        </a:xfrm>
-      </p:grpSpPr>
-      <p:sp>
-        <p:nvSpPr>
-          <p:cNvPr id="7" name="TextBox 6">
-            <a:extLst>
-              <a:ext uri="{FF2B5EF4-FFF2-40B4-BE49-F238E27FC236}">
-                <a16:creationId xmlns:a16="http://schemas.microsoft.com/office/drawing/2014/main" id="{03F6D3A2-2448-4362-864F-CD2272CE6602}"/>
-              </a:ext>
-            </a:extLst>
-          </p:cNvPr>
-          <p:cNvSpPr txBox="1"/>
-          <p:nvPr/>
-        </p:nvSpPr>
-        <p:spPr>
-          <a:xfrm>
-            <a:off x="187569" y="150392"/>
-            <a:ext cx="2696572" cy="646331"/>
-          </a:xfrm>
-          <a:prstGeom prst="rect">
-            <a:avLst/>
-          </a:prstGeom>
-          <a:noFill/>
-        </p:spPr>
-        <p:txBody>
-          <a:bodyPr wrap="none" rtlCol="0">
-            <a:spAutoFit/>
-          </a:bodyPr>
-          <a:lstStyle/>
-          <a:p>
-            <a:r>
-              <a:rPr lang="ko-KR" altLang="en-US" dirty="0"/>
-              <a:t>로그인 </a:t>
-            </a:r>
-            <a:r>
-              <a:rPr lang="en-US" altLang="ko-KR" dirty="0"/>
-              <a:t>&amp; </a:t>
-            </a:r>
-            <a:r>
-              <a:rPr lang="ko-KR" altLang="en-US" dirty="0"/>
-              <a:t>회원가입 화면</a:t>
-            </a:r>
-            <a:endParaRPr lang="en-US" altLang="ko-KR" dirty="0"/>
-          </a:p>
-          <a:p>
-            <a:r>
-              <a:rPr lang="ko-KR" altLang="en-US" dirty="0"/>
-              <a:t>제작기준</a:t>
-            </a:r>
-            <a:endParaRPr lang="en-US" altLang="ko-KR" dirty="0"/>
-          </a:p>
-        </p:txBody>
-      </p:sp>
-      <p:pic>
-        <p:nvPicPr>
-          <p:cNvPr id="3" name="그림 2">
-            <a:extLst>
-              <a:ext uri="{FF2B5EF4-FFF2-40B4-BE49-F238E27FC236}">
-                <a16:creationId xmlns:a16="http://schemas.microsoft.com/office/drawing/2014/main" id="{B6C3CBF4-ECDF-4DC5-AA1B-8260F1DBE9A4}"/>
-              </a:ext>
-            </a:extLst>
-          </p:cNvPr>
-          <p:cNvPicPr>
-            <a:picLocks noChangeAspect="1"/>
-          </p:cNvPicPr>
-          <p:nvPr/>
-        </p:nvPicPr>
-        <p:blipFill>
-          <a:blip r:embed="rId2"/>
-          <a:stretch>
-            <a:fillRect/>
-          </a:stretch>
-        </p:blipFill>
-        <p:spPr>
-          <a:xfrm>
-            <a:off x="2170378" y="1023201"/>
-            <a:ext cx="7851241" cy="2849155"/>
-          </a:xfrm>
-          <a:prstGeom prst="rect">
-            <a:avLst/>
-          </a:prstGeom>
-        </p:spPr>
-      </p:pic>
-      <p:pic>
-        <p:nvPicPr>
-          <p:cNvPr id="8" name="그림 7">
-            <a:extLst>
-              <a:ext uri="{FF2B5EF4-FFF2-40B4-BE49-F238E27FC236}">
-                <a16:creationId xmlns:a16="http://schemas.microsoft.com/office/drawing/2014/main" id="{F347B946-6C6C-4575-83EE-074DC438CFA1}"/>
-              </a:ext>
-            </a:extLst>
-          </p:cNvPr>
-          <p:cNvPicPr>
-            <a:picLocks noChangeAspect="1"/>
-          </p:cNvPicPr>
-          <p:nvPr/>
-        </p:nvPicPr>
-        <p:blipFill>
-          <a:blip r:embed="rId3"/>
-          <a:stretch>
-            <a:fillRect/>
-          </a:stretch>
-        </p:blipFill>
-        <p:spPr>
-          <a:xfrm>
-            <a:off x="2870404" y="4098834"/>
-            <a:ext cx="6451192" cy="2389011"/>
-          </a:xfrm>
-          <a:prstGeom prst="rect">
-            <a:avLst/>
-          </a:prstGeom>
-        </p:spPr>
-      </p:pic>
-    </p:spTree>
-    <p:extLst>
-      <p:ext uri="{BB962C8B-B14F-4D97-AF65-F5344CB8AC3E}">
-        <p14:creationId xmlns:p14="http://schemas.microsoft.com/office/powerpoint/2010/main" val="1958045246"/>
       </p:ext>
     </p:extLst>
   </p:cSld>
@@ -14050,7 +16679,34 @@
       </a:bgFillStyleLst>
     </a:fmtScheme>
   </a:themeElements>
-  <a:objectDefaults/>
+  <a:objectDefaults>
+    <a:lnDef>
+      <a:spPr>
+        <a:ln>
+          <a:solidFill>
+            <a:schemeClr val="tx1"/>
+          </a:solidFill>
+          <a:tailEnd type="triangle"/>
+        </a:ln>
+      </a:spPr>
+      <a:bodyPr/>
+      <a:lstStyle/>
+      <a:style>
+        <a:lnRef idx="1">
+          <a:schemeClr val="accent1"/>
+        </a:lnRef>
+        <a:fillRef idx="0">
+          <a:schemeClr val="accent1"/>
+        </a:fillRef>
+        <a:effectRef idx="0">
+          <a:schemeClr val="accent1"/>
+        </a:effectRef>
+        <a:fontRef idx="minor">
+          <a:schemeClr val="tx1"/>
+        </a:fontRef>
+      </a:style>
+    </a:lnDef>
+  </a:objectDefaults>
   <a:extraClrSchemeLst/>
   <a:extLst>
     <a:ext uri="{05A4C25C-085E-4340-85A3-A5531E510DB2}">

--- a/Documents/4.제작보고서/제작보고서 자료.pptx
+++ b/Documents/4.제작보고서/제작보고서 자료.pptx
@@ -40,27 +40,30 @@
     <p:sldId id="318" r:id="rId34"/>
     <p:sldId id="274" r:id="rId35"/>
     <p:sldId id="275" r:id="rId36"/>
-    <p:sldId id="276" r:id="rId37"/>
-    <p:sldId id="277" r:id="rId38"/>
-    <p:sldId id="278" r:id="rId39"/>
-    <p:sldId id="279" r:id="rId40"/>
-    <p:sldId id="280" r:id="rId41"/>
-    <p:sldId id="281" r:id="rId42"/>
-    <p:sldId id="282" r:id="rId43"/>
-    <p:sldId id="283" r:id="rId44"/>
-    <p:sldId id="290" r:id="rId45"/>
-    <p:sldId id="291" r:id="rId46"/>
-    <p:sldId id="292" r:id="rId47"/>
-    <p:sldId id="295" r:id="rId48"/>
-    <p:sldId id="293" r:id="rId49"/>
-    <p:sldId id="296" r:id="rId50"/>
-    <p:sldId id="297" r:id="rId51"/>
-    <p:sldId id="299" r:id="rId52"/>
-    <p:sldId id="300" r:id="rId53"/>
-    <p:sldId id="284" r:id="rId54"/>
-    <p:sldId id="285" r:id="rId55"/>
-    <p:sldId id="286" r:id="rId56"/>
-    <p:sldId id="288" r:id="rId57"/>
+    <p:sldId id="277" r:id="rId37"/>
+    <p:sldId id="278" r:id="rId38"/>
+    <p:sldId id="319" r:id="rId39"/>
+    <p:sldId id="320" r:id="rId40"/>
+    <p:sldId id="321" r:id="rId41"/>
+    <p:sldId id="322" r:id="rId42"/>
+    <p:sldId id="279" r:id="rId43"/>
+    <p:sldId id="280" r:id="rId44"/>
+    <p:sldId id="281" r:id="rId45"/>
+    <p:sldId id="282" r:id="rId46"/>
+    <p:sldId id="283" r:id="rId47"/>
+    <p:sldId id="290" r:id="rId48"/>
+    <p:sldId id="291" r:id="rId49"/>
+    <p:sldId id="292" r:id="rId50"/>
+    <p:sldId id="295" r:id="rId51"/>
+    <p:sldId id="293" r:id="rId52"/>
+    <p:sldId id="296" r:id="rId53"/>
+    <p:sldId id="297" r:id="rId54"/>
+    <p:sldId id="299" r:id="rId55"/>
+    <p:sldId id="300" r:id="rId56"/>
+    <p:sldId id="284" r:id="rId57"/>
+    <p:sldId id="285" r:id="rId58"/>
+    <p:sldId id="286" r:id="rId59"/>
+    <p:sldId id="288" r:id="rId60"/>
   </p:sldIdLst>
   <p:sldSz cx="12192000" cy="6858000"/>
   <p:notesSz cx="6858000" cy="9144000"/>
@@ -10119,6 +10122,69 @@
           </a:p>
         </p:txBody>
       </p:sp>
+      <p:sp>
+        <p:nvSpPr>
+          <p:cNvPr id="2" name="TextBox 1">
+            <a:extLst>
+              <a:ext uri="{FF2B5EF4-FFF2-40B4-BE49-F238E27FC236}">
+                <a16:creationId xmlns:a16="http://schemas.microsoft.com/office/drawing/2014/main" id="{9CE25FBA-43F1-4B89-8613-E21C5AD442B9}"/>
+              </a:ext>
+            </a:extLst>
+          </p:cNvPr>
+          <p:cNvSpPr txBox="1"/>
+          <p:nvPr/>
+        </p:nvSpPr>
+        <p:spPr>
+          <a:xfrm>
+            <a:off x="4544485" y="3105834"/>
+            <a:ext cx="3103029" cy="646331"/>
+          </a:xfrm>
+          <a:prstGeom prst="rect">
+            <a:avLst/>
+          </a:prstGeom>
+          <a:noFill/>
+        </p:spPr>
+        <p:txBody>
+          <a:bodyPr wrap="none" rtlCol="0">
+            <a:spAutoFit/>
+          </a:bodyPr>
+          <a:lstStyle/>
+          <a:p>
+            <a:r>
+              <a:rPr lang="en-US" altLang="ko-KR" dirty="0" err="1"/>
+              <a:t>MyRecipeFragment</a:t>
+            </a:r>
+            <a:r>
+              <a:rPr lang="en-US" altLang="ko-KR" dirty="0"/>
+              <a:t> : </a:t>
+            </a:r>
+            <a:r>
+              <a:rPr lang="ko-KR" altLang="en-US" dirty="0"/>
+              <a:t>김병대</a:t>
+            </a:r>
+            <a:endParaRPr lang="en-US" altLang="ko-KR" dirty="0"/>
+          </a:p>
+          <a:p>
+            <a:r>
+              <a:rPr lang="en-US" altLang="ko-KR" dirty="0" err="1"/>
+              <a:t>MakeRecipeActivity</a:t>
+            </a:r>
+            <a:r>
+              <a:rPr lang="ko-KR" altLang="en-US" dirty="0"/>
+              <a:t> </a:t>
+            </a:r>
+            <a:r>
+              <a:rPr lang="en-US" altLang="ko-KR" dirty="0"/>
+              <a:t>: </a:t>
+            </a:r>
+            <a:r>
+              <a:rPr lang="ko-KR" altLang="en-US" dirty="0" err="1"/>
+              <a:t>위진영</a:t>
+            </a:r>
+            <a:endParaRPr lang="ko-KR" altLang="en-US" dirty="0"/>
+          </a:p>
+        </p:txBody>
+      </p:sp>
     </p:spTree>
     <p:extLst>
       <p:ext uri="{BB962C8B-B14F-4D97-AF65-F5344CB8AC3E}">
@@ -10151,10 +10217,10 @@
       </p:grpSpPr>
       <p:sp>
         <p:nvSpPr>
-          <p:cNvPr id="7" name="TextBox 6">
-            <a:extLst>
-              <a:ext uri="{FF2B5EF4-FFF2-40B4-BE49-F238E27FC236}">
-                <a16:creationId xmlns:a16="http://schemas.microsoft.com/office/drawing/2014/main" id="{03F6D3A2-2448-4362-864F-CD2272CE6602}"/>
+          <p:cNvPr id="5" name="TextBox 4">
+            <a:extLst>
+              <a:ext uri="{FF2B5EF4-FFF2-40B4-BE49-F238E27FC236}">
+                <a16:creationId xmlns:a16="http://schemas.microsoft.com/office/drawing/2014/main" id="{06F408F8-AF05-4F9E-A2CA-BF35AA4498E3}"/>
               </a:ext>
             </a:extLst>
           </p:cNvPr>
@@ -10192,12 +10258,167 @@
           </a:p>
         </p:txBody>
       </p:sp>
+      <p:grpSp>
+        <p:nvGrpSpPr>
+          <p:cNvPr id="8" name="그룹 7">
+            <a:extLst>
+              <a:ext uri="{FF2B5EF4-FFF2-40B4-BE49-F238E27FC236}">
+                <a16:creationId xmlns:a16="http://schemas.microsoft.com/office/drawing/2014/main" id="{30B64607-F859-4326-AA46-AD4F02CE4E8F}"/>
+              </a:ext>
+            </a:extLst>
+          </p:cNvPr>
+          <p:cNvGrpSpPr/>
+          <p:nvPr/>
+        </p:nvGrpSpPr>
+        <p:grpSpPr>
+          <a:xfrm>
+            <a:off x="719488" y="906010"/>
+            <a:ext cx="4428275" cy="5453339"/>
+            <a:chOff x="711099" y="964733"/>
+            <a:chExt cx="4428275" cy="5453339"/>
+          </a:xfrm>
+        </p:grpSpPr>
+        <p:pic>
+          <p:nvPicPr>
+            <p:cNvPr id="4" name="그림 3">
+              <a:extLst>
+                <a:ext uri="{FF2B5EF4-FFF2-40B4-BE49-F238E27FC236}">
+                  <a16:creationId xmlns:a16="http://schemas.microsoft.com/office/drawing/2014/main" id="{F3358815-0D65-4212-9682-56981E045829}"/>
+                </a:ext>
+              </a:extLst>
+            </p:cNvPr>
+            <p:cNvPicPr>
+              <a:picLocks noChangeAspect="1"/>
+            </p:cNvPicPr>
+            <p:nvPr/>
+          </p:nvPicPr>
+          <p:blipFill>
+            <a:blip r:embed="rId2"/>
+            <a:stretch>
+              <a:fillRect/>
+            </a:stretch>
+          </p:blipFill>
+          <p:spPr>
+            <a:xfrm>
+              <a:off x="711099" y="964733"/>
+              <a:ext cx="4428275" cy="5453339"/>
+            </a:xfrm>
+            <a:prstGeom prst="rect">
+              <a:avLst/>
+            </a:prstGeom>
+          </p:spPr>
+        </p:pic>
+        <p:sp>
+          <p:nvSpPr>
+            <p:cNvPr id="6" name="직사각형 5">
+              <a:extLst>
+                <a:ext uri="{FF2B5EF4-FFF2-40B4-BE49-F238E27FC236}">
+                  <a16:creationId xmlns:a16="http://schemas.microsoft.com/office/drawing/2014/main" id="{EAA3B888-6EED-48C7-ABCA-A0263F8B2A81}"/>
+                </a:ext>
+              </a:extLst>
+            </p:cNvPr>
+            <p:cNvSpPr/>
+            <p:nvPr/>
+          </p:nvSpPr>
+          <p:spPr>
+            <a:xfrm>
+              <a:off x="2424418" y="2499919"/>
+              <a:ext cx="2714956" cy="1040235"/>
+            </a:xfrm>
+            <a:prstGeom prst="rect">
+              <a:avLst/>
+            </a:prstGeom>
+            <a:solidFill>
+              <a:schemeClr val="bg1"/>
+            </a:solidFill>
+            <a:ln>
+              <a:noFill/>
+            </a:ln>
+          </p:spPr>
+          <p:style>
+            <a:lnRef idx="2">
+              <a:schemeClr val="accent1">
+                <a:shade val="50000"/>
+              </a:schemeClr>
+            </a:lnRef>
+            <a:fillRef idx="1">
+              <a:schemeClr val="accent1"/>
+            </a:fillRef>
+            <a:effectRef idx="0">
+              <a:schemeClr val="accent1"/>
+            </a:effectRef>
+            <a:fontRef idx="minor">
+              <a:schemeClr val="lt1"/>
+            </a:fontRef>
+          </p:style>
+          <p:txBody>
+            <a:bodyPr rtlCol="0" anchor="ctr"/>
+            <a:lstStyle/>
+            <a:p>
+              <a:pPr algn="ctr"/>
+              <a:endParaRPr lang="ko-KR" altLang="en-US"/>
+            </a:p>
+          </p:txBody>
+        </p:sp>
+        <p:sp>
+          <p:nvSpPr>
+            <p:cNvPr id="7" name="직사각형 6">
+              <a:extLst>
+                <a:ext uri="{FF2B5EF4-FFF2-40B4-BE49-F238E27FC236}">
+                  <a16:creationId xmlns:a16="http://schemas.microsoft.com/office/drawing/2014/main" id="{DFD9E405-70D5-433B-B75D-0D433B01D605}"/>
+                </a:ext>
+              </a:extLst>
+            </p:cNvPr>
+            <p:cNvSpPr/>
+            <p:nvPr/>
+          </p:nvSpPr>
+          <p:spPr>
+            <a:xfrm>
+              <a:off x="4053280" y="964733"/>
+              <a:ext cx="1086094" cy="1535186"/>
+            </a:xfrm>
+            <a:prstGeom prst="rect">
+              <a:avLst/>
+            </a:prstGeom>
+            <a:solidFill>
+              <a:schemeClr val="bg1"/>
+            </a:solidFill>
+            <a:ln>
+              <a:noFill/>
+            </a:ln>
+          </p:spPr>
+          <p:style>
+            <a:lnRef idx="2">
+              <a:schemeClr val="accent1">
+                <a:shade val="50000"/>
+              </a:schemeClr>
+            </a:lnRef>
+            <a:fillRef idx="1">
+              <a:schemeClr val="accent1"/>
+            </a:fillRef>
+            <a:effectRef idx="0">
+              <a:schemeClr val="accent1"/>
+            </a:effectRef>
+            <a:fontRef idx="minor">
+              <a:schemeClr val="lt1"/>
+            </a:fontRef>
+          </p:style>
+          <p:txBody>
+            <a:bodyPr rtlCol="0" anchor="ctr"/>
+            <a:lstStyle/>
+            <a:p>
+              <a:pPr algn="ctr"/>
+              <a:endParaRPr lang="ko-KR" altLang="en-US"/>
+            </a:p>
+          </p:txBody>
+        </p:sp>
+      </p:grpSp>
       <p:pic>
         <p:nvPicPr>
-          <p:cNvPr id="3" name="그림 2">
-            <a:extLst>
-              <a:ext uri="{FF2B5EF4-FFF2-40B4-BE49-F238E27FC236}">
-                <a16:creationId xmlns:a16="http://schemas.microsoft.com/office/drawing/2014/main" id="{6F821D63-2176-4E22-9638-347EFF9CEE20}"/>
+          <p:cNvPr id="9" name="그림 8">
+            <a:extLst>
+              <a:ext uri="{FF2B5EF4-FFF2-40B4-BE49-F238E27FC236}">
+                <a16:creationId xmlns:a16="http://schemas.microsoft.com/office/drawing/2014/main" id="{7455EB27-AE6F-4530-91F9-9CB067B7A06B}"/>
               </a:ext>
             </a:extLst>
           </p:cNvPr>
@@ -10207,15 +10428,15 @@
           <p:nvPr/>
         </p:nvPicPr>
         <p:blipFill>
-          <a:blip r:embed="rId2"/>
+          <a:blip r:embed="rId3"/>
           <a:stretch>
             <a:fillRect/>
           </a:stretch>
         </p:blipFill>
         <p:spPr>
           <a:xfrm>
-            <a:off x="626242" y="1712269"/>
-            <a:ext cx="10939515" cy="3433462"/>
+            <a:off x="5256966" y="2429332"/>
+            <a:ext cx="6370176" cy="1999335"/>
           </a:xfrm>
           <a:prstGeom prst="rect">
             <a:avLst/>
@@ -10225,7 +10446,7 @@
     </p:spTree>
     <p:extLst>
       <p:ext uri="{BB962C8B-B14F-4D97-AF65-F5344CB8AC3E}">
-        <p14:creationId xmlns:p14="http://schemas.microsoft.com/office/powerpoint/2010/main" val="1762067721"/>
+        <p14:creationId xmlns:p14="http://schemas.microsoft.com/office/powerpoint/2010/main" val="913671504"/>
       </p:ext>
     </p:extLst>
   </p:cSld>
@@ -10254,10 +10475,10 @@
       </p:grpSpPr>
       <p:sp>
         <p:nvSpPr>
-          <p:cNvPr id="5" name="TextBox 4">
-            <a:extLst>
-              <a:ext uri="{FF2B5EF4-FFF2-40B4-BE49-F238E27FC236}">
-                <a16:creationId xmlns:a16="http://schemas.microsoft.com/office/drawing/2014/main" id="{06F408F8-AF05-4F9E-A2CA-BF35AA4498E3}"/>
+          <p:cNvPr id="9" name="TextBox 8">
+            <a:extLst>
+              <a:ext uri="{FF2B5EF4-FFF2-40B4-BE49-F238E27FC236}">
+                <a16:creationId xmlns:a16="http://schemas.microsoft.com/office/drawing/2014/main" id="{6C515703-5C88-4061-A5DA-65A493F454D4}"/>
               </a:ext>
             </a:extLst>
           </p:cNvPr>
@@ -10289,18 +10510,53 @@
           <a:p>
             <a:r>
               <a:rPr lang="ko-KR" altLang="en-US" dirty="0"/>
-              <a:t>제작기준</a:t>
-            </a:r>
-            <a:endParaRPr lang="en-US" altLang="ko-KR" dirty="0"/>
-          </a:p>
-        </p:txBody>
-      </p:sp>
-      <p:sp>
-        <p:nvSpPr>
-          <p:cNvPr id="3" name="TextBox 2">
-            <a:extLst>
-              <a:ext uri="{FF2B5EF4-FFF2-40B4-BE49-F238E27FC236}">
-                <a16:creationId xmlns:a16="http://schemas.microsoft.com/office/drawing/2014/main" id="{658FA4EB-2826-4D42-B944-A78FC5E364BB}"/>
+              <a:t>제작방법 및 결과</a:t>
+            </a:r>
+            <a:endParaRPr lang="en-US" altLang="ko-KR" dirty="0"/>
+          </a:p>
+        </p:txBody>
+      </p:sp>
+      <p:pic>
+        <p:nvPicPr>
+          <p:cNvPr id="5" name="그림 4">
+            <a:extLst>
+              <a:ext uri="{FF2B5EF4-FFF2-40B4-BE49-F238E27FC236}">
+                <a16:creationId xmlns:a16="http://schemas.microsoft.com/office/drawing/2014/main" id="{91FB60BA-9885-4125-9BA0-BE944D14657E}"/>
+              </a:ext>
+            </a:extLst>
+          </p:cNvPr>
+          <p:cNvPicPr>
+            <a:picLocks noChangeAspect="1"/>
+          </p:cNvPicPr>
+          <p:nvPr/>
+        </p:nvPicPr>
+        <p:blipFill>
+          <a:blip r:embed="rId2"/>
+          <a:stretch>
+            <a:fillRect/>
+          </a:stretch>
+        </p:blipFill>
+        <p:spPr>
+          <a:xfrm>
+            <a:off x="598394" y="1002110"/>
+            <a:ext cx="4129472" cy="5201547"/>
+          </a:xfrm>
+          <a:prstGeom prst="rect">
+            <a:avLst/>
+          </a:prstGeom>
+          <a:ln>
+            <a:solidFill>
+              <a:schemeClr val="tx1"/>
+            </a:solidFill>
+          </a:ln>
+        </p:spPr>
+      </p:pic>
+      <p:sp>
+        <p:nvSpPr>
+          <p:cNvPr id="6" name="TextBox 5">
+            <a:extLst>
+              <a:ext uri="{FF2B5EF4-FFF2-40B4-BE49-F238E27FC236}">
+                <a16:creationId xmlns:a16="http://schemas.microsoft.com/office/drawing/2014/main" id="{7452C42B-45EE-41C3-9F02-175DFE40B628}"/>
               </a:ext>
             </a:extLst>
           </p:cNvPr>
@@ -10309,8 +10565,8 @@
         </p:nvSpPr>
         <p:spPr>
           <a:xfrm>
-            <a:off x="4963886" y="2782669"/>
-            <a:ext cx="2558714" cy="646331"/>
+            <a:off x="1463290" y="6224378"/>
+            <a:ext cx="2191049" cy="369332"/>
           </a:xfrm>
           <a:prstGeom prst="rect">
             <a:avLst/>
@@ -10324,15 +10580,78 @@
           <a:lstStyle/>
           <a:p>
             <a:r>
-              <a:rPr lang="ko-KR" altLang="en-US" dirty="0"/>
-              <a:t>나만의 레시피</a:t>
-            </a:r>
-            <a:endParaRPr lang="en-US" altLang="ko-KR" dirty="0"/>
-          </a:p>
-          <a:p>
-            <a:r>
-              <a:rPr lang="ko-KR" altLang="en-US" dirty="0"/>
-              <a:t>삭제</a:t>
+              <a:rPr lang="en-US" altLang="ko-KR" dirty="0" err="1"/>
+              <a:t>MyRecipeFragment</a:t>
+            </a:r>
+            <a:endParaRPr lang="ko-KR" altLang="en-US" dirty="0"/>
+          </a:p>
+        </p:txBody>
+      </p:sp>
+      <p:sp>
+        <p:nvSpPr>
+          <p:cNvPr id="7" name="TextBox 6">
+            <a:extLst>
+              <a:ext uri="{FF2B5EF4-FFF2-40B4-BE49-F238E27FC236}">
+                <a16:creationId xmlns:a16="http://schemas.microsoft.com/office/drawing/2014/main" id="{C85B9940-BCEF-4D0F-A406-74290E671A72}"/>
+              </a:ext>
+            </a:extLst>
+          </p:cNvPr>
+          <p:cNvSpPr txBox="1"/>
+          <p:nvPr/>
+        </p:nvSpPr>
+        <p:spPr>
+          <a:xfrm>
+            <a:off x="5075339" y="1199625"/>
+            <a:ext cx="6761787" cy="923330"/>
+          </a:xfrm>
+          <a:prstGeom prst="rect">
+            <a:avLst/>
+          </a:prstGeom>
+          <a:noFill/>
+        </p:spPr>
+        <p:txBody>
+          <a:bodyPr wrap="none" rtlCol="0">
+            <a:spAutoFit/>
+          </a:bodyPr>
+          <a:lstStyle/>
+          <a:p>
+            <a:r>
+              <a:rPr lang="en-US" altLang="ko-KR" dirty="0" err="1"/>
+              <a:t>ArrayList</a:t>
+            </a:r>
+            <a:r>
+              <a:rPr lang="en-US" altLang="ko-KR" dirty="0"/>
+              <a:t>&lt;Recipe&gt;</a:t>
+            </a:r>
+            <a:r>
+              <a:rPr lang="ko-KR" altLang="en-US" dirty="0"/>
+              <a:t>와 </a:t>
+            </a:r>
+            <a:r>
+              <a:rPr lang="en-US" altLang="ko-KR" dirty="0"/>
+              <a:t>Adapter, </a:t>
+            </a:r>
+            <a:r>
+              <a:rPr lang="en-US" altLang="ko-KR" dirty="0" err="1"/>
+              <a:t>RecyclerView</a:t>
+            </a:r>
+            <a:r>
+              <a:rPr lang="ko-KR" altLang="en-US" dirty="0"/>
+              <a:t>로 구현되었습니다</a:t>
+            </a:r>
+            <a:r>
+              <a:rPr lang="en-US" altLang="ko-KR" dirty="0"/>
+              <a:t>.</a:t>
+            </a:r>
+          </a:p>
+          <a:p>
+            <a:r>
+              <a:rPr lang="en-US" altLang="ko-KR" dirty="0" err="1"/>
+              <a:t>ListActivity</a:t>
+            </a:r>
+            <a:r>
+              <a:rPr lang="ko-KR" altLang="en-US" dirty="0"/>
+              <a:t>와 구현 방법은 차이가 거의 없으므로</a:t>
             </a:r>
             <a:r>
               <a:rPr lang="en-US" altLang="ko-KR" dirty="0"/>
@@ -10340,16 +10659,203 @@
             </a:r>
             <a:r>
               <a:rPr lang="ko-KR" altLang="en-US" dirty="0"/>
-              <a:t>수정기능 구현 후</a:t>
-            </a:r>
-            <a:endParaRPr lang="en-US" altLang="ko-KR" dirty="0"/>
-          </a:p>
-        </p:txBody>
-      </p:sp>
+              <a:t>자세한 설명은</a:t>
+            </a:r>
+            <a:endParaRPr lang="en-US" altLang="ko-KR" dirty="0"/>
+          </a:p>
+          <a:p>
+            <a:r>
+              <a:rPr lang="ko-KR" altLang="en-US" dirty="0"/>
+              <a:t>생략하겠습니다</a:t>
+            </a:r>
+            <a:r>
+              <a:rPr lang="en-US" altLang="ko-KR" dirty="0"/>
+              <a:t>.</a:t>
+            </a:r>
+          </a:p>
+        </p:txBody>
+      </p:sp>
+      <p:sp>
+        <p:nvSpPr>
+          <p:cNvPr id="8" name="TextBox 7">
+            <a:extLst>
+              <a:ext uri="{FF2B5EF4-FFF2-40B4-BE49-F238E27FC236}">
+                <a16:creationId xmlns:a16="http://schemas.microsoft.com/office/drawing/2014/main" id="{347F203C-722D-48F9-9993-3FA123C96B3C}"/>
+              </a:ext>
+            </a:extLst>
+          </p:cNvPr>
+          <p:cNvSpPr txBox="1"/>
+          <p:nvPr/>
+        </p:nvSpPr>
+        <p:spPr>
+          <a:xfrm>
+            <a:off x="5075339" y="2317729"/>
+            <a:ext cx="5718617" cy="646331"/>
+          </a:xfrm>
+          <a:prstGeom prst="rect">
+            <a:avLst/>
+          </a:prstGeom>
+          <a:noFill/>
+        </p:spPr>
+        <p:txBody>
+          <a:bodyPr wrap="none" rtlCol="0">
+            <a:spAutoFit/>
+          </a:bodyPr>
+          <a:lstStyle/>
+          <a:p>
+            <a:r>
+              <a:rPr lang="ko-KR" altLang="en-US" dirty="0"/>
+              <a:t>디자인적으로는 </a:t>
+            </a:r>
+            <a:r>
+              <a:rPr lang="en-US" altLang="ko-KR" dirty="0" err="1"/>
+              <a:t>GridLayout</a:t>
+            </a:r>
+            <a:r>
+              <a:rPr lang="ko-KR" altLang="en-US" dirty="0"/>
+              <a:t>을 사용하여 바둑판식으로</a:t>
+            </a:r>
+            <a:endParaRPr lang="en-US" altLang="ko-KR" dirty="0"/>
+          </a:p>
+          <a:p>
+            <a:r>
+              <a:rPr lang="ko-KR" altLang="en-US" dirty="0"/>
+              <a:t>배치하였습니다</a:t>
+            </a:r>
+            <a:r>
+              <a:rPr lang="en-US" altLang="ko-KR" dirty="0"/>
+              <a:t>. (</a:t>
+            </a:r>
+            <a:r>
+              <a:rPr lang="ko-KR" altLang="en-US" dirty="0"/>
+              <a:t>기존 </a:t>
+            </a:r>
+            <a:r>
+              <a:rPr lang="en-US" altLang="ko-KR" dirty="0" err="1"/>
+              <a:t>LinearLayout</a:t>
+            </a:r>
+            <a:r>
+              <a:rPr lang="en-US" altLang="ko-KR" dirty="0"/>
+              <a:t>)</a:t>
+            </a:r>
+            <a:endParaRPr lang="ko-KR" altLang="en-US" dirty="0"/>
+          </a:p>
+        </p:txBody>
+      </p:sp>
+      <p:sp>
+        <p:nvSpPr>
+          <p:cNvPr id="10" name="TextBox 9">
+            <a:extLst>
+              <a:ext uri="{FF2B5EF4-FFF2-40B4-BE49-F238E27FC236}">
+                <a16:creationId xmlns:a16="http://schemas.microsoft.com/office/drawing/2014/main" id="{3620E321-D491-4FF3-9BA4-C1C7DEC4326E}"/>
+              </a:ext>
+            </a:extLst>
+          </p:cNvPr>
+          <p:cNvSpPr txBox="1"/>
+          <p:nvPr/>
+        </p:nvSpPr>
+        <p:spPr>
+          <a:xfrm>
+            <a:off x="5075339" y="3435833"/>
+            <a:ext cx="5172891" cy="923330"/>
+          </a:xfrm>
+          <a:prstGeom prst="rect">
+            <a:avLst/>
+          </a:prstGeom>
+          <a:noFill/>
+        </p:spPr>
+        <p:txBody>
+          <a:bodyPr wrap="none" rtlCol="0">
+            <a:spAutoFit/>
+          </a:bodyPr>
+          <a:lstStyle/>
+          <a:p>
+            <a:r>
+              <a:rPr lang="ko-KR" altLang="en-US" dirty="0"/>
+              <a:t>제일 마지막 </a:t>
+            </a:r>
+            <a:r>
+              <a:rPr lang="en-US" altLang="ko-KR" dirty="0" err="1"/>
+              <a:t>ViewHolder</a:t>
+            </a:r>
+            <a:r>
+              <a:rPr lang="ko-KR" altLang="en-US" dirty="0"/>
+              <a:t>는 </a:t>
+            </a:r>
+            <a:r>
+              <a:rPr lang="en-US" altLang="ko-KR" dirty="0" err="1"/>
+              <a:t>FooterViewHolder</a:t>
+            </a:r>
+            <a:r>
+              <a:rPr lang="ko-KR" altLang="en-US" dirty="0"/>
+              <a:t>로</a:t>
+            </a:r>
+            <a:r>
+              <a:rPr lang="en-US" altLang="ko-KR" dirty="0"/>
+              <a:t>,</a:t>
+            </a:r>
+          </a:p>
+          <a:p>
+            <a:r>
+              <a:rPr lang="ko-KR" altLang="en-US" dirty="0"/>
+              <a:t>항상 맨 마지막에 위치하며</a:t>
+            </a:r>
+            <a:r>
+              <a:rPr lang="en-US" altLang="ko-KR" dirty="0"/>
+              <a:t>, </a:t>
+            </a:r>
+            <a:r>
+              <a:rPr lang="ko-KR" altLang="en-US" dirty="0"/>
+              <a:t>터치 시</a:t>
+            </a:r>
+            <a:endParaRPr lang="en-US" altLang="ko-KR" dirty="0"/>
+          </a:p>
+          <a:p>
+            <a:r>
+              <a:rPr lang="ko-KR" altLang="en-US" dirty="0"/>
+              <a:t>나만의 레시피 제작 화면으로 전환됩니다</a:t>
+            </a:r>
+            <a:r>
+              <a:rPr lang="en-US" altLang="ko-KR" dirty="0"/>
+              <a:t>.</a:t>
+            </a:r>
+          </a:p>
+        </p:txBody>
+      </p:sp>
+      <p:pic>
+        <p:nvPicPr>
+          <p:cNvPr id="12" name="그림 11">
+            <a:extLst>
+              <a:ext uri="{FF2B5EF4-FFF2-40B4-BE49-F238E27FC236}">
+                <a16:creationId xmlns:a16="http://schemas.microsoft.com/office/drawing/2014/main" id="{6202A3FB-6793-44E7-BBDA-865CAB3F8C8B}"/>
+              </a:ext>
+            </a:extLst>
+          </p:cNvPr>
+          <p:cNvPicPr>
+            <a:picLocks noChangeAspect="1"/>
+          </p:cNvPicPr>
+          <p:nvPr/>
+        </p:nvPicPr>
+        <p:blipFill>
+          <a:blip r:embed="rId3"/>
+          <a:stretch>
+            <a:fillRect/>
+          </a:stretch>
+        </p:blipFill>
+        <p:spPr>
+          <a:xfrm>
+            <a:off x="5075339" y="4362768"/>
+            <a:ext cx="5420749" cy="1900876"/>
+          </a:xfrm>
+          <a:prstGeom prst="rect">
+            <a:avLst/>
+          </a:prstGeom>
+        </p:spPr>
+      </p:pic>
     </p:spTree>
     <p:extLst>
       <p:ext uri="{BB962C8B-B14F-4D97-AF65-F5344CB8AC3E}">
-        <p14:creationId xmlns:p14="http://schemas.microsoft.com/office/powerpoint/2010/main" val="913671504"/>
+        <p14:creationId xmlns:p14="http://schemas.microsoft.com/office/powerpoint/2010/main" val="155836080"/>
       </p:ext>
     </p:extLst>
   </p:cSld>
@@ -10419,10 +10925,211 @@
           </a:p>
         </p:txBody>
       </p:sp>
+      <p:pic>
+        <p:nvPicPr>
+          <p:cNvPr id="3" name="그림 2">
+            <a:extLst>
+              <a:ext uri="{FF2B5EF4-FFF2-40B4-BE49-F238E27FC236}">
+                <a16:creationId xmlns:a16="http://schemas.microsoft.com/office/drawing/2014/main" id="{DC100E87-00AA-4434-8879-B8F866F865C2}"/>
+              </a:ext>
+            </a:extLst>
+          </p:cNvPr>
+          <p:cNvPicPr>
+            <a:picLocks noChangeAspect="1"/>
+          </p:cNvPicPr>
+          <p:nvPr/>
+        </p:nvPicPr>
+        <p:blipFill>
+          <a:blip r:embed="rId2"/>
+          <a:stretch>
+            <a:fillRect/>
+          </a:stretch>
+        </p:blipFill>
+        <p:spPr>
+          <a:xfrm>
+            <a:off x="1116058" y="1074096"/>
+            <a:ext cx="2849718" cy="4709807"/>
+          </a:xfrm>
+          <a:prstGeom prst="rect">
+            <a:avLst/>
+          </a:prstGeom>
+          <a:ln>
+            <a:solidFill>
+              <a:schemeClr val="tx1"/>
+            </a:solidFill>
+          </a:ln>
+        </p:spPr>
+      </p:pic>
+      <p:sp>
+        <p:nvSpPr>
+          <p:cNvPr id="4" name="TextBox 3">
+            <a:extLst>
+              <a:ext uri="{FF2B5EF4-FFF2-40B4-BE49-F238E27FC236}">
+                <a16:creationId xmlns:a16="http://schemas.microsoft.com/office/drawing/2014/main" id="{65CA4CCE-7ED3-438C-A2C0-147E004BE7EA}"/>
+              </a:ext>
+            </a:extLst>
+          </p:cNvPr>
+          <p:cNvSpPr txBox="1"/>
+          <p:nvPr/>
+        </p:nvSpPr>
+        <p:spPr>
+          <a:xfrm>
+            <a:off x="363738" y="5964572"/>
+            <a:ext cx="4500591" cy="523220"/>
+          </a:xfrm>
+          <a:prstGeom prst="rect">
+            <a:avLst/>
+          </a:prstGeom>
+          <a:noFill/>
+        </p:spPr>
+        <p:txBody>
+          <a:bodyPr wrap="none" rtlCol="0">
+            <a:spAutoFit/>
+          </a:bodyPr>
+          <a:lstStyle/>
+          <a:p>
+            <a:r>
+              <a:rPr lang="ko-KR" altLang="en-US" sz="1400" dirty="0"/>
+              <a:t>각각의 </a:t>
+            </a:r>
+            <a:r>
+              <a:rPr lang="en-US" altLang="ko-KR" sz="1400" dirty="0" err="1"/>
+              <a:t>CardView</a:t>
+            </a:r>
+            <a:r>
+              <a:rPr lang="ko-KR" altLang="en-US" sz="1400" dirty="0"/>
+              <a:t>는 터치 시</a:t>
+            </a:r>
+            <a:r>
+              <a:rPr lang="en-US" altLang="ko-KR" sz="1400" dirty="0"/>
+              <a:t> </a:t>
+            </a:r>
+            <a:r>
+              <a:rPr lang="en-US" altLang="ko-KR" sz="1400" dirty="0" err="1"/>
+              <a:t>ListActivity</a:t>
+            </a:r>
+            <a:r>
+              <a:rPr lang="ko-KR" altLang="en-US" sz="1400" dirty="0"/>
+              <a:t>와 마찬가지로</a:t>
+            </a:r>
+            <a:r>
+              <a:rPr lang="en-US" altLang="ko-KR" sz="1400" dirty="0"/>
+              <a:t>,</a:t>
+            </a:r>
+          </a:p>
+          <a:p>
+            <a:r>
+              <a:rPr lang="en-US" altLang="ko-KR" sz="1400" dirty="0" err="1"/>
+              <a:t>RecipeActivity</a:t>
+            </a:r>
+            <a:r>
+              <a:rPr lang="ko-KR" altLang="en-US" sz="1400" dirty="0"/>
+              <a:t>로 이동하여 해당 레시피를 표시합니다</a:t>
+            </a:r>
+            <a:r>
+              <a:rPr lang="en-US" altLang="ko-KR" sz="1400" dirty="0"/>
+              <a:t>.</a:t>
+            </a:r>
+            <a:endParaRPr lang="ko-KR" altLang="en-US" sz="1400" dirty="0"/>
+          </a:p>
+        </p:txBody>
+      </p:sp>
+      <p:pic>
+        <p:nvPicPr>
+          <p:cNvPr id="13" name="그림 12">
+            <a:extLst>
+              <a:ext uri="{FF2B5EF4-FFF2-40B4-BE49-F238E27FC236}">
+                <a16:creationId xmlns:a16="http://schemas.microsoft.com/office/drawing/2014/main" id="{871B14CD-7EED-45A0-BBD1-665B1C26E5B2}"/>
+              </a:ext>
+            </a:extLst>
+          </p:cNvPr>
+          <p:cNvPicPr>
+            <a:picLocks noChangeAspect="1"/>
+          </p:cNvPicPr>
+          <p:nvPr/>
+        </p:nvPicPr>
+        <p:blipFill>
+          <a:blip r:embed="rId3"/>
+          <a:stretch>
+            <a:fillRect/>
+          </a:stretch>
+        </p:blipFill>
+        <p:spPr>
+          <a:xfrm>
+            <a:off x="7245548" y="1045505"/>
+            <a:ext cx="2849718" cy="4735638"/>
+          </a:xfrm>
+          <a:prstGeom prst="rect">
+            <a:avLst/>
+          </a:prstGeom>
+          <a:ln>
+            <a:solidFill>
+              <a:schemeClr val="tx1"/>
+            </a:solidFill>
+          </a:ln>
+        </p:spPr>
+      </p:pic>
+      <p:sp>
+        <p:nvSpPr>
+          <p:cNvPr id="14" name="TextBox 13">
+            <a:extLst>
+              <a:ext uri="{FF2B5EF4-FFF2-40B4-BE49-F238E27FC236}">
+                <a16:creationId xmlns:a16="http://schemas.microsoft.com/office/drawing/2014/main" id="{8126B00E-A8AD-4CC8-B4E4-A1822B38E290}"/>
+              </a:ext>
+            </a:extLst>
+          </p:cNvPr>
+          <p:cNvSpPr txBox="1"/>
+          <p:nvPr/>
+        </p:nvSpPr>
+        <p:spPr>
+          <a:xfrm>
+            <a:off x="6886136" y="5974512"/>
+            <a:ext cx="3835345" cy="738664"/>
+          </a:xfrm>
+          <a:prstGeom prst="rect">
+            <a:avLst/>
+          </a:prstGeom>
+          <a:noFill/>
+        </p:spPr>
+        <p:txBody>
+          <a:bodyPr wrap="none" rtlCol="0">
+            <a:spAutoFit/>
+          </a:bodyPr>
+          <a:lstStyle/>
+          <a:p>
+            <a:r>
+              <a:rPr lang="ko-KR" altLang="en-US" sz="1400" dirty="0"/>
+              <a:t>레시피 추가 </a:t>
+            </a:r>
+            <a:r>
+              <a:rPr lang="en-US" altLang="ko-KR" sz="1400" dirty="0" err="1"/>
+              <a:t>CardView</a:t>
+            </a:r>
+            <a:r>
+              <a:rPr lang="ko-KR" altLang="en-US" sz="1400" dirty="0"/>
+              <a:t>를 터치 시 다음과 같은</a:t>
+            </a:r>
+            <a:endParaRPr lang="en-US" altLang="ko-KR" sz="1400" dirty="0"/>
+          </a:p>
+          <a:p>
+            <a:r>
+              <a:rPr lang="ko-KR" altLang="en-US" sz="1400" dirty="0"/>
+              <a:t>레시피 제작 화면으로 전환됩니다</a:t>
+            </a:r>
+            <a:r>
+              <a:rPr lang="en-US" altLang="ko-KR" sz="1400" dirty="0"/>
+              <a:t>.</a:t>
+            </a:r>
+          </a:p>
+          <a:p>
+            <a:endParaRPr lang="ko-KR" altLang="en-US" sz="1400" dirty="0"/>
+          </a:p>
+        </p:txBody>
+      </p:sp>
     </p:spTree>
     <p:extLst>
       <p:ext uri="{BB962C8B-B14F-4D97-AF65-F5344CB8AC3E}">
-        <p14:creationId xmlns:p14="http://schemas.microsoft.com/office/powerpoint/2010/main" val="155836080"/>
+        <p14:creationId xmlns:p14="http://schemas.microsoft.com/office/powerpoint/2010/main" val="3771710447"/>
       </p:ext>
     </p:extLst>
   </p:cSld>
@@ -10451,10 +11158,10 @@
       </p:grpSpPr>
       <p:sp>
         <p:nvSpPr>
-          <p:cNvPr id="4" name="TextBox 3">
-            <a:extLst>
-              <a:ext uri="{FF2B5EF4-FFF2-40B4-BE49-F238E27FC236}">
-                <a16:creationId xmlns:a16="http://schemas.microsoft.com/office/drawing/2014/main" id="{A12C0690-42B2-46ED-ABD3-CCF37D7B3259}"/>
+          <p:cNvPr id="9" name="TextBox 8">
+            <a:extLst>
+              <a:ext uri="{FF2B5EF4-FFF2-40B4-BE49-F238E27FC236}">
+                <a16:creationId xmlns:a16="http://schemas.microsoft.com/office/drawing/2014/main" id="{6C515703-5C88-4061-A5DA-65A493F454D4}"/>
               </a:ext>
             </a:extLst>
           </p:cNvPr>
@@ -10463,8 +11170,8 @@
         </p:nvSpPr>
         <p:spPr>
           <a:xfrm>
-            <a:off x="4464788" y="3075057"/>
-            <a:ext cx="3262432" cy="707886"/>
+            <a:off x="187569" y="150392"/>
+            <a:ext cx="2031325" cy="646331"/>
           </a:xfrm>
           <a:prstGeom prst="rect">
             <a:avLst/>
@@ -10477,10 +11184,256 @@
           </a:bodyPr>
           <a:lstStyle/>
           <a:p>
+            <a:r>
+              <a:rPr lang="ko-KR" altLang="en-US" dirty="0" err="1"/>
+              <a:t>나만의레시피화면</a:t>
+            </a:r>
+            <a:endParaRPr lang="en-US" altLang="ko-KR" dirty="0"/>
+          </a:p>
+          <a:p>
+            <a:r>
+              <a:rPr lang="ko-KR" altLang="en-US" dirty="0"/>
+              <a:t>제작방법 및 결과</a:t>
+            </a:r>
+            <a:endParaRPr lang="en-US" altLang="ko-KR" dirty="0"/>
+          </a:p>
+        </p:txBody>
+      </p:sp>
+      <p:pic>
+        <p:nvPicPr>
+          <p:cNvPr id="5" name="그림 4">
+            <a:extLst>
+              <a:ext uri="{FF2B5EF4-FFF2-40B4-BE49-F238E27FC236}">
+                <a16:creationId xmlns:a16="http://schemas.microsoft.com/office/drawing/2014/main" id="{FE361D58-BA59-4032-A005-BAF915E38159}"/>
+              </a:ext>
+            </a:extLst>
+          </p:cNvPr>
+          <p:cNvPicPr>
+            <a:picLocks noChangeAspect="1"/>
+          </p:cNvPicPr>
+          <p:nvPr/>
+        </p:nvPicPr>
+        <p:blipFill>
+          <a:blip r:embed="rId2"/>
+          <a:stretch>
+            <a:fillRect/>
+          </a:stretch>
+        </p:blipFill>
+        <p:spPr>
+          <a:xfrm>
+            <a:off x="7218875" y="1566602"/>
+            <a:ext cx="4258269" cy="3724795"/>
+          </a:xfrm>
+          <a:prstGeom prst="rect">
+            <a:avLst/>
+          </a:prstGeom>
+          <a:ln>
+            <a:solidFill>
+              <a:schemeClr val="tx1"/>
+            </a:solidFill>
+          </a:ln>
+        </p:spPr>
+      </p:pic>
+      <p:sp>
+        <p:nvSpPr>
+          <p:cNvPr id="6" name="TextBox 5">
+            <a:extLst>
+              <a:ext uri="{FF2B5EF4-FFF2-40B4-BE49-F238E27FC236}">
+                <a16:creationId xmlns:a16="http://schemas.microsoft.com/office/drawing/2014/main" id="{56A1DEA8-9DE7-45F2-B10D-4D4DD68DEAE5}"/>
+              </a:ext>
+            </a:extLst>
+          </p:cNvPr>
+          <p:cNvSpPr txBox="1"/>
+          <p:nvPr/>
+        </p:nvSpPr>
+        <p:spPr>
+          <a:xfrm>
+            <a:off x="7626280" y="5383299"/>
+            <a:ext cx="3409138" cy="646331"/>
+          </a:xfrm>
+          <a:prstGeom prst="rect">
+            <a:avLst/>
+          </a:prstGeom>
+          <a:noFill/>
+        </p:spPr>
+        <p:txBody>
+          <a:bodyPr wrap="none" rtlCol="0">
+            <a:spAutoFit/>
+          </a:bodyPr>
+          <a:lstStyle/>
+          <a:p>
             <a:pPr algn="ctr"/>
             <a:r>
-              <a:rPr lang="ko-KR" altLang="en-US" sz="4000" dirty="0"/>
-              <a:t>커뮤니티화면</a:t>
+              <a:rPr lang="en-US" altLang="ko-KR" dirty="0"/>
+              <a:t>Firebase – </a:t>
+            </a:r>
+            <a:r>
+              <a:rPr lang="en-US" altLang="ko-KR" dirty="0" err="1"/>
+              <a:t>RealtimeDatabase</a:t>
+            </a:r>
+            <a:r>
+              <a:rPr lang="ko-KR" altLang="en-US" dirty="0"/>
+              <a:t>에</a:t>
+            </a:r>
+            <a:endParaRPr lang="en-US" altLang="ko-KR" dirty="0"/>
+          </a:p>
+          <a:p>
+            <a:pPr algn="ctr"/>
+            <a:r>
+              <a:rPr lang="ko-KR" altLang="en-US" dirty="0"/>
+              <a:t>저장된 나만의 레시피</a:t>
+            </a:r>
+          </a:p>
+        </p:txBody>
+      </p:sp>
+      <p:sp>
+        <p:nvSpPr>
+          <p:cNvPr id="7" name="TextBox 6">
+            <a:extLst>
+              <a:ext uri="{FF2B5EF4-FFF2-40B4-BE49-F238E27FC236}">
+                <a16:creationId xmlns:a16="http://schemas.microsoft.com/office/drawing/2014/main" id="{BA9AD868-607C-4922-A624-26B346A05713}"/>
+              </a:ext>
+            </a:extLst>
+          </p:cNvPr>
+          <p:cNvSpPr txBox="1"/>
+          <p:nvPr/>
+        </p:nvSpPr>
+        <p:spPr>
+          <a:xfrm>
+            <a:off x="684346" y="5060133"/>
+            <a:ext cx="5626092" cy="646331"/>
+          </a:xfrm>
+          <a:prstGeom prst="rect">
+            <a:avLst/>
+          </a:prstGeom>
+          <a:noFill/>
+        </p:spPr>
+        <p:txBody>
+          <a:bodyPr wrap="none" rtlCol="0">
+            <a:spAutoFit/>
+          </a:bodyPr>
+          <a:lstStyle/>
+          <a:p>
+            <a:r>
+              <a:rPr lang="en-US" altLang="ko-KR" dirty="0" err="1"/>
+              <a:t>EditText</a:t>
+            </a:r>
+            <a:r>
+              <a:rPr lang="en-US" altLang="ko-KR" dirty="0"/>
+              <a:t> </a:t>
+            </a:r>
+            <a:r>
+              <a:rPr lang="ko-KR" altLang="en-US" dirty="0"/>
+              <a:t>양식을 모두 채운 후</a:t>
+            </a:r>
+            <a:r>
+              <a:rPr lang="en-US" altLang="ko-KR" dirty="0"/>
+              <a:t>, </a:t>
+            </a:r>
+            <a:r>
+              <a:rPr lang="ko-KR" altLang="en-US" dirty="0"/>
+              <a:t>저장을 누르면</a:t>
+            </a:r>
+            <a:endParaRPr lang="en-US" altLang="ko-KR" dirty="0"/>
+          </a:p>
+          <a:p>
+            <a:r>
+              <a:rPr lang="en-US" altLang="ko-KR" dirty="0"/>
+              <a:t>Firebase - </a:t>
+            </a:r>
+            <a:r>
+              <a:rPr lang="en-US" altLang="ko-KR" dirty="0" err="1"/>
+              <a:t>RealtimeDatabase</a:t>
+            </a:r>
+            <a:r>
+              <a:rPr lang="ko-KR" altLang="en-US" dirty="0"/>
+              <a:t>에 레시피를 저장합니다</a:t>
+            </a:r>
+            <a:r>
+              <a:rPr lang="en-US" altLang="ko-KR" dirty="0"/>
+              <a:t>.</a:t>
+            </a:r>
+            <a:endParaRPr lang="ko-KR" altLang="en-US" dirty="0"/>
+          </a:p>
+        </p:txBody>
+      </p:sp>
+      <p:pic>
+        <p:nvPicPr>
+          <p:cNvPr id="10" name="그림 9">
+            <a:extLst>
+              <a:ext uri="{FF2B5EF4-FFF2-40B4-BE49-F238E27FC236}">
+                <a16:creationId xmlns:a16="http://schemas.microsoft.com/office/drawing/2014/main" id="{DAC8E7ED-5290-4C0C-8A0D-5422F56D9710}"/>
+              </a:ext>
+            </a:extLst>
+          </p:cNvPr>
+          <p:cNvPicPr>
+            <a:picLocks noChangeAspect="1"/>
+          </p:cNvPicPr>
+          <p:nvPr/>
+        </p:nvPicPr>
+        <p:blipFill>
+          <a:blip r:embed="rId3"/>
+          <a:stretch>
+            <a:fillRect/>
+          </a:stretch>
+        </p:blipFill>
+        <p:spPr>
+          <a:xfrm>
+            <a:off x="332994" y="1750174"/>
+            <a:ext cx="6328796" cy="3246039"/>
+          </a:xfrm>
+          <a:prstGeom prst="rect">
+            <a:avLst/>
+          </a:prstGeom>
+        </p:spPr>
+      </p:pic>
+      <p:sp>
+        <p:nvSpPr>
+          <p:cNvPr id="11" name="TextBox 10">
+            <a:extLst>
+              <a:ext uri="{FF2B5EF4-FFF2-40B4-BE49-F238E27FC236}">
+                <a16:creationId xmlns:a16="http://schemas.microsoft.com/office/drawing/2014/main" id="{B6D2E115-0FE0-4E07-9E47-E2DD18620DF8}"/>
+              </a:ext>
+            </a:extLst>
+          </p:cNvPr>
+          <p:cNvSpPr txBox="1"/>
+          <p:nvPr/>
+        </p:nvSpPr>
+        <p:spPr>
+          <a:xfrm>
+            <a:off x="856424" y="5770384"/>
+            <a:ext cx="5239576" cy="369332"/>
+          </a:xfrm>
+          <a:prstGeom prst="rect">
+            <a:avLst/>
+          </a:prstGeom>
+          <a:noFill/>
+        </p:spPr>
+        <p:txBody>
+          <a:bodyPr wrap="none" rtlCol="0">
+            <a:spAutoFit/>
+          </a:bodyPr>
+          <a:lstStyle/>
+          <a:p>
+            <a:r>
+              <a:rPr lang="en-US" altLang="ko-KR" dirty="0" err="1"/>
+              <a:t>ReferenceDatabase.push</a:t>
+            </a:r>
+            <a:r>
+              <a:rPr lang="en-US" altLang="ko-KR" dirty="0"/>
+              <a:t>().</a:t>
+            </a:r>
+            <a:r>
+              <a:rPr lang="en-US" altLang="ko-KR" dirty="0" err="1"/>
+              <a:t>setValue</a:t>
+            </a:r>
+            <a:r>
+              <a:rPr lang="en-US" altLang="ko-KR" dirty="0"/>
+              <a:t>() </a:t>
+            </a:r>
+            <a:r>
+              <a:rPr lang="ko-KR" altLang="en-US" dirty="0"/>
+              <a:t>메서드 사용</a:t>
             </a:r>
           </a:p>
         </p:txBody>
@@ -10488,7 +11441,7 @@
     </p:spTree>
     <p:extLst>
       <p:ext uri="{BB962C8B-B14F-4D97-AF65-F5344CB8AC3E}">
-        <p14:creationId xmlns:p14="http://schemas.microsoft.com/office/powerpoint/2010/main" val="230487628"/>
+        <p14:creationId xmlns:p14="http://schemas.microsoft.com/office/powerpoint/2010/main" val="3393828032"/>
       </p:ext>
     </p:extLst>
   </p:cSld>
@@ -10684,10 +11637,10 @@
       </p:grpSpPr>
       <p:sp>
         <p:nvSpPr>
-          <p:cNvPr id="4" name="TextBox 3">
-            <a:extLst>
-              <a:ext uri="{FF2B5EF4-FFF2-40B4-BE49-F238E27FC236}">
-                <a16:creationId xmlns:a16="http://schemas.microsoft.com/office/drawing/2014/main" id="{2F7948EE-0693-49DA-950D-E2F4643BF72B}"/>
+          <p:cNvPr id="9" name="TextBox 8">
+            <a:extLst>
+              <a:ext uri="{FF2B5EF4-FFF2-40B4-BE49-F238E27FC236}">
+                <a16:creationId xmlns:a16="http://schemas.microsoft.com/office/drawing/2014/main" id="{6C515703-5C88-4061-A5DA-65A493F454D4}"/>
               </a:ext>
             </a:extLst>
           </p:cNvPr>
@@ -10697,7 +11650,7 @@
         <p:spPr>
           <a:xfrm>
             <a:off x="187569" y="150392"/>
-            <a:ext cx="1569660" cy="646331"/>
+            <a:ext cx="2031325" cy="646331"/>
           </a:xfrm>
           <a:prstGeom prst="rect">
             <a:avLst/>
@@ -10711,26 +11664,26 @@
           <a:lstStyle/>
           <a:p>
             <a:r>
-              <a:rPr lang="ko-KR" altLang="en-US" dirty="0"/>
-              <a:t>커뮤니티화면</a:t>
-            </a:r>
-            <a:endParaRPr lang="en-US" altLang="ko-KR" dirty="0"/>
-          </a:p>
-          <a:p>
-            <a:r>
-              <a:rPr lang="ko-KR" altLang="en-US" dirty="0"/>
-              <a:t>제작자</a:t>
-            </a:r>
-            <a:endParaRPr lang="en-US" altLang="ko-KR" dirty="0"/>
-          </a:p>
-        </p:txBody>
-      </p:sp>
-      <p:sp>
-        <p:nvSpPr>
-          <p:cNvPr id="3" name="TextBox 2">
-            <a:extLst>
-              <a:ext uri="{FF2B5EF4-FFF2-40B4-BE49-F238E27FC236}">
-                <a16:creationId xmlns:a16="http://schemas.microsoft.com/office/drawing/2014/main" id="{FE149A74-1EA7-46F2-B430-9B6A58F5D23E}"/>
+              <a:rPr lang="ko-KR" altLang="en-US" dirty="0" err="1"/>
+              <a:t>나만의레시피화면</a:t>
+            </a:r>
+            <a:endParaRPr lang="en-US" altLang="ko-KR" dirty="0"/>
+          </a:p>
+          <a:p>
+            <a:r>
+              <a:rPr lang="ko-KR" altLang="en-US" dirty="0"/>
+              <a:t>제작에 따른 결론</a:t>
+            </a:r>
+            <a:endParaRPr lang="en-US" altLang="ko-KR" dirty="0"/>
+          </a:p>
+        </p:txBody>
+      </p:sp>
+      <p:sp>
+        <p:nvSpPr>
+          <p:cNvPr id="19" name="TextBox 18">
+            <a:extLst>
+              <a:ext uri="{FF2B5EF4-FFF2-40B4-BE49-F238E27FC236}">
+                <a16:creationId xmlns:a16="http://schemas.microsoft.com/office/drawing/2014/main" id="{27F10007-C4F1-48DA-BFE6-6BA45F3F5635}"/>
               </a:ext>
             </a:extLst>
           </p:cNvPr>
@@ -10739,8 +11692,8 @@
         </p:nvSpPr>
         <p:spPr>
           <a:xfrm>
-            <a:off x="5080337" y="3013501"/>
-            <a:ext cx="2031325" cy="830997"/>
+            <a:off x="2961832" y="204918"/>
+            <a:ext cx="4330032" cy="600164"/>
           </a:xfrm>
           <a:prstGeom prst="rect">
             <a:avLst/>
@@ -10754,8 +11707,253 @@
           <a:lstStyle/>
           <a:p>
             <a:r>
-              <a:rPr lang="ko-KR" altLang="en-US" sz="4800" b="1" dirty="0"/>
-              <a:t>김병대</a:t>
+              <a:rPr lang="ko-KR" altLang="en-US" sz="1100" dirty="0"/>
+              <a:t>문제점 </a:t>
+            </a:r>
+            <a:r>
+              <a:rPr lang="en-US" altLang="ko-KR" sz="1100" dirty="0"/>
+              <a:t>: </a:t>
+            </a:r>
+            <a:r>
+              <a:rPr lang="ko-KR" altLang="en-US" sz="1100" dirty="0"/>
+              <a:t>아직 설계한대로 다 구현하지 못한 부분이나 미흡한 부분</a:t>
+            </a:r>
+            <a:endParaRPr lang="en-US" altLang="ko-KR" sz="1100" dirty="0"/>
+          </a:p>
+          <a:p>
+            <a:endParaRPr lang="en-US" altLang="ko-KR" sz="1100" dirty="0"/>
+          </a:p>
+          <a:p>
+            <a:r>
+              <a:rPr lang="ko-KR" altLang="en-US" sz="1100" dirty="0"/>
+              <a:t>개선점 </a:t>
+            </a:r>
+            <a:r>
+              <a:rPr lang="en-US" altLang="ko-KR" sz="1100" dirty="0"/>
+              <a:t>: </a:t>
+            </a:r>
+            <a:r>
+              <a:rPr lang="ko-KR" altLang="en-US" sz="1100" dirty="0"/>
+              <a:t>추가적으로 구현하면 좋을 만한 사안</a:t>
+            </a:r>
+            <a:endParaRPr lang="en-US" altLang="ko-KR" sz="1100" dirty="0"/>
+          </a:p>
+        </p:txBody>
+      </p:sp>
+      <p:sp>
+        <p:nvSpPr>
+          <p:cNvPr id="2" name="TextBox 1">
+            <a:extLst>
+              <a:ext uri="{FF2B5EF4-FFF2-40B4-BE49-F238E27FC236}">
+                <a16:creationId xmlns:a16="http://schemas.microsoft.com/office/drawing/2014/main" id="{2E83E0C2-9B01-41DC-B7F3-00CEE1017BD0}"/>
+              </a:ext>
+            </a:extLst>
+          </p:cNvPr>
+          <p:cNvSpPr txBox="1"/>
+          <p:nvPr/>
+        </p:nvSpPr>
+        <p:spPr>
+          <a:xfrm>
+            <a:off x="2279923" y="2044575"/>
+            <a:ext cx="7563224" cy="2585323"/>
+          </a:xfrm>
+          <a:prstGeom prst="rect">
+            <a:avLst/>
+          </a:prstGeom>
+          <a:noFill/>
+        </p:spPr>
+        <p:txBody>
+          <a:bodyPr wrap="none" rtlCol="0">
+            <a:spAutoFit/>
+          </a:bodyPr>
+          <a:lstStyle/>
+          <a:p>
+            <a:r>
+              <a:rPr lang="ko-KR" altLang="en-US" dirty="0"/>
+              <a:t>문제점</a:t>
+            </a:r>
+            <a:r>
+              <a:rPr lang="en-US" altLang="ko-KR" dirty="0"/>
+              <a:t>1 : </a:t>
+            </a:r>
+          </a:p>
+          <a:p>
+            <a:r>
+              <a:rPr lang="en-US" altLang="ko-KR" dirty="0" err="1"/>
+              <a:t>CardView</a:t>
+            </a:r>
+            <a:r>
+              <a:rPr lang="ko-KR" altLang="en-US" dirty="0"/>
+              <a:t>에 레시피 사진</a:t>
+            </a:r>
+            <a:r>
+              <a:rPr lang="en-US" altLang="ko-KR" dirty="0"/>
+              <a:t>, </a:t>
+            </a:r>
+            <a:r>
+              <a:rPr lang="ko-KR" altLang="en-US" dirty="0"/>
+              <a:t>삭제</a:t>
+            </a:r>
+            <a:r>
+              <a:rPr lang="en-US" altLang="ko-KR" dirty="0"/>
+              <a:t>, </a:t>
+            </a:r>
+            <a:r>
+              <a:rPr lang="ko-KR" altLang="en-US" dirty="0"/>
+              <a:t>수정</a:t>
+            </a:r>
+            <a:r>
+              <a:rPr lang="en-US" altLang="ko-KR" dirty="0"/>
+              <a:t>, </a:t>
+            </a:r>
+            <a:r>
+              <a:rPr lang="ko-KR" altLang="en-US" dirty="0"/>
+              <a:t>공유 버튼이 구현되지 않았습니다</a:t>
+            </a:r>
+            <a:r>
+              <a:rPr lang="en-US" altLang="ko-KR" dirty="0"/>
+              <a:t>.</a:t>
+            </a:r>
+          </a:p>
+          <a:p>
+            <a:endParaRPr lang="en-US" altLang="ko-KR" dirty="0"/>
+          </a:p>
+          <a:p>
+            <a:r>
+              <a:rPr lang="ko-KR" altLang="en-US" dirty="0"/>
+              <a:t>문제점</a:t>
+            </a:r>
+            <a:r>
+              <a:rPr lang="en-US" altLang="ko-KR" dirty="0"/>
+              <a:t>2 : </a:t>
+            </a:r>
+          </a:p>
+          <a:p>
+            <a:r>
+              <a:rPr lang="ko-KR" altLang="en-US" dirty="0"/>
+              <a:t>레시피 제작 화면의 </a:t>
+            </a:r>
+            <a:r>
+              <a:rPr lang="en-US" altLang="ko-KR" dirty="0" err="1"/>
+              <a:t>ui</a:t>
+            </a:r>
+            <a:r>
+              <a:rPr lang="ko-KR" altLang="en-US" dirty="0"/>
+              <a:t>가 아직 프로토타입 형태입니다</a:t>
+            </a:r>
+            <a:r>
+              <a:rPr lang="en-US" altLang="ko-KR" dirty="0"/>
+              <a:t>.</a:t>
+            </a:r>
+          </a:p>
+          <a:p>
+            <a:endParaRPr lang="en-US" altLang="ko-KR" dirty="0"/>
+          </a:p>
+          <a:p>
+            <a:r>
+              <a:rPr lang="ko-KR" altLang="en-US" dirty="0"/>
+              <a:t>개선점</a:t>
+            </a:r>
+            <a:r>
+              <a:rPr lang="en-US" altLang="ko-KR" dirty="0"/>
+              <a:t>1 :</a:t>
+            </a:r>
+          </a:p>
+          <a:p>
+            <a:r>
+              <a:rPr lang="ko-KR" altLang="en-US" dirty="0"/>
+              <a:t>화면 진입 시 </a:t>
+            </a:r>
+            <a:r>
+              <a:rPr lang="en-US" altLang="ko-KR" dirty="0" err="1"/>
+              <a:t>CardView</a:t>
+            </a:r>
+            <a:r>
+              <a:rPr lang="ko-KR" altLang="en-US" dirty="0"/>
+              <a:t>가 표시되는 속도가 눈에 보입니다</a:t>
+            </a:r>
+            <a:r>
+              <a:rPr lang="en-US" altLang="ko-KR" dirty="0"/>
+              <a:t>. </a:t>
+            </a:r>
+          </a:p>
+          <a:p>
+            <a:r>
+              <a:rPr lang="en-US" altLang="ko-KR" dirty="0"/>
+              <a:t>(Firebase</a:t>
+            </a:r>
+            <a:r>
+              <a:rPr lang="ko-KR" altLang="en-US" dirty="0"/>
+              <a:t>에서 가져오는 속도가 느린 것으로 예상</a:t>
+            </a:r>
+            <a:r>
+              <a:rPr lang="en-US" altLang="ko-KR" dirty="0"/>
+              <a:t>)</a:t>
+            </a:r>
+          </a:p>
+        </p:txBody>
+      </p:sp>
+      <p:sp>
+        <p:nvSpPr>
+          <p:cNvPr id="6" name="TextBox 5">
+            <a:extLst>
+              <a:ext uri="{FF2B5EF4-FFF2-40B4-BE49-F238E27FC236}">
+                <a16:creationId xmlns:a16="http://schemas.microsoft.com/office/drawing/2014/main" id="{71383B47-0E27-4A38-8E54-33177AAFC07D}"/>
+              </a:ext>
+            </a:extLst>
+          </p:cNvPr>
+          <p:cNvSpPr txBox="1"/>
+          <p:nvPr/>
+        </p:nvSpPr>
+        <p:spPr>
+          <a:xfrm>
+            <a:off x="2044142" y="4946061"/>
+            <a:ext cx="7899920" cy="646331"/>
+          </a:xfrm>
+          <a:prstGeom prst="rect">
+            <a:avLst/>
+          </a:prstGeom>
+          <a:noFill/>
+        </p:spPr>
+        <p:txBody>
+          <a:bodyPr wrap="none" rtlCol="0">
+            <a:spAutoFit/>
+          </a:bodyPr>
+          <a:lstStyle/>
+          <a:p>
+            <a:r>
+              <a:rPr lang="ko-KR" altLang="en-US" b="1" dirty="0"/>
+              <a:t>총 정리 </a:t>
+            </a:r>
+            <a:r>
+              <a:rPr lang="en-US" altLang="ko-KR" b="1" dirty="0"/>
+              <a:t>: </a:t>
+            </a:r>
+            <a:r>
+              <a:rPr lang="ko-KR" altLang="en-US" b="1" dirty="0"/>
+              <a:t>아직 구현하지 않은 기능 및 </a:t>
+            </a:r>
+            <a:r>
+              <a:rPr lang="ko-KR" altLang="en-US" b="1" dirty="0" err="1"/>
+              <a:t>디자인적인</a:t>
+            </a:r>
+            <a:r>
+              <a:rPr lang="ko-KR" altLang="en-US" b="1" dirty="0"/>
+              <a:t> 부분이 보충이 필요하며</a:t>
+            </a:r>
+            <a:r>
+              <a:rPr lang="en-US" altLang="ko-KR" b="1" dirty="0"/>
+              <a:t>,</a:t>
+            </a:r>
+          </a:p>
+          <a:p>
+            <a:r>
+              <a:rPr lang="ko-KR" altLang="en-US" b="1" dirty="0"/>
+              <a:t>나만의 레시피 목록 표시가 지연이 되는 증상을 개선하여야 합니다</a:t>
+            </a:r>
+            <a:r>
+              <a:rPr lang="en-US" altLang="ko-KR" b="1" dirty="0"/>
+              <a:t>.</a:t>
             </a:r>
           </a:p>
         </p:txBody>
@@ -10763,7 +11961,7 @@
     </p:spTree>
     <p:extLst>
       <p:ext uri="{BB962C8B-B14F-4D97-AF65-F5344CB8AC3E}">
-        <p14:creationId xmlns:p14="http://schemas.microsoft.com/office/powerpoint/2010/main" val="353139287"/>
+        <p14:creationId xmlns:p14="http://schemas.microsoft.com/office/powerpoint/2010/main" val="3283090782"/>
       </p:ext>
     </p:extLst>
   </p:cSld>
@@ -10792,10 +11990,10 @@
       </p:grpSpPr>
       <p:sp>
         <p:nvSpPr>
-          <p:cNvPr id="7" name="TextBox 6">
-            <a:extLst>
-              <a:ext uri="{FF2B5EF4-FFF2-40B4-BE49-F238E27FC236}">
-                <a16:creationId xmlns:a16="http://schemas.microsoft.com/office/drawing/2014/main" id="{03F6D3A2-2448-4362-864F-CD2272CE6602}"/>
+          <p:cNvPr id="9" name="TextBox 8">
+            <a:extLst>
+              <a:ext uri="{FF2B5EF4-FFF2-40B4-BE49-F238E27FC236}">
+                <a16:creationId xmlns:a16="http://schemas.microsoft.com/office/drawing/2014/main" id="{6C515703-5C88-4061-A5DA-65A493F454D4}"/>
               </a:ext>
             </a:extLst>
           </p:cNvPr>
@@ -10805,7 +12003,7 @@
         <p:spPr>
           <a:xfrm>
             <a:off x="187569" y="150392"/>
-            <a:ext cx="1569660" cy="646331"/>
+            <a:ext cx="5373587" cy="646331"/>
           </a:xfrm>
           <a:prstGeom prst="rect">
             <a:avLst/>
@@ -10819,15 +12017,15 @@
           <a:lstStyle/>
           <a:p>
             <a:r>
-              <a:rPr lang="ko-KR" altLang="en-US" dirty="0"/>
-              <a:t>커뮤니티화면</a:t>
-            </a:r>
-            <a:endParaRPr lang="en-US" altLang="ko-KR" dirty="0"/>
-          </a:p>
-          <a:p>
-            <a:r>
-              <a:rPr lang="ko-KR" altLang="en-US" dirty="0"/>
-              <a:t>제작기준</a:t>
+              <a:rPr lang="ko-KR" altLang="en-US" dirty="0" err="1"/>
+              <a:t>나만의레시피화면</a:t>
+            </a:r>
+            <a:endParaRPr lang="en-US" altLang="ko-KR" dirty="0"/>
+          </a:p>
+          <a:p>
+            <a:r>
+              <a:rPr lang="ko-KR" altLang="en-US" dirty="0"/>
+              <a:t>결과 분석에 따른 설계 변경사항 및 구현계획 기술</a:t>
             </a:r>
             <a:endParaRPr lang="en-US" altLang="ko-KR" dirty="0"/>
           </a:p>
@@ -10835,10 +12033,10 @@
       </p:sp>
       <p:pic>
         <p:nvPicPr>
-          <p:cNvPr id="9" name="그림 8">
-            <a:extLst>
-              <a:ext uri="{FF2B5EF4-FFF2-40B4-BE49-F238E27FC236}">
-                <a16:creationId xmlns:a16="http://schemas.microsoft.com/office/drawing/2014/main" id="{FBC0A418-74BD-4B92-97F6-69D89A201D80}"/>
+          <p:cNvPr id="4" name="그림 3">
+            <a:extLst>
+              <a:ext uri="{FF2B5EF4-FFF2-40B4-BE49-F238E27FC236}">
+                <a16:creationId xmlns:a16="http://schemas.microsoft.com/office/drawing/2014/main" id="{B22ED63B-72C8-496B-9E62-3201C9BF89CE}"/>
               </a:ext>
             </a:extLst>
           </p:cNvPr>
@@ -10855,18 +12053,184 @@
         </p:blipFill>
         <p:spPr>
           <a:xfrm>
-            <a:off x="2904679" y="796723"/>
-            <a:ext cx="6382641" cy="5372850"/>
+            <a:off x="1974493" y="1759668"/>
+            <a:ext cx="7173326" cy="771633"/>
           </a:xfrm>
           <a:prstGeom prst="rect">
             <a:avLst/>
           </a:prstGeom>
         </p:spPr>
       </p:pic>
+      <p:sp>
+        <p:nvSpPr>
+          <p:cNvPr id="5" name="TextBox 4">
+            <a:extLst>
+              <a:ext uri="{FF2B5EF4-FFF2-40B4-BE49-F238E27FC236}">
+                <a16:creationId xmlns:a16="http://schemas.microsoft.com/office/drawing/2014/main" id="{C14C5BA6-DE86-483D-95AE-AA8B1FEBAD47}"/>
+              </a:ext>
+            </a:extLst>
+          </p:cNvPr>
+          <p:cNvSpPr txBox="1"/>
+          <p:nvPr/>
+        </p:nvSpPr>
+        <p:spPr>
+          <a:xfrm>
+            <a:off x="3374425" y="2663519"/>
+            <a:ext cx="4570482" cy="646331"/>
+          </a:xfrm>
+          <a:prstGeom prst="rect">
+            <a:avLst/>
+          </a:prstGeom>
+          <a:noFill/>
+        </p:spPr>
+        <p:txBody>
+          <a:bodyPr wrap="none" rtlCol="0">
+            <a:spAutoFit/>
+          </a:bodyPr>
+          <a:lstStyle/>
+          <a:p>
+            <a:r>
+              <a:rPr lang="ko-KR" altLang="en-US" dirty="0" err="1"/>
+              <a:t>레시피명</a:t>
+            </a:r>
+            <a:r>
+              <a:rPr lang="ko-KR" altLang="en-US" dirty="0"/>
+              <a:t> 변경 </a:t>
+            </a:r>
+            <a:r>
+              <a:rPr lang="en-US" altLang="ko-KR" dirty="0"/>
+              <a:t>-&gt; “</a:t>
+            </a:r>
+            <a:r>
+              <a:rPr lang="ko-KR" altLang="en-US" dirty="0"/>
+              <a:t>레시피 수정</a:t>
+            </a:r>
+            <a:r>
+              <a:rPr lang="en-US" altLang="ko-KR" dirty="0"/>
+              <a:t>”</a:t>
+            </a:r>
+            <a:r>
+              <a:rPr lang="ko-KR" altLang="en-US" dirty="0"/>
+              <a:t> 으로 정정</a:t>
+            </a:r>
+            <a:endParaRPr lang="en-US" altLang="ko-KR" dirty="0"/>
+          </a:p>
+          <a:p>
+            <a:r>
+              <a:rPr lang="en-US" altLang="ko-KR" dirty="0"/>
+              <a:t>“</a:t>
+            </a:r>
+            <a:r>
+              <a:rPr lang="ko-KR" altLang="en-US" dirty="0"/>
+              <a:t>레시피 삭제</a:t>
+            </a:r>
+            <a:r>
+              <a:rPr lang="en-US" altLang="ko-KR" dirty="0"/>
+              <a:t>“ </a:t>
+            </a:r>
+            <a:r>
+              <a:rPr lang="ko-KR" altLang="en-US" dirty="0"/>
+              <a:t>기능 구현 필요</a:t>
+            </a:r>
+            <a:endParaRPr lang="en-US" altLang="ko-KR" dirty="0"/>
+          </a:p>
+        </p:txBody>
+      </p:sp>
+      <p:sp>
+        <p:nvSpPr>
+          <p:cNvPr id="6" name="TextBox 5">
+            <a:extLst>
+              <a:ext uri="{FF2B5EF4-FFF2-40B4-BE49-F238E27FC236}">
+                <a16:creationId xmlns:a16="http://schemas.microsoft.com/office/drawing/2014/main" id="{6A347568-1B4D-43C9-998E-AF6655A138C9}"/>
+              </a:ext>
+            </a:extLst>
+          </p:cNvPr>
+          <p:cNvSpPr txBox="1"/>
+          <p:nvPr/>
+        </p:nvSpPr>
+        <p:spPr>
+          <a:xfrm>
+            <a:off x="1974493" y="4437777"/>
+            <a:ext cx="8321509" cy="1077218"/>
+          </a:xfrm>
+          <a:prstGeom prst="rect">
+            <a:avLst/>
+          </a:prstGeom>
+          <a:noFill/>
+        </p:spPr>
+        <p:txBody>
+          <a:bodyPr wrap="none" rtlCol="0">
+            <a:spAutoFit/>
+          </a:bodyPr>
+          <a:lstStyle/>
+          <a:p>
+            <a:r>
+              <a:rPr lang="ko-KR" altLang="en-US" sz="1600" dirty="0"/>
+              <a:t>커뮤니티화면의 레시피 공유 게시판과 연동하여 나만의 레시피를 간단하게</a:t>
+            </a:r>
+            <a:endParaRPr lang="en-US" altLang="ko-KR" sz="1600" dirty="0"/>
+          </a:p>
+          <a:p>
+            <a:r>
+              <a:rPr lang="ko-KR" altLang="en-US" sz="1600" dirty="0"/>
+              <a:t>공유할 수 있도록 레시피 공유 기능을 구현할 예정입니다</a:t>
+            </a:r>
+            <a:r>
+              <a:rPr lang="en-US" altLang="ko-KR" sz="1600" dirty="0"/>
+              <a:t>.</a:t>
+            </a:r>
+          </a:p>
+          <a:p>
+            <a:endParaRPr lang="en-US" altLang="ko-KR" sz="1600" dirty="0"/>
+          </a:p>
+          <a:p>
+            <a:r>
+              <a:rPr lang="ko-KR" altLang="en-US" sz="1600" dirty="0"/>
+              <a:t>또한</a:t>
+            </a:r>
+            <a:r>
+              <a:rPr lang="en-US" altLang="ko-KR" sz="1600" dirty="0"/>
+              <a:t>, </a:t>
+            </a:r>
+            <a:r>
+              <a:rPr lang="ko-KR" altLang="en-US" sz="1600" dirty="0"/>
+              <a:t>레시피 삭제</a:t>
+            </a:r>
+            <a:r>
+              <a:rPr lang="en-US" altLang="ko-KR" sz="1600" dirty="0"/>
+              <a:t>, </a:t>
+            </a:r>
+            <a:r>
+              <a:rPr lang="ko-KR" altLang="en-US" sz="1600" dirty="0"/>
+              <a:t>수정</a:t>
+            </a:r>
+            <a:r>
+              <a:rPr lang="en-US" altLang="ko-KR" sz="1600" dirty="0"/>
+              <a:t> </a:t>
+            </a:r>
+            <a:r>
+              <a:rPr lang="ko-KR" altLang="en-US" sz="1600" dirty="0"/>
+              <a:t>기능 추가 및</a:t>
+            </a:r>
+            <a:r>
+              <a:rPr lang="en-US" altLang="ko-KR" sz="1600" dirty="0"/>
+              <a:t> </a:t>
+            </a:r>
+            <a:r>
+              <a:rPr lang="ko-KR" altLang="en-US" sz="1600" dirty="0"/>
+              <a:t>레시피 제작 화면 디자인을 개선하도록 하겠습니다</a:t>
+            </a:r>
+            <a:r>
+              <a:rPr lang="en-US" altLang="ko-KR" sz="1600" dirty="0"/>
+              <a:t>.</a:t>
+            </a:r>
+          </a:p>
+        </p:txBody>
+      </p:sp>
     </p:spTree>
     <p:extLst>
       <p:ext uri="{BB962C8B-B14F-4D97-AF65-F5344CB8AC3E}">
-        <p14:creationId xmlns:p14="http://schemas.microsoft.com/office/powerpoint/2010/main" val="4187284858"/>
+        <p14:creationId xmlns:p14="http://schemas.microsoft.com/office/powerpoint/2010/main" val="2394008778"/>
       </p:ext>
     </p:extLst>
   </p:cSld>
@@ -10895,10 +12259,10 @@
       </p:grpSpPr>
       <p:sp>
         <p:nvSpPr>
-          <p:cNvPr id="5" name="TextBox 4">
-            <a:extLst>
-              <a:ext uri="{FF2B5EF4-FFF2-40B4-BE49-F238E27FC236}">
-                <a16:creationId xmlns:a16="http://schemas.microsoft.com/office/drawing/2014/main" id="{06F408F8-AF05-4F9E-A2CA-BF35AA4498E3}"/>
+          <p:cNvPr id="4" name="TextBox 3">
+            <a:extLst>
+              <a:ext uri="{FF2B5EF4-FFF2-40B4-BE49-F238E27FC236}">
+                <a16:creationId xmlns:a16="http://schemas.microsoft.com/office/drawing/2014/main" id="{A12C0690-42B2-46ED-ABD3-CCF37D7B3259}"/>
               </a:ext>
             </a:extLst>
           </p:cNvPr>
@@ -10907,8 +12271,8 @@
         </p:nvSpPr>
         <p:spPr>
           <a:xfrm>
-            <a:off x="187569" y="150392"/>
-            <a:ext cx="1569660" cy="646331"/>
+            <a:off x="4464788" y="3075057"/>
+            <a:ext cx="3262432" cy="707886"/>
           </a:xfrm>
           <a:prstGeom prst="rect">
             <a:avLst/>
@@ -10921,85 +12285,18 @@
           </a:bodyPr>
           <a:lstStyle/>
           <a:p>
-            <a:r>
-              <a:rPr lang="ko-KR" altLang="en-US" dirty="0"/>
+            <a:pPr algn="ctr"/>
+            <a:r>
+              <a:rPr lang="ko-KR" altLang="en-US" sz="4000" dirty="0"/>
               <a:t>커뮤니티화면</a:t>
             </a:r>
-            <a:endParaRPr lang="en-US" altLang="ko-KR" dirty="0"/>
-          </a:p>
-          <a:p>
-            <a:r>
-              <a:rPr lang="ko-KR" altLang="en-US" dirty="0"/>
-              <a:t>제작기준</a:t>
-            </a:r>
-            <a:endParaRPr lang="en-US" altLang="ko-KR" dirty="0"/>
-          </a:p>
-        </p:txBody>
-      </p:sp>
-      <p:pic>
-        <p:nvPicPr>
-          <p:cNvPr id="4" name="그림 3">
-            <a:extLst>
-              <a:ext uri="{FF2B5EF4-FFF2-40B4-BE49-F238E27FC236}">
-                <a16:creationId xmlns:a16="http://schemas.microsoft.com/office/drawing/2014/main" id="{A75F52C8-2DF0-4720-B5AE-DD82CD8AE127}"/>
-              </a:ext>
-            </a:extLst>
-          </p:cNvPr>
-          <p:cNvPicPr>
-            <a:picLocks noChangeAspect="1"/>
-          </p:cNvPicPr>
-          <p:nvPr/>
-        </p:nvPicPr>
-        <p:blipFill>
-          <a:blip r:embed="rId2"/>
-          <a:stretch>
-            <a:fillRect/>
-          </a:stretch>
-        </p:blipFill>
-        <p:spPr>
-          <a:xfrm>
-            <a:off x="2716440" y="796723"/>
-            <a:ext cx="8541481" cy="5717008"/>
-          </a:xfrm>
-          <a:prstGeom prst="rect">
-            <a:avLst/>
-          </a:prstGeom>
-        </p:spPr>
-      </p:pic>
-      <p:pic>
-        <p:nvPicPr>
-          <p:cNvPr id="6" name="그림 5">
-            <a:extLst>
-              <a:ext uri="{FF2B5EF4-FFF2-40B4-BE49-F238E27FC236}">
-                <a16:creationId xmlns:a16="http://schemas.microsoft.com/office/drawing/2014/main" id="{7E4D2CEC-47A7-4B80-8049-EB869C712705}"/>
-              </a:ext>
-            </a:extLst>
-          </p:cNvPr>
-          <p:cNvPicPr>
-            <a:picLocks noChangeAspect="1"/>
-          </p:cNvPicPr>
-          <p:nvPr/>
-        </p:nvPicPr>
-        <p:blipFill>
-          <a:blip r:embed="rId3"/>
-          <a:stretch>
-            <a:fillRect/>
-          </a:stretch>
-        </p:blipFill>
-        <p:spPr>
-          <a:xfrm>
-            <a:off x="187569" y="3048000"/>
-            <a:ext cx="2003550" cy="1235349"/>
-          </a:xfrm>
-          <a:prstGeom prst="rect">
-            <a:avLst/>
-          </a:prstGeom>
-        </p:spPr>
-      </p:pic>
+          </a:p>
+        </p:txBody>
+      </p:sp>
     </p:spTree>
     <p:extLst>
       <p:ext uri="{BB962C8B-B14F-4D97-AF65-F5344CB8AC3E}">
-        <p14:creationId xmlns:p14="http://schemas.microsoft.com/office/powerpoint/2010/main" val="2931731065"/>
+        <p14:creationId xmlns:p14="http://schemas.microsoft.com/office/powerpoint/2010/main" val="230487628"/>
       </p:ext>
     </p:extLst>
   </p:cSld>
@@ -11028,10 +12325,10 @@
       </p:grpSpPr>
       <p:sp>
         <p:nvSpPr>
-          <p:cNvPr id="9" name="TextBox 8">
-            <a:extLst>
-              <a:ext uri="{FF2B5EF4-FFF2-40B4-BE49-F238E27FC236}">
-                <a16:creationId xmlns:a16="http://schemas.microsoft.com/office/drawing/2014/main" id="{6C515703-5C88-4061-A5DA-65A493F454D4}"/>
+          <p:cNvPr id="4" name="TextBox 3">
+            <a:extLst>
+              <a:ext uri="{FF2B5EF4-FFF2-40B4-BE49-F238E27FC236}">
+                <a16:creationId xmlns:a16="http://schemas.microsoft.com/office/drawing/2014/main" id="{2F7948EE-0693-49DA-950D-E2F4643BF72B}"/>
               </a:ext>
             </a:extLst>
           </p:cNvPr>
@@ -11041,7 +12338,7 @@
         <p:spPr>
           <a:xfrm>
             <a:off x="187569" y="150392"/>
-            <a:ext cx="2031325" cy="646331"/>
+            <a:ext cx="1569660" cy="646331"/>
           </a:xfrm>
           <a:prstGeom prst="rect">
             <a:avLst/>
@@ -11063,53 +12360,18 @@
           <a:p>
             <a:r>
               <a:rPr lang="ko-KR" altLang="en-US" dirty="0"/>
-              <a:t>제작방법 및 결과</a:t>
-            </a:r>
-            <a:endParaRPr lang="en-US" altLang="ko-KR" dirty="0"/>
-          </a:p>
-        </p:txBody>
-      </p:sp>
-      <p:pic>
-        <p:nvPicPr>
-          <p:cNvPr id="5" name="그림 4">
-            <a:extLst>
-              <a:ext uri="{FF2B5EF4-FFF2-40B4-BE49-F238E27FC236}">
-                <a16:creationId xmlns:a16="http://schemas.microsoft.com/office/drawing/2014/main" id="{FA175239-2F11-41F2-81DD-F61EB2FA4F07}"/>
-              </a:ext>
-            </a:extLst>
-          </p:cNvPr>
-          <p:cNvPicPr>
-            <a:picLocks noChangeAspect="1"/>
-          </p:cNvPicPr>
-          <p:nvPr/>
-        </p:nvPicPr>
-        <p:blipFill>
-          <a:blip r:embed="rId2"/>
-          <a:stretch>
-            <a:fillRect/>
-          </a:stretch>
-        </p:blipFill>
-        <p:spPr>
-          <a:xfrm>
-            <a:off x="3637446" y="1231900"/>
-            <a:ext cx="4917107" cy="5328334"/>
-          </a:xfrm>
-          <a:prstGeom prst="rect">
-            <a:avLst/>
-          </a:prstGeom>
-          <a:ln>
-            <a:solidFill>
-              <a:schemeClr val="tx1"/>
-            </a:solidFill>
-          </a:ln>
-        </p:spPr>
-      </p:pic>
-      <p:sp>
-        <p:nvSpPr>
-          <p:cNvPr id="6" name="TextBox 5">
-            <a:extLst>
-              <a:ext uri="{FF2B5EF4-FFF2-40B4-BE49-F238E27FC236}">
-                <a16:creationId xmlns:a16="http://schemas.microsoft.com/office/drawing/2014/main" id="{BB57AB76-4C2C-4F5E-B894-AA1F688FED63}"/>
+              <a:t>제작자</a:t>
+            </a:r>
+            <a:endParaRPr lang="en-US" altLang="ko-KR" dirty="0"/>
+          </a:p>
+        </p:txBody>
+      </p:sp>
+      <p:sp>
+        <p:nvSpPr>
+          <p:cNvPr id="3" name="TextBox 2">
+            <a:extLst>
+              <a:ext uri="{FF2B5EF4-FFF2-40B4-BE49-F238E27FC236}">
+                <a16:creationId xmlns:a16="http://schemas.microsoft.com/office/drawing/2014/main" id="{FE149A74-1EA7-46F2-B430-9B6A58F5D23E}"/>
               </a:ext>
             </a:extLst>
           </p:cNvPr>
@@ -11118,8 +12380,8 @@
         </p:nvSpPr>
         <p:spPr>
           <a:xfrm>
-            <a:off x="418501" y="1431723"/>
-            <a:ext cx="2619628" cy="646331"/>
+            <a:off x="5080337" y="3013501"/>
+            <a:ext cx="2031325" cy="830997"/>
           </a:xfrm>
           <a:prstGeom prst="rect">
             <a:avLst/>
@@ -11133,19 +12395,8 @@
           <a:lstStyle/>
           <a:p>
             <a:r>
-              <a:rPr lang="en-US" altLang="ko-KR" dirty="0" err="1"/>
-              <a:t>CommunityFragment</a:t>
-            </a:r>
-            <a:r>
-              <a:rPr lang="ko-KR" altLang="en-US" dirty="0"/>
-              <a:t>의</a:t>
-            </a:r>
-            <a:endParaRPr lang="en-US" altLang="ko-KR" dirty="0"/>
-          </a:p>
-          <a:p>
-            <a:r>
-              <a:rPr lang="ko-KR" altLang="en-US" dirty="0"/>
-              <a:t>대략적인 구조</a:t>
+              <a:rPr lang="ko-KR" altLang="en-US" sz="4800" b="1" dirty="0"/>
+              <a:t>김병대</a:t>
             </a:r>
           </a:p>
         </p:txBody>
@@ -11153,7 +12404,7 @@
     </p:spTree>
     <p:extLst>
       <p:ext uri="{BB962C8B-B14F-4D97-AF65-F5344CB8AC3E}">
-        <p14:creationId xmlns:p14="http://schemas.microsoft.com/office/powerpoint/2010/main" val="2394150618"/>
+        <p14:creationId xmlns:p14="http://schemas.microsoft.com/office/powerpoint/2010/main" val="353139287"/>
       </p:ext>
     </p:extLst>
   </p:cSld>
@@ -11182,10 +12433,10 @@
       </p:grpSpPr>
       <p:sp>
         <p:nvSpPr>
-          <p:cNvPr id="9" name="TextBox 8">
-            <a:extLst>
-              <a:ext uri="{FF2B5EF4-FFF2-40B4-BE49-F238E27FC236}">
-                <a16:creationId xmlns:a16="http://schemas.microsoft.com/office/drawing/2014/main" id="{6C515703-5C88-4061-A5DA-65A493F454D4}"/>
+          <p:cNvPr id="7" name="TextBox 6">
+            <a:extLst>
+              <a:ext uri="{FF2B5EF4-FFF2-40B4-BE49-F238E27FC236}">
+                <a16:creationId xmlns:a16="http://schemas.microsoft.com/office/drawing/2014/main" id="{03F6D3A2-2448-4362-864F-CD2272CE6602}"/>
               </a:ext>
             </a:extLst>
           </p:cNvPr>
@@ -11195,7 +12446,7 @@
         <p:spPr>
           <a:xfrm>
             <a:off x="187569" y="150392"/>
-            <a:ext cx="2031325" cy="646331"/>
+            <a:ext cx="1569660" cy="646331"/>
           </a:xfrm>
           <a:prstGeom prst="rect">
             <a:avLst/>
@@ -11217,7 +12468,7 @@
           <a:p>
             <a:r>
               <a:rPr lang="ko-KR" altLang="en-US" dirty="0"/>
-              <a:t>제작방법 및 결과</a:t>
+              <a:t>제작기준</a:t>
             </a:r>
             <a:endParaRPr lang="en-US" altLang="ko-KR" dirty="0"/>
           </a:p>
@@ -11225,10 +12476,10 @@
       </p:sp>
       <p:pic>
         <p:nvPicPr>
-          <p:cNvPr id="12" name="그림 11">
-            <a:extLst>
-              <a:ext uri="{FF2B5EF4-FFF2-40B4-BE49-F238E27FC236}">
-                <a16:creationId xmlns:a16="http://schemas.microsoft.com/office/drawing/2014/main" id="{198768A3-45D2-4E0B-B225-F6FF1CFB6888}"/>
+          <p:cNvPr id="9" name="그림 8">
+            <a:extLst>
+              <a:ext uri="{FF2B5EF4-FFF2-40B4-BE49-F238E27FC236}">
+                <a16:creationId xmlns:a16="http://schemas.microsoft.com/office/drawing/2014/main" id="{FBC0A418-74BD-4B92-97F6-69D89A201D80}"/>
               </a:ext>
             </a:extLst>
           </p:cNvPr>
@@ -11245,290 +12496,18 @@
         </p:blipFill>
         <p:spPr>
           <a:xfrm>
-            <a:off x="6774155" y="2214004"/>
-            <a:ext cx="3164552" cy="2534956"/>
-          </a:xfrm>
-          <a:prstGeom prst="rect">
-            <a:avLst/>
-          </a:prstGeom>
-          <a:ln>
-            <a:solidFill>
-              <a:schemeClr val="tx1"/>
-            </a:solidFill>
-          </a:ln>
+            <a:off x="2904679" y="796723"/>
+            <a:ext cx="6382641" cy="5372850"/>
+          </a:xfrm>
+          <a:prstGeom prst="rect">
+            <a:avLst/>
+          </a:prstGeom>
         </p:spPr>
       </p:pic>
-      <p:pic>
-        <p:nvPicPr>
-          <p:cNvPr id="3" name="그림 2">
-            <a:extLst>
-              <a:ext uri="{FF2B5EF4-FFF2-40B4-BE49-F238E27FC236}">
-                <a16:creationId xmlns:a16="http://schemas.microsoft.com/office/drawing/2014/main" id="{6AC1818A-4B8F-47D0-9291-B047D8075A45}"/>
-              </a:ext>
-            </a:extLst>
-          </p:cNvPr>
-          <p:cNvPicPr>
-            <a:picLocks noChangeAspect="1"/>
-          </p:cNvPicPr>
-          <p:nvPr/>
-        </p:nvPicPr>
-        <p:blipFill>
-          <a:blip r:embed="rId3"/>
-          <a:stretch>
-            <a:fillRect/>
-          </a:stretch>
-        </p:blipFill>
-        <p:spPr>
-          <a:xfrm>
-            <a:off x="320581" y="2224741"/>
-            <a:ext cx="4374527" cy="2764219"/>
-          </a:xfrm>
-          <a:prstGeom prst="rect">
-            <a:avLst/>
-          </a:prstGeom>
-        </p:spPr>
-      </p:pic>
-      <p:pic>
-        <p:nvPicPr>
-          <p:cNvPr id="7" name="그림 6">
-            <a:extLst>
-              <a:ext uri="{FF2B5EF4-FFF2-40B4-BE49-F238E27FC236}">
-                <a16:creationId xmlns:a16="http://schemas.microsoft.com/office/drawing/2014/main" id="{1D7BB2DA-E7B9-4EBE-9F02-BA65FF05B6B4}"/>
-              </a:ext>
-            </a:extLst>
-          </p:cNvPr>
-          <p:cNvPicPr>
-            <a:picLocks noChangeAspect="1"/>
-          </p:cNvPicPr>
-          <p:nvPr/>
-        </p:nvPicPr>
-        <p:blipFill>
-          <a:blip r:embed="rId4"/>
-          <a:stretch>
-            <a:fillRect/>
-          </a:stretch>
-        </p:blipFill>
-        <p:spPr>
-          <a:xfrm>
-            <a:off x="5291168" y="1208116"/>
-            <a:ext cx="6539837" cy="471699"/>
-          </a:xfrm>
-          <a:prstGeom prst="rect">
-            <a:avLst/>
-          </a:prstGeom>
-        </p:spPr>
-      </p:pic>
-      <p:sp>
-        <p:nvSpPr>
-          <p:cNvPr id="13" name="TextBox 12">
-            <a:extLst>
-              <a:ext uri="{FF2B5EF4-FFF2-40B4-BE49-F238E27FC236}">
-                <a16:creationId xmlns:a16="http://schemas.microsoft.com/office/drawing/2014/main" id="{BEB2CC91-90E5-465E-8C8C-95544DB06C63}"/>
-              </a:ext>
-            </a:extLst>
-          </p:cNvPr>
-          <p:cNvSpPr txBox="1"/>
-          <p:nvPr/>
-        </p:nvSpPr>
-        <p:spPr>
-          <a:xfrm>
-            <a:off x="5742524" y="5188219"/>
-            <a:ext cx="5445722" cy="923330"/>
-          </a:xfrm>
-          <a:prstGeom prst="rect">
-            <a:avLst/>
-          </a:prstGeom>
-          <a:noFill/>
-        </p:spPr>
-        <p:txBody>
-          <a:bodyPr wrap="none" rtlCol="0">
-            <a:spAutoFit/>
-          </a:bodyPr>
-          <a:lstStyle/>
-          <a:p>
-            <a:r>
-              <a:rPr lang="en-US" altLang="ko-KR" b="1" dirty="0" err="1">
-                <a:solidFill>
-                  <a:srgbClr val="00B050"/>
-                </a:solidFill>
-              </a:rPr>
-              <a:t>ReferenceDatabase</a:t>
-            </a:r>
-            <a:r>
-              <a:rPr lang="en-US" altLang="ko-KR" b="1" dirty="0">
-                <a:solidFill>
-                  <a:srgbClr val="00B050"/>
-                </a:solidFill>
-              </a:rPr>
-              <a:t> </a:t>
-            </a:r>
-            <a:r>
-              <a:rPr lang="ko-KR" altLang="en-US" b="1" dirty="0">
-                <a:solidFill>
-                  <a:srgbClr val="00B050"/>
-                </a:solidFill>
-              </a:rPr>
-              <a:t>객체</a:t>
-            </a:r>
-            <a:r>
-              <a:rPr lang="en-US" altLang="ko-KR" b="1" dirty="0">
-                <a:solidFill>
-                  <a:srgbClr val="00B050"/>
-                </a:solidFill>
-              </a:rPr>
-              <a:t>(</a:t>
-            </a:r>
-            <a:r>
-              <a:rPr lang="en-US" altLang="ko-KR" b="1" dirty="0" err="1">
-                <a:solidFill>
-                  <a:srgbClr val="00B050"/>
-                </a:solidFill>
-              </a:rPr>
-              <a:t>mDatabase</a:t>
-            </a:r>
-            <a:r>
-              <a:rPr lang="en-US" altLang="ko-KR" b="1" dirty="0">
-                <a:solidFill>
-                  <a:srgbClr val="00B050"/>
-                </a:solidFill>
-              </a:rPr>
-              <a:t>)</a:t>
-            </a:r>
-            <a:r>
-              <a:rPr lang="ko-KR" altLang="en-US" b="1" dirty="0">
-                <a:solidFill>
-                  <a:srgbClr val="00B050"/>
-                </a:solidFill>
-              </a:rPr>
-              <a:t>를 이용하여</a:t>
-            </a:r>
-            <a:endParaRPr lang="en-US" altLang="ko-KR" b="1" dirty="0">
-              <a:solidFill>
-                <a:srgbClr val="00B050"/>
-              </a:solidFill>
-            </a:endParaRPr>
-          </a:p>
-          <a:p>
-            <a:r>
-              <a:rPr lang="en-US" altLang="ko-KR" b="1" dirty="0">
-                <a:solidFill>
-                  <a:srgbClr val="00B050"/>
-                </a:solidFill>
-              </a:rPr>
-              <a:t>Firebase – </a:t>
-            </a:r>
-            <a:r>
-              <a:rPr lang="en-US" altLang="ko-KR" b="1" dirty="0" err="1">
-                <a:solidFill>
-                  <a:srgbClr val="00B050"/>
-                </a:solidFill>
-              </a:rPr>
-              <a:t>RealtimeDatabase</a:t>
-            </a:r>
-            <a:r>
-              <a:rPr lang="ko-KR" altLang="en-US" b="1" dirty="0">
-                <a:solidFill>
-                  <a:srgbClr val="00B050"/>
-                </a:solidFill>
-              </a:rPr>
-              <a:t>에</a:t>
-            </a:r>
-            <a:endParaRPr lang="en-US" altLang="ko-KR" b="1" dirty="0">
-              <a:solidFill>
-                <a:srgbClr val="00B050"/>
-              </a:solidFill>
-            </a:endParaRPr>
-          </a:p>
-          <a:p>
-            <a:r>
-              <a:rPr lang="ko-KR" altLang="en-US" b="1" dirty="0" err="1">
-                <a:solidFill>
-                  <a:srgbClr val="00B050"/>
-                </a:solidFill>
-              </a:rPr>
-              <a:t>저장되어있는</a:t>
-            </a:r>
-            <a:r>
-              <a:rPr lang="en-US" altLang="ko-KR" b="1" dirty="0">
-                <a:solidFill>
-                  <a:srgbClr val="00B050"/>
-                </a:solidFill>
-              </a:rPr>
-              <a:t> </a:t>
-            </a:r>
-            <a:r>
-              <a:rPr lang="ko-KR" altLang="en-US" b="1" dirty="0">
-                <a:solidFill>
-                  <a:srgbClr val="00B050"/>
-                </a:solidFill>
-              </a:rPr>
-              <a:t>게시글을 불러옵니다</a:t>
-            </a:r>
-            <a:r>
-              <a:rPr lang="en-US" altLang="ko-KR" b="1" dirty="0">
-                <a:solidFill>
-                  <a:srgbClr val="00B050"/>
-                </a:solidFill>
-              </a:rPr>
-              <a:t>.</a:t>
-            </a:r>
-          </a:p>
-        </p:txBody>
-      </p:sp>
-      <p:sp>
-        <p:nvSpPr>
-          <p:cNvPr id="17" name="직사각형 16">
-            <a:extLst>
-              <a:ext uri="{FF2B5EF4-FFF2-40B4-BE49-F238E27FC236}">
-                <a16:creationId xmlns:a16="http://schemas.microsoft.com/office/drawing/2014/main" id="{FAD5A42A-4AC5-4E22-B912-6F4DECC418AB}"/>
-              </a:ext>
-            </a:extLst>
-          </p:cNvPr>
-          <p:cNvSpPr/>
-          <p:nvPr/>
-        </p:nvSpPr>
-        <p:spPr>
-          <a:xfrm>
-            <a:off x="320581" y="3825631"/>
-            <a:ext cx="10523265" cy="2881977"/>
-          </a:xfrm>
-          <a:prstGeom prst="rect">
-            <a:avLst/>
-          </a:prstGeom>
-          <a:noFill/>
-          <a:ln>
-            <a:noFill/>
-          </a:ln>
-        </p:spPr>
-        <p:style>
-          <a:lnRef idx="2">
-            <a:schemeClr val="accent1">
-              <a:shade val="50000"/>
-            </a:schemeClr>
-          </a:lnRef>
-          <a:fillRef idx="1">
-            <a:schemeClr val="accent1"/>
-          </a:fillRef>
-          <a:effectRef idx="0">
-            <a:schemeClr val="accent1"/>
-          </a:effectRef>
-          <a:fontRef idx="minor">
-            <a:schemeClr val="lt1"/>
-          </a:fontRef>
-        </p:style>
-        <p:txBody>
-          <a:bodyPr rtlCol="0" anchor="ctr"/>
-          <a:lstStyle/>
-          <a:p>
-            <a:pPr algn="ctr"/>
-            <a:endParaRPr lang="ko-KR" altLang="en-US"/>
-          </a:p>
-        </p:txBody>
-      </p:sp>
     </p:spTree>
     <p:extLst>
       <p:ext uri="{BB962C8B-B14F-4D97-AF65-F5344CB8AC3E}">
-        <p14:creationId xmlns:p14="http://schemas.microsoft.com/office/powerpoint/2010/main" val="1208457357"/>
+        <p14:creationId xmlns:p14="http://schemas.microsoft.com/office/powerpoint/2010/main" val="4187284858"/>
       </p:ext>
     </p:extLst>
   </p:cSld>
@@ -11557,10 +12536,10 @@
       </p:grpSpPr>
       <p:sp>
         <p:nvSpPr>
-          <p:cNvPr id="9" name="TextBox 8">
-            <a:extLst>
-              <a:ext uri="{FF2B5EF4-FFF2-40B4-BE49-F238E27FC236}">
-                <a16:creationId xmlns:a16="http://schemas.microsoft.com/office/drawing/2014/main" id="{6C515703-5C88-4061-A5DA-65A493F454D4}"/>
+          <p:cNvPr id="5" name="TextBox 4">
+            <a:extLst>
+              <a:ext uri="{FF2B5EF4-FFF2-40B4-BE49-F238E27FC236}">
+                <a16:creationId xmlns:a16="http://schemas.microsoft.com/office/drawing/2014/main" id="{06F408F8-AF05-4F9E-A2CA-BF35AA4498E3}"/>
               </a:ext>
             </a:extLst>
           </p:cNvPr>
@@ -11570,7 +12549,7 @@
         <p:spPr>
           <a:xfrm>
             <a:off x="187569" y="150392"/>
-            <a:ext cx="2031325" cy="646331"/>
+            <a:ext cx="1569660" cy="646331"/>
           </a:xfrm>
           <a:prstGeom prst="rect">
             <a:avLst/>
@@ -11592,7 +12571,7 @@
           <a:p>
             <a:r>
               <a:rPr lang="ko-KR" altLang="en-US" dirty="0"/>
-              <a:t>제작방법 및 결과</a:t>
+              <a:t>제작기준</a:t>
             </a:r>
             <a:endParaRPr lang="en-US" altLang="ko-KR" dirty="0"/>
           </a:p>
@@ -11600,10 +12579,10 @@
       </p:sp>
       <p:pic>
         <p:nvPicPr>
-          <p:cNvPr id="5" name="그림 4">
-            <a:extLst>
-              <a:ext uri="{FF2B5EF4-FFF2-40B4-BE49-F238E27FC236}">
-                <a16:creationId xmlns:a16="http://schemas.microsoft.com/office/drawing/2014/main" id="{35DFFDA9-965C-49B8-8B7F-89287489680B}"/>
+          <p:cNvPr id="4" name="그림 3">
+            <a:extLst>
+              <a:ext uri="{FF2B5EF4-FFF2-40B4-BE49-F238E27FC236}">
+                <a16:creationId xmlns:a16="http://schemas.microsoft.com/office/drawing/2014/main" id="{A75F52C8-2DF0-4720-B5AE-DD82CD8AE127}"/>
               </a:ext>
             </a:extLst>
           </p:cNvPr>
@@ -11620,235 +12599,20 @@
         </p:blipFill>
         <p:spPr>
           <a:xfrm>
-            <a:off x="276273" y="1303047"/>
-            <a:ext cx="5819727" cy="5404561"/>
-          </a:xfrm>
-          <a:prstGeom prst="rect">
-            <a:avLst/>
-          </a:prstGeom>
-          <a:ln>
-            <a:solidFill>
-              <a:schemeClr val="tx1"/>
-            </a:solidFill>
-          </a:ln>
+            <a:off x="2716440" y="796723"/>
+            <a:ext cx="8541481" cy="5717008"/>
+          </a:xfrm>
+          <a:prstGeom prst="rect">
+            <a:avLst/>
+          </a:prstGeom>
         </p:spPr>
       </p:pic>
-      <p:sp>
-        <p:nvSpPr>
-          <p:cNvPr id="6" name="TextBox 5">
-            <a:extLst>
-              <a:ext uri="{FF2B5EF4-FFF2-40B4-BE49-F238E27FC236}">
-                <a16:creationId xmlns:a16="http://schemas.microsoft.com/office/drawing/2014/main" id="{7CC26C31-082B-4C37-967A-9A19C3A926EB}"/>
-              </a:ext>
-            </a:extLst>
-          </p:cNvPr>
-          <p:cNvSpPr txBox="1"/>
-          <p:nvPr/>
-        </p:nvSpPr>
-        <p:spPr>
-          <a:xfrm>
-            <a:off x="1359877" y="868847"/>
-            <a:ext cx="3074881" cy="369332"/>
-          </a:xfrm>
-          <a:prstGeom prst="rect">
-            <a:avLst/>
-          </a:prstGeom>
-          <a:noFill/>
-        </p:spPr>
-        <p:txBody>
-          <a:bodyPr wrap="none" rtlCol="0">
-            <a:spAutoFit/>
-          </a:bodyPr>
-          <a:lstStyle/>
-          <a:p>
-            <a:r>
-              <a:rPr lang="en-US" altLang="ko-KR" dirty="0" err="1"/>
-              <a:t>ForumActivity</a:t>
-            </a:r>
-            <a:r>
-              <a:rPr lang="en-US" altLang="ko-KR" dirty="0"/>
-              <a:t> (</a:t>
-            </a:r>
-            <a:r>
-              <a:rPr lang="ko-KR" altLang="en-US" dirty="0"/>
-              <a:t>게시판 화면</a:t>
-            </a:r>
-            <a:r>
-              <a:rPr lang="en-US" altLang="ko-KR" dirty="0"/>
-              <a:t>)</a:t>
-            </a:r>
-            <a:endParaRPr lang="ko-KR" altLang="en-US" dirty="0"/>
-          </a:p>
-        </p:txBody>
-      </p:sp>
-      <p:sp>
-        <p:nvSpPr>
-          <p:cNvPr id="14" name="TextBox 13">
-            <a:extLst>
-              <a:ext uri="{FF2B5EF4-FFF2-40B4-BE49-F238E27FC236}">
-                <a16:creationId xmlns:a16="http://schemas.microsoft.com/office/drawing/2014/main" id="{022D89EC-1092-4291-B2C6-99BCEA433094}"/>
-              </a:ext>
-            </a:extLst>
-          </p:cNvPr>
-          <p:cNvSpPr txBox="1"/>
-          <p:nvPr/>
-        </p:nvSpPr>
-        <p:spPr>
-          <a:xfrm>
-            <a:off x="6484837" y="796723"/>
-            <a:ext cx="5179623" cy="3139321"/>
-          </a:xfrm>
-          <a:prstGeom prst="rect">
-            <a:avLst/>
-          </a:prstGeom>
-          <a:noFill/>
-        </p:spPr>
-        <p:txBody>
-          <a:bodyPr wrap="none" rtlCol="0">
-            <a:spAutoFit/>
-          </a:bodyPr>
-          <a:lstStyle/>
-          <a:p>
-            <a:r>
-              <a:rPr lang="ko-KR" altLang="en-US" dirty="0"/>
-              <a:t>마찬가지로 </a:t>
-            </a:r>
-            <a:r>
-              <a:rPr lang="en-US" altLang="ko-KR" dirty="0"/>
-              <a:t>Firebase – </a:t>
-            </a:r>
-            <a:r>
-              <a:rPr lang="en-US" altLang="ko-KR" dirty="0" err="1"/>
-              <a:t>RealtimeDatabase</a:t>
-            </a:r>
-            <a:r>
-              <a:rPr lang="ko-KR" altLang="en-US" dirty="0"/>
-              <a:t>에서</a:t>
-            </a:r>
-            <a:endParaRPr lang="en-US" altLang="ko-KR" dirty="0"/>
-          </a:p>
-          <a:p>
-            <a:r>
-              <a:rPr lang="ko-KR" altLang="en-US" dirty="0"/>
-              <a:t>게시글 목록을 가져옵니다</a:t>
-            </a:r>
-            <a:r>
-              <a:rPr lang="en-US" altLang="ko-KR" dirty="0"/>
-              <a:t>.</a:t>
-            </a:r>
-          </a:p>
-          <a:p>
-            <a:endParaRPr lang="en-US" altLang="ko-KR" dirty="0"/>
-          </a:p>
-          <a:p>
-            <a:r>
-              <a:rPr lang="ko-KR" altLang="en-US" dirty="0"/>
-              <a:t>기본적으로 오래된 게시글부터 가져오기 때문에</a:t>
-            </a:r>
-            <a:r>
-              <a:rPr lang="en-US" altLang="ko-KR" dirty="0"/>
-              <a:t>,</a:t>
-            </a:r>
-          </a:p>
-          <a:p>
-            <a:r>
-              <a:rPr lang="ko-KR" altLang="en-US" dirty="0"/>
-              <a:t>모든 게시글을 우선 </a:t>
-            </a:r>
-            <a:r>
-              <a:rPr lang="en-US" altLang="ko-KR" dirty="0" err="1"/>
-              <a:t>ArrayList</a:t>
-            </a:r>
-            <a:r>
-              <a:rPr lang="ko-KR" altLang="en-US" dirty="0"/>
-              <a:t>에 저장 후</a:t>
-            </a:r>
-            <a:endParaRPr lang="en-US" altLang="ko-KR" dirty="0"/>
-          </a:p>
-          <a:p>
-            <a:r>
-              <a:rPr lang="en-US" altLang="ko-KR" dirty="0" err="1"/>
-              <a:t>Collections.reverse</a:t>
-            </a:r>
-            <a:r>
-              <a:rPr lang="en-US" altLang="ko-KR" dirty="0"/>
-              <a:t>() </a:t>
-            </a:r>
-            <a:r>
-              <a:rPr lang="ko-KR" altLang="en-US" dirty="0"/>
-              <a:t>메서드를 사용하여</a:t>
-            </a:r>
-            <a:endParaRPr lang="en-US" altLang="ko-KR" dirty="0"/>
-          </a:p>
-          <a:p>
-            <a:r>
-              <a:rPr lang="ko-KR" altLang="en-US" dirty="0"/>
-              <a:t>최신순으로 정렬합니다</a:t>
-            </a:r>
-            <a:r>
-              <a:rPr lang="en-US" altLang="ko-KR" dirty="0"/>
-              <a:t>.</a:t>
-            </a:r>
-          </a:p>
-          <a:p>
-            <a:endParaRPr lang="en-US" altLang="ko-KR" dirty="0"/>
-          </a:p>
-          <a:p>
-            <a:r>
-              <a:rPr lang="ko-KR" altLang="en-US" dirty="0"/>
-              <a:t>후에 </a:t>
-            </a:r>
-            <a:r>
-              <a:rPr lang="en-US" altLang="ko-KR" dirty="0" err="1"/>
-              <a:t>ArrayList</a:t>
-            </a:r>
-            <a:r>
-              <a:rPr lang="ko-KR" altLang="en-US" dirty="0"/>
-              <a:t>를</a:t>
-            </a:r>
-            <a:endParaRPr lang="en-US" altLang="ko-KR" dirty="0"/>
-          </a:p>
-          <a:p>
-            <a:r>
-              <a:rPr lang="en-US" altLang="ko-KR" dirty="0" err="1"/>
-              <a:t>PostAdapter</a:t>
-            </a:r>
-            <a:r>
-              <a:rPr lang="ko-KR" altLang="en-US" dirty="0"/>
-              <a:t>에 연결 후</a:t>
-            </a:r>
-            <a:r>
-              <a:rPr lang="en-US" altLang="ko-KR" dirty="0"/>
-              <a:t> </a:t>
-            </a:r>
-            <a:r>
-              <a:rPr lang="en-US" altLang="ko-KR" dirty="0" err="1"/>
-              <a:t>RecyclerView</a:t>
-            </a:r>
-            <a:r>
-              <a:rPr lang="ko-KR" altLang="en-US" dirty="0"/>
-              <a:t>에</a:t>
-            </a:r>
-            <a:endParaRPr lang="en-US" altLang="ko-KR" dirty="0"/>
-          </a:p>
-          <a:p>
-            <a:r>
-              <a:rPr lang="ko-KR" altLang="en-US" dirty="0"/>
-              <a:t>표시하였습니다</a:t>
-            </a:r>
-            <a:r>
-              <a:rPr lang="en-US" altLang="ko-KR" dirty="0"/>
-              <a:t>.</a:t>
-            </a:r>
-          </a:p>
-        </p:txBody>
-      </p:sp>
       <p:pic>
         <p:nvPicPr>
-          <p:cNvPr id="20" name="그림 19">
-            <a:extLst>
-              <a:ext uri="{FF2B5EF4-FFF2-40B4-BE49-F238E27FC236}">
-                <a16:creationId xmlns:a16="http://schemas.microsoft.com/office/drawing/2014/main" id="{76DD9EC2-67B5-4EDB-8169-5BA40958807C}"/>
+          <p:cNvPr id="6" name="그림 5">
+            <a:extLst>
+              <a:ext uri="{FF2B5EF4-FFF2-40B4-BE49-F238E27FC236}">
+                <a16:creationId xmlns:a16="http://schemas.microsoft.com/office/drawing/2014/main" id="{7E4D2CEC-47A7-4B80-8049-EB869C712705}"/>
               </a:ext>
             </a:extLst>
           </p:cNvPr>
@@ -11865,38 +12629,8 @@
         </p:blipFill>
         <p:spPr>
           <a:xfrm>
-            <a:off x="6740025" y="4637440"/>
-            <a:ext cx="5006497" cy="2022827"/>
-          </a:xfrm>
-          <a:prstGeom prst="rect">
-            <a:avLst/>
-          </a:prstGeom>
-        </p:spPr>
-      </p:pic>
-      <p:pic>
-        <p:nvPicPr>
-          <p:cNvPr id="22" name="그림 21">
-            <a:extLst>
-              <a:ext uri="{FF2B5EF4-FFF2-40B4-BE49-F238E27FC236}">
-                <a16:creationId xmlns:a16="http://schemas.microsoft.com/office/drawing/2014/main" id="{444F093A-FC73-4126-87F8-254C7299DFAC}"/>
-              </a:ext>
-            </a:extLst>
-          </p:cNvPr>
-          <p:cNvPicPr>
-            <a:picLocks noChangeAspect="1"/>
-          </p:cNvPicPr>
-          <p:nvPr/>
-        </p:nvPicPr>
-        <p:blipFill>
-          <a:blip r:embed="rId4"/>
-          <a:stretch>
-            <a:fillRect/>
-          </a:stretch>
-        </p:blipFill>
-        <p:spPr>
-          <a:xfrm>
-            <a:off x="6301665" y="4175389"/>
-            <a:ext cx="5719091" cy="222706"/>
+            <a:off x="187569" y="3048000"/>
+            <a:ext cx="2003550" cy="1235349"/>
           </a:xfrm>
           <a:prstGeom prst="rect">
             <a:avLst/>
@@ -11906,7 +12640,7 @@
     </p:spTree>
     <p:extLst>
       <p:ext uri="{BB962C8B-B14F-4D97-AF65-F5344CB8AC3E}">
-        <p14:creationId xmlns:p14="http://schemas.microsoft.com/office/powerpoint/2010/main" val="3238946334"/>
+        <p14:creationId xmlns:p14="http://schemas.microsoft.com/office/powerpoint/2010/main" val="2931731065"/>
       </p:ext>
     </p:extLst>
   </p:cSld>
@@ -11978,10 +12712,10 @@
       </p:sp>
       <p:pic>
         <p:nvPicPr>
-          <p:cNvPr id="3" name="그림 2">
-            <a:extLst>
-              <a:ext uri="{FF2B5EF4-FFF2-40B4-BE49-F238E27FC236}">
-                <a16:creationId xmlns:a16="http://schemas.microsoft.com/office/drawing/2014/main" id="{C6478A2B-34DE-4EC2-9B53-BC46B3872C91}"/>
+          <p:cNvPr id="5" name="그림 4">
+            <a:extLst>
+              <a:ext uri="{FF2B5EF4-FFF2-40B4-BE49-F238E27FC236}">
+                <a16:creationId xmlns:a16="http://schemas.microsoft.com/office/drawing/2014/main" id="{FA175239-2F11-41F2-81DD-F61EB2FA4F07}"/>
               </a:ext>
             </a:extLst>
           </p:cNvPr>
@@ -11998,8 +12732,8 @@
         </p:blipFill>
         <p:spPr>
           <a:xfrm>
-            <a:off x="442198" y="1550700"/>
-            <a:ext cx="4953691" cy="876422"/>
+            <a:off x="3637446" y="1231900"/>
+            <a:ext cx="4917107" cy="5328334"/>
           </a:xfrm>
           <a:prstGeom prst="rect">
             <a:avLst/>
@@ -12013,10 +12747,10 @@
       </p:pic>
       <p:sp>
         <p:nvSpPr>
-          <p:cNvPr id="4" name="TextBox 3">
-            <a:extLst>
-              <a:ext uri="{FF2B5EF4-FFF2-40B4-BE49-F238E27FC236}">
-                <a16:creationId xmlns:a16="http://schemas.microsoft.com/office/drawing/2014/main" id="{C5C0E4BA-3FC1-4E0E-9CC1-CDEDBA3D11CF}"/>
+          <p:cNvPr id="6" name="TextBox 5">
+            <a:extLst>
+              <a:ext uri="{FF2B5EF4-FFF2-40B4-BE49-F238E27FC236}">
+                <a16:creationId xmlns:a16="http://schemas.microsoft.com/office/drawing/2014/main" id="{BB57AB76-4C2C-4F5E-B894-AA1F688FED63}"/>
               </a:ext>
             </a:extLst>
           </p:cNvPr>
@@ -12025,8 +12759,8 @@
         </p:nvSpPr>
         <p:spPr>
           <a:xfrm>
-            <a:off x="6166979" y="4650370"/>
-            <a:ext cx="4927952" cy="1200329"/>
+            <a:off x="418501" y="1431723"/>
+            <a:ext cx="2619628" cy="646331"/>
           </a:xfrm>
           <a:prstGeom prst="rect">
             <a:avLst/>
@@ -12040,245 +12774,27 @@
           <a:lstStyle/>
           <a:p>
             <a:r>
-              <a:rPr lang="ko-KR" altLang="en-US" dirty="0"/>
-              <a:t>처음 게시글을 불러올 때</a:t>
-            </a:r>
-            <a:r>
-              <a:rPr lang="en-US" altLang="ko-KR" dirty="0"/>
-              <a:t>,</a:t>
-            </a:r>
-          </a:p>
-          <a:p>
-            <a:r>
-              <a:rPr lang="ko-KR" altLang="en-US" dirty="0"/>
-              <a:t>게시글</a:t>
-            </a:r>
-            <a:r>
-              <a:rPr lang="en-US" altLang="ko-KR" dirty="0"/>
-              <a:t>id</a:t>
-            </a:r>
-            <a:r>
-              <a:rPr lang="ko-KR" altLang="en-US" dirty="0"/>
-              <a:t>를 </a:t>
-            </a:r>
-            <a:r>
-              <a:rPr lang="en-US" altLang="ko-KR" dirty="0"/>
-              <a:t>HashMap</a:t>
-            </a:r>
-            <a:r>
-              <a:rPr lang="ko-KR" altLang="en-US" dirty="0"/>
-              <a:t>에 별도로 저장하여</a:t>
-            </a:r>
-            <a:endParaRPr lang="en-US" altLang="ko-KR" dirty="0"/>
-          </a:p>
-          <a:p>
-            <a:r>
-              <a:rPr lang="ko-KR" altLang="en-US" dirty="0"/>
-              <a:t>해당 게시글 표시 화면으로 전환할 때</a:t>
-            </a:r>
-            <a:endParaRPr lang="en-US" altLang="ko-KR" dirty="0"/>
-          </a:p>
-          <a:p>
-            <a:r>
-              <a:rPr lang="ko-KR" altLang="en-US" dirty="0"/>
-              <a:t>해당 게시글의 </a:t>
-            </a:r>
-            <a:r>
-              <a:rPr lang="en-US" altLang="ko-KR" dirty="0"/>
-              <a:t>id</a:t>
-            </a:r>
-            <a:r>
-              <a:rPr lang="ko-KR" altLang="en-US" dirty="0"/>
-              <a:t>를 전달할 수 있도록 합니다</a:t>
-            </a:r>
-            <a:r>
-              <a:rPr lang="en-US" altLang="ko-KR" dirty="0"/>
-              <a:t>.</a:t>
-            </a:r>
-            <a:r>
-              <a:rPr lang="ko-KR" altLang="en-US" dirty="0"/>
-              <a:t> </a:t>
-            </a:r>
-            <a:endParaRPr lang="en-US" altLang="ko-KR" dirty="0"/>
-          </a:p>
-        </p:txBody>
-      </p:sp>
-      <p:pic>
-        <p:nvPicPr>
-          <p:cNvPr id="8" name="그림 7">
-            <a:extLst>
-              <a:ext uri="{FF2B5EF4-FFF2-40B4-BE49-F238E27FC236}">
-                <a16:creationId xmlns:a16="http://schemas.microsoft.com/office/drawing/2014/main" id="{E505AB12-0A03-4DA3-9BDE-B4754237AE47}"/>
-              </a:ext>
-            </a:extLst>
-          </p:cNvPr>
-          <p:cNvPicPr>
-            <a:picLocks noChangeAspect="1"/>
-          </p:cNvPicPr>
-          <p:nvPr/>
-        </p:nvPicPr>
-        <p:blipFill>
-          <a:blip r:embed="rId3"/>
-          <a:stretch>
-            <a:fillRect/>
-          </a:stretch>
-        </p:blipFill>
-        <p:spPr>
-          <a:xfrm>
-            <a:off x="823252" y="3389031"/>
-            <a:ext cx="4191585" cy="2048161"/>
-          </a:xfrm>
-          <a:prstGeom prst="rect">
-            <a:avLst/>
-          </a:prstGeom>
-          <a:ln>
-            <a:solidFill>
-              <a:schemeClr val="tx1"/>
-            </a:solidFill>
-          </a:ln>
-        </p:spPr>
-      </p:pic>
-      <p:pic>
-        <p:nvPicPr>
-          <p:cNvPr id="11" name="그림 10">
-            <a:extLst>
-              <a:ext uri="{FF2B5EF4-FFF2-40B4-BE49-F238E27FC236}">
-                <a16:creationId xmlns:a16="http://schemas.microsoft.com/office/drawing/2014/main" id="{20527093-97C8-4635-8371-F747F1732CC8}"/>
-              </a:ext>
-            </a:extLst>
-          </p:cNvPr>
-          <p:cNvPicPr>
-            <a:picLocks noChangeAspect="1"/>
-          </p:cNvPicPr>
-          <p:nvPr/>
-        </p:nvPicPr>
-        <p:blipFill>
-          <a:blip r:embed="rId4"/>
-          <a:stretch>
-            <a:fillRect/>
-          </a:stretch>
-        </p:blipFill>
-        <p:spPr>
-          <a:xfrm>
-            <a:off x="5762033" y="1870844"/>
-            <a:ext cx="3839111" cy="314369"/>
-          </a:xfrm>
-          <a:prstGeom prst="rect">
-            <a:avLst/>
-          </a:prstGeom>
-        </p:spPr>
-      </p:pic>
-      <p:pic>
-        <p:nvPicPr>
-          <p:cNvPr id="13" name="그림 12">
-            <a:extLst>
-              <a:ext uri="{FF2B5EF4-FFF2-40B4-BE49-F238E27FC236}">
-                <a16:creationId xmlns:a16="http://schemas.microsoft.com/office/drawing/2014/main" id="{637789A5-EBC7-40C9-A89A-56DCAF9A3357}"/>
-              </a:ext>
-            </a:extLst>
-          </p:cNvPr>
-          <p:cNvPicPr>
-            <a:picLocks noChangeAspect="1"/>
-          </p:cNvPicPr>
-          <p:nvPr/>
-        </p:nvPicPr>
-        <p:blipFill>
-          <a:blip r:embed="rId5"/>
-          <a:stretch>
-            <a:fillRect/>
-          </a:stretch>
-        </p:blipFill>
-        <p:spPr>
-          <a:xfrm>
-            <a:off x="5762033" y="2387552"/>
-            <a:ext cx="3839111" cy="715209"/>
-          </a:xfrm>
-          <a:prstGeom prst="rect">
-            <a:avLst/>
-          </a:prstGeom>
-        </p:spPr>
-      </p:pic>
-      <p:pic>
-        <p:nvPicPr>
-          <p:cNvPr id="16" name="그림 15">
-            <a:extLst>
-              <a:ext uri="{FF2B5EF4-FFF2-40B4-BE49-F238E27FC236}">
-                <a16:creationId xmlns:a16="http://schemas.microsoft.com/office/drawing/2014/main" id="{62B1EDAD-2E43-46C7-AB14-B5DA0F57A921}"/>
-              </a:ext>
-            </a:extLst>
-          </p:cNvPr>
-          <p:cNvPicPr>
-            <a:picLocks noChangeAspect="1"/>
-          </p:cNvPicPr>
-          <p:nvPr/>
-        </p:nvPicPr>
-        <p:blipFill>
-          <a:blip r:embed="rId6"/>
-          <a:stretch>
-            <a:fillRect/>
-          </a:stretch>
-        </p:blipFill>
-        <p:spPr>
-          <a:xfrm>
-            <a:off x="5762033" y="3236746"/>
-            <a:ext cx="6058746" cy="1086002"/>
-          </a:xfrm>
-          <a:prstGeom prst="rect">
-            <a:avLst/>
-          </a:prstGeom>
-        </p:spPr>
-      </p:pic>
-      <p:sp>
-        <p:nvSpPr>
-          <p:cNvPr id="17" name="TextBox 16">
-            <a:extLst>
-              <a:ext uri="{FF2B5EF4-FFF2-40B4-BE49-F238E27FC236}">
-                <a16:creationId xmlns:a16="http://schemas.microsoft.com/office/drawing/2014/main" id="{46680563-6082-4993-A982-ECF7546CC8CC}"/>
-              </a:ext>
-            </a:extLst>
-          </p:cNvPr>
-          <p:cNvSpPr txBox="1"/>
-          <p:nvPr/>
-        </p:nvSpPr>
-        <p:spPr>
-          <a:xfrm>
-            <a:off x="1189394" y="1665745"/>
-            <a:ext cx="4354077" cy="646331"/>
-          </a:xfrm>
-          <a:prstGeom prst="rect">
-            <a:avLst/>
-          </a:prstGeom>
-          <a:noFill/>
-        </p:spPr>
-        <p:txBody>
-          <a:bodyPr wrap="none" rtlCol="0">
-            <a:spAutoFit/>
-          </a:bodyPr>
-          <a:lstStyle/>
-          <a:p>
-            <a:r>
-              <a:rPr lang="ko-KR" altLang="en-US" dirty="0"/>
-              <a:t>터치하면 게시글 표시 화면으로</a:t>
-            </a:r>
-            <a:endParaRPr lang="en-US" altLang="ko-KR" dirty="0"/>
-          </a:p>
-          <a:p>
-            <a:r>
-              <a:rPr lang="ko-KR" altLang="en-US" dirty="0"/>
-              <a:t>전환된 후 해당 게시글이 표시되어야 함</a:t>
-            </a:r>
-            <a:r>
-              <a:rPr lang="en-US" altLang="ko-KR" dirty="0"/>
-              <a:t>!</a:t>
-            </a:r>
-            <a:endParaRPr lang="ko-KR" altLang="en-US" dirty="0"/>
+              <a:rPr lang="en-US" altLang="ko-KR" dirty="0" err="1"/>
+              <a:t>CommunityFragment</a:t>
+            </a:r>
+            <a:r>
+              <a:rPr lang="ko-KR" altLang="en-US" dirty="0"/>
+              <a:t>의</a:t>
+            </a:r>
+            <a:endParaRPr lang="en-US" altLang="ko-KR" dirty="0"/>
+          </a:p>
+          <a:p>
+            <a:r>
+              <a:rPr lang="ko-KR" altLang="en-US" dirty="0"/>
+              <a:t>대략적인 구조</a:t>
+            </a:r>
           </a:p>
         </p:txBody>
       </p:sp>
     </p:spTree>
     <p:extLst>
       <p:ext uri="{BB962C8B-B14F-4D97-AF65-F5344CB8AC3E}">
-        <p14:creationId xmlns:p14="http://schemas.microsoft.com/office/powerpoint/2010/main" val="408013309"/>
+        <p14:creationId xmlns:p14="http://schemas.microsoft.com/office/powerpoint/2010/main" val="2394150618"/>
       </p:ext>
     </p:extLst>
   </p:cSld>
@@ -12350,10 +12866,10 @@
       </p:sp>
       <p:pic>
         <p:nvPicPr>
-          <p:cNvPr id="5" name="그림 4">
-            <a:extLst>
-              <a:ext uri="{FF2B5EF4-FFF2-40B4-BE49-F238E27FC236}">
-                <a16:creationId xmlns:a16="http://schemas.microsoft.com/office/drawing/2014/main" id="{F4BB2CFE-6171-473E-887B-9B64914C82E6}"/>
+          <p:cNvPr id="12" name="그림 11">
+            <a:extLst>
+              <a:ext uri="{FF2B5EF4-FFF2-40B4-BE49-F238E27FC236}">
+                <a16:creationId xmlns:a16="http://schemas.microsoft.com/office/drawing/2014/main" id="{198768A3-45D2-4E0B-B225-F6FF1CFB6888}"/>
               </a:ext>
             </a:extLst>
           </p:cNvPr>
@@ -12370,20 +12886,85 @@
         </p:blipFill>
         <p:spPr>
           <a:xfrm>
-            <a:off x="686623" y="2779125"/>
-            <a:ext cx="3972479" cy="1571844"/>
-          </a:xfrm>
-          <a:prstGeom prst="rect">
-            <a:avLst/>
-          </a:prstGeom>
+            <a:off x="6774155" y="2214004"/>
+            <a:ext cx="3164552" cy="2534956"/>
+          </a:xfrm>
+          <a:prstGeom prst="rect">
+            <a:avLst/>
+          </a:prstGeom>
+          <a:ln>
+            <a:solidFill>
+              <a:schemeClr val="tx1"/>
+            </a:solidFill>
+          </a:ln>
         </p:spPr>
       </p:pic>
-      <p:sp>
-        <p:nvSpPr>
-          <p:cNvPr id="6" name="TextBox 5">
-            <a:extLst>
-              <a:ext uri="{FF2B5EF4-FFF2-40B4-BE49-F238E27FC236}">
-                <a16:creationId xmlns:a16="http://schemas.microsoft.com/office/drawing/2014/main" id="{225C2D96-6718-45A9-875F-8717461FA376}"/>
+      <p:pic>
+        <p:nvPicPr>
+          <p:cNvPr id="3" name="그림 2">
+            <a:extLst>
+              <a:ext uri="{FF2B5EF4-FFF2-40B4-BE49-F238E27FC236}">
+                <a16:creationId xmlns:a16="http://schemas.microsoft.com/office/drawing/2014/main" id="{6AC1818A-4B8F-47D0-9291-B047D8075A45}"/>
+              </a:ext>
+            </a:extLst>
+          </p:cNvPr>
+          <p:cNvPicPr>
+            <a:picLocks noChangeAspect="1"/>
+          </p:cNvPicPr>
+          <p:nvPr/>
+        </p:nvPicPr>
+        <p:blipFill>
+          <a:blip r:embed="rId3"/>
+          <a:stretch>
+            <a:fillRect/>
+          </a:stretch>
+        </p:blipFill>
+        <p:spPr>
+          <a:xfrm>
+            <a:off x="320581" y="2224741"/>
+            <a:ext cx="4374527" cy="2764219"/>
+          </a:xfrm>
+          <a:prstGeom prst="rect">
+            <a:avLst/>
+          </a:prstGeom>
+        </p:spPr>
+      </p:pic>
+      <p:pic>
+        <p:nvPicPr>
+          <p:cNvPr id="7" name="그림 6">
+            <a:extLst>
+              <a:ext uri="{FF2B5EF4-FFF2-40B4-BE49-F238E27FC236}">
+                <a16:creationId xmlns:a16="http://schemas.microsoft.com/office/drawing/2014/main" id="{1D7BB2DA-E7B9-4EBE-9F02-BA65FF05B6B4}"/>
+              </a:ext>
+            </a:extLst>
+          </p:cNvPr>
+          <p:cNvPicPr>
+            <a:picLocks noChangeAspect="1"/>
+          </p:cNvPicPr>
+          <p:nvPr/>
+        </p:nvPicPr>
+        <p:blipFill>
+          <a:blip r:embed="rId4"/>
+          <a:stretch>
+            <a:fillRect/>
+          </a:stretch>
+        </p:blipFill>
+        <p:spPr>
+          <a:xfrm>
+            <a:off x="5291168" y="1208116"/>
+            <a:ext cx="6539837" cy="471699"/>
+          </a:xfrm>
+          <a:prstGeom prst="rect">
+            <a:avLst/>
+          </a:prstGeom>
+        </p:spPr>
+      </p:pic>
+      <p:sp>
+        <p:nvSpPr>
+          <p:cNvPr id="13" name="TextBox 12">
+            <a:extLst>
+              <a:ext uri="{FF2B5EF4-FFF2-40B4-BE49-F238E27FC236}">
+                <a16:creationId xmlns:a16="http://schemas.microsoft.com/office/drawing/2014/main" id="{BEB2CC91-90E5-465E-8C8C-95544DB06C63}"/>
               </a:ext>
             </a:extLst>
           </p:cNvPr>
@@ -12392,8 +12973,8 @@
         </p:nvSpPr>
         <p:spPr>
           <a:xfrm>
-            <a:off x="5240216" y="1835893"/>
-            <a:ext cx="6359498" cy="3970318"/>
+            <a:off x="5742524" y="5188219"/>
+            <a:ext cx="5445722" cy="923330"/>
           </a:xfrm>
           <a:prstGeom prst="rect">
             <a:avLst/>
@@ -12407,158 +12988,188 @@
           <a:lstStyle/>
           <a:p>
             <a:r>
-              <a:rPr lang="en-US" altLang="ko-KR" dirty="0" err="1"/>
-              <a:t>PostActivity</a:t>
-            </a:r>
-            <a:r>
-              <a:rPr lang="en-US" altLang="ko-KR" dirty="0"/>
+              <a:rPr lang="en-US" altLang="ko-KR" b="1" dirty="0" err="1">
+                <a:solidFill>
+                  <a:srgbClr val="00B050"/>
+                </a:solidFill>
+              </a:rPr>
+              <a:t>ReferenceDatabase</a:t>
+            </a:r>
+            <a:r>
+              <a:rPr lang="en-US" altLang="ko-KR" b="1" dirty="0">
+                <a:solidFill>
+                  <a:srgbClr val="00B050"/>
+                </a:solidFill>
+              </a:rPr>
               <a:t> </a:t>
             </a:r>
             <a:r>
-              <a:rPr lang="ko-KR" altLang="en-US" dirty="0"/>
-              <a:t>제작 결과를 설명하기 앞서</a:t>
-            </a:r>
-            <a:endParaRPr lang="en-US" altLang="ko-KR" dirty="0"/>
-          </a:p>
-          <a:p>
-            <a:r>
-              <a:rPr lang="ko-KR" altLang="en-US" dirty="0"/>
-              <a:t>게시글 정보를 저장하는</a:t>
-            </a:r>
-            <a:endParaRPr lang="en-US" altLang="ko-KR" dirty="0"/>
-          </a:p>
-          <a:p>
-            <a:r>
-              <a:rPr lang="en-US" altLang="ko-KR" dirty="0"/>
-              <a:t>Post </a:t>
-            </a:r>
-            <a:r>
-              <a:rPr lang="ko-KR" altLang="en-US" dirty="0"/>
-              <a:t>객체에 대해 간략하게 설명하겠습니다</a:t>
-            </a:r>
-            <a:endParaRPr lang="en-US" altLang="ko-KR" dirty="0"/>
-          </a:p>
-          <a:p>
-            <a:endParaRPr lang="en-US" altLang="ko-KR" dirty="0"/>
-          </a:p>
-          <a:p>
-            <a:r>
-              <a:rPr lang="en-US" altLang="ko-KR" dirty="0"/>
-              <a:t>Post</a:t>
-            </a:r>
-            <a:r>
-              <a:rPr lang="ko-KR" altLang="en-US" dirty="0"/>
-              <a:t> 객체는</a:t>
-            </a:r>
-            <a:endParaRPr lang="en-US" altLang="ko-KR" dirty="0"/>
-          </a:p>
-          <a:p>
-            <a:r>
-              <a:rPr lang="ko-KR" altLang="en-US" dirty="0"/>
-              <a:t>글 제목</a:t>
-            </a:r>
-            <a:endParaRPr lang="en-US" altLang="ko-KR" dirty="0"/>
-          </a:p>
-          <a:p>
-            <a:r>
-              <a:rPr lang="ko-KR" altLang="en-US" dirty="0" err="1"/>
-              <a:t>작성자닉네임</a:t>
-            </a:r>
-            <a:endParaRPr lang="en-US" altLang="ko-KR" dirty="0"/>
-          </a:p>
-          <a:p>
-            <a:r>
-              <a:rPr lang="ko-KR" altLang="en-US" dirty="0"/>
-              <a:t>작성자</a:t>
-            </a:r>
-            <a:r>
-              <a:rPr lang="en-US" altLang="ko-KR" dirty="0" err="1"/>
-              <a:t>uid</a:t>
-            </a:r>
-            <a:endParaRPr lang="en-US" altLang="ko-KR" dirty="0"/>
-          </a:p>
-          <a:p>
-            <a:r>
-              <a:rPr lang="ko-KR" altLang="en-US" dirty="0"/>
-              <a:t>작성일자</a:t>
-            </a:r>
-            <a:endParaRPr lang="en-US" altLang="ko-KR" dirty="0"/>
-          </a:p>
-          <a:p>
-            <a:r>
-              <a:rPr lang="ko-KR" altLang="en-US" dirty="0"/>
-              <a:t>글 본문</a:t>
-            </a:r>
-            <a:endParaRPr lang="en-US" altLang="ko-KR" dirty="0"/>
-          </a:p>
-          <a:p>
-            <a:r>
-              <a:rPr lang="ko-KR" altLang="en-US" dirty="0"/>
-              <a:t>정보를 저장합니다</a:t>
-            </a:r>
-            <a:r>
-              <a:rPr lang="en-US" altLang="ko-KR" dirty="0"/>
+              <a:rPr lang="ko-KR" altLang="en-US" b="1" dirty="0">
+                <a:solidFill>
+                  <a:srgbClr val="00B050"/>
+                </a:solidFill>
+              </a:rPr>
+              <a:t>객체</a:t>
+            </a:r>
+            <a:r>
+              <a:rPr lang="en-US" altLang="ko-KR" b="1" dirty="0">
+                <a:solidFill>
+                  <a:srgbClr val="00B050"/>
+                </a:solidFill>
+              </a:rPr>
+              <a:t>(</a:t>
+            </a:r>
+            <a:r>
+              <a:rPr lang="en-US" altLang="ko-KR" b="1" dirty="0" err="1">
+                <a:solidFill>
+                  <a:srgbClr val="00B050"/>
+                </a:solidFill>
+              </a:rPr>
+              <a:t>mDatabase</a:t>
+            </a:r>
+            <a:r>
+              <a:rPr lang="en-US" altLang="ko-KR" b="1" dirty="0">
+                <a:solidFill>
+                  <a:srgbClr val="00B050"/>
+                </a:solidFill>
+              </a:rPr>
+              <a:t>)</a:t>
+            </a:r>
+            <a:r>
+              <a:rPr lang="ko-KR" altLang="en-US" b="1" dirty="0">
+                <a:solidFill>
+                  <a:srgbClr val="00B050"/>
+                </a:solidFill>
+              </a:rPr>
+              <a:t>를 이용하여</a:t>
+            </a:r>
+            <a:endParaRPr lang="en-US" altLang="ko-KR" b="1" dirty="0">
+              <a:solidFill>
+                <a:srgbClr val="00B050"/>
+              </a:solidFill>
+            </a:endParaRPr>
+          </a:p>
+          <a:p>
+            <a:r>
+              <a:rPr lang="en-US" altLang="ko-KR" b="1" dirty="0">
+                <a:solidFill>
+                  <a:srgbClr val="00B050"/>
+                </a:solidFill>
+              </a:rPr>
+              <a:t>Firebase – </a:t>
+            </a:r>
+            <a:r>
+              <a:rPr lang="en-US" altLang="ko-KR" b="1" dirty="0" err="1">
+                <a:solidFill>
+                  <a:srgbClr val="00B050"/>
+                </a:solidFill>
+              </a:rPr>
+              <a:t>RealtimeDatabase</a:t>
+            </a:r>
+            <a:r>
+              <a:rPr lang="ko-KR" altLang="en-US" b="1" dirty="0">
+                <a:solidFill>
+                  <a:srgbClr val="00B050"/>
+                </a:solidFill>
+              </a:rPr>
+              <a:t>에</a:t>
+            </a:r>
+            <a:endParaRPr lang="en-US" altLang="ko-KR" b="1" dirty="0">
+              <a:solidFill>
+                <a:srgbClr val="00B050"/>
+              </a:solidFill>
+            </a:endParaRPr>
+          </a:p>
+          <a:p>
+            <a:r>
+              <a:rPr lang="ko-KR" altLang="en-US" b="1" dirty="0" err="1">
+                <a:solidFill>
+                  <a:srgbClr val="00B050"/>
+                </a:solidFill>
+              </a:rPr>
+              <a:t>저장되어있는</a:t>
+            </a:r>
+            <a:r>
+              <a:rPr lang="en-US" altLang="ko-KR" b="1" dirty="0">
+                <a:solidFill>
+                  <a:srgbClr val="00B050"/>
+                </a:solidFill>
+              </a:rPr>
+              <a:t> </a:t>
+            </a:r>
+            <a:r>
+              <a:rPr lang="ko-KR" altLang="en-US" b="1" dirty="0">
+                <a:solidFill>
+                  <a:srgbClr val="00B050"/>
+                </a:solidFill>
+              </a:rPr>
+              <a:t>게시글을 불러옵니다</a:t>
+            </a:r>
+            <a:r>
+              <a:rPr lang="en-US" altLang="ko-KR" b="1" dirty="0">
+                <a:solidFill>
+                  <a:srgbClr val="00B050"/>
+                </a:solidFill>
+              </a:rPr>
               <a:t>.</a:t>
             </a:r>
           </a:p>
-          <a:p>
-            <a:endParaRPr lang="en-US" altLang="ko-KR" dirty="0"/>
-          </a:p>
-          <a:p>
-            <a:r>
-              <a:rPr lang="ko-KR" altLang="en-US" dirty="0"/>
-              <a:t>또한 </a:t>
-            </a:r>
-            <a:r>
-              <a:rPr lang="en-US" altLang="ko-KR" dirty="0"/>
-              <a:t>Intent</a:t>
-            </a:r>
-            <a:r>
-              <a:rPr lang="ko-KR" altLang="en-US" dirty="0"/>
-              <a:t>의 </a:t>
-            </a:r>
-            <a:r>
-              <a:rPr lang="en-US" altLang="ko-KR" dirty="0" err="1"/>
-              <a:t>putExtra</a:t>
-            </a:r>
-            <a:r>
-              <a:rPr lang="ko-KR" altLang="en-US" dirty="0"/>
-              <a:t>를 통해 </a:t>
-            </a:r>
-            <a:r>
-              <a:rPr lang="en-US" altLang="ko-KR" dirty="0"/>
-              <a:t>Post</a:t>
-            </a:r>
-            <a:r>
-              <a:rPr lang="ko-KR" altLang="en-US" dirty="0"/>
-              <a:t>객체를 전송할 수 있도록</a:t>
-            </a:r>
-            <a:endParaRPr lang="en-US" altLang="ko-KR" dirty="0"/>
-          </a:p>
-          <a:p>
-            <a:r>
-              <a:rPr lang="en-US" altLang="ko-KR" dirty="0" err="1"/>
-              <a:t>Parcelable</a:t>
-            </a:r>
-            <a:r>
-              <a:rPr lang="en-US" altLang="ko-KR" dirty="0"/>
-              <a:t> </a:t>
-            </a:r>
-            <a:r>
-              <a:rPr lang="ko-KR" altLang="en-US" dirty="0"/>
-              <a:t>인터페이스를 구현하였습니다</a:t>
-            </a:r>
-            <a:r>
-              <a:rPr lang="en-US" altLang="ko-KR" dirty="0"/>
-              <a:t>.</a:t>
-            </a:r>
+        </p:txBody>
+      </p:sp>
+      <p:sp>
+        <p:nvSpPr>
+          <p:cNvPr id="17" name="직사각형 16">
+            <a:extLst>
+              <a:ext uri="{FF2B5EF4-FFF2-40B4-BE49-F238E27FC236}">
+                <a16:creationId xmlns:a16="http://schemas.microsoft.com/office/drawing/2014/main" id="{FAD5A42A-4AC5-4E22-B912-6F4DECC418AB}"/>
+              </a:ext>
+            </a:extLst>
+          </p:cNvPr>
+          <p:cNvSpPr/>
+          <p:nvPr/>
+        </p:nvSpPr>
+        <p:spPr>
+          <a:xfrm>
+            <a:off x="320581" y="3825631"/>
+            <a:ext cx="10523265" cy="2881977"/>
+          </a:xfrm>
+          <a:prstGeom prst="rect">
+            <a:avLst/>
+          </a:prstGeom>
+          <a:noFill/>
+          <a:ln>
+            <a:noFill/>
+          </a:ln>
+        </p:spPr>
+        <p:style>
+          <a:lnRef idx="2">
+            <a:schemeClr val="accent1">
+              <a:shade val="50000"/>
+            </a:schemeClr>
+          </a:lnRef>
+          <a:fillRef idx="1">
+            <a:schemeClr val="accent1"/>
+          </a:fillRef>
+          <a:effectRef idx="0">
+            <a:schemeClr val="accent1"/>
+          </a:effectRef>
+          <a:fontRef idx="minor">
+            <a:schemeClr val="lt1"/>
+          </a:fontRef>
+        </p:style>
+        <p:txBody>
+          <a:bodyPr rtlCol="0" anchor="ctr"/>
+          <a:lstStyle/>
+          <a:p>
+            <a:pPr algn="ctr"/>
+            <a:endParaRPr lang="ko-KR" altLang="en-US"/>
           </a:p>
         </p:txBody>
       </p:sp>
     </p:spTree>
     <p:extLst>
       <p:ext uri="{BB962C8B-B14F-4D97-AF65-F5344CB8AC3E}">
-        <p14:creationId xmlns:p14="http://schemas.microsoft.com/office/powerpoint/2010/main" val="948396148"/>
+        <p14:creationId xmlns:p14="http://schemas.microsoft.com/office/powerpoint/2010/main" val="1208457357"/>
       </p:ext>
     </p:extLst>
   </p:cSld>
@@ -12633,7 +13244,7 @@
           <p:cNvPr id="5" name="그림 4">
             <a:extLst>
               <a:ext uri="{FF2B5EF4-FFF2-40B4-BE49-F238E27FC236}">
-                <a16:creationId xmlns:a16="http://schemas.microsoft.com/office/drawing/2014/main" id="{4D9BC626-F034-47FC-894E-296401EBE5F3}"/>
+                <a16:creationId xmlns:a16="http://schemas.microsoft.com/office/drawing/2014/main" id="{35DFFDA9-965C-49B8-8B7F-89287489680B}"/>
               </a:ext>
             </a:extLst>
           </p:cNvPr>
@@ -12650,8 +13261,8 @@
         </p:blipFill>
         <p:spPr>
           <a:xfrm>
-            <a:off x="469746" y="1175633"/>
-            <a:ext cx="4908803" cy="5356129"/>
+            <a:off x="276273" y="1303047"/>
+            <a:ext cx="5819727" cy="5404561"/>
           </a:xfrm>
           <a:prstGeom prst="rect">
             <a:avLst/>
@@ -12663,12 +13274,222 @@
           </a:ln>
         </p:spPr>
       </p:pic>
+      <p:sp>
+        <p:nvSpPr>
+          <p:cNvPr id="6" name="TextBox 5">
+            <a:extLst>
+              <a:ext uri="{FF2B5EF4-FFF2-40B4-BE49-F238E27FC236}">
+                <a16:creationId xmlns:a16="http://schemas.microsoft.com/office/drawing/2014/main" id="{7CC26C31-082B-4C37-967A-9A19C3A926EB}"/>
+              </a:ext>
+            </a:extLst>
+          </p:cNvPr>
+          <p:cNvSpPr txBox="1"/>
+          <p:nvPr/>
+        </p:nvSpPr>
+        <p:spPr>
+          <a:xfrm>
+            <a:off x="1359877" y="868847"/>
+            <a:ext cx="3074881" cy="369332"/>
+          </a:xfrm>
+          <a:prstGeom prst="rect">
+            <a:avLst/>
+          </a:prstGeom>
+          <a:noFill/>
+        </p:spPr>
+        <p:txBody>
+          <a:bodyPr wrap="none" rtlCol="0">
+            <a:spAutoFit/>
+          </a:bodyPr>
+          <a:lstStyle/>
+          <a:p>
+            <a:r>
+              <a:rPr lang="en-US" altLang="ko-KR" dirty="0" err="1"/>
+              <a:t>ForumActivity</a:t>
+            </a:r>
+            <a:r>
+              <a:rPr lang="en-US" altLang="ko-KR" dirty="0"/>
+              <a:t> (</a:t>
+            </a:r>
+            <a:r>
+              <a:rPr lang="ko-KR" altLang="en-US" dirty="0"/>
+              <a:t>게시판 화면</a:t>
+            </a:r>
+            <a:r>
+              <a:rPr lang="en-US" altLang="ko-KR" dirty="0"/>
+              <a:t>)</a:t>
+            </a:r>
+            <a:endParaRPr lang="ko-KR" altLang="en-US" dirty="0"/>
+          </a:p>
+        </p:txBody>
+      </p:sp>
+      <p:sp>
+        <p:nvSpPr>
+          <p:cNvPr id="14" name="TextBox 13">
+            <a:extLst>
+              <a:ext uri="{FF2B5EF4-FFF2-40B4-BE49-F238E27FC236}">
+                <a16:creationId xmlns:a16="http://schemas.microsoft.com/office/drawing/2014/main" id="{022D89EC-1092-4291-B2C6-99BCEA433094}"/>
+              </a:ext>
+            </a:extLst>
+          </p:cNvPr>
+          <p:cNvSpPr txBox="1"/>
+          <p:nvPr/>
+        </p:nvSpPr>
+        <p:spPr>
+          <a:xfrm>
+            <a:off x="6484837" y="796723"/>
+            <a:ext cx="5179623" cy="3139321"/>
+          </a:xfrm>
+          <a:prstGeom prst="rect">
+            <a:avLst/>
+          </a:prstGeom>
+          <a:noFill/>
+        </p:spPr>
+        <p:txBody>
+          <a:bodyPr wrap="none" rtlCol="0">
+            <a:spAutoFit/>
+          </a:bodyPr>
+          <a:lstStyle/>
+          <a:p>
+            <a:r>
+              <a:rPr lang="ko-KR" altLang="en-US" dirty="0"/>
+              <a:t>마찬가지로 </a:t>
+            </a:r>
+            <a:r>
+              <a:rPr lang="en-US" altLang="ko-KR" dirty="0"/>
+              <a:t>Firebase – </a:t>
+            </a:r>
+            <a:r>
+              <a:rPr lang="en-US" altLang="ko-KR" dirty="0" err="1"/>
+              <a:t>RealtimeDatabase</a:t>
+            </a:r>
+            <a:r>
+              <a:rPr lang="ko-KR" altLang="en-US" dirty="0"/>
+              <a:t>에서</a:t>
+            </a:r>
+            <a:endParaRPr lang="en-US" altLang="ko-KR" dirty="0"/>
+          </a:p>
+          <a:p>
+            <a:r>
+              <a:rPr lang="ko-KR" altLang="en-US" dirty="0"/>
+              <a:t>게시글 목록을 가져옵니다</a:t>
+            </a:r>
+            <a:r>
+              <a:rPr lang="en-US" altLang="ko-KR" dirty="0"/>
+              <a:t>.</a:t>
+            </a:r>
+          </a:p>
+          <a:p>
+            <a:endParaRPr lang="en-US" altLang="ko-KR" dirty="0"/>
+          </a:p>
+          <a:p>
+            <a:r>
+              <a:rPr lang="ko-KR" altLang="en-US" dirty="0"/>
+              <a:t>기본적으로 오래된 게시글부터 가져오기 때문에</a:t>
+            </a:r>
+            <a:r>
+              <a:rPr lang="en-US" altLang="ko-KR" dirty="0"/>
+              <a:t>,</a:t>
+            </a:r>
+          </a:p>
+          <a:p>
+            <a:r>
+              <a:rPr lang="ko-KR" altLang="en-US" dirty="0"/>
+              <a:t>모든 게시글을 우선 </a:t>
+            </a:r>
+            <a:r>
+              <a:rPr lang="en-US" altLang="ko-KR" dirty="0" err="1"/>
+              <a:t>ArrayList</a:t>
+            </a:r>
+            <a:r>
+              <a:rPr lang="ko-KR" altLang="en-US" dirty="0"/>
+              <a:t>에 저장 후</a:t>
+            </a:r>
+            <a:endParaRPr lang="en-US" altLang="ko-KR" dirty="0"/>
+          </a:p>
+          <a:p>
+            <a:r>
+              <a:rPr lang="en-US" altLang="ko-KR" dirty="0" err="1"/>
+              <a:t>Collections.reverse</a:t>
+            </a:r>
+            <a:r>
+              <a:rPr lang="en-US" altLang="ko-KR" dirty="0"/>
+              <a:t>() </a:t>
+            </a:r>
+            <a:r>
+              <a:rPr lang="ko-KR" altLang="en-US" dirty="0"/>
+              <a:t>메서드를 사용하여</a:t>
+            </a:r>
+            <a:endParaRPr lang="en-US" altLang="ko-KR" dirty="0"/>
+          </a:p>
+          <a:p>
+            <a:r>
+              <a:rPr lang="ko-KR" altLang="en-US" dirty="0"/>
+              <a:t>최신순으로 정렬합니다</a:t>
+            </a:r>
+            <a:r>
+              <a:rPr lang="en-US" altLang="ko-KR" dirty="0"/>
+              <a:t>.</a:t>
+            </a:r>
+          </a:p>
+          <a:p>
+            <a:endParaRPr lang="en-US" altLang="ko-KR" dirty="0"/>
+          </a:p>
+          <a:p>
+            <a:r>
+              <a:rPr lang="ko-KR" altLang="en-US" dirty="0"/>
+              <a:t>후에 </a:t>
+            </a:r>
+            <a:r>
+              <a:rPr lang="en-US" altLang="ko-KR" dirty="0" err="1"/>
+              <a:t>ArrayList</a:t>
+            </a:r>
+            <a:r>
+              <a:rPr lang="ko-KR" altLang="en-US" dirty="0"/>
+              <a:t>를</a:t>
+            </a:r>
+            <a:endParaRPr lang="en-US" altLang="ko-KR" dirty="0"/>
+          </a:p>
+          <a:p>
+            <a:r>
+              <a:rPr lang="en-US" altLang="ko-KR" dirty="0" err="1"/>
+              <a:t>PostAdapter</a:t>
+            </a:r>
+            <a:r>
+              <a:rPr lang="ko-KR" altLang="en-US" dirty="0"/>
+              <a:t>에 연결 후</a:t>
+            </a:r>
+            <a:r>
+              <a:rPr lang="en-US" altLang="ko-KR" dirty="0"/>
+              <a:t> </a:t>
+            </a:r>
+            <a:r>
+              <a:rPr lang="en-US" altLang="ko-KR" dirty="0" err="1"/>
+              <a:t>RecyclerView</a:t>
+            </a:r>
+            <a:r>
+              <a:rPr lang="ko-KR" altLang="en-US" dirty="0"/>
+              <a:t>에</a:t>
+            </a:r>
+            <a:endParaRPr lang="en-US" altLang="ko-KR" dirty="0"/>
+          </a:p>
+          <a:p>
+            <a:r>
+              <a:rPr lang="ko-KR" altLang="en-US" dirty="0"/>
+              <a:t>표시하였습니다</a:t>
+            </a:r>
+            <a:r>
+              <a:rPr lang="en-US" altLang="ko-KR" dirty="0"/>
+              <a:t>.</a:t>
+            </a:r>
+          </a:p>
+        </p:txBody>
+      </p:sp>
       <p:pic>
         <p:nvPicPr>
-          <p:cNvPr id="10" name="그림 9">
-            <a:extLst>
-              <a:ext uri="{FF2B5EF4-FFF2-40B4-BE49-F238E27FC236}">
-                <a16:creationId xmlns:a16="http://schemas.microsoft.com/office/drawing/2014/main" id="{9C87451F-6704-4D08-9450-D40B524D6A78}"/>
+          <p:cNvPr id="20" name="그림 19">
+            <a:extLst>
+              <a:ext uri="{FF2B5EF4-FFF2-40B4-BE49-F238E27FC236}">
+                <a16:creationId xmlns:a16="http://schemas.microsoft.com/office/drawing/2014/main" id="{76DD9EC2-67B5-4EDB-8169-5BA40958807C}"/>
               </a:ext>
             </a:extLst>
           </p:cNvPr>
@@ -12685,8 +13506,8 @@
         </p:blipFill>
         <p:spPr>
           <a:xfrm>
-            <a:off x="6243451" y="1008922"/>
-            <a:ext cx="5068007" cy="333422"/>
+            <a:off x="6740025" y="4637440"/>
+            <a:ext cx="5006497" cy="2022827"/>
           </a:xfrm>
           <a:prstGeom prst="rect">
             <a:avLst/>
@@ -12695,10 +13516,10 @@
       </p:pic>
       <p:pic>
         <p:nvPicPr>
-          <p:cNvPr id="14" name="그림 13">
-            <a:extLst>
-              <a:ext uri="{FF2B5EF4-FFF2-40B4-BE49-F238E27FC236}">
-                <a16:creationId xmlns:a16="http://schemas.microsoft.com/office/drawing/2014/main" id="{FC0D1249-BAD3-4D8D-B869-D12980B676A4}"/>
+          <p:cNvPr id="22" name="그림 21">
+            <a:extLst>
+              <a:ext uri="{FF2B5EF4-FFF2-40B4-BE49-F238E27FC236}">
+                <a16:creationId xmlns:a16="http://schemas.microsoft.com/office/drawing/2014/main" id="{444F093A-FC73-4126-87F8-254C7299DFAC}"/>
               </a:ext>
             </a:extLst>
           </p:cNvPr>
@@ -12715,287 +13536,8 @@
         </p:blipFill>
         <p:spPr>
           <a:xfrm>
-            <a:off x="5550478" y="1642442"/>
-            <a:ext cx="6453951" cy="222835"/>
-          </a:xfrm>
-          <a:prstGeom prst="rect">
-            <a:avLst/>
-          </a:prstGeom>
-        </p:spPr>
-      </p:pic>
-      <p:sp>
-        <p:nvSpPr>
-          <p:cNvPr id="15" name="TextBox 14">
-            <a:extLst>
-              <a:ext uri="{FF2B5EF4-FFF2-40B4-BE49-F238E27FC236}">
-                <a16:creationId xmlns:a16="http://schemas.microsoft.com/office/drawing/2014/main" id="{EC9EDF61-5D12-47D2-8BB0-46ED0E505553}"/>
-              </a:ext>
-            </a:extLst>
-          </p:cNvPr>
-          <p:cNvSpPr txBox="1"/>
-          <p:nvPr/>
-        </p:nvSpPr>
-        <p:spPr>
-          <a:xfrm>
-            <a:off x="6813453" y="2849337"/>
-            <a:ext cx="4174541" cy="1754326"/>
-          </a:xfrm>
-          <a:prstGeom prst="rect">
-            <a:avLst/>
-          </a:prstGeom>
-          <a:noFill/>
-        </p:spPr>
-        <p:txBody>
-          <a:bodyPr wrap="none" rtlCol="0">
-            <a:spAutoFit/>
-          </a:bodyPr>
-          <a:lstStyle/>
-          <a:p>
-            <a:r>
-              <a:rPr lang="en-US" altLang="ko-KR" dirty="0" err="1"/>
-              <a:t>ForumActivity</a:t>
-            </a:r>
-            <a:r>
-              <a:rPr lang="ko-KR" altLang="en-US" dirty="0"/>
-              <a:t>에서 전달받은</a:t>
-            </a:r>
-            <a:endParaRPr lang="en-US" altLang="ko-KR" dirty="0"/>
-          </a:p>
-          <a:p>
-            <a:r>
-              <a:rPr lang="ko-KR" altLang="en-US" dirty="0"/>
-              <a:t>게시글 </a:t>
-            </a:r>
-            <a:r>
-              <a:rPr lang="en-US" altLang="ko-KR" dirty="0"/>
-              <a:t>id</a:t>
-            </a:r>
-            <a:r>
-              <a:rPr lang="ko-KR" altLang="en-US" dirty="0"/>
-              <a:t>를 이용하여</a:t>
-            </a:r>
-            <a:endParaRPr lang="en-US" altLang="ko-KR" dirty="0"/>
-          </a:p>
-          <a:p>
-            <a:r>
-              <a:rPr lang="en-US" altLang="ko-KR" dirty="0"/>
-              <a:t>Firebase - </a:t>
-            </a:r>
-            <a:r>
-              <a:rPr lang="en-US" altLang="ko-KR" dirty="0" err="1"/>
-              <a:t>RealtimeDatabase</a:t>
-            </a:r>
-            <a:r>
-              <a:rPr lang="ko-KR" altLang="en-US" dirty="0"/>
-              <a:t>에서</a:t>
-            </a:r>
-            <a:endParaRPr lang="en-US" altLang="ko-KR" dirty="0"/>
-          </a:p>
-          <a:p>
-            <a:r>
-              <a:rPr lang="en-US" altLang="ko-KR" dirty="0"/>
-              <a:t>Post</a:t>
-            </a:r>
-            <a:r>
-              <a:rPr lang="ko-KR" altLang="en-US" dirty="0"/>
-              <a:t>객체를 받아올 수 있습니다</a:t>
-            </a:r>
-            <a:r>
-              <a:rPr lang="en-US" altLang="ko-KR" dirty="0"/>
-              <a:t>.</a:t>
-            </a:r>
-          </a:p>
-          <a:p>
-            <a:endParaRPr lang="en-US" altLang="ko-KR" dirty="0"/>
-          </a:p>
-          <a:p>
-            <a:r>
-              <a:rPr lang="ko-KR" altLang="en-US" dirty="0"/>
-              <a:t>게시글의 정보들을 화면에 표시합니다</a:t>
-            </a:r>
-            <a:r>
-              <a:rPr lang="en-US" altLang="ko-KR" dirty="0"/>
-              <a:t>.</a:t>
-            </a:r>
-            <a:endParaRPr lang="ko-KR" altLang="en-US" dirty="0"/>
-          </a:p>
-        </p:txBody>
-      </p:sp>
-      <p:sp>
-        <p:nvSpPr>
-          <p:cNvPr id="18" name="TextBox 17">
-            <a:extLst>
-              <a:ext uri="{FF2B5EF4-FFF2-40B4-BE49-F238E27FC236}">
-                <a16:creationId xmlns:a16="http://schemas.microsoft.com/office/drawing/2014/main" id="{4ECD2187-BCFC-427C-AF38-A0AD03575B22}"/>
-              </a:ext>
-            </a:extLst>
-          </p:cNvPr>
-          <p:cNvSpPr txBox="1"/>
-          <p:nvPr/>
-        </p:nvSpPr>
-        <p:spPr>
-          <a:xfrm>
-            <a:off x="1184886" y="796723"/>
-            <a:ext cx="3304494" cy="369332"/>
-          </a:xfrm>
-          <a:prstGeom prst="rect">
-            <a:avLst/>
-          </a:prstGeom>
-          <a:noFill/>
-        </p:spPr>
-        <p:txBody>
-          <a:bodyPr wrap="none" rtlCol="0">
-            <a:spAutoFit/>
-          </a:bodyPr>
-          <a:lstStyle/>
-          <a:p>
-            <a:r>
-              <a:rPr lang="en-US" altLang="ko-KR" dirty="0" err="1"/>
-              <a:t>PostActivity</a:t>
-            </a:r>
-            <a:r>
-              <a:rPr lang="en-US" altLang="ko-KR" dirty="0"/>
-              <a:t>(</a:t>
-            </a:r>
-            <a:r>
-              <a:rPr lang="ko-KR" altLang="en-US" dirty="0"/>
-              <a:t>게시글 표시 화면</a:t>
-            </a:r>
-            <a:r>
-              <a:rPr lang="en-US" altLang="ko-KR" dirty="0"/>
-              <a:t>)</a:t>
-            </a:r>
-            <a:endParaRPr lang="ko-KR" altLang="en-US" dirty="0"/>
-          </a:p>
-        </p:txBody>
-      </p:sp>
-      <p:pic>
-        <p:nvPicPr>
-          <p:cNvPr id="20" name="그림 19">
-            <a:extLst>
-              <a:ext uri="{FF2B5EF4-FFF2-40B4-BE49-F238E27FC236}">
-                <a16:creationId xmlns:a16="http://schemas.microsoft.com/office/drawing/2014/main" id="{B4551261-9ACF-415A-9DC7-73A54ECD86D8}"/>
-              </a:ext>
-            </a:extLst>
-          </p:cNvPr>
-          <p:cNvPicPr>
-            <a:picLocks noChangeAspect="1"/>
-          </p:cNvPicPr>
-          <p:nvPr/>
-        </p:nvPicPr>
-        <p:blipFill>
-          <a:blip r:embed="rId5"/>
-          <a:stretch>
-            <a:fillRect/>
-          </a:stretch>
-        </p:blipFill>
-        <p:spPr>
-          <a:xfrm>
-            <a:off x="6672134" y="4857334"/>
-            <a:ext cx="4210638" cy="381053"/>
-          </a:xfrm>
-          <a:prstGeom prst="rect">
-            <a:avLst/>
-          </a:prstGeom>
-        </p:spPr>
-      </p:pic>
-      <p:sp>
-        <p:nvSpPr>
-          <p:cNvPr id="21" name="TextBox 20">
-            <a:extLst>
-              <a:ext uri="{FF2B5EF4-FFF2-40B4-BE49-F238E27FC236}">
-                <a16:creationId xmlns:a16="http://schemas.microsoft.com/office/drawing/2014/main" id="{F321C191-BB2C-4EE4-8755-F9537D39BE3E}"/>
-              </a:ext>
-            </a:extLst>
-          </p:cNvPr>
-          <p:cNvSpPr txBox="1"/>
-          <p:nvPr/>
-        </p:nvSpPr>
-        <p:spPr>
-          <a:xfrm>
-            <a:off x="6831655" y="5341849"/>
-            <a:ext cx="4204997" cy="1200329"/>
-          </a:xfrm>
-          <a:prstGeom prst="rect">
-            <a:avLst/>
-          </a:prstGeom>
-          <a:noFill/>
-        </p:spPr>
-        <p:txBody>
-          <a:bodyPr wrap="none" rtlCol="0">
-            <a:spAutoFit/>
-          </a:bodyPr>
-          <a:lstStyle/>
-          <a:p>
-            <a:r>
-              <a:rPr lang="ko-KR" altLang="en-US" dirty="0"/>
-              <a:t>글 수정</a:t>
-            </a:r>
-            <a:r>
-              <a:rPr lang="en-US" altLang="ko-KR" dirty="0"/>
-              <a:t>, </a:t>
-            </a:r>
-            <a:r>
-              <a:rPr lang="ko-KR" altLang="en-US" dirty="0"/>
-              <a:t>삭제 버튼의 경우</a:t>
-            </a:r>
-            <a:endParaRPr lang="en-US" altLang="ko-KR" dirty="0"/>
-          </a:p>
-          <a:p>
-            <a:r>
-              <a:rPr lang="ko-KR" altLang="en-US" dirty="0"/>
-              <a:t>현재 앱에 로그인한 유저 정보와</a:t>
-            </a:r>
-            <a:endParaRPr lang="en-US" altLang="ko-KR" dirty="0"/>
-          </a:p>
-          <a:p>
-            <a:r>
-              <a:rPr lang="ko-KR" altLang="en-US" dirty="0"/>
-              <a:t>게시글 작성자의 유저 정보가 </a:t>
-            </a:r>
-            <a:r>
-              <a:rPr lang="ko-KR" altLang="en-US" dirty="0" err="1"/>
-              <a:t>같아야만</a:t>
-            </a:r>
-            <a:endParaRPr lang="en-US" altLang="ko-KR" dirty="0"/>
-          </a:p>
-          <a:p>
-            <a:r>
-              <a:rPr lang="ko-KR" altLang="en-US" dirty="0"/>
-              <a:t>보이도록 개발하였습니다</a:t>
-            </a:r>
-            <a:r>
-              <a:rPr lang="en-US" altLang="ko-KR" dirty="0"/>
-              <a:t>.</a:t>
-            </a:r>
-            <a:endParaRPr lang="ko-KR" altLang="en-US" dirty="0"/>
-          </a:p>
-        </p:txBody>
-      </p:sp>
-      <p:pic>
-        <p:nvPicPr>
-          <p:cNvPr id="23" name="그림 22">
-            <a:extLst>
-              <a:ext uri="{FF2B5EF4-FFF2-40B4-BE49-F238E27FC236}">
-                <a16:creationId xmlns:a16="http://schemas.microsoft.com/office/drawing/2014/main" id="{4DAE76C1-1262-45B6-960F-0C990ADDEB69}"/>
-              </a:ext>
-            </a:extLst>
-          </p:cNvPr>
-          <p:cNvPicPr>
-            <a:picLocks noChangeAspect="1"/>
-          </p:cNvPicPr>
-          <p:nvPr/>
-        </p:nvPicPr>
-        <p:blipFill>
-          <a:blip r:embed="rId6"/>
-          <a:stretch>
-            <a:fillRect/>
-          </a:stretch>
-        </p:blipFill>
-        <p:spPr>
-          <a:xfrm>
-            <a:off x="6400717" y="2088312"/>
-            <a:ext cx="4753472" cy="657563"/>
+            <a:off x="6301665" y="4175389"/>
+            <a:ext cx="5719091" cy="222706"/>
           </a:xfrm>
           <a:prstGeom prst="rect">
             <a:avLst/>
@@ -13005,7 +13547,7 @@
     </p:spTree>
     <p:extLst>
       <p:ext uri="{BB962C8B-B14F-4D97-AF65-F5344CB8AC3E}">
-        <p14:creationId xmlns:p14="http://schemas.microsoft.com/office/powerpoint/2010/main" val="648014704"/>
+        <p14:creationId xmlns:p14="http://schemas.microsoft.com/office/powerpoint/2010/main" val="3238946334"/>
       </p:ext>
     </p:extLst>
   </p:cSld>
@@ -13047,7 +13589,7 @@
         <p:spPr>
           <a:xfrm>
             <a:off x="187569" y="150392"/>
-            <a:ext cx="1963999" cy="646331"/>
+            <a:ext cx="2031325" cy="646331"/>
           </a:xfrm>
           <a:prstGeom prst="rect">
             <a:avLst/>
@@ -13069,18 +13611,53 @@
           <a:p>
             <a:r>
               <a:rPr lang="ko-KR" altLang="en-US" dirty="0"/>
-              <a:t>제작에 따른 결론</a:t>
-            </a:r>
-            <a:endParaRPr lang="en-US" altLang="ko-KR" dirty="0"/>
-          </a:p>
-        </p:txBody>
-      </p:sp>
-      <p:sp>
-        <p:nvSpPr>
-          <p:cNvPr id="2" name="TextBox 1">
-            <a:extLst>
-              <a:ext uri="{FF2B5EF4-FFF2-40B4-BE49-F238E27FC236}">
-                <a16:creationId xmlns:a16="http://schemas.microsoft.com/office/drawing/2014/main" id="{9D7BF817-DA2A-4CC5-8F51-933ACDD4745D}"/>
+              <a:t>제작방법 및 결과</a:t>
+            </a:r>
+            <a:endParaRPr lang="en-US" altLang="ko-KR" dirty="0"/>
+          </a:p>
+        </p:txBody>
+      </p:sp>
+      <p:pic>
+        <p:nvPicPr>
+          <p:cNvPr id="3" name="그림 2">
+            <a:extLst>
+              <a:ext uri="{FF2B5EF4-FFF2-40B4-BE49-F238E27FC236}">
+                <a16:creationId xmlns:a16="http://schemas.microsoft.com/office/drawing/2014/main" id="{C6478A2B-34DE-4EC2-9B53-BC46B3872C91}"/>
+              </a:ext>
+            </a:extLst>
+          </p:cNvPr>
+          <p:cNvPicPr>
+            <a:picLocks noChangeAspect="1"/>
+          </p:cNvPicPr>
+          <p:nvPr/>
+        </p:nvPicPr>
+        <p:blipFill>
+          <a:blip r:embed="rId2"/>
+          <a:stretch>
+            <a:fillRect/>
+          </a:stretch>
+        </p:blipFill>
+        <p:spPr>
+          <a:xfrm>
+            <a:off x="442198" y="1550700"/>
+            <a:ext cx="4953691" cy="876422"/>
+          </a:xfrm>
+          <a:prstGeom prst="rect">
+            <a:avLst/>
+          </a:prstGeom>
+          <a:ln>
+            <a:solidFill>
+              <a:schemeClr val="tx1"/>
+            </a:solidFill>
+          </a:ln>
+        </p:spPr>
+      </p:pic>
+      <p:sp>
+        <p:nvSpPr>
+          <p:cNvPr id="4" name="TextBox 3">
+            <a:extLst>
+              <a:ext uri="{FF2B5EF4-FFF2-40B4-BE49-F238E27FC236}">
+                <a16:creationId xmlns:a16="http://schemas.microsoft.com/office/drawing/2014/main" id="{C5C0E4BA-3FC1-4E0E-9CC1-CDEDBA3D11CF}"/>
               </a:ext>
             </a:extLst>
           </p:cNvPr>
@@ -13089,8 +13666,8 @@
         </p:nvSpPr>
         <p:spPr>
           <a:xfrm>
-            <a:off x="1588860" y="1643821"/>
-            <a:ext cx="6809878" cy="646331"/>
+            <a:off x="6166979" y="4650370"/>
+            <a:ext cx="4927952" cy="1200329"/>
           </a:xfrm>
           <a:prstGeom prst="rect">
             <a:avLst/>
@@ -13104,40 +13681,200 @@
           <a:lstStyle/>
           <a:p>
             <a:r>
-              <a:rPr lang="ko-KR" altLang="en-US" b="1" dirty="0"/>
-              <a:t>문제점 </a:t>
-            </a:r>
-            <a:r>
-              <a:rPr lang="en-US" altLang="ko-KR" b="1" dirty="0"/>
-              <a:t>1</a:t>
-            </a:r>
-            <a:r>
-              <a:rPr lang="ko-KR" altLang="en-US" b="1" dirty="0"/>
+              <a:rPr lang="ko-KR" altLang="en-US" dirty="0"/>
+              <a:t>처음 게시글을 불러올 때</a:t>
+            </a:r>
+            <a:r>
+              <a:rPr lang="en-US" altLang="ko-KR" dirty="0"/>
+              <a:t>,</a:t>
+            </a:r>
+          </a:p>
+          <a:p>
+            <a:r>
+              <a:rPr lang="ko-KR" altLang="en-US" dirty="0"/>
+              <a:t>게시글</a:t>
+            </a:r>
+            <a:r>
+              <a:rPr lang="en-US" altLang="ko-KR" dirty="0"/>
+              <a:t>id</a:t>
+            </a:r>
+            <a:r>
+              <a:rPr lang="ko-KR" altLang="en-US" dirty="0"/>
+              <a:t>를 </a:t>
+            </a:r>
+            <a:r>
+              <a:rPr lang="en-US" altLang="ko-KR" dirty="0"/>
+              <a:t>HashMap</a:t>
+            </a:r>
+            <a:r>
+              <a:rPr lang="ko-KR" altLang="en-US" dirty="0"/>
+              <a:t>에 별도로 저장하여</a:t>
+            </a:r>
+            <a:endParaRPr lang="en-US" altLang="ko-KR" dirty="0"/>
+          </a:p>
+          <a:p>
+            <a:r>
+              <a:rPr lang="ko-KR" altLang="en-US" dirty="0"/>
+              <a:t>해당 게시글 표시 화면으로 전환할 때</a:t>
+            </a:r>
+            <a:endParaRPr lang="en-US" altLang="ko-KR" dirty="0"/>
+          </a:p>
+          <a:p>
+            <a:r>
+              <a:rPr lang="ko-KR" altLang="en-US" dirty="0"/>
+              <a:t>해당 게시글의 </a:t>
+            </a:r>
+            <a:r>
+              <a:rPr lang="en-US" altLang="ko-KR" dirty="0"/>
+              <a:t>id</a:t>
+            </a:r>
+            <a:r>
+              <a:rPr lang="ko-KR" altLang="en-US" dirty="0"/>
+              <a:t>를 전달할 수 있도록 합니다</a:t>
+            </a:r>
+            <a:r>
+              <a:rPr lang="en-US" altLang="ko-KR" dirty="0"/>
+              <a:t>.</a:t>
+            </a:r>
+            <a:r>
+              <a:rPr lang="ko-KR" altLang="en-US" dirty="0"/>
               <a:t> </a:t>
             </a:r>
-            <a:r>
-              <a:rPr lang="en-US" altLang="ko-KR" b="1" dirty="0"/>
-              <a:t>:</a:t>
-            </a:r>
-          </a:p>
-          <a:p>
-            <a:r>
-              <a:rPr lang="ko-KR" altLang="en-US" dirty="0"/>
-              <a:t>기능 구현을 우선으로 하였기 때문에 디자인이 다소 미흡합니다</a:t>
-            </a:r>
-            <a:r>
-              <a:rPr lang="en-US" altLang="ko-KR" dirty="0"/>
-              <a:t>.</a:t>
-            </a:r>
-          </a:p>
-        </p:txBody>
-      </p:sp>
-      <p:sp>
-        <p:nvSpPr>
-          <p:cNvPr id="12" name="TextBox 11">
-            <a:extLst>
-              <a:ext uri="{FF2B5EF4-FFF2-40B4-BE49-F238E27FC236}">
-                <a16:creationId xmlns:a16="http://schemas.microsoft.com/office/drawing/2014/main" id="{C8CCEDA0-FFEE-4625-93D2-E19767DC7A42}"/>
+            <a:endParaRPr lang="en-US" altLang="ko-KR" dirty="0"/>
+          </a:p>
+        </p:txBody>
+      </p:sp>
+      <p:pic>
+        <p:nvPicPr>
+          <p:cNvPr id="8" name="그림 7">
+            <a:extLst>
+              <a:ext uri="{FF2B5EF4-FFF2-40B4-BE49-F238E27FC236}">
+                <a16:creationId xmlns:a16="http://schemas.microsoft.com/office/drawing/2014/main" id="{E505AB12-0A03-4DA3-9BDE-B4754237AE47}"/>
+              </a:ext>
+            </a:extLst>
+          </p:cNvPr>
+          <p:cNvPicPr>
+            <a:picLocks noChangeAspect="1"/>
+          </p:cNvPicPr>
+          <p:nvPr/>
+        </p:nvPicPr>
+        <p:blipFill>
+          <a:blip r:embed="rId3"/>
+          <a:stretch>
+            <a:fillRect/>
+          </a:stretch>
+        </p:blipFill>
+        <p:spPr>
+          <a:xfrm>
+            <a:off x="823252" y="3389031"/>
+            <a:ext cx="4191585" cy="2048161"/>
+          </a:xfrm>
+          <a:prstGeom prst="rect">
+            <a:avLst/>
+          </a:prstGeom>
+          <a:ln>
+            <a:solidFill>
+              <a:schemeClr val="tx1"/>
+            </a:solidFill>
+          </a:ln>
+        </p:spPr>
+      </p:pic>
+      <p:pic>
+        <p:nvPicPr>
+          <p:cNvPr id="11" name="그림 10">
+            <a:extLst>
+              <a:ext uri="{FF2B5EF4-FFF2-40B4-BE49-F238E27FC236}">
+                <a16:creationId xmlns:a16="http://schemas.microsoft.com/office/drawing/2014/main" id="{20527093-97C8-4635-8371-F747F1732CC8}"/>
+              </a:ext>
+            </a:extLst>
+          </p:cNvPr>
+          <p:cNvPicPr>
+            <a:picLocks noChangeAspect="1"/>
+          </p:cNvPicPr>
+          <p:nvPr/>
+        </p:nvPicPr>
+        <p:blipFill>
+          <a:blip r:embed="rId4"/>
+          <a:stretch>
+            <a:fillRect/>
+          </a:stretch>
+        </p:blipFill>
+        <p:spPr>
+          <a:xfrm>
+            <a:off x="5762033" y="1870844"/>
+            <a:ext cx="3839111" cy="314369"/>
+          </a:xfrm>
+          <a:prstGeom prst="rect">
+            <a:avLst/>
+          </a:prstGeom>
+        </p:spPr>
+      </p:pic>
+      <p:pic>
+        <p:nvPicPr>
+          <p:cNvPr id="13" name="그림 12">
+            <a:extLst>
+              <a:ext uri="{FF2B5EF4-FFF2-40B4-BE49-F238E27FC236}">
+                <a16:creationId xmlns:a16="http://schemas.microsoft.com/office/drawing/2014/main" id="{637789A5-EBC7-40C9-A89A-56DCAF9A3357}"/>
+              </a:ext>
+            </a:extLst>
+          </p:cNvPr>
+          <p:cNvPicPr>
+            <a:picLocks noChangeAspect="1"/>
+          </p:cNvPicPr>
+          <p:nvPr/>
+        </p:nvPicPr>
+        <p:blipFill>
+          <a:blip r:embed="rId5"/>
+          <a:stretch>
+            <a:fillRect/>
+          </a:stretch>
+        </p:blipFill>
+        <p:spPr>
+          <a:xfrm>
+            <a:off x="5762033" y="2387552"/>
+            <a:ext cx="3839111" cy="715209"/>
+          </a:xfrm>
+          <a:prstGeom prst="rect">
+            <a:avLst/>
+          </a:prstGeom>
+        </p:spPr>
+      </p:pic>
+      <p:pic>
+        <p:nvPicPr>
+          <p:cNvPr id="16" name="그림 15">
+            <a:extLst>
+              <a:ext uri="{FF2B5EF4-FFF2-40B4-BE49-F238E27FC236}">
+                <a16:creationId xmlns:a16="http://schemas.microsoft.com/office/drawing/2014/main" id="{62B1EDAD-2E43-46C7-AB14-B5DA0F57A921}"/>
+              </a:ext>
+            </a:extLst>
+          </p:cNvPr>
+          <p:cNvPicPr>
+            <a:picLocks noChangeAspect="1"/>
+          </p:cNvPicPr>
+          <p:nvPr/>
+        </p:nvPicPr>
+        <p:blipFill>
+          <a:blip r:embed="rId6"/>
+          <a:stretch>
+            <a:fillRect/>
+          </a:stretch>
+        </p:blipFill>
+        <p:spPr>
+          <a:xfrm>
+            <a:off x="5762033" y="3236746"/>
+            <a:ext cx="6058746" cy="1086002"/>
+          </a:xfrm>
+          <a:prstGeom prst="rect">
+            <a:avLst/>
+          </a:prstGeom>
+        </p:spPr>
+      </p:pic>
+      <p:sp>
+        <p:nvSpPr>
+          <p:cNvPr id="17" name="TextBox 16">
+            <a:extLst>
+              <a:ext uri="{FF2B5EF4-FFF2-40B4-BE49-F238E27FC236}">
+                <a16:creationId xmlns:a16="http://schemas.microsoft.com/office/drawing/2014/main" id="{46680563-6082-4993-A982-ECF7546CC8CC}"/>
               </a:ext>
             </a:extLst>
           </p:cNvPr>
@@ -13146,8 +13883,8 @@
         </p:nvSpPr>
         <p:spPr>
           <a:xfrm>
-            <a:off x="1588860" y="2394544"/>
-            <a:ext cx="9116598" cy="646331"/>
+            <a:off x="1189394" y="1665745"/>
+            <a:ext cx="4354077" cy="646331"/>
           </a:xfrm>
           <a:prstGeom prst="rect">
             <a:avLst/>
@@ -13161,305 +13898,28 @@
           <a:lstStyle/>
           <a:p>
             <a:r>
-              <a:rPr lang="ko-KR" altLang="en-US" b="1" dirty="0"/>
-              <a:t>문제점 </a:t>
-            </a:r>
-            <a:r>
-              <a:rPr lang="en-US" altLang="ko-KR" b="1" dirty="0"/>
-              <a:t>2</a:t>
-            </a:r>
-            <a:r>
-              <a:rPr lang="ko-KR" altLang="en-US" b="1" dirty="0"/>
-              <a:t> </a:t>
-            </a:r>
-            <a:r>
-              <a:rPr lang="en-US" altLang="ko-KR" b="1" dirty="0"/>
-              <a:t>:</a:t>
-            </a:r>
-          </a:p>
-          <a:p>
-            <a:r>
-              <a:rPr lang="ko-KR" altLang="en-US" dirty="0"/>
-              <a:t>레시피 공유 게시판 및 질문 게시판은 별도의 양식으로 글 작성</a:t>
-            </a:r>
-            <a:r>
-              <a:rPr lang="en-US" altLang="ko-KR" dirty="0"/>
-              <a:t>, </a:t>
-            </a:r>
-            <a:r>
-              <a:rPr lang="ko-KR" altLang="en-US" dirty="0"/>
-              <a:t>표시가 되어야 합니다</a:t>
-            </a:r>
-            <a:r>
-              <a:rPr lang="en-US" altLang="ko-KR" dirty="0"/>
-              <a:t>.</a:t>
-            </a:r>
-          </a:p>
-        </p:txBody>
-      </p:sp>
-      <p:sp>
-        <p:nvSpPr>
-          <p:cNvPr id="13" name="TextBox 12">
-            <a:extLst>
-              <a:ext uri="{FF2B5EF4-FFF2-40B4-BE49-F238E27FC236}">
-                <a16:creationId xmlns:a16="http://schemas.microsoft.com/office/drawing/2014/main" id="{466C847A-1979-4315-A381-342CB1EB761B}"/>
-              </a:ext>
-            </a:extLst>
-          </p:cNvPr>
-          <p:cNvSpPr txBox="1"/>
-          <p:nvPr/>
-        </p:nvSpPr>
-        <p:spPr>
-          <a:xfrm>
-            <a:off x="1588860" y="3145267"/>
-            <a:ext cx="7075976" cy="646331"/>
-          </a:xfrm>
-          <a:prstGeom prst="rect">
-            <a:avLst/>
-          </a:prstGeom>
-          <a:noFill/>
-        </p:spPr>
-        <p:txBody>
-          <a:bodyPr wrap="none" rtlCol="0">
-            <a:spAutoFit/>
-          </a:bodyPr>
-          <a:lstStyle/>
-          <a:p>
-            <a:r>
-              <a:rPr lang="ko-KR" altLang="en-US" b="1" dirty="0"/>
-              <a:t>문제점 </a:t>
-            </a:r>
-            <a:r>
-              <a:rPr lang="en-US" altLang="ko-KR" b="1" dirty="0"/>
-              <a:t>3</a:t>
-            </a:r>
-            <a:r>
-              <a:rPr lang="ko-KR" altLang="en-US" b="1" dirty="0"/>
-              <a:t> </a:t>
-            </a:r>
-            <a:r>
-              <a:rPr lang="en-US" altLang="ko-KR" b="1" dirty="0"/>
-              <a:t>:</a:t>
-            </a:r>
-          </a:p>
-          <a:p>
-            <a:r>
-              <a:rPr lang="ko-KR" altLang="en-US" dirty="0"/>
-              <a:t>아직 댓글</a:t>
-            </a:r>
-            <a:r>
-              <a:rPr lang="en-US" altLang="ko-KR" dirty="0"/>
-              <a:t>, </a:t>
-            </a:r>
-            <a:r>
-              <a:rPr lang="ko-KR" altLang="en-US" dirty="0"/>
-              <a:t>추천</a:t>
-            </a:r>
-            <a:r>
-              <a:rPr lang="en-US" altLang="ko-KR" dirty="0"/>
-              <a:t>, </a:t>
-            </a:r>
-            <a:r>
-              <a:rPr lang="ko-KR" altLang="en-US" dirty="0" err="1"/>
-              <a:t>인기순</a:t>
-            </a:r>
-            <a:r>
-              <a:rPr lang="ko-KR" altLang="en-US" dirty="0"/>
-              <a:t> 정렬 등의 기능을  구현하지 못하였습니다</a:t>
-            </a:r>
-            <a:r>
-              <a:rPr lang="en-US" altLang="ko-KR" dirty="0"/>
-              <a:t>.</a:t>
-            </a:r>
-          </a:p>
-        </p:txBody>
-      </p:sp>
-      <p:sp>
-        <p:nvSpPr>
-          <p:cNvPr id="16" name="TextBox 15">
-            <a:extLst>
-              <a:ext uri="{FF2B5EF4-FFF2-40B4-BE49-F238E27FC236}">
-                <a16:creationId xmlns:a16="http://schemas.microsoft.com/office/drawing/2014/main" id="{39904C92-950E-4497-8D90-E0F07F7CC103}"/>
-              </a:ext>
-            </a:extLst>
-          </p:cNvPr>
-          <p:cNvSpPr txBox="1"/>
-          <p:nvPr/>
-        </p:nvSpPr>
-        <p:spPr>
-          <a:xfrm>
-            <a:off x="1588860" y="4385926"/>
-            <a:ext cx="7516801" cy="646331"/>
-          </a:xfrm>
-          <a:prstGeom prst="rect">
-            <a:avLst/>
-          </a:prstGeom>
-          <a:noFill/>
-        </p:spPr>
-        <p:txBody>
-          <a:bodyPr wrap="none" rtlCol="0">
-            <a:spAutoFit/>
-          </a:bodyPr>
-          <a:lstStyle/>
-          <a:p>
-            <a:r>
-              <a:rPr lang="ko-KR" altLang="en-US" b="1" dirty="0"/>
-              <a:t>개선점 </a:t>
-            </a:r>
-            <a:r>
-              <a:rPr lang="en-US" altLang="ko-KR" b="1" dirty="0"/>
-              <a:t>1</a:t>
-            </a:r>
-            <a:r>
-              <a:rPr lang="ko-KR" altLang="en-US" b="1" dirty="0"/>
-              <a:t> </a:t>
-            </a:r>
-            <a:r>
-              <a:rPr lang="en-US" altLang="ko-KR" b="1" dirty="0"/>
-              <a:t>:</a:t>
-            </a:r>
-          </a:p>
-          <a:p>
-            <a:r>
-              <a:rPr lang="ko-KR" altLang="en-US" dirty="0"/>
-              <a:t>자신의 </a:t>
-            </a:r>
-            <a:r>
-              <a:rPr lang="ko-KR" altLang="en-US" dirty="0" err="1"/>
-              <a:t>게시글에</a:t>
-            </a:r>
-            <a:r>
-              <a:rPr lang="ko-KR" altLang="en-US" dirty="0"/>
-              <a:t> 댓글이 작성되면 알림이 갈 수 있도록 할 수 있습니다</a:t>
-            </a:r>
-            <a:r>
-              <a:rPr lang="en-US" altLang="ko-KR" dirty="0"/>
-              <a:t>.</a:t>
-            </a:r>
-          </a:p>
-        </p:txBody>
-      </p:sp>
-      <p:sp>
-        <p:nvSpPr>
-          <p:cNvPr id="4" name="TextBox 3">
-            <a:extLst>
-              <a:ext uri="{FF2B5EF4-FFF2-40B4-BE49-F238E27FC236}">
-                <a16:creationId xmlns:a16="http://schemas.microsoft.com/office/drawing/2014/main" id="{C0AD2A75-B498-4BA2-951E-1D077BE20242}"/>
-              </a:ext>
-            </a:extLst>
-          </p:cNvPr>
-          <p:cNvSpPr txBox="1"/>
-          <p:nvPr/>
-        </p:nvSpPr>
-        <p:spPr>
-          <a:xfrm>
-            <a:off x="1875692" y="5744307"/>
-            <a:ext cx="7850226" cy="369332"/>
-          </a:xfrm>
-          <a:prstGeom prst="rect">
-            <a:avLst/>
-          </a:prstGeom>
-          <a:noFill/>
-        </p:spPr>
-        <p:txBody>
-          <a:bodyPr wrap="none" rtlCol="0">
-            <a:spAutoFit/>
-          </a:bodyPr>
-          <a:lstStyle/>
-          <a:p>
-            <a:r>
-              <a:rPr lang="ko-KR" altLang="en-US" b="1" dirty="0"/>
-              <a:t>총 정리 </a:t>
-            </a:r>
-            <a:r>
-              <a:rPr lang="en-US" altLang="ko-KR" b="1" dirty="0"/>
-              <a:t>: </a:t>
-            </a:r>
-            <a:r>
-              <a:rPr lang="ko-KR" altLang="en-US" b="1" dirty="0"/>
-              <a:t>아직 구현하지 못한 기능이 많고</a:t>
-            </a:r>
-            <a:r>
-              <a:rPr lang="en-US" altLang="ko-KR" b="1" dirty="0"/>
-              <a:t>, </a:t>
-            </a:r>
-            <a:r>
-              <a:rPr lang="ko-KR" altLang="en-US" b="1" dirty="0"/>
-              <a:t>디자인적으로 다소 미흡합니다</a:t>
-            </a:r>
-            <a:r>
-              <a:rPr lang="en-US" altLang="ko-KR" b="1" dirty="0"/>
-              <a:t>.</a:t>
-            </a:r>
-          </a:p>
-        </p:txBody>
-      </p:sp>
-      <p:sp>
-        <p:nvSpPr>
-          <p:cNvPr id="19" name="TextBox 18">
-            <a:extLst>
-              <a:ext uri="{FF2B5EF4-FFF2-40B4-BE49-F238E27FC236}">
-                <a16:creationId xmlns:a16="http://schemas.microsoft.com/office/drawing/2014/main" id="{27F10007-C4F1-48DA-BFE6-6BA45F3F5635}"/>
-              </a:ext>
-            </a:extLst>
-          </p:cNvPr>
-          <p:cNvSpPr txBox="1"/>
-          <p:nvPr/>
-        </p:nvSpPr>
-        <p:spPr>
-          <a:xfrm>
-            <a:off x="2649416" y="222421"/>
-            <a:ext cx="4330032" cy="600164"/>
-          </a:xfrm>
-          <a:prstGeom prst="rect">
-            <a:avLst/>
-          </a:prstGeom>
-          <a:noFill/>
-        </p:spPr>
-        <p:txBody>
-          <a:bodyPr wrap="none" rtlCol="0">
-            <a:spAutoFit/>
-          </a:bodyPr>
-          <a:lstStyle/>
-          <a:p>
-            <a:r>
-              <a:rPr lang="ko-KR" altLang="en-US" sz="1100" dirty="0"/>
-              <a:t>문제점 </a:t>
-            </a:r>
-            <a:r>
-              <a:rPr lang="en-US" altLang="ko-KR" sz="1100" dirty="0"/>
-              <a:t>: </a:t>
-            </a:r>
-            <a:r>
-              <a:rPr lang="ko-KR" altLang="en-US" sz="1100" dirty="0"/>
-              <a:t>아직 설계한대로 다 구현하지 못한 부분이나 미흡한 부분</a:t>
-            </a:r>
-            <a:endParaRPr lang="en-US" altLang="ko-KR" sz="1100" dirty="0"/>
-          </a:p>
-          <a:p>
-            <a:endParaRPr lang="en-US" altLang="ko-KR" sz="1100" dirty="0"/>
-          </a:p>
-          <a:p>
-            <a:r>
-              <a:rPr lang="ko-KR" altLang="en-US" sz="1100" dirty="0"/>
-              <a:t>개선점 </a:t>
-            </a:r>
-            <a:r>
-              <a:rPr lang="en-US" altLang="ko-KR" sz="1100" dirty="0"/>
-              <a:t>: </a:t>
-            </a:r>
-            <a:r>
-              <a:rPr lang="ko-KR" altLang="en-US" sz="1100" dirty="0"/>
-              <a:t>추가적으로 구현하면 좋을 만한 사안</a:t>
-            </a:r>
-            <a:endParaRPr lang="en-US" altLang="ko-KR" sz="1100" dirty="0"/>
+              <a:rPr lang="ko-KR" altLang="en-US" dirty="0"/>
+              <a:t>터치하면 게시글 표시 화면으로</a:t>
+            </a:r>
+            <a:endParaRPr lang="en-US" altLang="ko-KR" dirty="0"/>
+          </a:p>
+          <a:p>
+            <a:r>
+              <a:rPr lang="ko-KR" altLang="en-US" dirty="0"/>
+              <a:t>전환된 후 해당 게시글이 표시되어야 함</a:t>
+            </a:r>
+            <a:r>
+              <a:rPr lang="en-US" altLang="ko-KR" dirty="0"/>
+              <a:t>!</a:t>
+            </a:r>
+            <a:endParaRPr lang="ko-KR" altLang="en-US" dirty="0"/>
           </a:p>
         </p:txBody>
       </p:sp>
     </p:spTree>
     <p:extLst>
       <p:ext uri="{BB962C8B-B14F-4D97-AF65-F5344CB8AC3E}">
-        <p14:creationId xmlns:p14="http://schemas.microsoft.com/office/powerpoint/2010/main" val="3036409739"/>
+        <p14:creationId xmlns:p14="http://schemas.microsoft.com/office/powerpoint/2010/main" val="408013309"/>
       </p:ext>
     </p:extLst>
   </p:cSld>
@@ -13642,7 +14102,7 @@
         <p:spPr>
           <a:xfrm>
             <a:off x="187569" y="150392"/>
-            <a:ext cx="5373587" cy="646331"/>
+            <a:ext cx="2031325" cy="646331"/>
           </a:xfrm>
           <a:prstGeom prst="rect">
             <a:avLst/>
@@ -13664,80 +14124,18 @@
           <a:p>
             <a:r>
               <a:rPr lang="ko-KR" altLang="en-US" dirty="0"/>
-              <a:t>결과 분석에 따른 설계 변경사항 및 구현계획 기술</a:t>
-            </a:r>
-            <a:endParaRPr lang="en-US" altLang="ko-KR" dirty="0"/>
-          </a:p>
-        </p:txBody>
-      </p:sp>
-      <p:sp>
-        <p:nvSpPr>
-          <p:cNvPr id="10" name="TextBox 9">
-            <a:extLst>
-              <a:ext uri="{FF2B5EF4-FFF2-40B4-BE49-F238E27FC236}">
-                <a16:creationId xmlns:a16="http://schemas.microsoft.com/office/drawing/2014/main" id="{20387B7A-DF7E-494D-A783-D1C73DDA0A2D}"/>
-              </a:ext>
-            </a:extLst>
-          </p:cNvPr>
-          <p:cNvSpPr txBox="1"/>
-          <p:nvPr/>
-        </p:nvSpPr>
-        <p:spPr>
-          <a:xfrm>
-            <a:off x="7924800" y="1066650"/>
-            <a:ext cx="3332964" cy="923330"/>
-          </a:xfrm>
-          <a:prstGeom prst="rect">
-            <a:avLst/>
-          </a:prstGeom>
-          <a:noFill/>
-        </p:spPr>
-        <p:txBody>
-          <a:bodyPr wrap="none" rtlCol="0">
-            <a:spAutoFit/>
-          </a:bodyPr>
-          <a:lstStyle/>
-          <a:p>
-            <a:r>
-              <a:rPr lang="ko-KR" altLang="en-US" dirty="0"/>
-              <a:t>댓글 작성</a:t>
-            </a:r>
-            <a:r>
-              <a:rPr lang="en-US" altLang="ko-KR" dirty="0"/>
-              <a:t>,</a:t>
-            </a:r>
-            <a:r>
-              <a:rPr lang="ko-KR" altLang="en-US" dirty="0"/>
-              <a:t>표시 및 추천 기능을</a:t>
-            </a:r>
-            <a:endParaRPr lang="en-US" altLang="ko-KR" dirty="0"/>
-          </a:p>
-          <a:p>
-            <a:r>
-              <a:rPr lang="ko-KR" altLang="en-US" dirty="0"/>
-              <a:t>최종 보고서 제출전까지</a:t>
-            </a:r>
-            <a:endParaRPr lang="en-US" altLang="ko-KR" dirty="0"/>
-          </a:p>
-          <a:p>
-            <a:r>
-              <a:rPr lang="ko-KR" altLang="en-US" dirty="0"/>
-              <a:t>구현 완료하겠습니다</a:t>
-            </a:r>
-            <a:r>
-              <a:rPr lang="en-US" altLang="ko-KR" dirty="0"/>
-              <a:t>.</a:t>
-            </a:r>
-            <a:endParaRPr lang="ko-KR" altLang="en-US" dirty="0"/>
+              <a:t>제작방법 및 결과</a:t>
+            </a:r>
+            <a:endParaRPr lang="en-US" altLang="ko-KR" dirty="0"/>
           </a:p>
         </p:txBody>
       </p:sp>
       <p:pic>
         <p:nvPicPr>
-          <p:cNvPr id="17" name="그림 16">
-            <a:extLst>
-              <a:ext uri="{FF2B5EF4-FFF2-40B4-BE49-F238E27FC236}">
-                <a16:creationId xmlns:a16="http://schemas.microsoft.com/office/drawing/2014/main" id="{6B0C4927-098C-43DD-A442-9A9DE3EFFF15}"/>
+          <p:cNvPr id="5" name="그림 4">
+            <a:extLst>
+              <a:ext uri="{FF2B5EF4-FFF2-40B4-BE49-F238E27FC236}">
+                <a16:creationId xmlns:a16="http://schemas.microsoft.com/office/drawing/2014/main" id="{F4BB2CFE-6171-473E-887B-9B64914C82E6}"/>
               </a:ext>
             </a:extLst>
           </p:cNvPr>
@@ -13754,129 +14152,20 @@
         </p:blipFill>
         <p:spPr>
           <a:xfrm>
-            <a:off x="536301" y="1211743"/>
-            <a:ext cx="6638224" cy="554148"/>
+            <a:off x="686623" y="2779125"/>
+            <a:ext cx="3972479" cy="1571844"/>
           </a:xfrm>
           <a:prstGeom prst="rect">
             <a:avLst/>
           </a:prstGeom>
         </p:spPr>
       </p:pic>
-      <p:pic>
-        <p:nvPicPr>
-          <p:cNvPr id="19" name="그림 18">
-            <a:extLst>
-              <a:ext uri="{FF2B5EF4-FFF2-40B4-BE49-F238E27FC236}">
-                <a16:creationId xmlns:a16="http://schemas.microsoft.com/office/drawing/2014/main" id="{26D5D9CF-DD4B-4845-9CFF-0134A58E848A}"/>
-              </a:ext>
-            </a:extLst>
-          </p:cNvPr>
-          <p:cNvPicPr>
-            <a:picLocks noChangeAspect="1"/>
-          </p:cNvPicPr>
-          <p:nvPr/>
-        </p:nvPicPr>
-        <p:blipFill>
-          <a:blip r:embed="rId3"/>
-          <a:stretch>
-            <a:fillRect/>
-          </a:stretch>
-        </p:blipFill>
-        <p:spPr>
-          <a:xfrm>
-            <a:off x="536301" y="3168660"/>
-            <a:ext cx="5439534" cy="752580"/>
-          </a:xfrm>
-          <a:prstGeom prst="rect">
-            <a:avLst/>
-          </a:prstGeom>
-          <a:ln>
-            <a:solidFill>
-              <a:schemeClr val="tx1"/>
-            </a:solidFill>
-          </a:ln>
-        </p:spPr>
-      </p:pic>
-      <p:cxnSp>
-        <p:nvCxnSpPr>
-          <p:cNvPr id="21" name="직선 화살표 연결선 20">
-            <a:extLst>
-              <a:ext uri="{FF2B5EF4-FFF2-40B4-BE49-F238E27FC236}">
-                <a16:creationId xmlns:a16="http://schemas.microsoft.com/office/drawing/2014/main" id="{D8FBFFDF-B32E-4DF6-BA14-3D360466D5C2}"/>
-              </a:ext>
-            </a:extLst>
-          </p:cNvPr>
-          <p:cNvCxnSpPr>
-            <a:cxnSpLocks/>
-          </p:cNvCxnSpPr>
-          <p:nvPr/>
-        </p:nvCxnSpPr>
-        <p:spPr>
-          <a:xfrm>
-            <a:off x="3244345" y="3921240"/>
-            <a:ext cx="11723" cy="495509"/>
-          </a:xfrm>
-          <a:prstGeom prst="straightConnector1">
-            <a:avLst/>
-          </a:prstGeom>
-          <a:ln>
-            <a:solidFill>
-              <a:schemeClr val="tx1"/>
-            </a:solidFill>
-            <a:tailEnd type="triangle"/>
-          </a:ln>
-        </p:spPr>
-        <p:style>
-          <a:lnRef idx="1">
-            <a:schemeClr val="accent1"/>
-          </a:lnRef>
-          <a:fillRef idx="0">
-            <a:schemeClr val="accent1"/>
-          </a:fillRef>
-          <a:effectRef idx="0">
-            <a:schemeClr val="accent1"/>
-          </a:effectRef>
-          <a:fontRef idx="minor">
-            <a:schemeClr val="tx1"/>
-          </a:fontRef>
-        </p:style>
-      </p:cxnSp>
-      <p:pic>
-        <p:nvPicPr>
-          <p:cNvPr id="25" name="그림 24">
-            <a:extLst>
-              <a:ext uri="{FF2B5EF4-FFF2-40B4-BE49-F238E27FC236}">
-                <a16:creationId xmlns:a16="http://schemas.microsoft.com/office/drawing/2014/main" id="{38F107EE-D604-4D7B-876A-51AB6D1B2690}"/>
-              </a:ext>
-            </a:extLst>
-          </p:cNvPr>
-          <p:cNvPicPr>
-            <a:picLocks noChangeAspect="1"/>
-          </p:cNvPicPr>
-          <p:nvPr/>
-        </p:nvPicPr>
-        <p:blipFill>
-          <a:blip r:embed="rId4"/>
-          <a:stretch>
-            <a:fillRect/>
-          </a:stretch>
-        </p:blipFill>
-        <p:spPr>
-          <a:xfrm>
-            <a:off x="536301" y="4416750"/>
-            <a:ext cx="5439535" cy="598064"/>
-          </a:xfrm>
-          <a:prstGeom prst="rect">
-            <a:avLst/>
-          </a:prstGeom>
-        </p:spPr>
-      </p:pic>
-      <p:sp>
-        <p:nvSpPr>
-          <p:cNvPr id="26" name="TextBox 25">
-            <a:extLst>
-              <a:ext uri="{FF2B5EF4-FFF2-40B4-BE49-F238E27FC236}">
-                <a16:creationId xmlns:a16="http://schemas.microsoft.com/office/drawing/2014/main" id="{C335FBD6-46CC-4964-8D4C-500FF44CB3AE}"/>
+      <p:sp>
+        <p:nvSpPr>
+          <p:cNvPr id="6" name="TextBox 5">
+            <a:extLst>
+              <a:ext uri="{FF2B5EF4-FFF2-40B4-BE49-F238E27FC236}">
+                <a16:creationId xmlns:a16="http://schemas.microsoft.com/office/drawing/2014/main" id="{225C2D96-6718-45A9-875F-8717461FA376}"/>
               </a:ext>
             </a:extLst>
           </p:cNvPr>
@@ -13885,8 +14174,8 @@
         </p:nvSpPr>
         <p:spPr>
           <a:xfrm>
-            <a:off x="6425026" y="3124087"/>
-            <a:ext cx="5291833" cy="2585323"/>
+            <a:off x="5240216" y="1835893"/>
+            <a:ext cx="6359498" cy="3970318"/>
           </a:xfrm>
           <a:prstGeom prst="rect">
             <a:avLst/>
@@ -13900,134 +14189,146 @@
           <a:lstStyle/>
           <a:p>
             <a:r>
-              <a:rPr lang="en-US" altLang="ko-KR" dirty="0"/>
-              <a:t>“</a:t>
-            </a:r>
-            <a:r>
-              <a:rPr lang="ko-KR" altLang="en-US" dirty="0"/>
-              <a:t>나만의 레시피</a:t>
-            </a:r>
-            <a:r>
-              <a:rPr lang="en-US" altLang="ko-KR" dirty="0"/>
-              <a:t>”</a:t>
-            </a:r>
-            <a:r>
-              <a:rPr lang="ko-KR" altLang="en-US" dirty="0"/>
+              <a:rPr lang="en-US" altLang="ko-KR" dirty="0" err="1"/>
+              <a:t>PostActivity</a:t>
+            </a:r>
+            <a:r>
+              <a:rPr lang="en-US" altLang="ko-KR" dirty="0"/>
               <a:t> </a:t>
             </a:r>
             <a:r>
-              <a:rPr lang="en-US" altLang="ko-KR" dirty="0"/>
-              <a:t>-&gt; “</a:t>
-            </a:r>
-            <a:r>
-              <a:rPr lang="ko-KR" altLang="en-US" dirty="0"/>
-              <a:t>레시피 공유</a:t>
-            </a:r>
-            <a:r>
-              <a:rPr lang="en-US" altLang="ko-KR" dirty="0"/>
-              <a:t>”</a:t>
-            </a:r>
-            <a:r>
-              <a:rPr lang="ko-KR" altLang="en-US" dirty="0"/>
-              <a:t> 게시판으로 </a:t>
-            </a:r>
-            <a:endParaRPr lang="en-US" altLang="ko-KR" dirty="0"/>
-          </a:p>
-          <a:p>
-            <a:r>
-              <a:rPr lang="ko-KR" altLang="en-US" dirty="0"/>
-              <a:t>정정하였습니다</a:t>
-            </a:r>
-            <a:r>
-              <a:rPr lang="en-US" altLang="ko-KR" dirty="0"/>
-              <a:t>. (</a:t>
-            </a:r>
-            <a:r>
-              <a:rPr lang="ko-KR" altLang="en-US" dirty="0"/>
-              <a:t>범용</a:t>
-            </a:r>
-            <a:r>
-              <a:rPr lang="en-US" altLang="ko-KR" dirty="0"/>
-              <a:t>, </a:t>
-            </a:r>
+              <a:rPr lang="ko-KR" altLang="en-US" dirty="0"/>
+              <a:t>제작 결과를 설명하기 앞서</a:t>
+            </a:r>
+            <a:endParaRPr lang="en-US" altLang="ko-KR" dirty="0"/>
+          </a:p>
+          <a:p>
+            <a:r>
+              <a:rPr lang="ko-KR" altLang="en-US" dirty="0"/>
+              <a:t>게시글 정보를 저장하는</a:t>
+            </a:r>
+            <a:endParaRPr lang="en-US" altLang="ko-KR" dirty="0"/>
+          </a:p>
+          <a:p>
+            <a:r>
+              <a:rPr lang="en-US" altLang="ko-KR" dirty="0"/>
+              <a:t>Post </a:t>
+            </a:r>
+            <a:r>
+              <a:rPr lang="ko-KR" altLang="en-US" dirty="0"/>
+              <a:t>객체에 대해 간략하게 설명하겠습니다</a:t>
+            </a:r>
+            <a:endParaRPr lang="en-US" altLang="ko-KR" dirty="0"/>
+          </a:p>
+          <a:p>
+            <a:endParaRPr lang="en-US" altLang="ko-KR" dirty="0"/>
+          </a:p>
+          <a:p>
+            <a:r>
+              <a:rPr lang="en-US" altLang="ko-KR" dirty="0"/>
+              <a:t>Post</a:t>
+            </a:r>
+            <a:r>
+              <a:rPr lang="ko-KR" altLang="en-US" dirty="0"/>
+              <a:t> 객체는</a:t>
+            </a:r>
+            <a:endParaRPr lang="en-US" altLang="ko-KR" dirty="0"/>
+          </a:p>
+          <a:p>
+            <a:r>
+              <a:rPr lang="ko-KR" altLang="en-US" dirty="0"/>
+              <a:t>글 제목</a:t>
+            </a:r>
+            <a:endParaRPr lang="en-US" altLang="ko-KR" dirty="0"/>
+          </a:p>
+          <a:p>
             <a:r>
               <a:rPr lang="ko-KR" altLang="en-US" dirty="0" err="1"/>
-              <a:t>직관성</a:t>
-            </a:r>
-            <a:r>
-              <a:rPr lang="en-US" altLang="ko-KR" dirty="0"/>
-              <a:t>)</a:t>
-            </a:r>
-          </a:p>
-          <a:p>
-            <a:endParaRPr lang="en-US" altLang="ko-KR" dirty="0"/>
-          </a:p>
-          <a:p>
-            <a:r>
-              <a:rPr lang="en-US" altLang="ko-KR" dirty="0"/>
-              <a:t>“</a:t>
-            </a:r>
-            <a:r>
-              <a:rPr lang="ko-KR" altLang="en-US" dirty="0"/>
-              <a:t>인기 레시피</a:t>
-            </a:r>
-            <a:r>
-              <a:rPr lang="en-US" altLang="ko-KR" dirty="0"/>
-              <a:t>“ </a:t>
-            </a:r>
-            <a:r>
-              <a:rPr lang="ko-KR" altLang="en-US" dirty="0"/>
-              <a:t>게시판은 추가하지 않습니다</a:t>
-            </a:r>
-            <a:endParaRPr lang="en-US" altLang="ko-KR" dirty="0"/>
-          </a:p>
-          <a:p>
-            <a:r>
-              <a:rPr lang="en-US" altLang="ko-KR" dirty="0"/>
-              <a:t>(</a:t>
-            </a:r>
-            <a:r>
-              <a:rPr lang="ko-KR" altLang="en-US" dirty="0" err="1"/>
-              <a:t>인기순</a:t>
-            </a:r>
-            <a:r>
-              <a:rPr lang="ko-KR" altLang="en-US" dirty="0"/>
+              <a:t>작성자닉네임</a:t>
+            </a:r>
+            <a:endParaRPr lang="en-US" altLang="ko-KR" dirty="0"/>
+          </a:p>
+          <a:p>
+            <a:r>
+              <a:rPr lang="ko-KR" altLang="en-US" dirty="0"/>
+              <a:t>작성자</a:t>
+            </a:r>
+            <a:r>
+              <a:rPr lang="en-US" altLang="ko-KR" dirty="0" err="1"/>
+              <a:t>uid</a:t>
+            </a:r>
+            <a:endParaRPr lang="en-US" altLang="ko-KR" dirty="0"/>
+          </a:p>
+          <a:p>
+            <a:r>
+              <a:rPr lang="ko-KR" altLang="en-US" dirty="0"/>
+              <a:t>작성일자</a:t>
+            </a:r>
+            <a:endParaRPr lang="en-US" altLang="ko-KR" dirty="0"/>
+          </a:p>
+          <a:p>
+            <a:r>
+              <a:rPr lang="ko-KR" altLang="en-US" dirty="0"/>
+              <a:t>글 본문</a:t>
+            </a:r>
+            <a:endParaRPr lang="en-US" altLang="ko-KR" dirty="0"/>
+          </a:p>
+          <a:p>
+            <a:r>
+              <a:rPr lang="ko-KR" altLang="en-US" dirty="0"/>
+              <a:t>정보를 저장합니다</a:t>
+            </a:r>
+            <a:r>
+              <a:rPr lang="en-US" altLang="ko-KR" dirty="0"/>
+              <a:t>.</a:t>
+            </a:r>
+          </a:p>
+          <a:p>
+            <a:endParaRPr lang="en-US" altLang="ko-KR" dirty="0"/>
+          </a:p>
+          <a:p>
+            <a:r>
+              <a:rPr lang="ko-KR" altLang="en-US" dirty="0"/>
+              <a:t>또한 </a:t>
+            </a:r>
+            <a:r>
+              <a:rPr lang="en-US" altLang="ko-KR" dirty="0"/>
+              <a:t>Intent</a:t>
+            </a:r>
+            <a:r>
+              <a:rPr lang="ko-KR" altLang="en-US" dirty="0"/>
+              <a:t>의 </a:t>
+            </a:r>
+            <a:r>
+              <a:rPr lang="en-US" altLang="ko-KR" dirty="0" err="1"/>
+              <a:t>putExtra</a:t>
+            </a:r>
+            <a:r>
+              <a:rPr lang="ko-KR" altLang="en-US" dirty="0"/>
+              <a:t>를 통해 </a:t>
+            </a:r>
+            <a:r>
+              <a:rPr lang="en-US" altLang="ko-KR" dirty="0"/>
+              <a:t>Post</a:t>
+            </a:r>
+            <a:r>
+              <a:rPr lang="ko-KR" altLang="en-US" dirty="0"/>
+              <a:t>객체를 전송할 수 있도록</a:t>
+            </a:r>
+            <a:endParaRPr lang="en-US" altLang="ko-KR" dirty="0"/>
+          </a:p>
+          <a:p>
+            <a:r>
+              <a:rPr lang="en-US" altLang="ko-KR" dirty="0" err="1"/>
+              <a:t>Parcelable</a:t>
+            </a:r>
+            <a:r>
+              <a:rPr lang="en-US" altLang="ko-KR" dirty="0"/>
               <a:t> </a:t>
             </a:r>
             <a:r>
-              <a:rPr lang="ko-KR" altLang="en-US" dirty="0" err="1"/>
-              <a:t>정렬으로</a:t>
-            </a:r>
-            <a:r>
-              <a:rPr lang="ko-KR" altLang="en-US" dirty="0"/>
-              <a:t> 대체가능한 게시판입니다</a:t>
-            </a:r>
-            <a:r>
-              <a:rPr lang="en-US" altLang="ko-KR" dirty="0"/>
-              <a:t>.)</a:t>
-            </a:r>
-          </a:p>
-          <a:p>
-            <a:endParaRPr lang="en-US" altLang="ko-KR" dirty="0"/>
-          </a:p>
-          <a:p>
-            <a:r>
-              <a:rPr lang="ko-KR" altLang="en-US" dirty="0"/>
-              <a:t>레시피 공유 게시판을 포토앨범 형식으로</a:t>
-            </a:r>
-            <a:endParaRPr lang="en-US" altLang="ko-KR" dirty="0"/>
-          </a:p>
-          <a:p>
-            <a:r>
-              <a:rPr lang="ko-KR" altLang="en-US" dirty="0"/>
-              <a:t>최근 게시물 및 게시물리스트를 표시할 수 있도록</a:t>
-            </a:r>
-            <a:endParaRPr lang="en-US" altLang="ko-KR" dirty="0"/>
-          </a:p>
-          <a:p>
-            <a:r>
-              <a:rPr lang="ko-KR" altLang="en-US" dirty="0"/>
-              <a:t>최종 보고서 제출전까지 구현 완료하겠습니다</a:t>
+              <a:rPr lang="ko-KR" altLang="en-US" dirty="0"/>
+              <a:t>인터페이스를 구현하였습니다</a:t>
             </a:r>
             <a:r>
               <a:rPr lang="en-US" altLang="ko-KR" dirty="0"/>
@@ -14036,40 +14337,10 @@
           </a:p>
         </p:txBody>
       </p:sp>
-      <p:pic>
-        <p:nvPicPr>
-          <p:cNvPr id="27" name="그림 26">
-            <a:extLst>
-              <a:ext uri="{FF2B5EF4-FFF2-40B4-BE49-F238E27FC236}">
-                <a16:creationId xmlns:a16="http://schemas.microsoft.com/office/drawing/2014/main" id="{C49E26F8-DE65-4661-9FB5-1F3CE64F2E0D}"/>
-              </a:ext>
-            </a:extLst>
-          </p:cNvPr>
-          <p:cNvPicPr>
-            <a:picLocks noChangeAspect="1"/>
-          </p:cNvPicPr>
-          <p:nvPr/>
-        </p:nvPicPr>
-        <p:blipFill>
-          <a:blip r:embed="rId5"/>
-          <a:stretch>
-            <a:fillRect/>
-          </a:stretch>
-        </p:blipFill>
-        <p:spPr>
-          <a:xfrm>
-            <a:off x="536301" y="5229297"/>
-            <a:ext cx="5439534" cy="562053"/>
-          </a:xfrm>
-          <a:prstGeom prst="rect">
-            <a:avLst/>
-          </a:prstGeom>
-        </p:spPr>
-      </p:pic>
     </p:spTree>
     <p:extLst>
       <p:ext uri="{BB962C8B-B14F-4D97-AF65-F5344CB8AC3E}">
-        <p14:creationId xmlns:p14="http://schemas.microsoft.com/office/powerpoint/2010/main" val="2017884814"/>
+        <p14:creationId xmlns:p14="http://schemas.microsoft.com/office/powerpoint/2010/main" val="948396148"/>
       </p:ext>
     </p:extLst>
   </p:cSld>
@@ -14111,7 +14382,7 @@
         <p:spPr>
           <a:xfrm>
             <a:off x="187569" y="150392"/>
-            <a:ext cx="5373587" cy="646331"/>
+            <a:ext cx="2031325" cy="646331"/>
           </a:xfrm>
           <a:prstGeom prst="rect">
             <a:avLst/>
@@ -14133,7 +14404,7 @@
           <a:p>
             <a:r>
               <a:rPr lang="ko-KR" altLang="en-US" dirty="0"/>
-              <a:t>결과 분석에 따른 설계 변경사항 및 구현계획 기술</a:t>
+              <a:t>제작방법 및 결과</a:t>
             </a:r>
             <a:endParaRPr lang="en-US" altLang="ko-KR" dirty="0"/>
           </a:p>
@@ -14141,10 +14412,10 @@
       </p:sp>
       <p:pic>
         <p:nvPicPr>
-          <p:cNvPr id="3" name="그림 2">
-            <a:extLst>
-              <a:ext uri="{FF2B5EF4-FFF2-40B4-BE49-F238E27FC236}">
-                <a16:creationId xmlns:a16="http://schemas.microsoft.com/office/drawing/2014/main" id="{196CD40C-80E4-4FE9-BBDE-D8A758E33A35}"/>
+          <p:cNvPr id="5" name="그림 4">
+            <a:extLst>
+              <a:ext uri="{FF2B5EF4-FFF2-40B4-BE49-F238E27FC236}">
+                <a16:creationId xmlns:a16="http://schemas.microsoft.com/office/drawing/2014/main" id="{4D9BC626-F034-47FC-894E-296401EBE5F3}"/>
               </a:ext>
             </a:extLst>
           </p:cNvPr>
@@ -14161,155 +14432,25 @@
         </p:blipFill>
         <p:spPr>
           <a:xfrm>
-            <a:off x="215652" y="2126258"/>
-            <a:ext cx="6172449" cy="646330"/>
-          </a:xfrm>
-          <a:prstGeom prst="rect">
-            <a:avLst/>
-          </a:prstGeom>
+            <a:off x="469746" y="1175633"/>
+            <a:ext cx="4908803" cy="5356129"/>
+          </a:xfrm>
+          <a:prstGeom prst="rect">
+            <a:avLst/>
+          </a:prstGeom>
+          <a:ln>
+            <a:solidFill>
+              <a:schemeClr val="tx1"/>
+            </a:solidFill>
+          </a:ln>
         </p:spPr>
       </p:pic>
-      <p:sp>
-        <p:nvSpPr>
-          <p:cNvPr id="4" name="TextBox 3">
-            <a:extLst>
-              <a:ext uri="{FF2B5EF4-FFF2-40B4-BE49-F238E27FC236}">
-                <a16:creationId xmlns:a16="http://schemas.microsoft.com/office/drawing/2014/main" id="{6D728307-A7AC-4784-B3D2-CB3D6121B71E}"/>
-              </a:ext>
-            </a:extLst>
-          </p:cNvPr>
-          <p:cNvSpPr txBox="1"/>
-          <p:nvPr/>
-        </p:nvSpPr>
-        <p:spPr>
-          <a:xfrm>
-            <a:off x="6669106" y="1295261"/>
-            <a:ext cx="4791696" cy="2308324"/>
-          </a:xfrm>
-          <a:prstGeom prst="rect">
-            <a:avLst/>
-          </a:prstGeom>
-          <a:noFill/>
-        </p:spPr>
-        <p:txBody>
-          <a:bodyPr wrap="none" rtlCol="0">
-            <a:spAutoFit/>
-          </a:bodyPr>
-          <a:lstStyle/>
-          <a:p>
-            <a:r>
-              <a:rPr lang="ko-KR" altLang="en-US" dirty="0"/>
-              <a:t>사용자에게 웹 커뮤니티처럼</a:t>
-            </a:r>
-            <a:endParaRPr lang="en-US" altLang="ko-KR" dirty="0"/>
-          </a:p>
-          <a:p>
-            <a:r>
-              <a:rPr lang="ko-KR" altLang="en-US" dirty="0"/>
-              <a:t>글씨 크기</a:t>
-            </a:r>
-            <a:r>
-              <a:rPr lang="en-US" altLang="ko-KR" dirty="0"/>
-              <a:t>, </a:t>
-            </a:r>
-            <a:r>
-              <a:rPr lang="ko-KR" altLang="en-US" dirty="0"/>
-              <a:t>폰트</a:t>
-            </a:r>
-            <a:r>
-              <a:rPr lang="en-US" altLang="ko-KR" dirty="0"/>
-              <a:t> </a:t>
-            </a:r>
-            <a:r>
-              <a:rPr lang="ko-KR" altLang="en-US" dirty="0"/>
-              <a:t>등에 자유도를 주는 것은</a:t>
-            </a:r>
-            <a:endParaRPr lang="en-US" altLang="ko-KR" dirty="0"/>
-          </a:p>
-          <a:p>
-            <a:r>
-              <a:rPr lang="ko-KR" altLang="en-US" dirty="0"/>
-              <a:t>오히려 게시판 </a:t>
-            </a:r>
-            <a:r>
-              <a:rPr lang="ko-KR" altLang="en-US" dirty="0" err="1"/>
-              <a:t>게시글들의</a:t>
-            </a:r>
-            <a:r>
-              <a:rPr lang="ko-KR" altLang="en-US" dirty="0"/>
-              <a:t> 일관성을</a:t>
-            </a:r>
-            <a:endParaRPr lang="en-US" altLang="ko-KR" dirty="0"/>
-          </a:p>
-          <a:p>
-            <a:r>
-              <a:rPr lang="ko-KR" altLang="en-US" dirty="0"/>
-              <a:t>해치게 될 것을 염려하여</a:t>
-            </a:r>
-            <a:endParaRPr lang="en-US" altLang="ko-KR" dirty="0"/>
-          </a:p>
-          <a:p>
-            <a:endParaRPr lang="en-US" altLang="ko-KR" dirty="0"/>
-          </a:p>
-          <a:p>
-            <a:r>
-              <a:rPr lang="ko-KR" altLang="en-US" dirty="0"/>
-              <a:t>본문 작성 시 </a:t>
-            </a:r>
-            <a:r>
-              <a:rPr lang="ko-KR" altLang="en-US" dirty="0" err="1"/>
-              <a:t>툴바</a:t>
-            </a:r>
-            <a:r>
-              <a:rPr lang="ko-KR" altLang="en-US" dirty="0"/>
-              <a:t> 제공 기능을</a:t>
-            </a:r>
-            <a:endParaRPr lang="en-US" altLang="ko-KR" dirty="0"/>
-          </a:p>
-          <a:p>
-            <a:r>
-              <a:rPr lang="ko-KR" altLang="en-US" dirty="0"/>
-              <a:t>구현하지 않기로 하였습니다</a:t>
-            </a:r>
-            <a:r>
-              <a:rPr lang="en-US" altLang="ko-KR" dirty="0"/>
-              <a:t>.</a:t>
-            </a:r>
-          </a:p>
-          <a:p>
-            <a:r>
-              <a:rPr lang="en-US" altLang="ko-KR" dirty="0"/>
-              <a:t>(</a:t>
-            </a:r>
-            <a:r>
-              <a:rPr lang="ko-KR" altLang="en-US" dirty="0" err="1"/>
-              <a:t>툴바</a:t>
-            </a:r>
-            <a:r>
-              <a:rPr lang="ko-KR" altLang="en-US" dirty="0"/>
-              <a:t> 없이 본문 작성</a:t>
-            </a:r>
-            <a:r>
-              <a:rPr lang="en-US" altLang="ko-KR" dirty="0"/>
-              <a:t>, </a:t>
-            </a:r>
-            <a:r>
-              <a:rPr lang="ko-KR" altLang="en-US" dirty="0"/>
-              <a:t>제목 작성은 구현완료</a:t>
-            </a:r>
-            <a:r>
-              <a:rPr lang="en-US" altLang="ko-KR" dirty="0"/>
-              <a:t>)</a:t>
-            </a:r>
-          </a:p>
-        </p:txBody>
-      </p:sp>
       <p:pic>
         <p:nvPicPr>
-          <p:cNvPr id="8" name="그림 7">
-            <a:extLst>
-              <a:ext uri="{FF2B5EF4-FFF2-40B4-BE49-F238E27FC236}">
-                <a16:creationId xmlns:a16="http://schemas.microsoft.com/office/drawing/2014/main" id="{6ED1D4AA-E8B4-4C80-9899-069366B4A72C}"/>
+          <p:cNvPr id="10" name="그림 9">
+            <a:extLst>
+              <a:ext uri="{FF2B5EF4-FFF2-40B4-BE49-F238E27FC236}">
+                <a16:creationId xmlns:a16="http://schemas.microsoft.com/office/drawing/2014/main" id="{9C87451F-6704-4D08-9450-D40B524D6A78}"/>
               </a:ext>
             </a:extLst>
           </p:cNvPr>
@@ -14326,20 +14467,50 @@
         </p:blipFill>
         <p:spPr>
           <a:xfrm>
-            <a:off x="187569" y="4843583"/>
-            <a:ext cx="6200532" cy="1179508"/>
+            <a:off x="6243451" y="1008922"/>
+            <a:ext cx="5068007" cy="333422"/>
           </a:xfrm>
           <a:prstGeom prst="rect">
             <a:avLst/>
           </a:prstGeom>
         </p:spPr>
       </p:pic>
-      <p:sp>
-        <p:nvSpPr>
-          <p:cNvPr id="11" name="TextBox 10">
-            <a:extLst>
-              <a:ext uri="{FF2B5EF4-FFF2-40B4-BE49-F238E27FC236}">
-                <a16:creationId xmlns:a16="http://schemas.microsoft.com/office/drawing/2014/main" id="{1BCAD082-E2A0-44FE-BA95-A81F9C250054}"/>
+      <p:pic>
+        <p:nvPicPr>
+          <p:cNvPr id="14" name="그림 13">
+            <a:extLst>
+              <a:ext uri="{FF2B5EF4-FFF2-40B4-BE49-F238E27FC236}">
+                <a16:creationId xmlns:a16="http://schemas.microsoft.com/office/drawing/2014/main" id="{FC0D1249-BAD3-4D8D-B869-D12980B676A4}"/>
+              </a:ext>
+            </a:extLst>
+          </p:cNvPr>
+          <p:cNvPicPr>
+            <a:picLocks noChangeAspect="1"/>
+          </p:cNvPicPr>
+          <p:nvPr/>
+        </p:nvPicPr>
+        <p:blipFill>
+          <a:blip r:embed="rId4"/>
+          <a:stretch>
+            <a:fillRect/>
+          </a:stretch>
+        </p:blipFill>
+        <p:spPr>
+          <a:xfrm>
+            <a:off x="5550478" y="1642442"/>
+            <a:ext cx="6453951" cy="222835"/>
+          </a:xfrm>
+          <a:prstGeom prst="rect">
+            <a:avLst/>
+          </a:prstGeom>
+        </p:spPr>
+      </p:pic>
+      <p:sp>
+        <p:nvSpPr>
+          <p:cNvPr id="15" name="TextBox 14">
+            <a:extLst>
+              <a:ext uri="{FF2B5EF4-FFF2-40B4-BE49-F238E27FC236}">
+                <a16:creationId xmlns:a16="http://schemas.microsoft.com/office/drawing/2014/main" id="{EC9EDF61-5D12-47D2-8BB0-46ED0E505553}"/>
               </a:ext>
             </a:extLst>
           </p:cNvPr>
@@ -14348,8 +14519,8 @@
         </p:nvSpPr>
         <p:spPr>
           <a:xfrm>
-            <a:off x="6807200" y="4694673"/>
-            <a:ext cx="3661580" cy="1477328"/>
+            <a:off x="6813453" y="2849337"/>
+            <a:ext cx="4174541" cy="1754326"/>
           </a:xfrm>
           <a:prstGeom prst="rect">
             <a:avLst/>
@@ -14363,57 +14534,260 @@
           <a:lstStyle/>
           <a:p>
             <a:r>
-              <a:rPr lang="ko-KR" altLang="en-US" dirty="0"/>
-              <a:t>최종보고서 제출 전까지</a:t>
-            </a:r>
-            <a:endParaRPr lang="en-US" altLang="ko-KR" dirty="0"/>
-          </a:p>
-          <a:p>
-            <a:r>
-              <a:rPr lang="en-US" altLang="ko-KR" dirty="0"/>
-              <a:t>“</a:t>
-            </a:r>
-            <a:r>
-              <a:rPr lang="ko-KR" altLang="en-US" dirty="0"/>
-              <a:t>레시피 공유 게시판</a:t>
-            </a:r>
-            <a:r>
-              <a:rPr lang="en-US" altLang="ko-KR" dirty="0"/>
-              <a:t>”</a:t>
-            </a:r>
-            <a:r>
-              <a:rPr lang="ko-KR" altLang="en-US" dirty="0"/>
-              <a:t>에</a:t>
-            </a:r>
-            <a:endParaRPr lang="en-US" altLang="ko-KR" dirty="0"/>
-          </a:p>
-          <a:p>
-            <a:r>
-              <a:rPr lang="ko-KR" altLang="en-US" dirty="0"/>
-              <a:t>레시피 첨부 기능을 추가하고</a:t>
-            </a:r>
-            <a:endParaRPr lang="en-US" altLang="ko-KR" dirty="0"/>
-          </a:p>
-          <a:p>
-            <a:r>
-              <a:rPr lang="ko-KR" altLang="en-US" dirty="0"/>
-              <a:t>포토앨범 방식으로 게시글 목록을</a:t>
-            </a:r>
-            <a:endParaRPr lang="en-US" altLang="ko-KR" dirty="0"/>
-          </a:p>
-          <a:p>
-            <a:r>
-              <a:rPr lang="ko-KR" altLang="en-US" dirty="0"/>
-              <a:t>표시하도록 하겠습니다</a:t>
-            </a:r>
-            <a:endParaRPr lang="en-US" altLang="ko-KR" dirty="0"/>
-          </a:p>
-        </p:txBody>
-      </p:sp>
+              <a:rPr lang="en-US" altLang="ko-KR" dirty="0" err="1"/>
+              <a:t>ForumActivity</a:t>
+            </a:r>
+            <a:r>
+              <a:rPr lang="ko-KR" altLang="en-US" dirty="0"/>
+              <a:t>에서 전달받은</a:t>
+            </a:r>
+            <a:endParaRPr lang="en-US" altLang="ko-KR" dirty="0"/>
+          </a:p>
+          <a:p>
+            <a:r>
+              <a:rPr lang="ko-KR" altLang="en-US" dirty="0"/>
+              <a:t>게시글 </a:t>
+            </a:r>
+            <a:r>
+              <a:rPr lang="en-US" altLang="ko-KR" dirty="0"/>
+              <a:t>id</a:t>
+            </a:r>
+            <a:r>
+              <a:rPr lang="ko-KR" altLang="en-US" dirty="0"/>
+              <a:t>를 이용하여</a:t>
+            </a:r>
+            <a:endParaRPr lang="en-US" altLang="ko-KR" dirty="0"/>
+          </a:p>
+          <a:p>
+            <a:r>
+              <a:rPr lang="en-US" altLang="ko-KR" dirty="0"/>
+              <a:t>Firebase - </a:t>
+            </a:r>
+            <a:r>
+              <a:rPr lang="en-US" altLang="ko-KR" dirty="0" err="1"/>
+              <a:t>RealtimeDatabase</a:t>
+            </a:r>
+            <a:r>
+              <a:rPr lang="ko-KR" altLang="en-US" dirty="0"/>
+              <a:t>에서</a:t>
+            </a:r>
+            <a:endParaRPr lang="en-US" altLang="ko-KR" dirty="0"/>
+          </a:p>
+          <a:p>
+            <a:r>
+              <a:rPr lang="en-US" altLang="ko-KR" dirty="0"/>
+              <a:t>Post</a:t>
+            </a:r>
+            <a:r>
+              <a:rPr lang="ko-KR" altLang="en-US" dirty="0"/>
+              <a:t>객체를 받아올 수 있습니다</a:t>
+            </a:r>
+            <a:r>
+              <a:rPr lang="en-US" altLang="ko-KR" dirty="0"/>
+              <a:t>.</a:t>
+            </a:r>
+          </a:p>
+          <a:p>
+            <a:endParaRPr lang="en-US" altLang="ko-KR" dirty="0"/>
+          </a:p>
+          <a:p>
+            <a:r>
+              <a:rPr lang="ko-KR" altLang="en-US" dirty="0"/>
+              <a:t>게시글의 정보들을 화면에 표시합니다</a:t>
+            </a:r>
+            <a:r>
+              <a:rPr lang="en-US" altLang="ko-KR" dirty="0"/>
+              <a:t>.</a:t>
+            </a:r>
+            <a:endParaRPr lang="ko-KR" altLang="en-US" dirty="0"/>
+          </a:p>
+        </p:txBody>
+      </p:sp>
+      <p:sp>
+        <p:nvSpPr>
+          <p:cNvPr id="18" name="TextBox 17">
+            <a:extLst>
+              <a:ext uri="{FF2B5EF4-FFF2-40B4-BE49-F238E27FC236}">
+                <a16:creationId xmlns:a16="http://schemas.microsoft.com/office/drawing/2014/main" id="{4ECD2187-BCFC-427C-AF38-A0AD03575B22}"/>
+              </a:ext>
+            </a:extLst>
+          </p:cNvPr>
+          <p:cNvSpPr txBox="1"/>
+          <p:nvPr/>
+        </p:nvSpPr>
+        <p:spPr>
+          <a:xfrm>
+            <a:off x="1184886" y="796723"/>
+            <a:ext cx="3304494" cy="369332"/>
+          </a:xfrm>
+          <a:prstGeom prst="rect">
+            <a:avLst/>
+          </a:prstGeom>
+          <a:noFill/>
+        </p:spPr>
+        <p:txBody>
+          <a:bodyPr wrap="none" rtlCol="0">
+            <a:spAutoFit/>
+          </a:bodyPr>
+          <a:lstStyle/>
+          <a:p>
+            <a:r>
+              <a:rPr lang="en-US" altLang="ko-KR" dirty="0" err="1"/>
+              <a:t>PostActivity</a:t>
+            </a:r>
+            <a:r>
+              <a:rPr lang="en-US" altLang="ko-KR" dirty="0"/>
+              <a:t>(</a:t>
+            </a:r>
+            <a:r>
+              <a:rPr lang="ko-KR" altLang="en-US" dirty="0"/>
+              <a:t>게시글 표시 화면</a:t>
+            </a:r>
+            <a:r>
+              <a:rPr lang="en-US" altLang="ko-KR" dirty="0"/>
+              <a:t>)</a:t>
+            </a:r>
+            <a:endParaRPr lang="ko-KR" altLang="en-US" dirty="0"/>
+          </a:p>
+        </p:txBody>
+      </p:sp>
+      <p:pic>
+        <p:nvPicPr>
+          <p:cNvPr id="20" name="그림 19">
+            <a:extLst>
+              <a:ext uri="{FF2B5EF4-FFF2-40B4-BE49-F238E27FC236}">
+                <a16:creationId xmlns:a16="http://schemas.microsoft.com/office/drawing/2014/main" id="{B4551261-9ACF-415A-9DC7-73A54ECD86D8}"/>
+              </a:ext>
+            </a:extLst>
+          </p:cNvPr>
+          <p:cNvPicPr>
+            <a:picLocks noChangeAspect="1"/>
+          </p:cNvPicPr>
+          <p:nvPr/>
+        </p:nvPicPr>
+        <p:blipFill>
+          <a:blip r:embed="rId5"/>
+          <a:stretch>
+            <a:fillRect/>
+          </a:stretch>
+        </p:blipFill>
+        <p:spPr>
+          <a:xfrm>
+            <a:off x="6672134" y="4857334"/>
+            <a:ext cx="4210638" cy="381053"/>
+          </a:xfrm>
+          <a:prstGeom prst="rect">
+            <a:avLst/>
+          </a:prstGeom>
+        </p:spPr>
+      </p:pic>
+      <p:sp>
+        <p:nvSpPr>
+          <p:cNvPr id="21" name="TextBox 20">
+            <a:extLst>
+              <a:ext uri="{FF2B5EF4-FFF2-40B4-BE49-F238E27FC236}">
+                <a16:creationId xmlns:a16="http://schemas.microsoft.com/office/drawing/2014/main" id="{F321C191-BB2C-4EE4-8755-F9537D39BE3E}"/>
+              </a:ext>
+            </a:extLst>
+          </p:cNvPr>
+          <p:cNvSpPr txBox="1"/>
+          <p:nvPr/>
+        </p:nvSpPr>
+        <p:spPr>
+          <a:xfrm>
+            <a:off x="6831655" y="5341849"/>
+            <a:ext cx="4204997" cy="1200329"/>
+          </a:xfrm>
+          <a:prstGeom prst="rect">
+            <a:avLst/>
+          </a:prstGeom>
+          <a:noFill/>
+        </p:spPr>
+        <p:txBody>
+          <a:bodyPr wrap="none" rtlCol="0">
+            <a:spAutoFit/>
+          </a:bodyPr>
+          <a:lstStyle/>
+          <a:p>
+            <a:r>
+              <a:rPr lang="ko-KR" altLang="en-US" dirty="0"/>
+              <a:t>글 수정</a:t>
+            </a:r>
+            <a:r>
+              <a:rPr lang="en-US" altLang="ko-KR" dirty="0"/>
+              <a:t>, </a:t>
+            </a:r>
+            <a:r>
+              <a:rPr lang="ko-KR" altLang="en-US" dirty="0"/>
+              <a:t>삭제 버튼의 경우</a:t>
+            </a:r>
+            <a:endParaRPr lang="en-US" altLang="ko-KR" dirty="0"/>
+          </a:p>
+          <a:p>
+            <a:r>
+              <a:rPr lang="ko-KR" altLang="en-US" dirty="0"/>
+              <a:t>현재 앱에 로그인한 유저 정보와</a:t>
+            </a:r>
+            <a:endParaRPr lang="en-US" altLang="ko-KR" dirty="0"/>
+          </a:p>
+          <a:p>
+            <a:r>
+              <a:rPr lang="ko-KR" altLang="en-US" dirty="0"/>
+              <a:t>게시글 작성자의 유저 정보가 </a:t>
+            </a:r>
+            <a:r>
+              <a:rPr lang="ko-KR" altLang="en-US" dirty="0" err="1"/>
+              <a:t>같아야만</a:t>
+            </a:r>
+            <a:endParaRPr lang="en-US" altLang="ko-KR" dirty="0"/>
+          </a:p>
+          <a:p>
+            <a:r>
+              <a:rPr lang="ko-KR" altLang="en-US" dirty="0"/>
+              <a:t>보이도록 개발하였습니다</a:t>
+            </a:r>
+            <a:r>
+              <a:rPr lang="en-US" altLang="ko-KR" dirty="0"/>
+              <a:t>.</a:t>
+            </a:r>
+            <a:endParaRPr lang="ko-KR" altLang="en-US" dirty="0"/>
+          </a:p>
+        </p:txBody>
+      </p:sp>
+      <p:pic>
+        <p:nvPicPr>
+          <p:cNvPr id="23" name="그림 22">
+            <a:extLst>
+              <a:ext uri="{FF2B5EF4-FFF2-40B4-BE49-F238E27FC236}">
+                <a16:creationId xmlns:a16="http://schemas.microsoft.com/office/drawing/2014/main" id="{4DAE76C1-1262-45B6-960F-0C990ADDEB69}"/>
+              </a:ext>
+            </a:extLst>
+          </p:cNvPr>
+          <p:cNvPicPr>
+            <a:picLocks noChangeAspect="1"/>
+          </p:cNvPicPr>
+          <p:nvPr/>
+        </p:nvPicPr>
+        <p:blipFill>
+          <a:blip r:embed="rId6"/>
+          <a:stretch>
+            <a:fillRect/>
+          </a:stretch>
+        </p:blipFill>
+        <p:spPr>
+          <a:xfrm>
+            <a:off x="6400717" y="2088312"/>
+            <a:ext cx="4753472" cy="657563"/>
+          </a:xfrm>
+          <a:prstGeom prst="rect">
+            <a:avLst/>
+          </a:prstGeom>
+        </p:spPr>
+      </p:pic>
     </p:spTree>
     <p:extLst>
       <p:ext uri="{BB962C8B-B14F-4D97-AF65-F5344CB8AC3E}">
-        <p14:creationId xmlns:p14="http://schemas.microsoft.com/office/powerpoint/2010/main" val="3247784774"/>
+        <p14:creationId xmlns:p14="http://schemas.microsoft.com/office/powerpoint/2010/main" val="648014704"/>
       </p:ext>
     </p:extLst>
   </p:cSld>
@@ -14455,7 +14829,7 @@
         <p:spPr>
           <a:xfrm>
             <a:off x="187569" y="150392"/>
-            <a:ext cx="5373587" cy="646331"/>
+            <a:ext cx="1963999" cy="646331"/>
           </a:xfrm>
           <a:prstGeom prst="rect">
             <a:avLst/>
@@ -14477,48 +14851,18 @@
           <a:p>
             <a:r>
               <a:rPr lang="ko-KR" altLang="en-US" dirty="0"/>
-              <a:t>결과 분석에 따른 설계 변경사항 및 구현계획 기술</a:t>
-            </a:r>
-            <a:endParaRPr lang="en-US" altLang="ko-KR" dirty="0"/>
-          </a:p>
-        </p:txBody>
-      </p:sp>
-      <p:pic>
-        <p:nvPicPr>
-          <p:cNvPr id="5" name="그림 4">
-            <a:extLst>
-              <a:ext uri="{FF2B5EF4-FFF2-40B4-BE49-F238E27FC236}">
-                <a16:creationId xmlns:a16="http://schemas.microsoft.com/office/drawing/2014/main" id="{328A5473-A002-4030-A4FF-B075700E1B20}"/>
-              </a:ext>
-            </a:extLst>
-          </p:cNvPr>
-          <p:cNvPicPr>
-            <a:picLocks noChangeAspect="1"/>
-          </p:cNvPicPr>
-          <p:nvPr/>
-        </p:nvPicPr>
-        <p:blipFill>
-          <a:blip r:embed="rId2"/>
-          <a:stretch>
-            <a:fillRect/>
-          </a:stretch>
-        </p:blipFill>
-        <p:spPr>
-          <a:xfrm>
-            <a:off x="608549" y="1485613"/>
-            <a:ext cx="5537199" cy="4876448"/>
-          </a:xfrm>
-          <a:prstGeom prst="rect">
-            <a:avLst/>
-          </a:prstGeom>
-        </p:spPr>
-      </p:pic>
-      <p:sp>
-        <p:nvSpPr>
-          <p:cNvPr id="6" name="TextBox 5">
-            <a:extLst>
-              <a:ext uri="{FF2B5EF4-FFF2-40B4-BE49-F238E27FC236}">
-                <a16:creationId xmlns:a16="http://schemas.microsoft.com/office/drawing/2014/main" id="{7B949A9D-6DD6-4D44-A565-8582D7F0FC0D}"/>
+              <a:t>제작에 따른 결론</a:t>
+            </a:r>
+            <a:endParaRPr lang="en-US" altLang="ko-KR" dirty="0"/>
+          </a:p>
+        </p:txBody>
+      </p:sp>
+      <p:sp>
+        <p:nvSpPr>
+          <p:cNvPr id="2" name="TextBox 1">
+            <a:extLst>
+              <a:ext uri="{FF2B5EF4-FFF2-40B4-BE49-F238E27FC236}">
+                <a16:creationId xmlns:a16="http://schemas.microsoft.com/office/drawing/2014/main" id="{9D7BF817-DA2A-4CC5-8F51-933ACDD4745D}"/>
               </a:ext>
             </a:extLst>
           </p:cNvPr>
@@ -14527,8 +14871,8 @@
         </p:nvSpPr>
         <p:spPr>
           <a:xfrm>
-            <a:off x="6842760" y="2492676"/>
-            <a:ext cx="3974165" cy="2862322"/>
+            <a:off x="1588860" y="1643821"/>
+            <a:ext cx="6809878" cy="646331"/>
           </a:xfrm>
           <a:prstGeom prst="rect">
             <a:avLst/>
@@ -14542,90 +14886,362 @@
           <a:lstStyle/>
           <a:p>
             <a:r>
-              <a:rPr lang="ko-KR" altLang="en-US" dirty="0"/>
-              <a:t>안드로이드 공식 지정 표준 디자인인</a:t>
-            </a:r>
-            <a:endParaRPr lang="en-US" altLang="ko-KR" dirty="0"/>
-          </a:p>
-          <a:p>
-            <a:r>
-              <a:rPr lang="en-US" altLang="ko-KR" dirty="0"/>
-              <a:t>Material Design </a:t>
-            </a:r>
-            <a:r>
-              <a:rPr lang="ko-KR" altLang="en-US" dirty="0"/>
-              <a:t>문서와</a:t>
-            </a:r>
-            <a:endParaRPr lang="en-US" altLang="ko-KR" dirty="0"/>
-          </a:p>
-          <a:p>
-            <a:endParaRPr lang="en-US" altLang="ko-KR" dirty="0"/>
-          </a:p>
-          <a:p>
-            <a:r>
-              <a:rPr lang="ko-KR" altLang="en-US" dirty="0"/>
-              <a:t>현재 서비스중인 앱들을 참고하여</a:t>
-            </a:r>
-            <a:endParaRPr lang="en-US" altLang="ko-KR" dirty="0"/>
-          </a:p>
-          <a:p>
-            <a:endParaRPr lang="en-US" altLang="ko-KR" dirty="0"/>
-          </a:p>
-          <a:p>
-            <a:r>
-              <a:rPr lang="en-US" altLang="ko-KR" dirty="0"/>
-              <a:t>“</a:t>
-            </a:r>
-            <a:r>
-              <a:rPr lang="ko-KR" altLang="en-US" dirty="0"/>
-              <a:t>사용자가 단번에 이해 가능하고</a:t>
-            </a:r>
-            <a:endParaRPr lang="en-US" altLang="ko-KR" dirty="0"/>
-          </a:p>
-          <a:p>
-            <a:r>
-              <a:rPr lang="ko-KR" altLang="en-US" dirty="0"/>
-              <a:t>심플한</a:t>
-            </a:r>
-            <a:r>
-              <a:rPr lang="en-US" altLang="ko-KR" dirty="0"/>
-              <a:t>“</a:t>
-            </a:r>
-          </a:p>
-          <a:p>
-            <a:endParaRPr lang="en-US" altLang="ko-KR" dirty="0"/>
-          </a:p>
-          <a:p>
-            <a:r>
-              <a:rPr lang="ko-KR" altLang="en-US" dirty="0"/>
-              <a:t>완성도 있는 </a:t>
-            </a:r>
-            <a:r>
-              <a:rPr lang="en-US" altLang="ko-KR" dirty="0"/>
-              <a:t>UI</a:t>
-            </a:r>
-            <a:r>
-              <a:rPr lang="ko-KR" altLang="en-US" dirty="0"/>
-              <a:t>를 이번 학기 내에</a:t>
-            </a:r>
-            <a:endParaRPr lang="en-US" altLang="ko-KR" dirty="0"/>
-          </a:p>
-          <a:p>
-            <a:r>
-              <a:rPr lang="ko-KR" altLang="en-US" dirty="0"/>
-              <a:t>제작하도록 하겠습니다</a:t>
+              <a:rPr lang="ko-KR" altLang="en-US" b="1" dirty="0"/>
+              <a:t>문제점 </a:t>
+            </a:r>
+            <a:r>
+              <a:rPr lang="en-US" altLang="ko-KR" b="1" dirty="0"/>
+              <a:t>1</a:t>
+            </a:r>
+            <a:r>
+              <a:rPr lang="ko-KR" altLang="en-US" b="1" dirty="0"/>
+              <a:t> </a:t>
+            </a:r>
+            <a:r>
+              <a:rPr lang="en-US" altLang="ko-KR" b="1" dirty="0"/>
+              <a:t>:</a:t>
+            </a:r>
+          </a:p>
+          <a:p>
+            <a:r>
+              <a:rPr lang="ko-KR" altLang="en-US" dirty="0"/>
+              <a:t>기능 구현을 우선으로 하였기 때문에 디자인이 다소 미흡합니다</a:t>
             </a:r>
             <a:r>
               <a:rPr lang="en-US" altLang="ko-KR" dirty="0"/>
               <a:t>.</a:t>
             </a:r>
+          </a:p>
+        </p:txBody>
+      </p:sp>
+      <p:sp>
+        <p:nvSpPr>
+          <p:cNvPr id="12" name="TextBox 11">
+            <a:extLst>
+              <a:ext uri="{FF2B5EF4-FFF2-40B4-BE49-F238E27FC236}">
+                <a16:creationId xmlns:a16="http://schemas.microsoft.com/office/drawing/2014/main" id="{C8CCEDA0-FFEE-4625-93D2-E19767DC7A42}"/>
+              </a:ext>
+            </a:extLst>
+          </p:cNvPr>
+          <p:cNvSpPr txBox="1"/>
+          <p:nvPr/>
+        </p:nvSpPr>
+        <p:spPr>
+          <a:xfrm>
+            <a:off x="1588860" y="2394544"/>
+            <a:ext cx="9116598" cy="646331"/>
+          </a:xfrm>
+          <a:prstGeom prst="rect">
+            <a:avLst/>
+          </a:prstGeom>
+          <a:noFill/>
+        </p:spPr>
+        <p:txBody>
+          <a:bodyPr wrap="none" rtlCol="0">
+            <a:spAutoFit/>
+          </a:bodyPr>
+          <a:lstStyle/>
+          <a:p>
+            <a:r>
+              <a:rPr lang="ko-KR" altLang="en-US" b="1" dirty="0"/>
+              <a:t>문제점 </a:t>
+            </a:r>
+            <a:r>
+              <a:rPr lang="en-US" altLang="ko-KR" b="1" dirty="0"/>
+              <a:t>2</a:t>
+            </a:r>
+            <a:r>
+              <a:rPr lang="ko-KR" altLang="en-US" b="1" dirty="0"/>
+              <a:t> </a:t>
+            </a:r>
+            <a:r>
+              <a:rPr lang="en-US" altLang="ko-KR" b="1" dirty="0"/>
+              <a:t>:</a:t>
+            </a:r>
+          </a:p>
+          <a:p>
+            <a:r>
+              <a:rPr lang="ko-KR" altLang="en-US" dirty="0"/>
+              <a:t>레시피 공유 게시판 및 질문 게시판은 별도의 양식으로 글 작성</a:t>
+            </a:r>
+            <a:r>
+              <a:rPr lang="en-US" altLang="ko-KR" dirty="0"/>
+              <a:t>, </a:t>
+            </a:r>
+            <a:r>
+              <a:rPr lang="ko-KR" altLang="en-US" dirty="0"/>
+              <a:t>표시가 되어야 합니다</a:t>
+            </a:r>
+            <a:r>
+              <a:rPr lang="en-US" altLang="ko-KR" dirty="0"/>
+              <a:t>.</a:t>
+            </a:r>
+          </a:p>
+        </p:txBody>
+      </p:sp>
+      <p:sp>
+        <p:nvSpPr>
+          <p:cNvPr id="13" name="TextBox 12">
+            <a:extLst>
+              <a:ext uri="{FF2B5EF4-FFF2-40B4-BE49-F238E27FC236}">
+                <a16:creationId xmlns:a16="http://schemas.microsoft.com/office/drawing/2014/main" id="{466C847A-1979-4315-A381-342CB1EB761B}"/>
+              </a:ext>
+            </a:extLst>
+          </p:cNvPr>
+          <p:cNvSpPr txBox="1"/>
+          <p:nvPr/>
+        </p:nvSpPr>
+        <p:spPr>
+          <a:xfrm>
+            <a:off x="1588860" y="3145267"/>
+            <a:ext cx="7075976" cy="646331"/>
+          </a:xfrm>
+          <a:prstGeom prst="rect">
+            <a:avLst/>
+          </a:prstGeom>
+          <a:noFill/>
+        </p:spPr>
+        <p:txBody>
+          <a:bodyPr wrap="none" rtlCol="0">
+            <a:spAutoFit/>
+          </a:bodyPr>
+          <a:lstStyle/>
+          <a:p>
+            <a:r>
+              <a:rPr lang="ko-KR" altLang="en-US" b="1" dirty="0"/>
+              <a:t>문제점 </a:t>
+            </a:r>
+            <a:r>
+              <a:rPr lang="en-US" altLang="ko-KR" b="1" dirty="0"/>
+              <a:t>3</a:t>
+            </a:r>
+            <a:r>
+              <a:rPr lang="ko-KR" altLang="en-US" b="1" dirty="0"/>
+              <a:t> </a:t>
+            </a:r>
+            <a:r>
+              <a:rPr lang="en-US" altLang="ko-KR" b="1" dirty="0"/>
+              <a:t>:</a:t>
+            </a:r>
+          </a:p>
+          <a:p>
+            <a:r>
+              <a:rPr lang="ko-KR" altLang="en-US" dirty="0"/>
+              <a:t>아직 댓글</a:t>
+            </a:r>
+            <a:r>
+              <a:rPr lang="en-US" altLang="ko-KR" dirty="0"/>
+              <a:t>, </a:t>
+            </a:r>
+            <a:r>
+              <a:rPr lang="ko-KR" altLang="en-US" dirty="0"/>
+              <a:t>추천</a:t>
+            </a:r>
+            <a:r>
+              <a:rPr lang="en-US" altLang="ko-KR" dirty="0"/>
+              <a:t>, </a:t>
+            </a:r>
+            <a:r>
+              <a:rPr lang="ko-KR" altLang="en-US" dirty="0" err="1"/>
+              <a:t>인기순</a:t>
+            </a:r>
+            <a:r>
+              <a:rPr lang="ko-KR" altLang="en-US" dirty="0"/>
+              <a:t> 정렬 등의 기능을  구현하지 못하였습니다</a:t>
+            </a:r>
+            <a:r>
+              <a:rPr lang="en-US" altLang="ko-KR" dirty="0"/>
+              <a:t>.</a:t>
+            </a:r>
+          </a:p>
+        </p:txBody>
+      </p:sp>
+      <p:sp>
+        <p:nvSpPr>
+          <p:cNvPr id="16" name="TextBox 15">
+            <a:extLst>
+              <a:ext uri="{FF2B5EF4-FFF2-40B4-BE49-F238E27FC236}">
+                <a16:creationId xmlns:a16="http://schemas.microsoft.com/office/drawing/2014/main" id="{39904C92-950E-4497-8D90-E0F07F7CC103}"/>
+              </a:ext>
+            </a:extLst>
+          </p:cNvPr>
+          <p:cNvSpPr txBox="1"/>
+          <p:nvPr/>
+        </p:nvSpPr>
+        <p:spPr>
+          <a:xfrm>
+            <a:off x="1588860" y="4385926"/>
+            <a:ext cx="7516801" cy="646331"/>
+          </a:xfrm>
+          <a:prstGeom prst="rect">
+            <a:avLst/>
+          </a:prstGeom>
+          <a:noFill/>
+        </p:spPr>
+        <p:txBody>
+          <a:bodyPr wrap="none" rtlCol="0">
+            <a:spAutoFit/>
+          </a:bodyPr>
+          <a:lstStyle/>
+          <a:p>
+            <a:r>
+              <a:rPr lang="ko-KR" altLang="en-US" b="1" dirty="0"/>
+              <a:t>개선점 </a:t>
+            </a:r>
+            <a:r>
+              <a:rPr lang="en-US" altLang="ko-KR" b="1" dirty="0"/>
+              <a:t>1</a:t>
+            </a:r>
+            <a:r>
+              <a:rPr lang="ko-KR" altLang="en-US" b="1" dirty="0"/>
+              <a:t> </a:t>
+            </a:r>
+            <a:r>
+              <a:rPr lang="en-US" altLang="ko-KR" b="1" dirty="0"/>
+              <a:t>:</a:t>
+            </a:r>
+          </a:p>
+          <a:p>
+            <a:r>
+              <a:rPr lang="ko-KR" altLang="en-US" dirty="0"/>
+              <a:t>자신의 </a:t>
+            </a:r>
+            <a:r>
+              <a:rPr lang="ko-KR" altLang="en-US" dirty="0" err="1"/>
+              <a:t>게시글에</a:t>
+            </a:r>
+            <a:r>
+              <a:rPr lang="ko-KR" altLang="en-US" dirty="0"/>
+              <a:t> 댓글이 작성되면 알림이 갈 수 있도록 할 수 있습니다</a:t>
+            </a:r>
+            <a:r>
+              <a:rPr lang="en-US" altLang="ko-KR" dirty="0"/>
+              <a:t>.</a:t>
+            </a:r>
+          </a:p>
+        </p:txBody>
+      </p:sp>
+      <p:sp>
+        <p:nvSpPr>
+          <p:cNvPr id="4" name="TextBox 3">
+            <a:extLst>
+              <a:ext uri="{FF2B5EF4-FFF2-40B4-BE49-F238E27FC236}">
+                <a16:creationId xmlns:a16="http://schemas.microsoft.com/office/drawing/2014/main" id="{C0AD2A75-B498-4BA2-951E-1D077BE20242}"/>
+              </a:ext>
+            </a:extLst>
+          </p:cNvPr>
+          <p:cNvSpPr txBox="1"/>
+          <p:nvPr/>
+        </p:nvSpPr>
+        <p:spPr>
+          <a:xfrm>
+            <a:off x="1875692" y="5744307"/>
+            <a:ext cx="7850226" cy="369332"/>
+          </a:xfrm>
+          <a:prstGeom prst="rect">
+            <a:avLst/>
+          </a:prstGeom>
+          <a:noFill/>
+        </p:spPr>
+        <p:txBody>
+          <a:bodyPr wrap="none" rtlCol="0">
+            <a:spAutoFit/>
+          </a:bodyPr>
+          <a:lstStyle/>
+          <a:p>
+            <a:r>
+              <a:rPr lang="ko-KR" altLang="en-US" b="1" dirty="0"/>
+              <a:t>총 정리 </a:t>
+            </a:r>
+            <a:r>
+              <a:rPr lang="en-US" altLang="ko-KR" b="1" dirty="0"/>
+              <a:t>: </a:t>
+            </a:r>
+            <a:r>
+              <a:rPr lang="ko-KR" altLang="en-US" b="1" dirty="0"/>
+              <a:t>아직 구현하지 못한 기능이 많고</a:t>
+            </a:r>
+            <a:r>
+              <a:rPr lang="en-US" altLang="ko-KR" b="1" dirty="0"/>
+              <a:t>, </a:t>
+            </a:r>
+            <a:r>
+              <a:rPr lang="ko-KR" altLang="en-US" b="1" dirty="0"/>
+              <a:t>디자인적으로 다소 미흡합니다</a:t>
+            </a:r>
+            <a:r>
+              <a:rPr lang="en-US" altLang="ko-KR" b="1" dirty="0"/>
+              <a:t>.</a:t>
+            </a:r>
+          </a:p>
+        </p:txBody>
+      </p:sp>
+      <p:sp>
+        <p:nvSpPr>
+          <p:cNvPr id="19" name="TextBox 18">
+            <a:extLst>
+              <a:ext uri="{FF2B5EF4-FFF2-40B4-BE49-F238E27FC236}">
+                <a16:creationId xmlns:a16="http://schemas.microsoft.com/office/drawing/2014/main" id="{27F10007-C4F1-48DA-BFE6-6BA45F3F5635}"/>
+              </a:ext>
+            </a:extLst>
+          </p:cNvPr>
+          <p:cNvSpPr txBox="1"/>
+          <p:nvPr/>
+        </p:nvSpPr>
+        <p:spPr>
+          <a:xfrm>
+            <a:off x="2649416" y="222421"/>
+            <a:ext cx="4330032" cy="600164"/>
+          </a:xfrm>
+          <a:prstGeom prst="rect">
+            <a:avLst/>
+          </a:prstGeom>
+          <a:noFill/>
+        </p:spPr>
+        <p:txBody>
+          <a:bodyPr wrap="none" rtlCol="0">
+            <a:spAutoFit/>
+          </a:bodyPr>
+          <a:lstStyle/>
+          <a:p>
+            <a:r>
+              <a:rPr lang="ko-KR" altLang="en-US" sz="1100" dirty="0"/>
+              <a:t>문제점 </a:t>
+            </a:r>
+            <a:r>
+              <a:rPr lang="en-US" altLang="ko-KR" sz="1100" dirty="0"/>
+              <a:t>: </a:t>
+            </a:r>
+            <a:r>
+              <a:rPr lang="ko-KR" altLang="en-US" sz="1100" dirty="0"/>
+              <a:t>아직 설계한대로 다 구현하지 못한 부분이나 미흡한 부분</a:t>
+            </a:r>
+            <a:endParaRPr lang="en-US" altLang="ko-KR" sz="1100" dirty="0"/>
+          </a:p>
+          <a:p>
+            <a:endParaRPr lang="en-US" altLang="ko-KR" sz="1100" dirty="0"/>
+          </a:p>
+          <a:p>
+            <a:r>
+              <a:rPr lang="ko-KR" altLang="en-US" sz="1100" dirty="0"/>
+              <a:t>개선점 </a:t>
+            </a:r>
+            <a:r>
+              <a:rPr lang="en-US" altLang="ko-KR" sz="1100" dirty="0"/>
+              <a:t>: </a:t>
+            </a:r>
+            <a:r>
+              <a:rPr lang="ko-KR" altLang="en-US" sz="1100" dirty="0"/>
+              <a:t>추가적으로 구현하면 좋을 만한 사안</a:t>
+            </a:r>
+            <a:endParaRPr lang="en-US" altLang="ko-KR" sz="1100" dirty="0"/>
           </a:p>
         </p:txBody>
       </p:sp>
     </p:spTree>
     <p:extLst>
       <p:ext uri="{BB962C8B-B14F-4D97-AF65-F5344CB8AC3E}">
-        <p14:creationId xmlns:p14="http://schemas.microsoft.com/office/powerpoint/2010/main" val="2648518283"/>
+        <p14:creationId xmlns:p14="http://schemas.microsoft.com/office/powerpoint/2010/main" val="3036409739"/>
       </p:ext>
     </p:extLst>
   </p:cSld>
@@ -14654,10 +15270,10 @@
       </p:grpSpPr>
       <p:sp>
         <p:nvSpPr>
-          <p:cNvPr id="4" name="TextBox 3">
-            <a:extLst>
-              <a:ext uri="{FF2B5EF4-FFF2-40B4-BE49-F238E27FC236}">
-                <a16:creationId xmlns:a16="http://schemas.microsoft.com/office/drawing/2014/main" id="{A12C0690-42B2-46ED-ABD3-CCF37D7B3259}"/>
+          <p:cNvPr id="9" name="TextBox 8">
+            <a:extLst>
+              <a:ext uri="{FF2B5EF4-FFF2-40B4-BE49-F238E27FC236}">
+                <a16:creationId xmlns:a16="http://schemas.microsoft.com/office/drawing/2014/main" id="{6C515703-5C88-4061-A5DA-65A493F454D4}"/>
               </a:ext>
             </a:extLst>
           </p:cNvPr>
@@ -14666,8 +15282,8 @@
         </p:nvSpPr>
         <p:spPr>
           <a:xfrm>
-            <a:off x="4721268" y="3075057"/>
-            <a:ext cx="2749472" cy="707886"/>
+            <a:off x="187569" y="150392"/>
+            <a:ext cx="5373587" cy="646331"/>
           </a:xfrm>
           <a:prstGeom prst="rect">
             <a:avLst/>
@@ -14680,18 +15296,421 @@
           </a:bodyPr>
           <a:lstStyle/>
           <a:p>
-            <a:pPr algn="ctr"/>
-            <a:r>
-              <a:rPr lang="ko-KR" altLang="en-US" sz="4000" dirty="0"/>
-              <a:t>프로필화면</a:t>
-            </a:r>
-          </a:p>
-        </p:txBody>
-      </p:sp>
+            <a:r>
+              <a:rPr lang="ko-KR" altLang="en-US" dirty="0"/>
+              <a:t>커뮤니티화면</a:t>
+            </a:r>
+            <a:endParaRPr lang="en-US" altLang="ko-KR" dirty="0"/>
+          </a:p>
+          <a:p>
+            <a:r>
+              <a:rPr lang="ko-KR" altLang="en-US" dirty="0"/>
+              <a:t>결과 분석에 따른 설계 변경사항 및 구현계획 기술</a:t>
+            </a:r>
+            <a:endParaRPr lang="en-US" altLang="ko-KR" dirty="0"/>
+          </a:p>
+        </p:txBody>
+      </p:sp>
+      <p:sp>
+        <p:nvSpPr>
+          <p:cNvPr id="10" name="TextBox 9">
+            <a:extLst>
+              <a:ext uri="{FF2B5EF4-FFF2-40B4-BE49-F238E27FC236}">
+                <a16:creationId xmlns:a16="http://schemas.microsoft.com/office/drawing/2014/main" id="{20387B7A-DF7E-494D-A783-D1C73DDA0A2D}"/>
+              </a:ext>
+            </a:extLst>
+          </p:cNvPr>
+          <p:cNvSpPr txBox="1"/>
+          <p:nvPr/>
+        </p:nvSpPr>
+        <p:spPr>
+          <a:xfrm>
+            <a:off x="7924800" y="1066650"/>
+            <a:ext cx="3332964" cy="923330"/>
+          </a:xfrm>
+          <a:prstGeom prst="rect">
+            <a:avLst/>
+          </a:prstGeom>
+          <a:noFill/>
+        </p:spPr>
+        <p:txBody>
+          <a:bodyPr wrap="none" rtlCol="0">
+            <a:spAutoFit/>
+          </a:bodyPr>
+          <a:lstStyle/>
+          <a:p>
+            <a:r>
+              <a:rPr lang="ko-KR" altLang="en-US" dirty="0"/>
+              <a:t>댓글 작성</a:t>
+            </a:r>
+            <a:r>
+              <a:rPr lang="en-US" altLang="ko-KR" dirty="0"/>
+              <a:t>,</a:t>
+            </a:r>
+            <a:r>
+              <a:rPr lang="ko-KR" altLang="en-US" dirty="0"/>
+              <a:t>표시 및 추천 기능을</a:t>
+            </a:r>
+            <a:endParaRPr lang="en-US" altLang="ko-KR" dirty="0"/>
+          </a:p>
+          <a:p>
+            <a:r>
+              <a:rPr lang="ko-KR" altLang="en-US" dirty="0"/>
+              <a:t>최종 보고서 제출전까지</a:t>
+            </a:r>
+            <a:endParaRPr lang="en-US" altLang="ko-KR" dirty="0"/>
+          </a:p>
+          <a:p>
+            <a:r>
+              <a:rPr lang="ko-KR" altLang="en-US" dirty="0"/>
+              <a:t>구현 완료하겠습니다</a:t>
+            </a:r>
+            <a:r>
+              <a:rPr lang="en-US" altLang="ko-KR" dirty="0"/>
+              <a:t>.</a:t>
+            </a:r>
+            <a:endParaRPr lang="ko-KR" altLang="en-US" dirty="0"/>
+          </a:p>
+        </p:txBody>
+      </p:sp>
+      <p:pic>
+        <p:nvPicPr>
+          <p:cNvPr id="17" name="그림 16">
+            <a:extLst>
+              <a:ext uri="{FF2B5EF4-FFF2-40B4-BE49-F238E27FC236}">
+                <a16:creationId xmlns:a16="http://schemas.microsoft.com/office/drawing/2014/main" id="{6B0C4927-098C-43DD-A442-9A9DE3EFFF15}"/>
+              </a:ext>
+            </a:extLst>
+          </p:cNvPr>
+          <p:cNvPicPr>
+            <a:picLocks noChangeAspect="1"/>
+          </p:cNvPicPr>
+          <p:nvPr/>
+        </p:nvPicPr>
+        <p:blipFill>
+          <a:blip r:embed="rId2"/>
+          <a:stretch>
+            <a:fillRect/>
+          </a:stretch>
+        </p:blipFill>
+        <p:spPr>
+          <a:xfrm>
+            <a:off x="536301" y="1211743"/>
+            <a:ext cx="6638224" cy="554148"/>
+          </a:xfrm>
+          <a:prstGeom prst="rect">
+            <a:avLst/>
+          </a:prstGeom>
+        </p:spPr>
+      </p:pic>
+      <p:pic>
+        <p:nvPicPr>
+          <p:cNvPr id="19" name="그림 18">
+            <a:extLst>
+              <a:ext uri="{FF2B5EF4-FFF2-40B4-BE49-F238E27FC236}">
+                <a16:creationId xmlns:a16="http://schemas.microsoft.com/office/drawing/2014/main" id="{26D5D9CF-DD4B-4845-9CFF-0134A58E848A}"/>
+              </a:ext>
+            </a:extLst>
+          </p:cNvPr>
+          <p:cNvPicPr>
+            <a:picLocks noChangeAspect="1"/>
+          </p:cNvPicPr>
+          <p:nvPr/>
+        </p:nvPicPr>
+        <p:blipFill>
+          <a:blip r:embed="rId3"/>
+          <a:stretch>
+            <a:fillRect/>
+          </a:stretch>
+        </p:blipFill>
+        <p:spPr>
+          <a:xfrm>
+            <a:off x="536301" y="3168660"/>
+            <a:ext cx="5439534" cy="752580"/>
+          </a:xfrm>
+          <a:prstGeom prst="rect">
+            <a:avLst/>
+          </a:prstGeom>
+          <a:ln>
+            <a:solidFill>
+              <a:schemeClr val="tx1"/>
+            </a:solidFill>
+          </a:ln>
+        </p:spPr>
+      </p:pic>
+      <p:cxnSp>
+        <p:nvCxnSpPr>
+          <p:cNvPr id="21" name="직선 화살표 연결선 20">
+            <a:extLst>
+              <a:ext uri="{FF2B5EF4-FFF2-40B4-BE49-F238E27FC236}">
+                <a16:creationId xmlns:a16="http://schemas.microsoft.com/office/drawing/2014/main" id="{D8FBFFDF-B32E-4DF6-BA14-3D360466D5C2}"/>
+              </a:ext>
+            </a:extLst>
+          </p:cNvPr>
+          <p:cNvCxnSpPr>
+            <a:cxnSpLocks/>
+          </p:cNvCxnSpPr>
+          <p:nvPr/>
+        </p:nvCxnSpPr>
+        <p:spPr>
+          <a:xfrm>
+            <a:off x="3244345" y="3921240"/>
+            <a:ext cx="11723" cy="495509"/>
+          </a:xfrm>
+          <a:prstGeom prst="straightConnector1">
+            <a:avLst/>
+          </a:prstGeom>
+          <a:ln>
+            <a:solidFill>
+              <a:schemeClr val="tx1"/>
+            </a:solidFill>
+            <a:tailEnd type="triangle"/>
+          </a:ln>
+        </p:spPr>
+        <p:style>
+          <a:lnRef idx="1">
+            <a:schemeClr val="accent1"/>
+          </a:lnRef>
+          <a:fillRef idx="0">
+            <a:schemeClr val="accent1"/>
+          </a:fillRef>
+          <a:effectRef idx="0">
+            <a:schemeClr val="accent1"/>
+          </a:effectRef>
+          <a:fontRef idx="minor">
+            <a:schemeClr val="tx1"/>
+          </a:fontRef>
+        </p:style>
+      </p:cxnSp>
+      <p:pic>
+        <p:nvPicPr>
+          <p:cNvPr id="25" name="그림 24">
+            <a:extLst>
+              <a:ext uri="{FF2B5EF4-FFF2-40B4-BE49-F238E27FC236}">
+                <a16:creationId xmlns:a16="http://schemas.microsoft.com/office/drawing/2014/main" id="{38F107EE-D604-4D7B-876A-51AB6D1B2690}"/>
+              </a:ext>
+            </a:extLst>
+          </p:cNvPr>
+          <p:cNvPicPr>
+            <a:picLocks noChangeAspect="1"/>
+          </p:cNvPicPr>
+          <p:nvPr/>
+        </p:nvPicPr>
+        <p:blipFill>
+          <a:blip r:embed="rId4"/>
+          <a:stretch>
+            <a:fillRect/>
+          </a:stretch>
+        </p:blipFill>
+        <p:spPr>
+          <a:xfrm>
+            <a:off x="536301" y="4416750"/>
+            <a:ext cx="5439535" cy="598064"/>
+          </a:xfrm>
+          <a:prstGeom prst="rect">
+            <a:avLst/>
+          </a:prstGeom>
+        </p:spPr>
+      </p:pic>
+      <p:sp>
+        <p:nvSpPr>
+          <p:cNvPr id="26" name="TextBox 25">
+            <a:extLst>
+              <a:ext uri="{FF2B5EF4-FFF2-40B4-BE49-F238E27FC236}">
+                <a16:creationId xmlns:a16="http://schemas.microsoft.com/office/drawing/2014/main" id="{C335FBD6-46CC-4964-8D4C-500FF44CB3AE}"/>
+              </a:ext>
+            </a:extLst>
+          </p:cNvPr>
+          <p:cNvSpPr txBox="1"/>
+          <p:nvPr/>
+        </p:nvSpPr>
+        <p:spPr>
+          <a:xfrm>
+            <a:off x="6425026" y="3124087"/>
+            <a:ext cx="5291833" cy="2585323"/>
+          </a:xfrm>
+          <a:prstGeom prst="rect">
+            <a:avLst/>
+          </a:prstGeom>
+          <a:noFill/>
+        </p:spPr>
+        <p:txBody>
+          <a:bodyPr wrap="none" rtlCol="0">
+            <a:spAutoFit/>
+          </a:bodyPr>
+          <a:lstStyle/>
+          <a:p>
+            <a:r>
+              <a:rPr lang="en-US" altLang="ko-KR" dirty="0"/>
+              <a:t>“</a:t>
+            </a:r>
+            <a:r>
+              <a:rPr lang="ko-KR" altLang="en-US" dirty="0"/>
+              <a:t>나만의 레시피</a:t>
+            </a:r>
+            <a:r>
+              <a:rPr lang="en-US" altLang="ko-KR" dirty="0"/>
+              <a:t>”</a:t>
+            </a:r>
+            <a:r>
+              <a:rPr lang="ko-KR" altLang="en-US" dirty="0"/>
+              <a:t> </a:t>
+            </a:r>
+            <a:r>
+              <a:rPr lang="en-US" altLang="ko-KR" dirty="0"/>
+              <a:t>-&gt; “</a:t>
+            </a:r>
+            <a:r>
+              <a:rPr lang="ko-KR" altLang="en-US" dirty="0"/>
+              <a:t>레시피 공유</a:t>
+            </a:r>
+            <a:r>
+              <a:rPr lang="en-US" altLang="ko-KR" dirty="0"/>
+              <a:t>”</a:t>
+            </a:r>
+            <a:r>
+              <a:rPr lang="ko-KR" altLang="en-US" dirty="0"/>
+              <a:t> 게시판으로 </a:t>
+            </a:r>
+            <a:endParaRPr lang="en-US" altLang="ko-KR" dirty="0"/>
+          </a:p>
+          <a:p>
+            <a:r>
+              <a:rPr lang="ko-KR" altLang="en-US" dirty="0"/>
+              <a:t>정정하였습니다</a:t>
+            </a:r>
+            <a:r>
+              <a:rPr lang="en-US" altLang="ko-KR" dirty="0"/>
+              <a:t>. (</a:t>
+            </a:r>
+            <a:r>
+              <a:rPr lang="ko-KR" altLang="en-US" dirty="0"/>
+              <a:t>범용</a:t>
+            </a:r>
+            <a:r>
+              <a:rPr lang="en-US" altLang="ko-KR" dirty="0"/>
+              <a:t>, </a:t>
+            </a:r>
+            <a:r>
+              <a:rPr lang="ko-KR" altLang="en-US" dirty="0" err="1"/>
+              <a:t>직관성</a:t>
+            </a:r>
+            <a:r>
+              <a:rPr lang="en-US" altLang="ko-KR" dirty="0"/>
+              <a:t>)</a:t>
+            </a:r>
+          </a:p>
+          <a:p>
+            <a:endParaRPr lang="en-US" altLang="ko-KR" dirty="0"/>
+          </a:p>
+          <a:p>
+            <a:r>
+              <a:rPr lang="en-US" altLang="ko-KR" dirty="0"/>
+              <a:t>“</a:t>
+            </a:r>
+            <a:r>
+              <a:rPr lang="ko-KR" altLang="en-US" dirty="0"/>
+              <a:t>인기 레시피</a:t>
+            </a:r>
+            <a:r>
+              <a:rPr lang="en-US" altLang="ko-KR" dirty="0"/>
+              <a:t>“ </a:t>
+            </a:r>
+            <a:r>
+              <a:rPr lang="ko-KR" altLang="en-US" dirty="0"/>
+              <a:t>게시판은 추가하지 않습니다</a:t>
+            </a:r>
+            <a:endParaRPr lang="en-US" altLang="ko-KR" dirty="0"/>
+          </a:p>
+          <a:p>
+            <a:r>
+              <a:rPr lang="en-US" altLang="ko-KR" dirty="0"/>
+              <a:t>(</a:t>
+            </a:r>
+            <a:r>
+              <a:rPr lang="ko-KR" altLang="en-US" dirty="0" err="1"/>
+              <a:t>인기순</a:t>
+            </a:r>
+            <a:r>
+              <a:rPr lang="ko-KR" altLang="en-US" dirty="0"/>
+              <a:t> </a:t>
+            </a:r>
+            <a:r>
+              <a:rPr lang="ko-KR" altLang="en-US" dirty="0" err="1"/>
+              <a:t>정렬으로</a:t>
+            </a:r>
+            <a:r>
+              <a:rPr lang="ko-KR" altLang="en-US" dirty="0"/>
+              <a:t> 대체가능한 게시판입니다</a:t>
+            </a:r>
+            <a:r>
+              <a:rPr lang="en-US" altLang="ko-KR" dirty="0"/>
+              <a:t>.)</a:t>
+            </a:r>
+          </a:p>
+          <a:p>
+            <a:endParaRPr lang="en-US" altLang="ko-KR" dirty="0"/>
+          </a:p>
+          <a:p>
+            <a:r>
+              <a:rPr lang="ko-KR" altLang="en-US" dirty="0"/>
+              <a:t>레시피 공유 게시판을 포토앨범 형식으로</a:t>
+            </a:r>
+            <a:endParaRPr lang="en-US" altLang="ko-KR" dirty="0"/>
+          </a:p>
+          <a:p>
+            <a:r>
+              <a:rPr lang="ko-KR" altLang="en-US" dirty="0"/>
+              <a:t>최근 게시물 및 게시물리스트를 표시할 수 있도록</a:t>
+            </a:r>
+            <a:endParaRPr lang="en-US" altLang="ko-KR" dirty="0"/>
+          </a:p>
+          <a:p>
+            <a:r>
+              <a:rPr lang="ko-KR" altLang="en-US" dirty="0"/>
+              <a:t>최종 보고서 제출전까지 구현 완료하겠습니다</a:t>
+            </a:r>
+            <a:r>
+              <a:rPr lang="en-US" altLang="ko-KR" dirty="0"/>
+              <a:t>.</a:t>
+            </a:r>
+          </a:p>
+        </p:txBody>
+      </p:sp>
+      <p:pic>
+        <p:nvPicPr>
+          <p:cNvPr id="27" name="그림 26">
+            <a:extLst>
+              <a:ext uri="{FF2B5EF4-FFF2-40B4-BE49-F238E27FC236}">
+                <a16:creationId xmlns:a16="http://schemas.microsoft.com/office/drawing/2014/main" id="{C49E26F8-DE65-4661-9FB5-1F3CE64F2E0D}"/>
+              </a:ext>
+            </a:extLst>
+          </p:cNvPr>
+          <p:cNvPicPr>
+            <a:picLocks noChangeAspect="1"/>
+          </p:cNvPicPr>
+          <p:nvPr/>
+        </p:nvPicPr>
+        <p:blipFill>
+          <a:blip r:embed="rId5"/>
+          <a:stretch>
+            <a:fillRect/>
+          </a:stretch>
+        </p:blipFill>
+        <p:spPr>
+          <a:xfrm>
+            <a:off x="536301" y="5229297"/>
+            <a:ext cx="5439534" cy="562053"/>
+          </a:xfrm>
+          <a:prstGeom prst="rect">
+            <a:avLst/>
+          </a:prstGeom>
+        </p:spPr>
+      </p:pic>
     </p:spTree>
     <p:extLst>
       <p:ext uri="{BB962C8B-B14F-4D97-AF65-F5344CB8AC3E}">
-        <p14:creationId xmlns:p14="http://schemas.microsoft.com/office/powerpoint/2010/main" val="3353848039"/>
+        <p14:creationId xmlns:p14="http://schemas.microsoft.com/office/powerpoint/2010/main" val="2017884814"/>
       </p:ext>
     </p:extLst>
   </p:cSld>
@@ -14720,6 +15739,628 @@
       </p:grpSpPr>
       <p:sp>
         <p:nvSpPr>
+          <p:cNvPr id="9" name="TextBox 8">
+            <a:extLst>
+              <a:ext uri="{FF2B5EF4-FFF2-40B4-BE49-F238E27FC236}">
+                <a16:creationId xmlns:a16="http://schemas.microsoft.com/office/drawing/2014/main" id="{6C515703-5C88-4061-A5DA-65A493F454D4}"/>
+              </a:ext>
+            </a:extLst>
+          </p:cNvPr>
+          <p:cNvSpPr txBox="1"/>
+          <p:nvPr/>
+        </p:nvSpPr>
+        <p:spPr>
+          <a:xfrm>
+            <a:off x="187569" y="150392"/>
+            <a:ext cx="5373587" cy="646331"/>
+          </a:xfrm>
+          <a:prstGeom prst="rect">
+            <a:avLst/>
+          </a:prstGeom>
+          <a:noFill/>
+        </p:spPr>
+        <p:txBody>
+          <a:bodyPr wrap="none" rtlCol="0">
+            <a:spAutoFit/>
+          </a:bodyPr>
+          <a:lstStyle/>
+          <a:p>
+            <a:r>
+              <a:rPr lang="ko-KR" altLang="en-US" dirty="0"/>
+              <a:t>커뮤니티화면</a:t>
+            </a:r>
+            <a:endParaRPr lang="en-US" altLang="ko-KR" dirty="0"/>
+          </a:p>
+          <a:p>
+            <a:r>
+              <a:rPr lang="ko-KR" altLang="en-US" dirty="0"/>
+              <a:t>결과 분석에 따른 설계 변경사항 및 구현계획 기술</a:t>
+            </a:r>
+            <a:endParaRPr lang="en-US" altLang="ko-KR" dirty="0"/>
+          </a:p>
+        </p:txBody>
+      </p:sp>
+      <p:pic>
+        <p:nvPicPr>
+          <p:cNvPr id="3" name="그림 2">
+            <a:extLst>
+              <a:ext uri="{FF2B5EF4-FFF2-40B4-BE49-F238E27FC236}">
+                <a16:creationId xmlns:a16="http://schemas.microsoft.com/office/drawing/2014/main" id="{196CD40C-80E4-4FE9-BBDE-D8A758E33A35}"/>
+              </a:ext>
+            </a:extLst>
+          </p:cNvPr>
+          <p:cNvPicPr>
+            <a:picLocks noChangeAspect="1"/>
+          </p:cNvPicPr>
+          <p:nvPr/>
+        </p:nvPicPr>
+        <p:blipFill>
+          <a:blip r:embed="rId2"/>
+          <a:stretch>
+            <a:fillRect/>
+          </a:stretch>
+        </p:blipFill>
+        <p:spPr>
+          <a:xfrm>
+            <a:off x="215652" y="2126258"/>
+            <a:ext cx="6172449" cy="646330"/>
+          </a:xfrm>
+          <a:prstGeom prst="rect">
+            <a:avLst/>
+          </a:prstGeom>
+        </p:spPr>
+      </p:pic>
+      <p:sp>
+        <p:nvSpPr>
+          <p:cNvPr id="4" name="TextBox 3">
+            <a:extLst>
+              <a:ext uri="{FF2B5EF4-FFF2-40B4-BE49-F238E27FC236}">
+                <a16:creationId xmlns:a16="http://schemas.microsoft.com/office/drawing/2014/main" id="{6D728307-A7AC-4784-B3D2-CB3D6121B71E}"/>
+              </a:ext>
+            </a:extLst>
+          </p:cNvPr>
+          <p:cNvSpPr txBox="1"/>
+          <p:nvPr/>
+        </p:nvSpPr>
+        <p:spPr>
+          <a:xfrm>
+            <a:off x="6669106" y="1295261"/>
+            <a:ext cx="4791696" cy="2308324"/>
+          </a:xfrm>
+          <a:prstGeom prst="rect">
+            <a:avLst/>
+          </a:prstGeom>
+          <a:noFill/>
+        </p:spPr>
+        <p:txBody>
+          <a:bodyPr wrap="none" rtlCol="0">
+            <a:spAutoFit/>
+          </a:bodyPr>
+          <a:lstStyle/>
+          <a:p>
+            <a:r>
+              <a:rPr lang="ko-KR" altLang="en-US" dirty="0"/>
+              <a:t>사용자에게 웹 커뮤니티처럼</a:t>
+            </a:r>
+            <a:endParaRPr lang="en-US" altLang="ko-KR" dirty="0"/>
+          </a:p>
+          <a:p>
+            <a:r>
+              <a:rPr lang="ko-KR" altLang="en-US" dirty="0"/>
+              <a:t>글씨 크기</a:t>
+            </a:r>
+            <a:r>
+              <a:rPr lang="en-US" altLang="ko-KR" dirty="0"/>
+              <a:t>, </a:t>
+            </a:r>
+            <a:r>
+              <a:rPr lang="ko-KR" altLang="en-US" dirty="0"/>
+              <a:t>폰트</a:t>
+            </a:r>
+            <a:r>
+              <a:rPr lang="en-US" altLang="ko-KR" dirty="0"/>
+              <a:t> </a:t>
+            </a:r>
+            <a:r>
+              <a:rPr lang="ko-KR" altLang="en-US" dirty="0"/>
+              <a:t>등에 자유도를 주는 것은</a:t>
+            </a:r>
+            <a:endParaRPr lang="en-US" altLang="ko-KR" dirty="0"/>
+          </a:p>
+          <a:p>
+            <a:r>
+              <a:rPr lang="ko-KR" altLang="en-US" dirty="0"/>
+              <a:t>오히려 게시판 </a:t>
+            </a:r>
+            <a:r>
+              <a:rPr lang="ko-KR" altLang="en-US" dirty="0" err="1"/>
+              <a:t>게시글들의</a:t>
+            </a:r>
+            <a:r>
+              <a:rPr lang="ko-KR" altLang="en-US" dirty="0"/>
+              <a:t> 일관성을</a:t>
+            </a:r>
+            <a:endParaRPr lang="en-US" altLang="ko-KR" dirty="0"/>
+          </a:p>
+          <a:p>
+            <a:r>
+              <a:rPr lang="ko-KR" altLang="en-US" dirty="0"/>
+              <a:t>해치게 될 것을 염려하여</a:t>
+            </a:r>
+            <a:endParaRPr lang="en-US" altLang="ko-KR" dirty="0"/>
+          </a:p>
+          <a:p>
+            <a:endParaRPr lang="en-US" altLang="ko-KR" dirty="0"/>
+          </a:p>
+          <a:p>
+            <a:r>
+              <a:rPr lang="ko-KR" altLang="en-US" dirty="0"/>
+              <a:t>본문 작성 시 </a:t>
+            </a:r>
+            <a:r>
+              <a:rPr lang="ko-KR" altLang="en-US" dirty="0" err="1"/>
+              <a:t>툴바</a:t>
+            </a:r>
+            <a:r>
+              <a:rPr lang="ko-KR" altLang="en-US" dirty="0"/>
+              <a:t> 제공 기능을</a:t>
+            </a:r>
+            <a:endParaRPr lang="en-US" altLang="ko-KR" dirty="0"/>
+          </a:p>
+          <a:p>
+            <a:r>
+              <a:rPr lang="ko-KR" altLang="en-US" dirty="0"/>
+              <a:t>구현하지 않기로 하였습니다</a:t>
+            </a:r>
+            <a:r>
+              <a:rPr lang="en-US" altLang="ko-KR" dirty="0"/>
+              <a:t>.</a:t>
+            </a:r>
+          </a:p>
+          <a:p>
+            <a:r>
+              <a:rPr lang="en-US" altLang="ko-KR" dirty="0"/>
+              <a:t>(</a:t>
+            </a:r>
+            <a:r>
+              <a:rPr lang="ko-KR" altLang="en-US" dirty="0" err="1"/>
+              <a:t>툴바</a:t>
+            </a:r>
+            <a:r>
+              <a:rPr lang="ko-KR" altLang="en-US" dirty="0"/>
+              <a:t> 없이 본문 작성</a:t>
+            </a:r>
+            <a:r>
+              <a:rPr lang="en-US" altLang="ko-KR" dirty="0"/>
+              <a:t>, </a:t>
+            </a:r>
+            <a:r>
+              <a:rPr lang="ko-KR" altLang="en-US" dirty="0"/>
+              <a:t>제목 작성은 구현완료</a:t>
+            </a:r>
+            <a:r>
+              <a:rPr lang="en-US" altLang="ko-KR" dirty="0"/>
+              <a:t>)</a:t>
+            </a:r>
+          </a:p>
+        </p:txBody>
+      </p:sp>
+      <p:pic>
+        <p:nvPicPr>
+          <p:cNvPr id="8" name="그림 7">
+            <a:extLst>
+              <a:ext uri="{FF2B5EF4-FFF2-40B4-BE49-F238E27FC236}">
+                <a16:creationId xmlns:a16="http://schemas.microsoft.com/office/drawing/2014/main" id="{6ED1D4AA-E8B4-4C80-9899-069366B4A72C}"/>
+              </a:ext>
+            </a:extLst>
+          </p:cNvPr>
+          <p:cNvPicPr>
+            <a:picLocks noChangeAspect="1"/>
+          </p:cNvPicPr>
+          <p:nvPr/>
+        </p:nvPicPr>
+        <p:blipFill>
+          <a:blip r:embed="rId3"/>
+          <a:stretch>
+            <a:fillRect/>
+          </a:stretch>
+        </p:blipFill>
+        <p:spPr>
+          <a:xfrm>
+            <a:off x="187569" y="4843583"/>
+            <a:ext cx="6200532" cy="1179508"/>
+          </a:xfrm>
+          <a:prstGeom prst="rect">
+            <a:avLst/>
+          </a:prstGeom>
+        </p:spPr>
+      </p:pic>
+      <p:sp>
+        <p:nvSpPr>
+          <p:cNvPr id="11" name="TextBox 10">
+            <a:extLst>
+              <a:ext uri="{FF2B5EF4-FFF2-40B4-BE49-F238E27FC236}">
+                <a16:creationId xmlns:a16="http://schemas.microsoft.com/office/drawing/2014/main" id="{1BCAD082-E2A0-44FE-BA95-A81F9C250054}"/>
+              </a:ext>
+            </a:extLst>
+          </p:cNvPr>
+          <p:cNvSpPr txBox="1"/>
+          <p:nvPr/>
+        </p:nvSpPr>
+        <p:spPr>
+          <a:xfrm>
+            <a:off x="6807200" y="4694673"/>
+            <a:ext cx="3661580" cy="1477328"/>
+          </a:xfrm>
+          <a:prstGeom prst="rect">
+            <a:avLst/>
+          </a:prstGeom>
+          <a:noFill/>
+        </p:spPr>
+        <p:txBody>
+          <a:bodyPr wrap="none" rtlCol="0">
+            <a:spAutoFit/>
+          </a:bodyPr>
+          <a:lstStyle/>
+          <a:p>
+            <a:r>
+              <a:rPr lang="ko-KR" altLang="en-US" dirty="0"/>
+              <a:t>최종보고서 제출 전까지</a:t>
+            </a:r>
+            <a:endParaRPr lang="en-US" altLang="ko-KR" dirty="0"/>
+          </a:p>
+          <a:p>
+            <a:r>
+              <a:rPr lang="en-US" altLang="ko-KR" dirty="0"/>
+              <a:t>“</a:t>
+            </a:r>
+            <a:r>
+              <a:rPr lang="ko-KR" altLang="en-US" dirty="0"/>
+              <a:t>레시피 공유 게시판</a:t>
+            </a:r>
+            <a:r>
+              <a:rPr lang="en-US" altLang="ko-KR" dirty="0"/>
+              <a:t>”</a:t>
+            </a:r>
+            <a:r>
+              <a:rPr lang="ko-KR" altLang="en-US" dirty="0"/>
+              <a:t>에</a:t>
+            </a:r>
+            <a:endParaRPr lang="en-US" altLang="ko-KR" dirty="0"/>
+          </a:p>
+          <a:p>
+            <a:r>
+              <a:rPr lang="ko-KR" altLang="en-US" dirty="0"/>
+              <a:t>레시피 첨부 기능을 추가하고</a:t>
+            </a:r>
+            <a:endParaRPr lang="en-US" altLang="ko-KR" dirty="0"/>
+          </a:p>
+          <a:p>
+            <a:r>
+              <a:rPr lang="ko-KR" altLang="en-US" dirty="0"/>
+              <a:t>포토앨범 방식으로 게시글 목록을</a:t>
+            </a:r>
+            <a:endParaRPr lang="en-US" altLang="ko-KR" dirty="0"/>
+          </a:p>
+          <a:p>
+            <a:r>
+              <a:rPr lang="ko-KR" altLang="en-US" dirty="0"/>
+              <a:t>표시하도록 하겠습니다</a:t>
+            </a:r>
+            <a:endParaRPr lang="en-US" altLang="ko-KR" dirty="0"/>
+          </a:p>
+        </p:txBody>
+      </p:sp>
+    </p:spTree>
+    <p:extLst>
+      <p:ext uri="{BB962C8B-B14F-4D97-AF65-F5344CB8AC3E}">
+        <p14:creationId xmlns:p14="http://schemas.microsoft.com/office/powerpoint/2010/main" val="3247784774"/>
+      </p:ext>
+    </p:extLst>
+  </p:cSld>
+  <p:clrMapOvr>
+    <a:masterClrMapping/>
+  </p:clrMapOvr>
+</p:sld>
+</file>
+
+<file path=ppt/slides/slide55.xml><?xml version="1.0" encoding="utf-8"?>
+<p:sld xmlns:a="http://schemas.openxmlformats.org/drawingml/2006/main" xmlns:r="http://schemas.openxmlformats.org/officeDocument/2006/relationships" xmlns:p="http://schemas.openxmlformats.org/presentationml/2006/main">
+  <p:cSld>
+    <p:spTree>
+      <p:nvGrpSpPr>
+        <p:cNvPr id="1" name=""/>
+        <p:cNvGrpSpPr/>
+        <p:nvPr/>
+      </p:nvGrpSpPr>
+      <p:grpSpPr>
+        <a:xfrm>
+          <a:off x="0" y="0"/>
+          <a:ext cx="0" cy="0"/>
+          <a:chOff x="0" y="0"/>
+          <a:chExt cx="0" cy="0"/>
+        </a:xfrm>
+      </p:grpSpPr>
+      <p:sp>
+        <p:nvSpPr>
+          <p:cNvPr id="9" name="TextBox 8">
+            <a:extLst>
+              <a:ext uri="{FF2B5EF4-FFF2-40B4-BE49-F238E27FC236}">
+                <a16:creationId xmlns:a16="http://schemas.microsoft.com/office/drawing/2014/main" id="{6C515703-5C88-4061-A5DA-65A493F454D4}"/>
+              </a:ext>
+            </a:extLst>
+          </p:cNvPr>
+          <p:cNvSpPr txBox="1"/>
+          <p:nvPr/>
+        </p:nvSpPr>
+        <p:spPr>
+          <a:xfrm>
+            <a:off x="187569" y="150392"/>
+            <a:ext cx="5373587" cy="646331"/>
+          </a:xfrm>
+          <a:prstGeom prst="rect">
+            <a:avLst/>
+          </a:prstGeom>
+          <a:noFill/>
+        </p:spPr>
+        <p:txBody>
+          <a:bodyPr wrap="none" rtlCol="0">
+            <a:spAutoFit/>
+          </a:bodyPr>
+          <a:lstStyle/>
+          <a:p>
+            <a:r>
+              <a:rPr lang="ko-KR" altLang="en-US" dirty="0"/>
+              <a:t>커뮤니티화면</a:t>
+            </a:r>
+            <a:endParaRPr lang="en-US" altLang="ko-KR" dirty="0"/>
+          </a:p>
+          <a:p>
+            <a:r>
+              <a:rPr lang="ko-KR" altLang="en-US" dirty="0"/>
+              <a:t>결과 분석에 따른 설계 변경사항 및 구현계획 기술</a:t>
+            </a:r>
+            <a:endParaRPr lang="en-US" altLang="ko-KR" dirty="0"/>
+          </a:p>
+        </p:txBody>
+      </p:sp>
+      <p:pic>
+        <p:nvPicPr>
+          <p:cNvPr id="5" name="그림 4">
+            <a:extLst>
+              <a:ext uri="{FF2B5EF4-FFF2-40B4-BE49-F238E27FC236}">
+                <a16:creationId xmlns:a16="http://schemas.microsoft.com/office/drawing/2014/main" id="{328A5473-A002-4030-A4FF-B075700E1B20}"/>
+              </a:ext>
+            </a:extLst>
+          </p:cNvPr>
+          <p:cNvPicPr>
+            <a:picLocks noChangeAspect="1"/>
+          </p:cNvPicPr>
+          <p:nvPr/>
+        </p:nvPicPr>
+        <p:blipFill>
+          <a:blip r:embed="rId2"/>
+          <a:stretch>
+            <a:fillRect/>
+          </a:stretch>
+        </p:blipFill>
+        <p:spPr>
+          <a:xfrm>
+            <a:off x="608549" y="1485613"/>
+            <a:ext cx="5537199" cy="4876448"/>
+          </a:xfrm>
+          <a:prstGeom prst="rect">
+            <a:avLst/>
+          </a:prstGeom>
+        </p:spPr>
+      </p:pic>
+      <p:sp>
+        <p:nvSpPr>
+          <p:cNvPr id="6" name="TextBox 5">
+            <a:extLst>
+              <a:ext uri="{FF2B5EF4-FFF2-40B4-BE49-F238E27FC236}">
+                <a16:creationId xmlns:a16="http://schemas.microsoft.com/office/drawing/2014/main" id="{7B949A9D-6DD6-4D44-A565-8582D7F0FC0D}"/>
+              </a:ext>
+            </a:extLst>
+          </p:cNvPr>
+          <p:cNvSpPr txBox="1"/>
+          <p:nvPr/>
+        </p:nvSpPr>
+        <p:spPr>
+          <a:xfrm>
+            <a:off x="6842760" y="2492676"/>
+            <a:ext cx="3974165" cy="2862322"/>
+          </a:xfrm>
+          <a:prstGeom prst="rect">
+            <a:avLst/>
+          </a:prstGeom>
+          <a:noFill/>
+        </p:spPr>
+        <p:txBody>
+          <a:bodyPr wrap="none" rtlCol="0">
+            <a:spAutoFit/>
+          </a:bodyPr>
+          <a:lstStyle/>
+          <a:p>
+            <a:r>
+              <a:rPr lang="ko-KR" altLang="en-US" dirty="0"/>
+              <a:t>안드로이드 공식 지정 표준 디자인인</a:t>
+            </a:r>
+            <a:endParaRPr lang="en-US" altLang="ko-KR" dirty="0"/>
+          </a:p>
+          <a:p>
+            <a:r>
+              <a:rPr lang="en-US" altLang="ko-KR" dirty="0"/>
+              <a:t>Material Design </a:t>
+            </a:r>
+            <a:r>
+              <a:rPr lang="ko-KR" altLang="en-US" dirty="0"/>
+              <a:t>문서와</a:t>
+            </a:r>
+            <a:endParaRPr lang="en-US" altLang="ko-KR" dirty="0"/>
+          </a:p>
+          <a:p>
+            <a:endParaRPr lang="en-US" altLang="ko-KR" dirty="0"/>
+          </a:p>
+          <a:p>
+            <a:r>
+              <a:rPr lang="ko-KR" altLang="en-US" dirty="0"/>
+              <a:t>현재 서비스중인 앱들을 참고하여</a:t>
+            </a:r>
+            <a:endParaRPr lang="en-US" altLang="ko-KR" dirty="0"/>
+          </a:p>
+          <a:p>
+            <a:endParaRPr lang="en-US" altLang="ko-KR" dirty="0"/>
+          </a:p>
+          <a:p>
+            <a:r>
+              <a:rPr lang="en-US" altLang="ko-KR" dirty="0"/>
+              <a:t>“</a:t>
+            </a:r>
+            <a:r>
+              <a:rPr lang="ko-KR" altLang="en-US" dirty="0"/>
+              <a:t>사용자가 단번에 이해 가능하고</a:t>
+            </a:r>
+            <a:endParaRPr lang="en-US" altLang="ko-KR" dirty="0"/>
+          </a:p>
+          <a:p>
+            <a:r>
+              <a:rPr lang="ko-KR" altLang="en-US" dirty="0"/>
+              <a:t>심플한</a:t>
+            </a:r>
+            <a:r>
+              <a:rPr lang="en-US" altLang="ko-KR" dirty="0"/>
+              <a:t>“</a:t>
+            </a:r>
+          </a:p>
+          <a:p>
+            <a:endParaRPr lang="en-US" altLang="ko-KR" dirty="0"/>
+          </a:p>
+          <a:p>
+            <a:r>
+              <a:rPr lang="ko-KR" altLang="en-US" dirty="0"/>
+              <a:t>완성도 있는 </a:t>
+            </a:r>
+            <a:r>
+              <a:rPr lang="en-US" altLang="ko-KR" dirty="0"/>
+              <a:t>UI</a:t>
+            </a:r>
+            <a:r>
+              <a:rPr lang="ko-KR" altLang="en-US" dirty="0"/>
+              <a:t>를 이번 학기 내에</a:t>
+            </a:r>
+            <a:endParaRPr lang="en-US" altLang="ko-KR" dirty="0"/>
+          </a:p>
+          <a:p>
+            <a:r>
+              <a:rPr lang="ko-KR" altLang="en-US" dirty="0"/>
+              <a:t>제작하도록 하겠습니다</a:t>
+            </a:r>
+            <a:r>
+              <a:rPr lang="en-US" altLang="ko-KR" dirty="0"/>
+              <a:t>.</a:t>
+            </a:r>
+          </a:p>
+        </p:txBody>
+      </p:sp>
+    </p:spTree>
+    <p:extLst>
+      <p:ext uri="{BB962C8B-B14F-4D97-AF65-F5344CB8AC3E}">
+        <p14:creationId xmlns:p14="http://schemas.microsoft.com/office/powerpoint/2010/main" val="2648518283"/>
+      </p:ext>
+    </p:extLst>
+  </p:cSld>
+  <p:clrMapOvr>
+    <a:masterClrMapping/>
+  </p:clrMapOvr>
+</p:sld>
+</file>
+
+<file path=ppt/slides/slide56.xml><?xml version="1.0" encoding="utf-8"?>
+<p:sld xmlns:a="http://schemas.openxmlformats.org/drawingml/2006/main" xmlns:r="http://schemas.openxmlformats.org/officeDocument/2006/relationships" xmlns:p="http://schemas.openxmlformats.org/presentationml/2006/main">
+  <p:cSld>
+    <p:spTree>
+      <p:nvGrpSpPr>
+        <p:cNvPr id="1" name=""/>
+        <p:cNvGrpSpPr/>
+        <p:nvPr/>
+      </p:nvGrpSpPr>
+      <p:grpSpPr>
+        <a:xfrm>
+          <a:off x="0" y="0"/>
+          <a:ext cx="0" cy="0"/>
+          <a:chOff x="0" y="0"/>
+          <a:chExt cx="0" cy="0"/>
+        </a:xfrm>
+      </p:grpSpPr>
+      <p:sp>
+        <p:nvSpPr>
+          <p:cNvPr id="4" name="TextBox 3">
+            <a:extLst>
+              <a:ext uri="{FF2B5EF4-FFF2-40B4-BE49-F238E27FC236}">
+                <a16:creationId xmlns:a16="http://schemas.microsoft.com/office/drawing/2014/main" id="{A12C0690-42B2-46ED-ABD3-CCF37D7B3259}"/>
+              </a:ext>
+            </a:extLst>
+          </p:cNvPr>
+          <p:cNvSpPr txBox="1"/>
+          <p:nvPr/>
+        </p:nvSpPr>
+        <p:spPr>
+          <a:xfrm>
+            <a:off x="4721268" y="3075057"/>
+            <a:ext cx="2749472" cy="707886"/>
+          </a:xfrm>
+          <a:prstGeom prst="rect">
+            <a:avLst/>
+          </a:prstGeom>
+          <a:noFill/>
+        </p:spPr>
+        <p:txBody>
+          <a:bodyPr wrap="none" rtlCol="0">
+            <a:spAutoFit/>
+          </a:bodyPr>
+          <a:lstStyle/>
+          <a:p>
+            <a:pPr algn="ctr"/>
+            <a:r>
+              <a:rPr lang="ko-KR" altLang="en-US" sz="4000" dirty="0"/>
+              <a:t>프로필화면</a:t>
+            </a:r>
+          </a:p>
+        </p:txBody>
+      </p:sp>
+    </p:spTree>
+    <p:extLst>
+      <p:ext uri="{BB962C8B-B14F-4D97-AF65-F5344CB8AC3E}">
+        <p14:creationId xmlns:p14="http://schemas.microsoft.com/office/powerpoint/2010/main" val="3353848039"/>
+      </p:ext>
+    </p:extLst>
+  </p:cSld>
+  <p:clrMapOvr>
+    <a:masterClrMapping/>
+  </p:clrMapOvr>
+</p:sld>
+</file>
+
+<file path=ppt/slides/slide57.xml><?xml version="1.0" encoding="utf-8"?>
+<p:sld xmlns:a="http://schemas.openxmlformats.org/drawingml/2006/main" xmlns:r="http://schemas.openxmlformats.org/officeDocument/2006/relationships" xmlns:p="http://schemas.openxmlformats.org/presentationml/2006/main">
+  <p:cSld>
+    <p:spTree>
+      <p:nvGrpSpPr>
+        <p:cNvPr id="1" name=""/>
+        <p:cNvGrpSpPr/>
+        <p:nvPr/>
+      </p:nvGrpSpPr>
+      <p:grpSpPr>
+        <a:xfrm>
+          <a:off x="0" y="0"/>
+          <a:ext cx="0" cy="0"/>
+          <a:chOff x="0" y="0"/>
+          <a:chExt cx="0" cy="0"/>
+        </a:xfrm>
+      </p:grpSpPr>
+      <p:sp>
+        <p:nvSpPr>
           <p:cNvPr id="4" name="TextBox 3">
             <a:extLst>
               <a:ext uri="{FF2B5EF4-FFF2-40B4-BE49-F238E27FC236}">
@@ -14852,7 +16493,7 @@
 </p:sld>
 </file>
 
-<file path=ppt/slides/slide55.xml><?xml version="1.0" encoding="utf-8"?>
+<file path=ppt/slides/slide58.xml><?xml version="1.0" encoding="utf-8"?>
 <p:sld xmlns:a="http://schemas.openxmlformats.org/drawingml/2006/main" xmlns:r="http://schemas.openxmlformats.org/officeDocument/2006/relationships" xmlns:p="http://schemas.openxmlformats.org/presentationml/2006/main">
   <p:cSld>
     <p:spTree>
@@ -15057,7 +16698,7 @@
 </p:sld>
 </file>
 
-<file path=ppt/slides/slide56.xml><?xml version="1.0" encoding="utf-8"?>
+<file path=ppt/slides/slide59.xml><?xml version="1.0" encoding="utf-8"?>
 <p:sld xmlns:a="http://schemas.openxmlformats.org/drawingml/2006/main" xmlns:r="http://schemas.openxmlformats.org/officeDocument/2006/relationships" xmlns:p="http://schemas.openxmlformats.org/presentationml/2006/main">
   <p:cSld>
     <p:spTree>

--- a/Documents/4.제작보고서/제작보고서 자료.pptx
+++ b/Documents/4.제작보고서/제작보고서 자료.pptx
@@ -16416,8 +16416,8 @@
         </p:nvSpPr>
         <p:spPr>
           <a:xfrm>
-            <a:off x="4032739" y="2967335"/>
-            <a:ext cx="2871299" cy="923330"/>
+            <a:off x="3378398" y="2967335"/>
+            <a:ext cx="5638082" cy="923330"/>
           </a:xfrm>
           <a:prstGeom prst="rect">
             <a:avLst/>
@@ -16475,6 +16475,22 @@
             <a:r>
               <a:rPr lang="ko-KR" altLang="en-US" b="1" dirty="0"/>
               <a:t>로그아웃 기능</a:t>
+            </a:r>
+            <a:r>
+              <a:rPr lang="en-US" altLang="ko-KR" b="1" dirty="0"/>
+              <a:t>, </a:t>
+            </a:r>
+            <a:r>
+              <a:rPr lang="ko-KR" altLang="en-US" b="1" dirty="0"/>
+              <a:t>프로필 사진 등록</a:t>
+            </a:r>
+            <a:r>
+              <a:rPr lang="en-US" altLang="ko-KR" b="1" dirty="0"/>
+              <a:t>&amp;</a:t>
+            </a:r>
+            <a:r>
+              <a:rPr lang="ko-KR" altLang="en-US" b="1" dirty="0"/>
+              <a:t>변경 기능</a:t>
             </a:r>
             <a:endParaRPr lang="en-US" altLang="ko-KR" b="1" dirty="0"/>
           </a:p>

--- a/Documents/4.제작보고서/제작보고서 자료.pptx
+++ b/Documents/4.제작보고서/제작보고서 자료.pptx
@@ -64,6 +64,9 @@
     <p:sldId id="285" r:id="rId58"/>
     <p:sldId id="286" r:id="rId59"/>
     <p:sldId id="288" r:id="rId60"/>
+    <p:sldId id="323" r:id="rId61"/>
+    <p:sldId id="324" r:id="rId62"/>
+    <p:sldId id="325" r:id="rId63"/>
   </p:sldIdLst>
   <p:sldSz cx="12192000" cy="6858000"/>
   <p:notesSz cx="6858000" cy="9144000"/>
@@ -16569,12 +16572,64 @@
           </a:p>
         </p:txBody>
       </p:sp>
+      <p:sp>
+        <p:nvSpPr>
+          <p:cNvPr id="2" name="직사각형 1">
+            <a:extLst>
+              <a:ext uri="{FF2B5EF4-FFF2-40B4-BE49-F238E27FC236}">
+                <a16:creationId xmlns:a16="http://schemas.microsoft.com/office/drawing/2014/main" id="{2EE21AEA-98FF-46DB-B281-FED51E3CC014}"/>
+              </a:ext>
+            </a:extLst>
+          </p:cNvPr>
+          <p:cNvSpPr/>
+          <p:nvPr/>
+        </p:nvSpPr>
+        <p:spPr>
+          <a:xfrm>
+            <a:off x="3820215" y="3815196"/>
+            <a:ext cx="1396421" cy="2309446"/>
+          </a:xfrm>
+          <a:prstGeom prst="rect">
+            <a:avLst/>
+          </a:prstGeom>
+          <a:solidFill>
+            <a:schemeClr val="bg1"/>
+          </a:solidFill>
+          <a:ln>
+            <a:noFill/>
+          </a:ln>
+        </p:spPr>
+        <p:style>
+          <a:lnRef idx="2">
+            <a:schemeClr val="accent1">
+              <a:shade val="50000"/>
+            </a:schemeClr>
+          </a:lnRef>
+          <a:fillRef idx="1">
+            <a:schemeClr val="accent1"/>
+          </a:fillRef>
+          <a:effectRef idx="0">
+            <a:schemeClr val="accent1"/>
+          </a:effectRef>
+          <a:fontRef idx="minor">
+            <a:schemeClr val="lt1"/>
+          </a:fontRef>
+        </p:style>
+        <p:txBody>
+          <a:bodyPr rtlCol="0" anchor="ctr"/>
+          <a:lstStyle/>
+          <a:p>
+            <a:pPr algn="ctr"/>
+            <a:endParaRPr lang="ko-KR" altLang="en-US"/>
+          </a:p>
+        </p:txBody>
+      </p:sp>
       <p:pic>
         <p:nvPicPr>
-          <p:cNvPr id="3" name="그림 2">
-            <a:extLst>
-              <a:ext uri="{FF2B5EF4-FFF2-40B4-BE49-F238E27FC236}">
-                <a16:creationId xmlns:a16="http://schemas.microsoft.com/office/drawing/2014/main" id="{45252C30-ADD6-405A-9AA9-2C4071514EC1}"/>
+          <p:cNvPr id="8" name="그림 7">
+            <a:extLst>
+              <a:ext uri="{FF2B5EF4-FFF2-40B4-BE49-F238E27FC236}">
+                <a16:creationId xmlns:a16="http://schemas.microsoft.com/office/drawing/2014/main" id="{8A91C649-2CF4-472D-8E99-1B35F936BA84}"/>
               </a:ext>
             </a:extLst>
           </p:cNvPr>
@@ -16591,116 +16646,54 @@
         </p:blipFill>
         <p:spPr>
           <a:xfrm>
-            <a:off x="1867115" y="1594684"/>
-            <a:ext cx="8457770" cy="714416"/>
-          </a:xfrm>
-          <a:prstGeom prst="rect">
-            <a:avLst/>
-          </a:prstGeom>
+            <a:off x="3286478" y="2677723"/>
+            <a:ext cx="5062618" cy="3219878"/>
+          </a:xfrm>
+          <a:prstGeom prst="rect">
+            <a:avLst/>
+          </a:prstGeom>
+          <a:ln>
+            <a:solidFill>
+              <a:schemeClr val="tx1"/>
+            </a:solidFill>
+          </a:ln>
         </p:spPr>
       </p:pic>
-      <p:grpSp>
-        <p:nvGrpSpPr>
-          <p:cNvPr id="5" name="그룹 4">
-            <a:extLst>
-              <a:ext uri="{FF2B5EF4-FFF2-40B4-BE49-F238E27FC236}">
-                <a16:creationId xmlns:a16="http://schemas.microsoft.com/office/drawing/2014/main" id="{5BFA2E85-2BA4-4DC1-881A-FF00688A061D}"/>
-              </a:ext>
-            </a:extLst>
-          </p:cNvPr>
-          <p:cNvGrpSpPr/>
-          <p:nvPr/>
-        </p:nvGrpSpPr>
-        <p:grpSpPr>
-          <a:xfrm>
-            <a:off x="3773456" y="2633407"/>
-            <a:ext cx="4645087" cy="3486039"/>
-            <a:chOff x="3774831" y="2645130"/>
-            <a:chExt cx="4645087" cy="3486039"/>
-          </a:xfrm>
-        </p:grpSpPr>
-        <p:pic>
-          <p:nvPicPr>
-            <p:cNvPr id="4" name="그림 3">
-              <a:extLst>
-                <a:ext uri="{FF2B5EF4-FFF2-40B4-BE49-F238E27FC236}">
-                  <a16:creationId xmlns:a16="http://schemas.microsoft.com/office/drawing/2014/main" id="{BBC3BDBF-4A44-4755-874A-881488B4D39B}"/>
-                </a:ext>
-              </a:extLst>
-            </p:cNvPr>
-            <p:cNvPicPr>
-              <a:picLocks noChangeAspect="1"/>
-            </p:cNvPicPr>
-            <p:nvPr/>
-          </p:nvPicPr>
-          <p:blipFill rotWithShape="1">
-            <a:blip r:embed="rId3"/>
-            <a:srcRect l="59" r="-1" b="731"/>
-            <a:stretch/>
-          </p:blipFill>
-          <p:spPr>
-            <a:xfrm>
-              <a:off x="3774831" y="2645130"/>
-              <a:ext cx="4645087" cy="3486039"/>
-            </a:xfrm>
-            <a:prstGeom prst="rect">
-              <a:avLst/>
-            </a:prstGeom>
-          </p:spPr>
-        </p:pic>
-        <p:sp>
-          <p:nvSpPr>
-            <p:cNvPr id="2" name="직사각형 1">
-              <a:extLst>
-                <a:ext uri="{FF2B5EF4-FFF2-40B4-BE49-F238E27FC236}">
-                  <a16:creationId xmlns:a16="http://schemas.microsoft.com/office/drawing/2014/main" id="{2EE21AEA-98FF-46DB-B281-FED51E3CC014}"/>
-                </a:ext>
-              </a:extLst>
-            </p:cNvPr>
-            <p:cNvSpPr/>
-            <p:nvPr/>
-          </p:nvSpPr>
-          <p:spPr>
-            <a:xfrm>
-              <a:off x="3774831" y="3821723"/>
-              <a:ext cx="1396421" cy="2309446"/>
-            </a:xfrm>
-            <a:prstGeom prst="rect">
-              <a:avLst/>
-            </a:prstGeom>
+      <p:pic>
+        <p:nvPicPr>
+          <p:cNvPr id="10" name="그림 9">
+            <a:extLst>
+              <a:ext uri="{FF2B5EF4-FFF2-40B4-BE49-F238E27FC236}">
+                <a16:creationId xmlns:a16="http://schemas.microsoft.com/office/drawing/2014/main" id="{6B7A66CF-323C-484C-AAAB-2546428F42AB}"/>
+              </a:ext>
+            </a:extLst>
+          </p:cNvPr>
+          <p:cNvPicPr>
+            <a:picLocks noChangeAspect="1"/>
+          </p:cNvPicPr>
+          <p:nvPr/>
+        </p:nvPicPr>
+        <p:blipFill>
+          <a:blip r:embed="rId3"/>
+          <a:stretch>
+            <a:fillRect/>
+          </a:stretch>
+        </p:blipFill>
+        <p:spPr>
+          <a:xfrm>
+            <a:off x="2562172" y="1401875"/>
+            <a:ext cx="6963747" cy="438211"/>
+          </a:xfrm>
+          <a:prstGeom prst="rect">
+            <a:avLst/>
+          </a:prstGeom>
+          <a:ln>
             <a:solidFill>
-              <a:schemeClr val="bg1"/>
+              <a:schemeClr val="tx1"/>
             </a:solidFill>
-            <a:ln>
-              <a:noFill/>
-            </a:ln>
-          </p:spPr>
-          <p:style>
-            <a:lnRef idx="2">
-              <a:schemeClr val="accent1">
-                <a:shade val="50000"/>
-              </a:schemeClr>
-            </a:lnRef>
-            <a:fillRef idx="1">
-              <a:schemeClr val="accent1"/>
-            </a:fillRef>
-            <a:effectRef idx="0">
-              <a:schemeClr val="accent1"/>
-            </a:effectRef>
-            <a:fontRef idx="minor">
-              <a:schemeClr val="lt1"/>
-            </a:fontRef>
-          </p:style>
-          <p:txBody>
-            <a:bodyPr rtlCol="0" anchor="ctr"/>
-            <a:lstStyle/>
-            <a:p>
-              <a:pPr algn="ctr"/>
-              <a:endParaRPr lang="ko-KR" altLang="en-US"/>
-            </a:p>
-          </p:txBody>
-        </p:sp>
-      </p:grpSp>
+          </a:ln>
+        </p:spPr>
+      </p:pic>
     </p:spTree>
     <p:extLst>
       <p:ext uri="{BB962C8B-B14F-4D97-AF65-F5344CB8AC3E}">
@@ -16774,6 +16767,390 @@
           </a:p>
         </p:txBody>
       </p:sp>
+      <p:pic>
+        <p:nvPicPr>
+          <p:cNvPr id="3" name="그림 2">
+            <a:extLst>
+              <a:ext uri="{FF2B5EF4-FFF2-40B4-BE49-F238E27FC236}">
+                <a16:creationId xmlns:a16="http://schemas.microsoft.com/office/drawing/2014/main" id="{87612462-FB01-410C-84FA-E833E1ACA1FB}"/>
+              </a:ext>
+            </a:extLst>
+          </p:cNvPr>
+          <p:cNvPicPr>
+            <a:picLocks noChangeAspect="1"/>
+          </p:cNvPicPr>
+          <p:nvPr/>
+        </p:nvPicPr>
+        <p:blipFill>
+          <a:blip r:embed="rId2"/>
+          <a:stretch>
+            <a:fillRect/>
+          </a:stretch>
+        </p:blipFill>
+        <p:spPr>
+          <a:xfrm>
+            <a:off x="533857" y="1260767"/>
+            <a:ext cx="4113241" cy="4848510"/>
+          </a:xfrm>
+          <a:prstGeom prst="rect">
+            <a:avLst/>
+          </a:prstGeom>
+          <a:ln>
+            <a:solidFill>
+              <a:schemeClr val="tx1"/>
+            </a:solidFill>
+          </a:ln>
+        </p:spPr>
+      </p:pic>
+      <p:sp>
+        <p:nvSpPr>
+          <p:cNvPr id="4" name="TextBox 3">
+            <a:extLst>
+              <a:ext uri="{FF2B5EF4-FFF2-40B4-BE49-F238E27FC236}">
+                <a16:creationId xmlns:a16="http://schemas.microsoft.com/office/drawing/2014/main" id="{44661854-BB20-45C8-AFCB-6B3228C490AA}"/>
+              </a:ext>
+            </a:extLst>
+          </p:cNvPr>
+          <p:cNvSpPr txBox="1"/>
+          <p:nvPr/>
+        </p:nvSpPr>
+        <p:spPr>
+          <a:xfrm>
+            <a:off x="1673270" y="6109277"/>
+            <a:ext cx="1834413" cy="369332"/>
+          </a:xfrm>
+          <a:prstGeom prst="rect">
+            <a:avLst/>
+          </a:prstGeom>
+          <a:noFill/>
+        </p:spPr>
+        <p:txBody>
+          <a:bodyPr wrap="none" rtlCol="0">
+            <a:spAutoFit/>
+          </a:bodyPr>
+          <a:lstStyle/>
+          <a:p>
+            <a:r>
+              <a:rPr lang="en-US" altLang="ko-KR" dirty="0" err="1"/>
+              <a:t>ProfileFragment</a:t>
+            </a:r>
+            <a:endParaRPr lang="ko-KR" altLang="en-US" dirty="0"/>
+          </a:p>
+        </p:txBody>
+      </p:sp>
+      <p:pic>
+        <p:nvPicPr>
+          <p:cNvPr id="6" name="그림 5">
+            <a:extLst>
+              <a:ext uri="{FF2B5EF4-FFF2-40B4-BE49-F238E27FC236}">
+                <a16:creationId xmlns:a16="http://schemas.microsoft.com/office/drawing/2014/main" id="{FAE07AF0-A070-420C-8A7A-42CF1007D21C}"/>
+              </a:ext>
+            </a:extLst>
+          </p:cNvPr>
+          <p:cNvPicPr>
+            <a:picLocks noChangeAspect="1"/>
+          </p:cNvPicPr>
+          <p:nvPr/>
+        </p:nvPicPr>
+        <p:blipFill>
+          <a:blip r:embed="rId3"/>
+          <a:stretch>
+            <a:fillRect/>
+          </a:stretch>
+        </p:blipFill>
+        <p:spPr>
+          <a:xfrm>
+            <a:off x="5155382" y="1260767"/>
+            <a:ext cx="3245668" cy="529115"/>
+          </a:xfrm>
+          <a:prstGeom prst="rect">
+            <a:avLst/>
+          </a:prstGeom>
+        </p:spPr>
+      </p:pic>
+      <p:sp>
+        <p:nvSpPr>
+          <p:cNvPr id="7" name="TextBox 6">
+            <a:extLst>
+              <a:ext uri="{FF2B5EF4-FFF2-40B4-BE49-F238E27FC236}">
+                <a16:creationId xmlns:a16="http://schemas.microsoft.com/office/drawing/2014/main" id="{C31BFAF9-3DD1-4028-BB1E-F3EF90D5C1EF}"/>
+              </a:ext>
+            </a:extLst>
+          </p:cNvPr>
+          <p:cNvSpPr txBox="1"/>
+          <p:nvPr/>
+        </p:nvSpPr>
+        <p:spPr>
+          <a:xfrm>
+            <a:off x="5085532" y="1879600"/>
+            <a:ext cx="6407523" cy="738664"/>
+          </a:xfrm>
+          <a:prstGeom prst="rect">
+            <a:avLst/>
+          </a:prstGeom>
+          <a:noFill/>
+        </p:spPr>
+        <p:txBody>
+          <a:bodyPr wrap="none" rtlCol="0">
+            <a:spAutoFit/>
+          </a:bodyPr>
+          <a:lstStyle/>
+          <a:p>
+            <a:r>
+              <a:rPr lang="ko-KR" altLang="en-US" sz="1400" dirty="0"/>
+              <a:t>회원가입 시 입력한 닉네임은 </a:t>
+            </a:r>
+            <a:r>
+              <a:rPr lang="en-US" altLang="ko-KR" sz="1400" dirty="0"/>
+              <a:t>Firebase</a:t>
+            </a:r>
+            <a:r>
+              <a:rPr lang="ko-KR" altLang="en-US" sz="1400" dirty="0"/>
+              <a:t>에 저장되며</a:t>
+            </a:r>
+            <a:r>
+              <a:rPr lang="en-US" altLang="ko-KR" sz="1400" dirty="0"/>
+              <a:t>,</a:t>
+            </a:r>
+          </a:p>
+          <a:p>
+            <a:r>
+              <a:rPr lang="en-US" altLang="ko-KR" sz="1400" dirty="0" err="1"/>
+              <a:t>FirebaseUser.getDisplayName</a:t>
+            </a:r>
+            <a:r>
+              <a:rPr lang="en-US" altLang="ko-KR" sz="1400" dirty="0"/>
+              <a:t>() </a:t>
+            </a:r>
+            <a:r>
+              <a:rPr lang="ko-KR" altLang="en-US" sz="1400" dirty="0"/>
+              <a:t>메서드를 이용하여 불러옵니다</a:t>
+            </a:r>
+            <a:r>
+              <a:rPr lang="en-US" altLang="ko-KR" sz="1400" dirty="0"/>
+              <a:t>.</a:t>
+            </a:r>
+          </a:p>
+          <a:p>
+            <a:r>
+              <a:rPr lang="ko-KR" altLang="en-US" sz="1400" dirty="0"/>
+              <a:t>닉네임 변경 기능은 회원가입 시 사용한 기능과 동일합니다</a:t>
+            </a:r>
+            <a:r>
+              <a:rPr lang="en-US" altLang="ko-KR" sz="1400" dirty="0"/>
+              <a:t>. (</a:t>
+            </a:r>
+            <a:r>
+              <a:rPr lang="ko-KR" altLang="en-US" sz="1400" dirty="0"/>
+              <a:t>민우설명 </a:t>
+            </a:r>
+            <a:r>
+              <a:rPr lang="ko-KR" altLang="en-US" sz="1400" dirty="0" err="1"/>
+              <a:t>써도됨</a:t>
+            </a:r>
+            <a:r>
+              <a:rPr lang="en-US" altLang="ko-KR" sz="1400" dirty="0"/>
+              <a:t>)</a:t>
+            </a:r>
+          </a:p>
+        </p:txBody>
+      </p:sp>
+      <p:pic>
+        <p:nvPicPr>
+          <p:cNvPr id="10" name="그림 9">
+            <a:extLst>
+              <a:ext uri="{FF2B5EF4-FFF2-40B4-BE49-F238E27FC236}">
+                <a16:creationId xmlns:a16="http://schemas.microsoft.com/office/drawing/2014/main" id="{6EE3CB36-3C4F-41A3-B33B-000B7385DB72}"/>
+              </a:ext>
+            </a:extLst>
+          </p:cNvPr>
+          <p:cNvPicPr>
+            <a:picLocks noChangeAspect="1"/>
+          </p:cNvPicPr>
+          <p:nvPr/>
+        </p:nvPicPr>
+        <p:blipFill>
+          <a:blip r:embed="rId4"/>
+          <a:stretch>
+            <a:fillRect/>
+          </a:stretch>
+        </p:blipFill>
+        <p:spPr>
+          <a:xfrm>
+            <a:off x="5155382" y="2883210"/>
+            <a:ext cx="4106653" cy="895040"/>
+          </a:xfrm>
+          <a:prstGeom prst="rect">
+            <a:avLst/>
+          </a:prstGeom>
+        </p:spPr>
+      </p:pic>
+      <p:sp>
+        <p:nvSpPr>
+          <p:cNvPr id="11" name="TextBox 10">
+            <a:extLst>
+              <a:ext uri="{FF2B5EF4-FFF2-40B4-BE49-F238E27FC236}">
+                <a16:creationId xmlns:a16="http://schemas.microsoft.com/office/drawing/2014/main" id="{3F4B6BD7-2D22-4799-B1F8-6D93428397C6}"/>
+              </a:ext>
+            </a:extLst>
+          </p:cNvPr>
+          <p:cNvSpPr txBox="1"/>
+          <p:nvPr/>
+        </p:nvSpPr>
+        <p:spPr>
+          <a:xfrm>
+            <a:off x="5080759" y="3806530"/>
+            <a:ext cx="5275803" cy="523220"/>
+          </a:xfrm>
+          <a:prstGeom prst="rect">
+            <a:avLst/>
+          </a:prstGeom>
+          <a:noFill/>
+        </p:spPr>
+        <p:txBody>
+          <a:bodyPr wrap="none" rtlCol="0">
+            <a:spAutoFit/>
+          </a:bodyPr>
+          <a:lstStyle/>
+          <a:p>
+            <a:r>
+              <a:rPr lang="ko-KR" altLang="en-US" sz="1400" dirty="0"/>
+              <a:t>로그아웃 버튼을 클릭 시</a:t>
+            </a:r>
+            <a:r>
+              <a:rPr lang="en-US" altLang="ko-KR" sz="1400" dirty="0" err="1"/>
+              <a:t>FirebaseAuth.signOut</a:t>
+            </a:r>
+            <a:r>
+              <a:rPr lang="en-US" altLang="ko-KR" sz="1400" dirty="0"/>
+              <a:t>() </a:t>
+            </a:r>
+          </a:p>
+          <a:p>
+            <a:r>
+              <a:rPr lang="ko-KR" altLang="en-US" sz="1400" dirty="0"/>
+              <a:t>메서드를 이용하여 로그아웃 한 후</a:t>
+            </a:r>
+            <a:r>
+              <a:rPr lang="en-US" altLang="ko-KR" sz="1400" dirty="0"/>
+              <a:t>, </a:t>
+            </a:r>
+            <a:r>
+              <a:rPr lang="en-US" altLang="ko-KR" sz="1400" dirty="0" err="1"/>
+              <a:t>LoginActivity</a:t>
+            </a:r>
+            <a:r>
+              <a:rPr lang="ko-KR" altLang="en-US" sz="1400" dirty="0"/>
+              <a:t>로 이동합니다</a:t>
+            </a:r>
+            <a:r>
+              <a:rPr lang="en-US" altLang="ko-KR" sz="1400" dirty="0"/>
+              <a:t>.</a:t>
+            </a:r>
+            <a:endParaRPr lang="ko-KR" altLang="en-US" sz="1400" dirty="0"/>
+          </a:p>
+        </p:txBody>
+      </p:sp>
+      <p:pic>
+        <p:nvPicPr>
+          <p:cNvPr id="13" name="그림 12">
+            <a:extLst>
+              <a:ext uri="{FF2B5EF4-FFF2-40B4-BE49-F238E27FC236}">
+                <a16:creationId xmlns:a16="http://schemas.microsoft.com/office/drawing/2014/main" id="{1556565D-0D3F-4B67-A2AC-6FF12CF4F5ED}"/>
+              </a:ext>
+            </a:extLst>
+          </p:cNvPr>
+          <p:cNvPicPr>
+            <a:picLocks noChangeAspect="1"/>
+          </p:cNvPicPr>
+          <p:nvPr/>
+        </p:nvPicPr>
+        <p:blipFill>
+          <a:blip r:embed="rId5"/>
+          <a:stretch>
+            <a:fillRect/>
+          </a:stretch>
+        </p:blipFill>
+        <p:spPr>
+          <a:xfrm>
+            <a:off x="5150609" y="4518037"/>
+            <a:ext cx="4064818" cy="1371626"/>
+          </a:xfrm>
+          <a:prstGeom prst="rect">
+            <a:avLst/>
+          </a:prstGeom>
+        </p:spPr>
+      </p:pic>
+      <p:sp>
+        <p:nvSpPr>
+          <p:cNvPr id="14" name="TextBox 13">
+            <a:extLst>
+              <a:ext uri="{FF2B5EF4-FFF2-40B4-BE49-F238E27FC236}">
+                <a16:creationId xmlns:a16="http://schemas.microsoft.com/office/drawing/2014/main" id="{A5AD9AE1-BCCC-443A-ABFA-F650192E5A95}"/>
+              </a:ext>
+            </a:extLst>
+          </p:cNvPr>
+          <p:cNvSpPr txBox="1"/>
+          <p:nvPr/>
+        </p:nvSpPr>
+        <p:spPr>
+          <a:xfrm>
+            <a:off x="5080759" y="5889663"/>
+            <a:ext cx="4305987" cy="523220"/>
+          </a:xfrm>
+          <a:prstGeom prst="rect">
+            <a:avLst/>
+          </a:prstGeom>
+          <a:noFill/>
+        </p:spPr>
+        <p:txBody>
+          <a:bodyPr wrap="none" rtlCol="0">
+            <a:spAutoFit/>
+          </a:bodyPr>
+          <a:lstStyle/>
+          <a:p>
+            <a:r>
+              <a:rPr lang="ko-KR" altLang="en-US" sz="1400" dirty="0"/>
+              <a:t>유저고유</a:t>
+            </a:r>
+            <a:r>
+              <a:rPr lang="en-US" altLang="ko-KR" sz="1400" dirty="0"/>
+              <a:t>id</a:t>
+            </a:r>
+            <a:r>
+              <a:rPr lang="ko-KR" altLang="en-US" sz="1400" dirty="0"/>
+              <a:t>인 </a:t>
+            </a:r>
+            <a:r>
+              <a:rPr lang="en-US" altLang="ko-KR" sz="1400" dirty="0" err="1"/>
+              <a:t>Uid</a:t>
+            </a:r>
+            <a:r>
+              <a:rPr lang="ko-KR" altLang="en-US" sz="1400" dirty="0"/>
+              <a:t>를 통해 </a:t>
+            </a:r>
+            <a:r>
+              <a:rPr lang="en-US" altLang="ko-KR" sz="1400" dirty="0" err="1"/>
+              <a:t>FirebaseStorage</a:t>
+            </a:r>
+            <a:r>
+              <a:rPr lang="ko-KR" altLang="en-US" sz="1400" dirty="0"/>
+              <a:t>에 저장된</a:t>
+            </a:r>
+            <a:endParaRPr lang="en-US" altLang="ko-KR" sz="1400" dirty="0"/>
+          </a:p>
+          <a:p>
+            <a:r>
+              <a:rPr lang="ko-KR" altLang="en-US" sz="1400" dirty="0"/>
+              <a:t>유저 프로필 사진을 불러옵니다</a:t>
+            </a:r>
+            <a:r>
+              <a:rPr lang="en-US" altLang="ko-KR" sz="1400" dirty="0"/>
+              <a:t>.</a:t>
+            </a:r>
+          </a:p>
+        </p:txBody>
+      </p:sp>
     </p:spTree>
     <p:extLst>
       <p:ext uri="{BB962C8B-B14F-4D97-AF65-F5344CB8AC3E}">
@@ -17074,6 +17451,1114 @@
     <p:extLst>
       <p:ext uri="{BB962C8B-B14F-4D97-AF65-F5344CB8AC3E}">
         <p14:creationId xmlns:p14="http://schemas.microsoft.com/office/powerpoint/2010/main" val="1396075354"/>
+      </p:ext>
+    </p:extLst>
+  </p:cSld>
+  <p:clrMapOvr>
+    <a:masterClrMapping/>
+  </p:clrMapOvr>
+</p:sld>
+</file>
+
+<file path=ppt/slides/slide60.xml><?xml version="1.0" encoding="utf-8"?>
+<p:sld xmlns:a="http://schemas.openxmlformats.org/drawingml/2006/main" xmlns:r="http://schemas.openxmlformats.org/officeDocument/2006/relationships" xmlns:p="http://schemas.openxmlformats.org/presentationml/2006/main">
+  <p:cSld>
+    <p:spTree>
+      <p:nvGrpSpPr>
+        <p:cNvPr id="1" name=""/>
+        <p:cNvGrpSpPr/>
+        <p:nvPr/>
+      </p:nvGrpSpPr>
+      <p:grpSpPr>
+        <a:xfrm>
+          <a:off x="0" y="0"/>
+          <a:ext cx="0" cy="0"/>
+          <a:chOff x="0" y="0"/>
+          <a:chExt cx="0" cy="0"/>
+        </a:xfrm>
+      </p:grpSpPr>
+      <p:sp>
+        <p:nvSpPr>
+          <p:cNvPr id="9" name="TextBox 8">
+            <a:extLst>
+              <a:ext uri="{FF2B5EF4-FFF2-40B4-BE49-F238E27FC236}">
+                <a16:creationId xmlns:a16="http://schemas.microsoft.com/office/drawing/2014/main" id="{6C515703-5C88-4061-A5DA-65A493F454D4}"/>
+              </a:ext>
+            </a:extLst>
+          </p:cNvPr>
+          <p:cNvSpPr txBox="1"/>
+          <p:nvPr/>
+        </p:nvSpPr>
+        <p:spPr>
+          <a:xfrm>
+            <a:off x="187569" y="150392"/>
+            <a:ext cx="2031325" cy="646331"/>
+          </a:xfrm>
+          <a:prstGeom prst="rect">
+            <a:avLst/>
+          </a:prstGeom>
+          <a:noFill/>
+        </p:spPr>
+        <p:txBody>
+          <a:bodyPr wrap="none" rtlCol="0">
+            <a:spAutoFit/>
+          </a:bodyPr>
+          <a:lstStyle/>
+          <a:p>
+            <a:r>
+              <a:rPr lang="ko-KR" altLang="en-US" dirty="0"/>
+              <a:t>프로필화면</a:t>
+            </a:r>
+            <a:endParaRPr lang="en-US" altLang="ko-KR" dirty="0"/>
+          </a:p>
+          <a:p>
+            <a:r>
+              <a:rPr lang="ko-KR" altLang="en-US" dirty="0"/>
+              <a:t>제작방법 및 결과</a:t>
+            </a:r>
+            <a:endParaRPr lang="en-US" altLang="ko-KR" dirty="0"/>
+          </a:p>
+        </p:txBody>
+      </p:sp>
+      <p:pic>
+        <p:nvPicPr>
+          <p:cNvPr id="5" name="그림 4">
+            <a:extLst>
+              <a:ext uri="{FF2B5EF4-FFF2-40B4-BE49-F238E27FC236}">
+                <a16:creationId xmlns:a16="http://schemas.microsoft.com/office/drawing/2014/main" id="{E1397321-1AF4-4FFE-928E-AEF4962EBDFB}"/>
+              </a:ext>
+            </a:extLst>
+          </p:cNvPr>
+          <p:cNvPicPr>
+            <a:picLocks noChangeAspect="1"/>
+          </p:cNvPicPr>
+          <p:nvPr/>
+        </p:nvPicPr>
+        <p:blipFill>
+          <a:blip r:embed="rId2"/>
+          <a:stretch>
+            <a:fillRect/>
+          </a:stretch>
+        </p:blipFill>
+        <p:spPr>
+          <a:xfrm>
+            <a:off x="396976" y="1657350"/>
+            <a:ext cx="2530040" cy="4184650"/>
+          </a:xfrm>
+          <a:prstGeom prst="rect">
+            <a:avLst/>
+          </a:prstGeom>
+        </p:spPr>
+      </p:pic>
+      <p:sp>
+        <p:nvSpPr>
+          <p:cNvPr id="8" name="TextBox 7">
+            <a:extLst>
+              <a:ext uri="{FF2B5EF4-FFF2-40B4-BE49-F238E27FC236}">
+                <a16:creationId xmlns:a16="http://schemas.microsoft.com/office/drawing/2014/main" id="{89CF7826-8675-45AD-92B5-35AA2E10A836}"/>
+              </a:ext>
+            </a:extLst>
+          </p:cNvPr>
+          <p:cNvSpPr txBox="1"/>
+          <p:nvPr/>
+        </p:nvSpPr>
+        <p:spPr>
+          <a:xfrm>
+            <a:off x="3687314" y="2813148"/>
+            <a:ext cx="2651688" cy="738664"/>
+          </a:xfrm>
+          <a:prstGeom prst="rect">
+            <a:avLst/>
+          </a:prstGeom>
+          <a:noFill/>
+        </p:spPr>
+        <p:txBody>
+          <a:bodyPr wrap="none" rtlCol="0">
+            <a:spAutoFit/>
+          </a:bodyPr>
+          <a:lstStyle/>
+          <a:p>
+            <a:r>
+              <a:rPr lang="ko-KR" altLang="en-US" sz="1400" dirty="0"/>
+              <a:t>프로필 사진을 터치하면</a:t>
+            </a:r>
+            <a:endParaRPr lang="en-US" altLang="ko-KR" sz="1400" dirty="0"/>
+          </a:p>
+          <a:p>
+            <a:r>
+              <a:rPr lang="ko-KR" altLang="en-US" sz="1400" dirty="0"/>
+              <a:t>프로필 사진을 변경할 수 있는 </a:t>
+            </a:r>
+            <a:endParaRPr lang="en-US" altLang="ko-KR" sz="1400" dirty="0"/>
+          </a:p>
+          <a:p>
+            <a:r>
+              <a:rPr lang="ko-KR" altLang="en-US" sz="1400" dirty="0"/>
+              <a:t>창으로</a:t>
+            </a:r>
+            <a:r>
+              <a:rPr lang="en-US" altLang="ko-KR" sz="1400" dirty="0"/>
+              <a:t> </a:t>
+            </a:r>
+            <a:r>
+              <a:rPr lang="ko-KR" altLang="en-US" sz="1400" dirty="0"/>
+              <a:t>이동합니다</a:t>
+            </a:r>
+            <a:r>
+              <a:rPr lang="en-US" altLang="ko-KR" sz="1400" dirty="0"/>
+              <a:t>.</a:t>
+            </a:r>
+          </a:p>
+        </p:txBody>
+      </p:sp>
+      <p:grpSp>
+        <p:nvGrpSpPr>
+          <p:cNvPr id="18" name="그룹 17">
+            <a:extLst>
+              <a:ext uri="{FF2B5EF4-FFF2-40B4-BE49-F238E27FC236}">
+                <a16:creationId xmlns:a16="http://schemas.microsoft.com/office/drawing/2014/main" id="{CB8647D0-2E23-451D-860A-A32CA06060D6}"/>
+              </a:ext>
+            </a:extLst>
+          </p:cNvPr>
+          <p:cNvGrpSpPr/>
+          <p:nvPr/>
+        </p:nvGrpSpPr>
+        <p:grpSpPr>
+          <a:xfrm>
+            <a:off x="7191374" y="1701800"/>
+            <a:ext cx="3712079" cy="371329"/>
+            <a:chOff x="3327400" y="2581624"/>
+            <a:chExt cx="3712079" cy="371329"/>
+          </a:xfrm>
+        </p:grpSpPr>
+        <p:pic>
+          <p:nvPicPr>
+            <p:cNvPr id="15" name="그림 14">
+              <a:extLst>
+                <a:ext uri="{FF2B5EF4-FFF2-40B4-BE49-F238E27FC236}">
+                  <a16:creationId xmlns:a16="http://schemas.microsoft.com/office/drawing/2014/main" id="{F646C062-5672-448C-BB22-A6C23B343E50}"/>
+                </a:ext>
+              </a:extLst>
+            </p:cNvPr>
+            <p:cNvPicPr>
+              <a:picLocks noChangeAspect="1"/>
+            </p:cNvPicPr>
+            <p:nvPr/>
+          </p:nvPicPr>
+          <p:blipFill>
+            <a:blip r:embed="rId3"/>
+            <a:stretch>
+              <a:fillRect/>
+            </a:stretch>
+          </p:blipFill>
+          <p:spPr>
+            <a:xfrm>
+              <a:off x="3333750" y="2581624"/>
+              <a:ext cx="3705729" cy="231307"/>
+            </a:xfrm>
+            <a:prstGeom prst="rect">
+              <a:avLst/>
+            </a:prstGeom>
+          </p:spPr>
+        </p:pic>
+        <p:pic>
+          <p:nvPicPr>
+            <p:cNvPr id="17" name="그림 16">
+              <a:extLst>
+                <a:ext uri="{FF2B5EF4-FFF2-40B4-BE49-F238E27FC236}">
+                  <a16:creationId xmlns:a16="http://schemas.microsoft.com/office/drawing/2014/main" id="{6B338257-C050-499F-B783-BA4C37856430}"/>
+                </a:ext>
+              </a:extLst>
+            </p:cNvPr>
+            <p:cNvPicPr>
+              <a:picLocks noChangeAspect="1"/>
+            </p:cNvPicPr>
+            <p:nvPr/>
+          </p:nvPicPr>
+          <p:blipFill>
+            <a:blip r:embed="rId4"/>
+            <a:stretch>
+              <a:fillRect/>
+            </a:stretch>
+          </p:blipFill>
+          <p:spPr>
+            <a:xfrm>
+              <a:off x="3327400" y="2813205"/>
+              <a:ext cx="3247934" cy="139748"/>
+            </a:xfrm>
+            <a:prstGeom prst="rect">
+              <a:avLst/>
+            </a:prstGeom>
+          </p:spPr>
+        </p:pic>
+      </p:grpSp>
+      <p:sp>
+        <p:nvSpPr>
+          <p:cNvPr id="19" name="TextBox 18">
+            <a:extLst>
+              <a:ext uri="{FF2B5EF4-FFF2-40B4-BE49-F238E27FC236}">
+                <a16:creationId xmlns:a16="http://schemas.microsoft.com/office/drawing/2014/main" id="{20132400-BCFA-4710-86B3-8353A6D50D3C}"/>
+              </a:ext>
+            </a:extLst>
+          </p:cNvPr>
+          <p:cNvSpPr txBox="1"/>
+          <p:nvPr/>
+        </p:nvSpPr>
+        <p:spPr>
+          <a:xfrm>
+            <a:off x="7099300" y="2213152"/>
+            <a:ext cx="3666388" cy="738664"/>
+          </a:xfrm>
+          <a:prstGeom prst="rect">
+            <a:avLst/>
+          </a:prstGeom>
+          <a:noFill/>
+        </p:spPr>
+        <p:txBody>
+          <a:bodyPr wrap="none" rtlCol="0">
+            <a:spAutoFit/>
+          </a:bodyPr>
+          <a:lstStyle/>
+          <a:p>
+            <a:r>
+              <a:rPr lang="ko-KR" altLang="en-US" sz="1400" dirty="0"/>
+              <a:t>사용자의 휴대폰에서 사진을 선택하기 위해</a:t>
+            </a:r>
+            <a:endParaRPr lang="en-US" altLang="ko-KR" sz="1400" dirty="0"/>
+          </a:p>
+          <a:p>
+            <a:r>
+              <a:rPr lang="ko-KR" altLang="en-US" sz="1400" dirty="0"/>
+              <a:t>각종 접근 권한이 필요하다고</a:t>
+            </a:r>
+            <a:endParaRPr lang="en-US" altLang="ko-KR" sz="1400" dirty="0"/>
+          </a:p>
+          <a:p>
+            <a:r>
+              <a:rPr lang="ko-KR" altLang="en-US" sz="1400" dirty="0"/>
+              <a:t> </a:t>
+            </a:r>
+            <a:r>
+              <a:rPr lang="en-US" altLang="ko-KR" sz="1400" dirty="0"/>
+              <a:t>AndroidManifest.xml</a:t>
+            </a:r>
+            <a:r>
+              <a:rPr lang="ko-KR" altLang="en-US" sz="1400" dirty="0"/>
+              <a:t>에 기재합니다</a:t>
+            </a:r>
+            <a:r>
+              <a:rPr lang="en-US" altLang="ko-KR" sz="1400" dirty="0"/>
+              <a:t>.</a:t>
+            </a:r>
+            <a:endParaRPr lang="ko-KR" altLang="en-US" sz="1400" dirty="0"/>
+          </a:p>
+        </p:txBody>
+      </p:sp>
+      <p:pic>
+        <p:nvPicPr>
+          <p:cNvPr id="21" name="그림 20">
+            <a:extLst>
+              <a:ext uri="{FF2B5EF4-FFF2-40B4-BE49-F238E27FC236}">
+                <a16:creationId xmlns:a16="http://schemas.microsoft.com/office/drawing/2014/main" id="{51540E03-171E-4607-A0D2-0E043671F3F9}"/>
+              </a:ext>
+            </a:extLst>
+          </p:cNvPr>
+          <p:cNvPicPr>
+            <a:picLocks noChangeAspect="1"/>
+          </p:cNvPicPr>
+          <p:nvPr/>
+        </p:nvPicPr>
+        <p:blipFill rotWithShape="1">
+          <a:blip r:embed="rId5"/>
+          <a:srcRect r="37019" b="6540"/>
+          <a:stretch/>
+        </p:blipFill>
+        <p:spPr>
+          <a:xfrm>
+            <a:off x="3111476" y="1657350"/>
+            <a:ext cx="3615753" cy="1035661"/>
+          </a:xfrm>
+          <a:prstGeom prst="rect">
+            <a:avLst/>
+          </a:prstGeom>
+        </p:spPr>
+      </p:pic>
+      <p:pic>
+        <p:nvPicPr>
+          <p:cNvPr id="23" name="그림 22">
+            <a:extLst>
+              <a:ext uri="{FF2B5EF4-FFF2-40B4-BE49-F238E27FC236}">
+                <a16:creationId xmlns:a16="http://schemas.microsoft.com/office/drawing/2014/main" id="{F59134CD-4AB3-443C-8B22-20CDEE5D3586}"/>
+              </a:ext>
+            </a:extLst>
+          </p:cNvPr>
+          <p:cNvPicPr>
+            <a:picLocks noChangeAspect="1"/>
+          </p:cNvPicPr>
+          <p:nvPr/>
+        </p:nvPicPr>
+        <p:blipFill>
+          <a:blip r:embed="rId6"/>
+          <a:stretch>
+            <a:fillRect/>
+          </a:stretch>
+        </p:blipFill>
+        <p:spPr>
+          <a:xfrm>
+            <a:off x="3406255" y="4029418"/>
+            <a:ext cx="4239145" cy="1902737"/>
+          </a:xfrm>
+          <a:prstGeom prst="rect">
+            <a:avLst/>
+          </a:prstGeom>
+        </p:spPr>
+      </p:pic>
+      <p:sp>
+        <p:nvSpPr>
+          <p:cNvPr id="24" name="TextBox 23">
+            <a:extLst>
+              <a:ext uri="{FF2B5EF4-FFF2-40B4-BE49-F238E27FC236}">
+                <a16:creationId xmlns:a16="http://schemas.microsoft.com/office/drawing/2014/main" id="{32B689A3-5E74-4661-831D-3770AA0F8928}"/>
+              </a:ext>
+            </a:extLst>
+          </p:cNvPr>
+          <p:cNvSpPr txBox="1"/>
+          <p:nvPr/>
+        </p:nvSpPr>
+        <p:spPr>
+          <a:xfrm>
+            <a:off x="7899326" y="4657620"/>
+            <a:ext cx="3379451" cy="923330"/>
+          </a:xfrm>
+          <a:prstGeom prst="rect">
+            <a:avLst/>
+          </a:prstGeom>
+          <a:noFill/>
+        </p:spPr>
+        <p:txBody>
+          <a:bodyPr wrap="none" rtlCol="0">
+            <a:spAutoFit/>
+          </a:bodyPr>
+          <a:lstStyle/>
+          <a:p>
+            <a:r>
+              <a:rPr lang="ko-KR" altLang="en-US" dirty="0"/>
+              <a:t>사진을 선택하면 </a:t>
+            </a:r>
+            <a:r>
+              <a:rPr lang="en-US" altLang="ko-KR" dirty="0" err="1"/>
+              <a:t>uid</a:t>
+            </a:r>
+            <a:r>
+              <a:rPr lang="ko-KR" altLang="en-US" dirty="0"/>
+              <a:t>가 포함된 </a:t>
+            </a:r>
+            <a:endParaRPr lang="en-US" altLang="ko-KR" dirty="0"/>
+          </a:p>
+          <a:p>
+            <a:r>
+              <a:rPr lang="en-US" altLang="ko-KR" dirty="0"/>
+              <a:t>Firebase Storage </a:t>
+            </a:r>
+            <a:r>
+              <a:rPr lang="ko-KR" altLang="en-US" dirty="0"/>
+              <a:t>경로에</a:t>
+            </a:r>
+            <a:endParaRPr lang="en-US" altLang="ko-KR" dirty="0"/>
+          </a:p>
+          <a:p>
+            <a:r>
+              <a:rPr lang="ko-KR" altLang="en-US" dirty="0"/>
+              <a:t>프로필 사진을 업로드합니다</a:t>
+            </a:r>
+            <a:r>
+              <a:rPr lang="en-US" altLang="ko-KR" dirty="0"/>
+              <a:t>.</a:t>
+            </a:r>
+            <a:endParaRPr lang="ko-KR" altLang="en-US" dirty="0"/>
+          </a:p>
+        </p:txBody>
+      </p:sp>
+    </p:spTree>
+    <p:extLst>
+      <p:ext uri="{BB962C8B-B14F-4D97-AF65-F5344CB8AC3E}">
+        <p14:creationId xmlns:p14="http://schemas.microsoft.com/office/powerpoint/2010/main" val="2112565311"/>
+      </p:ext>
+    </p:extLst>
+  </p:cSld>
+  <p:clrMapOvr>
+    <a:masterClrMapping/>
+  </p:clrMapOvr>
+</p:sld>
+</file>
+
+<file path=ppt/slides/slide61.xml><?xml version="1.0" encoding="utf-8"?>
+<p:sld xmlns:a="http://schemas.openxmlformats.org/drawingml/2006/main" xmlns:r="http://schemas.openxmlformats.org/officeDocument/2006/relationships" xmlns:p="http://schemas.openxmlformats.org/presentationml/2006/main">
+  <p:cSld>
+    <p:spTree>
+      <p:nvGrpSpPr>
+        <p:cNvPr id="1" name=""/>
+        <p:cNvGrpSpPr/>
+        <p:nvPr/>
+      </p:nvGrpSpPr>
+      <p:grpSpPr>
+        <a:xfrm>
+          <a:off x="0" y="0"/>
+          <a:ext cx="0" cy="0"/>
+          <a:chOff x="0" y="0"/>
+          <a:chExt cx="0" cy="0"/>
+        </a:xfrm>
+      </p:grpSpPr>
+      <p:sp>
+        <p:nvSpPr>
+          <p:cNvPr id="9" name="TextBox 8">
+            <a:extLst>
+              <a:ext uri="{FF2B5EF4-FFF2-40B4-BE49-F238E27FC236}">
+                <a16:creationId xmlns:a16="http://schemas.microsoft.com/office/drawing/2014/main" id="{6C515703-5C88-4061-A5DA-65A493F454D4}"/>
+              </a:ext>
+            </a:extLst>
+          </p:cNvPr>
+          <p:cNvSpPr txBox="1"/>
+          <p:nvPr/>
+        </p:nvSpPr>
+        <p:spPr>
+          <a:xfrm>
+            <a:off x="187569" y="150392"/>
+            <a:ext cx="1963999" cy="646331"/>
+          </a:xfrm>
+          <a:prstGeom prst="rect">
+            <a:avLst/>
+          </a:prstGeom>
+          <a:noFill/>
+        </p:spPr>
+        <p:txBody>
+          <a:bodyPr wrap="none" rtlCol="0">
+            <a:spAutoFit/>
+          </a:bodyPr>
+          <a:lstStyle/>
+          <a:p>
+            <a:r>
+              <a:rPr lang="ko-KR" altLang="en-US" dirty="0"/>
+              <a:t>프로필화면</a:t>
+            </a:r>
+            <a:endParaRPr lang="en-US" altLang="ko-KR" dirty="0"/>
+          </a:p>
+          <a:p>
+            <a:r>
+              <a:rPr lang="ko-KR" altLang="en-US" dirty="0"/>
+              <a:t>제작에 따른 결론</a:t>
+            </a:r>
+            <a:endParaRPr lang="en-US" altLang="ko-KR" dirty="0"/>
+          </a:p>
+        </p:txBody>
+      </p:sp>
+      <p:sp>
+        <p:nvSpPr>
+          <p:cNvPr id="2" name="TextBox 1">
+            <a:extLst>
+              <a:ext uri="{FF2B5EF4-FFF2-40B4-BE49-F238E27FC236}">
+                <a16:creationId xmlns:a16="http://schemas.microsoft.com/office/drawing/2014/main" id="{9D7BF817-DA2A-4CC5-8F51-933ACDD4745D}"/>
+              </a:ext>
+            </a:extLst>
+          </p:cNvPr>
+          <p:cNvSpPr txBox="1"/>
+          <p:nvPr/>
+        </p:nvSpPr>
+        <p:spPr>
+          <a:xfrm>
+            <a:off x="1588860" y="1643821"/>
+            <a:ext cx="5723042" cy="646331"/>
+          </a:xfrm>
+          <a:prstGeom prst="rect">
+            <a:avLst/>
+          </a:prstGeom>
+          <a:noFill/>
+        </p:spPr>
+        <p:txBody>
+          <a:bodyPr wrap="none" rtlCol="0">
+            <a:spAutoFit/>
+          </a:bodyPr>
+          <a:lstStyle/>
+          <a:p>
+            <a:r>
+              <a:rPr lang="ko-KR" altLang="en-US" b="1" dirty="0"/>
+              <a:t>문제점 </a:t>
+            </a:r>
+            <a:r>
+              <a:rPr lang="en-US" altLang="ko-KR" b="1" dirty="0"/>
+              <a:t>1</a:t>
+            </a:r>
+            <a:r>
+              <a:rPr lang="ko-KR" altLang="en-US" b="1" dirty="0"/>
+              <a:t> </a:t>
+            </a:r>
+            <a:r>
+              <a:rPr lang="en-US" altLang="ko-KR" b="1" dirty="0"/>
+              <a:t>:</a:t>
+            </a:r>
+          </a:p>
+          <a:p>
+            <a:r>
+              <a:rPr lang="ko-KR" altLang="en-US" dirty="0"/>
+              <a:t>즐겨찾기</a:t>
+            </a:r>
+            <a:r>
+              <a:rPr lang="en-US" altLang="ko-KR" dirty="0"/>
+              <a:t>, </a:t>
+            </a:r>
+            <a:r>
+              <a:rPr lang="ko-KR" altLang="en-US" dirty="0"/>
+              <a:t>커뮤니티 활동 내역이 구현되지 않았습니다</a:t>
+            </a:r>
+            <a:r>
+              <a:rPr lang="en-US" altLang="ko-KR" dirty="0"/>
+              <a:t>.</a:t>
+            </a:r>
+          </a:p>
+        </p:txBody>
+      </p:sp>
+      <p:sp>
+        <p:nvSpPr>
+          <p:cNvPr id="12" name="TextBox 11">
+            <a:extLst>
+              <a:ext uri="{FF2B5EF4-FFF2-40B4-BE49-F238E27FC236}">
+                <a16:creationId xmlns:a16="http://schemas.microsoft.com/office/drawing/2014/main" id="{C8CCEDA0-FFEE-4625-93D2-E19767DC7A42}"/>
+              </a:ext>
+            </a:extLst>
+          </p:cNvPr>
+          <p:cNvSpPr txBox="1"/>
+          <p:nvPr/>
+        </p:nvSpPr>
+        <p:spPr>
+          <a:xfrm>
+            <a:off x="1588860" y="2394544"/>
+            <a:ext cx="5291833" cy="646331"/>
+          </a:xfrm>
+          <a:prstGeom prst="rect">
+            <a:avLst/>
+          </a:prstGeom>
+          <a:noFill/>
+        </p:spPr>
+        <p:txBody>
+          <a:bodyPr wrap="none" rtlCol="0">
+            <a:spAutoFit/>
+          </a:bodyPr>
+          <a:lstStyle/>
+          <a:p>
+            <a:r>
+              <a:rPr lang="ko-KR" altLang="en-US" b="1" dirty="0"/>
+              <a:t>문제점 </a:t>
+            </a:r>
+            <a:r>
+              <a:rPr lang="en-US" altLang="ko-KR" b="1" dirty="0"/>
+              <a:t>2</a:t>
+            </a:r>
+            <a:r>
+              <a:rPr lang="ko-KR" altLang="en-US" b="1" dirty="0"/>
+              <a:t> </a:t>
+            </a:r>
+            <a:r>
+              <a:rPr lang="en-US" altLang="ko-KR" b="1" dirty="0"/>
+              <a:t>:</a:t>
+            </a:r>
+          </a:p>
+          <a:p>
+            <a:r>
+              <a:rPr lang="ko-KR" altLang="en-US" dirty="0"/>
+              <a:t>로그아웃 버튼 및 화면 디자인 수정이 필요합니다</a:t>
+            </a:r>
+            <a:r>
+              <a:rPr lang="en-US" altLang="ko-KR" dirty="0"/>
+              <a:t>.</a:t>
+            </a:r>
+          </a:p>
+        </p:txBody>
+      </p:sp>
+      <p:sp>
+        <p:nvSpPr>
+          <p:cNvPr id="16" name="TextBox 15">
+            <a:extLst>
+              <a:ext uri="{FF2B5EF4-FFF2-40B4-BE49-F238E27FC236}">
+                <a16:creationId xmlns:a16="http://schemas.microsoft.com/office/drawing/2014/main" id="{39904C92-950E-4497-8D90-E0F07F7CC103}"/>
+              </a:ext>
+            </a:extLst>
+          </p:cNvPr>
+          <p:cNvSpPr txBox="1"/>
+          <p:nvPr/>
+        </p:nvSpPr>
+        <p:spPr>
+          <a:xfrm>
+            <a:off x="1588860" y="3633466"/>
+            <a:ext cx="6399509" cy="1477328"/>
+          </a:xfrm>
+          <a:prstGeom prst="rect">
+            <a:avLst/>
+          </a:prstGeom>
+          <a:noFill/>
+        </p:spPr>
+        <p:txBody>
+          <a:bodyPr wrap="none" rtlCol="0">
+            <a:spAutoFit/>
+          </a:bodyPr>
+          <a:lstStyle/>
+          <a:p>
+            <a:r>
+              <a:rPr lang="ko-KR" altLang="en-US" b="1" dirty="0"/>
+              <a:t>개선점 </a:t>
+            </a:r>
+            <a:r>
+              <a:rPr lang="en-US" altLang="ko-KR" b="1" dirty="0"/>
+              <a:t>1</a:t>
+            </a:r>
+            <a:r>
+              <a:rPr lang="ko-KR" altLang="en-US" b="1" dirty="0"/>
+              <a:t> </a:t>
+            </a:r>
+            <a:r>
+              <a:rPr lang="en-US" altLang="ko-KR" b="1" dirty="0"/>
+              <a:t>:</a:t>
+            </a:r>
+          </a:p>
+          <a:p>
+            <a:r>
+              <a:rPr lang="ko-KR" altLang="en-US" dirty="0"/>
+              <a:t>이메일</a:t>
+            </a:r>
+            <a:r>
+              <a:rPr lang="en-US" altLang="ko-KR" dirty="0"/>
+              <a:t>, </a:t>
+            </a:r>
+            <a:r>
+              <a:rPr lang="ko-KR" altLang="en-US" dirty="0"/>
+              <a:t>비밀번호 변경</a:t>
+            </a:r>
+            <a:r>
+              <a:rPr lang="en-US" altLang="ko-KR" dirty="0"/>
+              <a:t>, </a:t>
+            </a:r>
+            <a:r>
+              <a:rPr lang="ko-KR" altLang="en-US" dirty="0"/>
+              <a:t>회원탈퇴</a:t>
+            </a:r>
+            <a:r>
+              <a:rPr lang="en-US" altLang="ko-KR" dirty="0"/>
+              <a:t> </a:t>
+            </a:r>
+            <a:r>
+              <a:rPr lang="ko-KR" altLang="en-US" dirty="0"/>
+              <a:t>기능이 추가될 수 있습니다</a:t>
+            </a:r>
+            <a:endParaRPr lang="en-US" altLang="ko-KR" dirty="0"/>
+          </a:p>
+          <a:p>
+            <a:endParaRPr lang="en-US" altLang="ko-KR" dirty="0"/>
+          </a:p>
+          <a:p>
+            <a:r>
+              <a:rPr lang="ko-KR" altLang="en-US" b="1" dirty="0"/>
+              <a:t>개선점 </a:t>
+            </a:r>
+            <a:r>
+              <a:rPr lang="en-US" altLang="ko-KR" b="1" dirty="0"/>
+              <a:t>2 :</a:t>
+            </a:r>
+          </a:p>
+          <a:p>
+            <a:r>
+              <a:rPr lang="ko-KR" altLang="en-US" dirty="0"/>
+              <a:t>각종 앱 환경설정 메뉴를 추가할 수 있습니다</a:t>
+            </a:r>
+            <a:r>
+              <a:rPr lang="en-US" altLang="ko-KR" dirty="0"/>
+              <a:t>.</a:t>
+            </a:r>
+          </a:p>
+        </p:txBody>
+      </p:sp>
+      <p:sp>
+        <p:nvSpPr>
+          <p:cNvPr id="4" name="TextBox 3">
+            <a:extLst>
+              <a:ext uri="{FF2B5EF4-FFF2-40B4-BE49-F238E27FC236}">
+                <a16:creationId xmlns:a16="http://schemas.microsoft.com/office/drawing/2014/main" id="{C0AD2A75-B498-4BA2-951E-1D077BE20242}"/>
+              </a:ext>
+            </a:extLst>
+          </p:cNvPr>
+          <p:cNvSpPr txBox="1"/>
+          <p:nvPr/>
+        </p:nvSpPr>
+        <p:spPr>
+          <a:xfrm>
+            <a:off x="1588860" y="5591907"/>
+            <a:ext cx="8686993" cy="646331"/>
+          </a:xfrm>
+          <a:prstGeom prst="rect">
+            <a:avLst/>
+          </a:prstGeom>
+          <a:noFill/>
+        </p:spPr>
+        <p:txBody>
+          <a:bodyPr wrap="none" rtlCol="0">
+            <a:spAutoFit/>
+          </a:bodyPr>
+          <a:lstStyle/>
+          <a:p>
+            <a:r>
+              <a:rPr lang="ko-KR" altLang="en-US" b="1" dirty="0"/>
+              <a:t>총 정리 </a:t>
+            </a:r>
+            <a:r>
+              <a:rPr lang="en-US" altLang="ko-KR" b="1" dirty="0"/>
+              <a:t>: </a:t>
+            </a:r>
+            <a:r>
+              <a:rPr lang="ko-KR" altLang="en-US" dirty="0"/>
+              <a:t>디자인 개선 및 즐겨찾기</a:t>
+            </a:r>
+            <a:r>
+              <a:rPr lang="en-US" altLang="ko-KR" dirty="0"/>
+              <a:t>, </a:t>
+            </a:r>
+            <a:r>
+              <a:rPr lang="ko-KR" altLang="en-US" dirty="0"/>
+              <a:t>커뮤니티 활동 내역 구현이 필요함</a:t>
+            </a:r>
+            <a:endParaRPr lang="en-US" altLang="ko-KR" dirty="0"/>
+          </a:p>
+          <a:p>
+            <a:r>
+              <a:rPr lang="ko-KR" altLang="en-US" dirty="0"/>
+              <a:t>개선사항으로 회원정보변경 기능을 추가하고 각종 환경설정 메뉴를 추가할 수 있음</a:t>
+            </a:r>
+            <a:endParaRPr lang="en-US" altLang="ko-KR" dirty="0"/>
+          </a:p>
+        </p:txBody>
+      </p:sp>
+      <p:sp>
+        <p:nvSpPr>
+          <p:cNvPr id="19" name="TextBox 18">
+            <a:extLst>
+              <a:ext uri="{FF2B5EF4-FFF2-40B4-BE49-F238E27FC236}">
+                <a16:creationId xmlns:a16="http://schemas.microsoft.com/office/drawing/2014/main" id="{27F10007-C4F1-48DA-BFE6-6BA45F3F5635}"/>
+              </a:ext>
+            </a:extLst>
+          </p:cNvPr>
+          <p:cNvSpPr txBox="1"/>
+          <p:nvPr/>
+        </p:nvSpPr>
+        <p:spPr>
+          <a:xfrm>
+            <a:off x="2649416" y="222421"/>
+            <a:ext cx="4330032" cy="600164"/>
+          </a:xfrm>
+          <a:prstGeom prst="rect">
+            <a:avLst/>
+          </a:prstGeom>
+          <a:noFill/>
+        </p:spPr>
+        <p:txBody>
+          <a:bodyPr wrap="none" rtlCol="0">
+            <a:spAutoFit/>
+          </a:bodyPr>
+          <a:lstStyle/>
+          <a:p>
+            <a:r>
+              <a:rPr lang="ko-KR" altLang="en-US" sz="1100" dirty="0"/>
+              <a:t>문제점 </a:t>
+            </a:r>
+            <a:r>
+              <a:rPr lang="en-US" altLang="ko-KR" sz="1100" dirty="0"/>
+              <a:t>: </a:t>
+            </a:r>
+            <a:r>
+              <a:rPr lang="ko-KR" altLang="en-US" sz="1100" dirty="0"/>
+              <a:t>아직 설계한대로 다 구현하지 못한 부분이나 미흡한 부분</a:t>
+            </a:r>
+            <a:endParaRPr lang="en-US" altLang="ko-KR" sz="1100" dirty="0"/>
+          </a:p>
+          <a:p>
+            <a:endParaRPr lang="en-US" altLang="ko-KR" sz="1100" dirty="0"/>
+          </a:p>
+          <a:p>
+            <a:r>
+              <a:rPr lang="ko-KR" altLang="en-US" sz="1100" dirty="0"/>
+              <a:t>개선점 </a:t>
+            </a:r>
+            <a:r>
+              <a:rPr lang="en-US" altLang="ko-KR" sz="1100" dirty="0"/>
+              <a:t>: </a:t>
+            </a:r>
+            <a:r>
+              <a:rPr lang="ko-KR" altLang="en-US" sz="1100" dirty="0"/>
+              <a:t>추가적으로 구현하면 좋을 만한 사안</a:t>
+            </a:r>
+            <a:endParaRPr lang="en-US" altLang="ko-KR" sz="1100" dirty="0"/>
+          </a:p>
+        </p:txBody>
+      </p:sp>
+    </p:spTree>
+    <p:extLst>
+      <p:ext uri="{BB962C8B-B14F-4D97-AF65-F5344CB8AC3E}">
+        <p14:creationId xmlns:p14="http://schemas.microsoft.com/office/powerpoint/2010/main" val="261738977"/>
+      </p:ext>
+    </p:extLst>
+  </p:cSld>
+  <p:clrMapOvr>
+    <a:masterClrMapping/>
+  </p:clrMapOvr>
+</p:sld>
+</file>
+
+<file path=ppt/slides/slide62.xml><?xml version="1.0" encoding="utf-8"?>
+<p:sld xmlns:a="http://schemas.openxmlformats.org/drawingml/2006/main" xmlns:r="http://schemas.openxmlformats.org/officeDocument/2006/relationships" xmlns:p="http://schemas.openxmlformats.org/presentationml/2006/main">
+  <p:cSld>
+    <p:spTree>
+      <p:nvGrpSpPr>
+        <p:cNvPr id="1" name=""/>
+        <p:cNvGrpSpPr/>
+        <p:nvPr/>
+      </p:nvGrpSpPr>
+      <p:grpSpPr>
+        <a:xfrm>
+          <a:off x="0" y="0"/>
+          <a:ext cx="0" cy="0"/>
+          <a:chOff x="0" y="0"/>
+          <a:chExt cx="0" cy="0"/>
+        </a:xfrm>
+      </p:grpSpPr>
+      <p:sp>
+        <p:nvSpPr>
+          <p:cNvPr id="9" name="TextBox 8">
+            <a:extLst>
+              <a:ext uri="{FF2B5EF4-FFF2-40B4-BE49-F238E27FC236}">
+                <a16:creationId xmlns:a16="http://schemas.microsoft.com/office/drawing/2014/main" id="{6C515703-5C88-4061-A5DA-65A493F454D4}"/>
+              </a:ext>
+            </a:extLst>
+          </p:cNvPr>
+          <p:cNvSpPr txBox="1"/>
+          <p:nvPr/>
+        </p:nvSpPr>
+        <p:spPr>
+          <a:xfrm>
+            <a:off x="187569" y="150392"/>
+            <a:ext cx="5373587" cy="646331"/>
+          </a:xfrm>
+          <a:prstGeom prst="rect">
+            <a:avLst/>
+          </a:prstGeom>
+          <a:noFill/>
+        </p:spPr>
+        <p:txBody>
+          <a:bodyPr wrap="none" rtlCol="0">
+            <a:spAutoFit/>
+          </a:bodyPr>
+          <a:lstStyle/>
+          <a:p>
+            <a:r>
+              <a:rPr lang="ko-KR" altLang="en-US" dirty="0"/>
+              <a:t>프로필화면</a:t>
+            </a:r>
+            <a:endParaRPr lang="en-US" altLang="ko-KR" dirty="0"/>
+          </a:p>
+          <a:p>
+            <a:r>
+              <a:rPr lang="ko-KR" altLang="en-US" dirty="0"/>
+              <a:t>결과 분석에 따른 설계 변경사항 및 구현계획 기술</a:t>
+            </a:r>
+            <a:endParaRPr lang="en-US" altLang="ko-KR" dirty="0"/>
+          </a:p>
+        </p:txBody>
+      </p:sp>
+      <p:pic>
+        <p:nvPicPr>
+          <p:cNvPr id="11" name="그림 10">
+            <a:extLst>
+              <a:ext uri="{FF2B5EF4-FFF2-40B4-BE49-F238E27FC236}">
+                <a16:creationId xmlns:a16="http://schemas.microsoft.com/office/drawing/2014/main" id="{606BB557-B31D-4A0E-B4CE-A7910464D7BB}"/>
+              </a:ext>
+            </a:extLst>
+          </p:cNvPr>
+          <p:cNvPicPr>
+            <a:picLocks noChangeAspect="1"/>
+          </p:cNvPicPr>
+          <p:nvPr/>
+        </p:nvPicPr>
+        <p:blipFill>
+          <a:blip r:embed="rId2"/>
+          <a:stretch>
+            <a:fillRect/>
+          </a:stretch>
+        </p:blipFill>
+        <p:spPr>
+          <a:xfrm>
+            <a:off x="2263722" y="1865425"/>
+            <a:ext cx="6963747" cy="438211"/>
+          </a:xfrm>
+          <a:prstGeom prst="rect">
+            <a:avLst/>
+          </a:prstGeom>
+          <a:ln>
+            <a:solidFill>
+              <a:schemeClr val="tx1"/>
+            </a:solidFill>
+          </a:ln>
+        </p:spPr>
+      </p:pic>
+      <p:sp>
+        <p:nvSpPr>
+          <p:cNvPr id="2" name="TextBox 1">
+            <a:extLst>
+              <a:ext uri="{FF2B5EF4-FFF2-40B4-BE49-F238E27FC236}">
+                <a16:creationId xmlns:a16="http://schemas.microsoft.com/office/drawing/2014/main" id="{84265ACC-BBCF-428A-B79D-992D53EE568E}"/>
+              </a:ext>
+            </a:extLst>
+          </p:cNvPr>
+          <p:cNvSpPr txBox="1"/>
+          <p:nvPr/>
+        </p:nvSpPr>
+        <p:spPr>
+          <a:xfrm>
+            <a:off x="1645637" y="2688545"/>
+            <a:ext cx="8656537" cy="923330"/>
+          </a:xfrm>
+          <a:prstGeom prst="rect">
+            <a:avLst/>
+          </a:prstGeom>
+          <a:noFill/>
+        </p:spPr>
+        <p:txBody>
+          <a:bodyPr wrap="none" rtlCol="0">
+            <a:spAutoFit/>
+          </a:bodyPr>
+          <a:lstStyle/>
+          <a:p>
+            <a:r>
+              <a:rPr lang="ko-KR" altLang="en-US" dirty="0"/>
+              <a:t>커뮤니티 활동 내역을 구현하여야 합니다</a:t>
+            </a:r>
+            <a:r>
+              <a:rPr lang="en-US" altLang="ko-KR" dirty="0"/>
+              <a:t>.</a:t>
+            </a:r>
+          </a:p>
+          <a:p>
+            <a:endParaRPr lang="en-US" altLang="ko-KR" dirty="0"/>
+          </a:p>
+          <a:p>
+            <a:r>
+              <a:rPr lang="ko-KR" altLang="en-US" dirty="0"/>
+              <a:t>즐겨찾기 기능이 </a:t>
+            </a:r>
+            <a:r>
+              <a:rPr lang="ko-KR" altLang="en-US" dirty="0" err="1"/>
+              <a:t>추가되는대로</a:t>
+            </a:r>
+            <a:r>
+              <a:rPr lang="ko-KR" altLang="en-US" dirty="0"/>
+              <a:t> </a:t>
+            </a:r>
+            <a:r>
+              <a:rPr lang="ko-KR" altLang="en-US" dirty="0" err="1"/>
+              <a:t>즐겨찾기한</a:t>
+            </a:r>
+            <a:r>
+              <a:rPr lang="ko-KR" altLang="en-US" dirty="0"/>
+              <a:t> 레시피 목록을 구현하도록 하겠습니다</a:t>
+            </a:r>
+            <a:r>
+              <a:rPr lang="en-US" altLang="ko-KR" dirty="0"/>
+              <a:t>.</a:t>
+            </a:r>
+          </a:p>
+        </p:txBody>
+      </p:sp>
+      <p:pic>
+        <p:nvPicPr>
+          <p:cNvPr id="4" name="그림 3">
+            <a:extLst>
+              <a:ext uri="{FF2B5EF4-FFF2-40B4-BE49-F238E27FC236}">
+                <a16:creationId xmlns:a16="http://schemas.microsoft.com/office/drawing/2014/main" id="{6A82898E-AEE1-4B89-BBC3-81762F763699}"/>
+              </a:ext>
+            </a:extLst>
+          </p:cNvPr>
+          <p:cNvPicPr>
+            <a:picLocks noChangeAspect="1"/>
+          </p:cNvPicPr>
+          <p:nvPr/>
+        </p:nvPicPr>
+        <p:blipFill>
+          <a:blip r:embed="rId3"/>
+          <a:stretch>
+            <a:fillRect/>
+          </a:stretch>
+        </p:blipFill>
+        <p:spPr>
+          <a:xfrm>
+            <a:off x="3117180" y="4172035"/>
+            <a:ext cx="5144170" cy="1352386"/>
+          </a:xfrm>
+          <a:prstGeom prst="rect">
+            <a:avLst/>
+          </a:prstGeom>
+          <a:ln>
+            <a:solidFill>
+              <a:schemeClr val="tx1"/>
+            </a:solidFill>
+          </a:ln>
+        </p:spPr>
+      </p:pic>
+      <p:sp>
+        <p:nvSpPr>
+          <p:cNvPr id="5" name="TextBox 4">
+            <a:extLst>
+              <a:ext uri="{FF2B5EF4-FFF2-40B4-BE49-F238E27FC236}">
+                <a16:creationId xmlns:a16="http://schemas.microsoft.com/office/drawing/2014/main" id="{B3C11737-CE46-4DEF-8707-5CF450CF4DC6}"/>
+              </a:ext>
+            </a:extLst>
+          </p:cNvPr>
+          <p:cNvSpPr txBox="1"/>
+          <p:nvPr/>
+        </p:nvSpPr>
+        <p:spPr>
+          <a:xfrm>
+            <a:off x="2094370" y="5727700"/>
+            <a:ext cx="7189789" cy="369332"/>
+          </a:xfrm>
+          <a:prstGeom prst="rect">
+            <a:avLst/>
+          </a:prstGeom>
+          <a:noFill/>
+        </p:spPr>
+        <p:txBody>
+          <a:bodyPr wrap="none" rtlCol="0">
+            <a:spAutoFit/>
+          </a:bodyPr>
+          <a:lstStyle/>
+          <a:p>
+            <a:r>
+              <a:rPr lang="ko-KR" altLang="en-US" dirty="0"/>
+              <a:t>회원관련 기능을 추가하고</a:t>
+            </a:r>
+            <a:r>
+              <a:rPr lang="en-US" altLang="ko-KR" dirty="0"/>
+              <a:t>, </a:t>
+            </a:r>
+            <a:r>
+              <a:rPr lang="ko-KR" altLang="en-US" dirty="0"/>
+              <a:t>다양한 환경설정 메뉴를 추가하겠습니다</a:t>
+            </a:r>
+            <a:r>
+              <a:rPr lang="en-US" altLang="ko-KR" dirty="0"/>
+              <a:t>.</a:t>
+            </a:r>
+            <a:endParaRPr lang="ko-KR" altLang="en-US" dirty="0"/>
+          </a:p>
+        </p:txBody>
+      </p:sp>
+    </p:spTree>
+    <p:extLst>
+      <p:ext uri="{BB962C8B-B14F-4D97-AF65-F5344CB8AC3E}">
+        <p14:creationId xmlns:p14="http://schemas.microsoft.com/office/powerpoint/2010/main" val="4180528848"/>
       </p:ext>
     </p:extLst>
   </p:cSld>
